--- a/LearningPPT/GeoMesa+Cassandra.pptx
+++ b/LearningPPT/GeoMesa+Cassandra.pptx
@@ -5,41 +5,42 @@
     <p:sldMasterId id="2147483648" r:id="rId1"/>
   </p:sldMasterIdLst>
   <p:notesMasterIdLst>
-    <p:notesMasterId r:id="rId26"/>
+    <p:notesMasterId r:id="rId4"/>
   </p:notesMasterIdLst>
   <p:handoutMasterIdLst>
-    <p:handoutMasterId r:id="rId27"/>
+    <p:handoutMasterId r:id="rId29"/>
   </p:handoutMasterIdLst>
   <p:sldIdLst>
-    <p:sldId id="256" r:id="rId2"/>
-    <p:sldId id="262" r:id="rId3"/>
-    <p:sldId id="258" r:id="rId4"/>
-    <p:sldId id="11089873" r:id="rId5"/>
-    <p:sldId id="11089874" r:id="rId6"/>
-    <p:sldId id="11089885" r:id="rId7"/>
-    <p:sldId id="11089886" r:id="rId8"/>
-    <p:sldId id="2845" r:id="rId9"/>
-    <p:sldId id="2848" r:id="rId10"/>
-    <p:sldId id="11089878" r:id="rId11"/>
-    <p:sldId id="11089882" r:id="rId12"/>
-    <p:sldId id="11089875" r:id="rId13"/>
-    <p:sldId id="2852" r:id="rId14"/>
-    <p:sldId id="11089848" r:id="rId15"/>
-    <p:sldId id="11089883" r:id="rId16"/>
-    <p:sldId id="11089877" r:id="rId17"/>
-    <p:sldId id="11089879" r:id="rId18"/>
-    <p:sldId id="11089880" r:id="rId19"/>
-    <p:sldId id="11089881" r:id="rId20"/>
-    <p:sldId id="11089884" r:id="rId21"/>
-    <p:sldId id="11089887" r:id="rId22"/>
-    <p:sldId id="2846" r:id="rId23"/>
-    <p:sldId id="2863" r:id="rId24"/>
-    <p:sldId id="261" r:id="rId25"/>
+    <p:sldId id="256" r:id="rId3"/>
+    <p:sldId id="262" r:id="rId5"/>
+    <p:sldId id="11089904" r:id="rId6"/>
+    <p:sldId id="258" r:id="rId7"/>
+    <p:sldId id="11089873" r:id="rId8"/>
+    <p:sldId id="11089874" r:id="rId9"/>
+    <p:sldId id="11089885" r:id="rId10"/>
+    <p:sldId id="11089886" r:id="rId11"/>
+    <p:sldId id="2845" r:id="rId12"/>
+    <p:sldId id="2848" r:id="rId13"/>
+    <p:sldId id="11089878" r:id="rId14"/>
+    <p:sldId id="11089882" r:id="rId15"/>
+    <p:sldId id="11089875" r:id="rId16"/>
+    <p:sldId id="2852" r:id="rId17"/>
+    <p:sldId id="11089848" r:id="rId18"/>
+    <p:sldId id="11089883" r:id="rId19"/>
+    <p:sldId id="11089877" r:id="rId20"/>
+    <p:sldId id="11089879" r:id="rId21"/>
+    <p:sldId id="11089880" r:id="rId22"/>
+    <p:sldId id="11089881" r:id="rId23"/>
+    <p:sldId id="11089884" r:id="rId24"/>
+    <p:sldId id="11089887" r:id="rId25"/>
+    <p:sldId id="2846" r:id="rId26"/>
+    <p:sldId id="2863" r:id="rId27"/>
+    <p:sldId id="261" r:id="rId28"/>
   </p:sldIdLst>
   <p:sldSz cx="12192000" cy="6858000"/>
   <p:notesSz cx="6858000" cy="9144000"/>
   <p:custDataLst>
-    <p:tags r:id="rId28"/>
+    <p:tags r:id="rId33"/>
   </p:custDataLst>
   <p:defaultTextStyle>
     <a:defPPr>
@@ -139,7 +140,7 @@
   <p:extLst>
     <p:ext uri="{EFAFB233-063F-42B5-8137-9DF3F51BA10A}">
       <p15:sldGuideLst xmlns:p15="http://schemas.microsoft.com/office/powerpoint/2012/main">
-        <p15:guide id="1" orient="horz" pos="2159" userDrawn="1">
+        <p15:guide id="1" orient="horz" pos="2160" userDrawn="1">
           <p15:clr>
             <a:srgbClr val="A4A3A4"/>
           </p15:clr>
@@ -154,7 +155,7 @@
             <a:srgbClr val="A4A3A4"/>
           </p15:clr>
         </p15:guide>
-        <p15:guide id="4" pos="6834" userDrawn="1">
+        <p15:guide id="4" pos="6844" userDrawn="1">
           <p15:clr>
             <a:srgbClr val="A4A3A4"/>
           </p15:clr>
@@ -252,7 +253,6 @@
               <a:rPr lang="zh-CN" altLang="en-US" smtClean="0">
                 <a:latin typeface="微软雅黑 Light" panose="020B0502040204020203" pitchFamily="34" charset="-122"/>
               </a:rPr>
-              <a:t>2023/4/23</a:t>
             </a:fld>
             <a:endParaRPr lang="zh-CN" altLang="en-US">
               <a:latin typeface="微软雅黑 Light" panose="020B0502040204020203" pitchFamily="34" charset="-122"/>
@@ -325,7 +325,6 @@
               <a:rPr lang="zh-CN" altLang="en-US" smtClean="0">
                 <a:latin typeface="微软雅黑 Light" panose="020B0502040204020203" pitchFamily="34" charset="-122"/>
               </a:rPr>
-              <a:t>‹#›</a:t>
             </a:fld>
             <a:endParaRPr lang="zh-CN" altLang="en-US">
               <a:latin typeface="微软雅黑 Light" panose="020B0502040204020203" pitchFamily="34" charset="-122"/>
@@ -334,11 +333,6 @@
         </p:txBody>
       </p:sp>
     </p:spTree>
-    <p:extLst>
-      <p:ext uri="{BB962C8B-B14F-4D97-AF65-F5344CB8AC3E}">
-        <p14:creationId xmlns:p14="http://schemas.microsoft.com/office/powerpoint/2010/main" val="1"/>
-      </p:ext>
-    </p:extLst>
   </p:cSld>
   <p:clrMap bg1="lt1" tx1="dk1" bg2="lt2" tx2="dk2" accent1="accent1" accent2="accent2" accent3="accent3" accent4="accent4" accent5="accent5" accent6="accent6" hlink="hlink" folHlink="folHlink"/>
 </p:handoutMaster>
@@ -432,7 +426,6 @@
           <a:p>
             <a:fld id="{5CBA881B-126F-43EF-BCA1-3FD9E34A8191}" type="datetimeFigureOut">
               <a:rPr lang="zh-CN" altLang="en-US" smtClean="0"/>
-              <a:t>2023/4/23</a:t>
             </a:fld>
             <a:endParaRPr lang="zh-CN" altLang="en-US"/>
           </a:p>
@@ -499,6 +492,7 @@
               <a:rPr lang="zh-CN" altLang="en-US"/>
               <a:t>单击此处编辑母版文本样式</a:t>
             </a:r>
+            <a:endParaRPr lang="zh-CN" altLang="en-US"/>
           </a:p>
           <a:p>
             <a:pPr lvl="1"/>
@@ -506,6 +500,7 @@
               <a:rPr lang="zh-CN" altLang="en-US"/>
               <a:t>二级</a:t>
             </a:r>
+            <a:endParaRPr lang="zh-CN" altLang="en-US"/>
           </a:p>
           <a:p>
             <a:pPr lvl="2"/>
@@ -513,6 +508,7 @@
               <a:rPr lang="zh-CN" altLang="en-US"/>
               <a:t>三级</a:t>
             </a:r>
+            <a:endParaRPr lang="zh-CN" altLang="en-US"/>
           </a:p>
           <a:p>
             <a:pPr lvl="3"/>
@@ -520,6 +516,7 @@
               <a:rPr lang="zh-CN" altLang="en-US"/>
               <a:t>四级</a:t>
             </a:r>
+            <a:endParaRPr lang="zh-CN" altLang="en-US"/>
           </a:p>
           <a:p>
             <a:pPr lvl="4"/>
@@ -527,6 +524,7 @@
               <a:rPr lang="zh-CN" altLang="en-US"/>
               <a:t>五级</a:t>
             </a:r>
+            <a:endParaRPr lang="zh-CN" altLang="en-US"/>
           </a:p>
         </p:txBody>
       </p:sp>
@@ -596,7 +594,6 @@
           <a:p>
             <a:fld id="{BC70D309-CFC4-4092-9B55-08CA2DC262A2}" type="slidenum">
               <a:rPr lang="zh-CN" altLang="en-US" smtClean="0"/>
-              <a:t>‹#›</a:t>
             </a:fld>
             <a:endParaRPr lang="zh-CN" altLang="en-US"/>
           </a:p>
@@ -765,7 +762,6 @@
           <a:p>
             <a:fld id="{BC70D309-CFC4-4092-9B55-08CA2DC262A2}" type="slidenum">
               <a:rPr lang="zh-CN" altLang="en-US" smtClean="0"/>
-              <a:t>1</a:t>
             </a:fld>
             <a:endParaRPr lang="zh-CN" altLang="en-US"/>
           </a:p>
@@ -844,18 +840,12 @@
           <a:p>
             <a:fld id="{BC70D309-CFC4-4092-9B55-08CA2DC262A2}" type="slidenum">
               <a:rPr lang="zh-CN" altLang="en-US" smtClean="0"/>
-              <a:t>12</a:t>
             </a:fld>
             <a:endParaRPr lang="zh-CN" altLang="en-US"/>
           </a:p>
         </p:txBody>
       </p:sp>
     </p:spTree>
-    <p:extLst>
-      <p:ext uri="{BB962C8B-B14F-4D97-AF65-F5344CB8AC3E}">
-        <p14:creationId xmlns:p14="http://schemas.microsoft.com/office/powerpoint/2010/main" val="2650825031"/>
-      </p:ext>
-    </p:extLst>
   </p:cSld>
   <p:clrMapOvr>
     <a:masterClrMapping/>
@@ -928,7 +918,6 @@
           <a:p>
             <a:fld id="{BC70D309-CFC4-4092-9B55-08CA2DC262A2}" type="slidenum">
               <a:rPr lang="zh-CN" altLang="en-US" smtClean="0"/>
-              <a:t>13</a:t>
             </a:fld>
             <a:endParaRPr lang="zh-CN" altLang="en-US"/>
           </a:p>
@@ -1057,6 +1046,13 @@
               </a:rPr>
               <a:t>属性。</a:t>
             </a:r>
+            <a:endParaRPr lang="zh-CN" altLang="en-US" b="0" i="0" dirty="0">
+              <a:solidFill>
+                <a:srgbClr val="34495E"/>
+              </a:solidFill>
+              <a:effectLst/>
+              <a:latin typeface="Ubuntu"/>
+            </a:endParaRPr>
           </a:p>
           <a:p>
             <a:pPr algn="l"/>
@@ -1190,6 +1186,13 @@
               </a:rPr>
               <a:t>。</a:t>
             </a:r>
+            <a:endParaRPr lang="zh-CN" altLang="en-US" b="0" i="0" dirty="0">
+              <a:solidFill>
+                <a:srgbClr val="34495E"/>
+              </a:solidFill>
+              <a:effectLst/>
+              <a:latin typeface="Ubuntu"/>
+            </a:endParaRPr>
           </a:p>
           <a:p>
             <a:pPr algn="l"/>
@@ -1293,6 +1296,13 @@
               </a:rPr>
               <a:t>。通过前面的了解，我们可以知道，把这个目录和数据目录分开存放到不同的物理磁盘可以提高性能。</a:t>
             </a:r>
+            <a:endParaRPr lang="zh-CN" altLang="en-US" b="0" i="0" dirty="0">
+              <a:solidFill>
+                <a:srgbClr val="34495E"/>
+              </a:solidFill>
+              <a:effectLst/>
+              <a:latin typeface="Ubuntu"/>
+            </a:endParaRPr>
           </a:p>
           <a:p>
             <a:pPr algn="l"/>
@@ -1416,6 +1426,13 @@
               </a:rPr>
               <a:t>。</a:t>
             </a:r>
+            <a:endParaRPr lang="zh-CN" altLang="en-US" b="0" i="0" dirty="0">
+              <a:solidFill>
+                <a:srgbClr val="34495E"/>
+              </a:solidFill>
+              <a:effectLst/>
+              <a:latin typeface="Ubuntu"/>
+            </a:endParaRPr>
           </a:p>
           <a:p>
             <a:pPr algn="l"/>
@@ -1509,19 +1526,6 @@
               </a:rPr>
               <a:t>。</a:t>
             </a:r>
-          </a:p>
-          <a:p>
-            <a:pPr algn="l"/>
-            <a:r>
-              <a:rPr lang="zh-CN" altLang="en-US" b="0" i="1" dirty="0">
-                <a:solidFill>
-                  <a:srgbClr val="34495E"/>
-                </a:solidFill>
-                <a:effectLst/>
-                <a:latin typeface="Ubuntu"/>
-              </a:rPr>
-              <a:t>通常使用：用得比较频繁的属性</a:t>
-            </a:r>
             <a:endParaRPr lang="zh-CN" altLang="en-US" b="0" i="0" dirty="0">
               <a:solidFill>
                 <a:srgbClr val="34495E"/>
@@ -1533,6 +1537,26 @@
           <a:p>
             <a:pPr algn="l"/>
             <a:r>
+              <a:rPr lang="zh-CN" altLang="en-US" b="0" i="1" dirty="0">
+                <a:solidFill>
+                  <a:srgbClr val="34495E"/>
+                </a:solidFill>
+                <a:effectLst/>
+                <a:latin typeface="Ubuntu"/>
+              </a:rPr>
+              <a:t>通常使用：用得比较频繁的属性</a:t>
+            </a:r>
+            <a:endParaRPr lang="zh-CN" altLang="en-US" b="0" i="0" dirty="0">
+              <a:solidFill>
+                <a:srgbClr val="34495E"/>
+              </a:solidFill>
+              <a:effectLst/>
+              <a:latin typeface="Ubuntu"/>
+            </a:endParaRPr>
+          </a:p>
+          <a:p>
+            <a:pPr algn="l"/>
+            <a:r>
               <a:rPr lang="zh-CN" altLang="en-US" b="0" i="0" dirty="0">
                 <a:solidFill>
                   <a:srgbClr val="34495E"/>
@@ -1542,6 +1566,13 @@
               </a:rPr>
               <a:t>在启动节点前，需要仔细评估你的需求。</a:t>
             </a:r>
+            <a:endParaRPr lang="zh-CN" altLang="en-US" b="0" i="0" dirty="0">
+              <a:solidFill>
+                <a:srgbClr val="34495E"/>
+              </a:solidFill>
+              <a:effectLst/>
+              <a:latin typeface="Ubuntu"/>
+            </a:endParaRPr>
           </a:p>
           <a:p>
             <a:pPr algn="l"/>
@@ -1605,6 +1636,13 @@
               </a:rPr>
               <a:t>）：</a:t>
             </a:r>
+            <a:endParaRPr lang="zh-CN" altLang="en-US" b="0" i="0" dirty="0">
+              <a:solidFill>
+                <a:srgbClr val="34495E"/>
+              </a:solidFill>
+              <a:effectLst/>
+              <a:latin typeface="Ubuntu"/>
+            </a:endParaRPr>
           </a:p>
           <a:p>
             <a:pPr algn="l"/>
@@ -1688,6 +1726,13 @@
               </a:rPr>
               <a:t>进行检测。</a:t>
             </a:r>
+            <a:endParaRPr lang="zh-CN" altLang="en-US" b="0" i="0" dirty="0">
+              <a:solidFill>
+                <a:srgbClr val="34495E"/>
+              </a:solidFill>
+              <a:effectLst/>
+              <a:latin typeface="Ubuntu"/>
+            </a:endParaRPr>
           </a:p>
           <a:p>
             <a:pPr algn="l"/>
@@ -1731,6 +1776,13 @@
               </a:rPr>
               <a:t>，整理需要写入的数据，但是提供读数据服务。</a:t>
             </a:r>
+            <a:endParaRPr lang="zh-CN" altLang="en-US" b="0" i="0" dirty="0">
+              <a:solidFill>
+                <a:srgbClr val="34495E"/>
+              </a:solidFill>
+              <a:effectLst/>
+              <a:latin typeface="Ubuntu"/>
+            </a:endParaRPr>
           </a:p>
           <a:p>
             <a:pPr algn="l"/>
@@ -1754,6 +1806,13 @@
               </a:rPr>
               <a:t>：忽略错误，使得该处理失败。</a:t>
             </a:r>
+            <a:endParaRPr lang="zh-CN" altLang="en-US" b="0" i="0" dirty="0">
+              <a:solidFill>
+                <a:srgbClr val="34495E"/>
+              </a:solidFill>
+              <a:effectLst/>
+              <a:latin typeface="Ubuntu"/>
+            </a:endParaRPr>
           </a:p>
           <a:p>
             <a:pPr algn="l"/>
@@ -1837,6 +1896,13 @@
               </a:rPr>
               <a:t>）。</a:t>
             </a:r>
+            <a:endParaRPr lang="zh-CN" altLang="en-US" b="0" i="0" dirty="0">
+              <a:solidFill>
+                <a:srgbClr val="34495E"/>
+              </a:solidFill>
+              <a:effectLst/>
+              <a:latin typeface="Ubuntu"/>
+            </a:endParaRPr>
           </a:p>
           <a:p>
             <a:pPr algn="l"/>
@@ -1920,6 +1986,13 @@
               </a:rPr>
               <a:t>进行检测。</a:t>
             </a:r>
+            <a:endParaRPr lang="zh-CN" altLang="en-US" b="0" i="0" dirty="0">
+              <a:solidFill>
+                <a:srgbClr val="34495E"/>
+              </a:solidFill>
+              <a:effectLst/>
+              <a:latin typeface="Ubuntu"/>
+            </a:endParaRPr>
           </a:p>
           <a:p>
             <a:pPr algn="l"/>
@@ -2003,6 +2076,13 @@
               </a:rPr>
               <a:t>。</a:t>
             </a:r>
+            <a:endParaRPr lang="zh-CN" altLang="en-US" b="0" i="0" dirty="0">
+              <a:solidFill>
+                <a:srgbClr val="34495E"/>
+              </a:solidFill>
+              <a:effectLst/>
+              <a:latin typeface="Ubuntu"/>
+            </a:endParaRPr>
           </a:p>
           <a:p>
             <a:pPr algn="l"/>
@@ -2126,6 +2206,13 @@
               </a:rPr>
               <a:t>时会读取到过期的数据。</a:t>
             </a:r>
+            <a:endParaRPr lang="zh-CN" altLang="en-US" b="0" i="0" dirty="0">
+              <a:solidFill>
+                <a:srgbClr val="34495E"/>
+              </a:solidFill>
+              <a:effectLst/>
+              <a:latin typeface="Ubuntu"/>
+            </a:endParaRPr>
           </a:p>
           <a:p>
             <a:pPr algn="l"/>
@@ -2149,6 +2236,13 @@
               </a:rPr>
               <a:t>：用于升级情况。</a:t>
             </a:r>
+            <a:endParaRPr lang="zh-CN" altLang="en-US" b="0" i="0" dirty="0">
+              <a:solidFill>
+                <a:srgbClr val="34495E"/>
+              </a:solidFill>
+              <a:effectLst/>
+              <a:latin typeface="Ubuntu"/>
+            </a:endParaRPr>
           </a:p>
           <a:p>
             <a:pPr algn="l"/>
@@ -2272,6 +2366,13 @@
               </a:rPr>
               <a:t>的类。</a:t>
             </a:r>
+            <a:endParaRPr lang="zh-CN" altLang="en-US" b="0" i="0" dirty="0">
+              <a:solidFill>
+                <a:srgbClr val="34495E"/>
+              </a:solidFill>
+              <a:effectLst/>
+              <a:latin typeface="Ubuntu"/>
+            </a:endParaRPr>
           </a:p>
           <a:p>
             <a:pPr algn="l"/>
@@ -2315,6 +2416,13 @@
               </a:rPr>
               <a:t>用于监听客户端连接的地址。可用的包括：</a:t>
             </a:r>
+            <a:endParaRPr lang="zh-CN" altLang="en-US" b="0" i="0" dirty="0">
+              <a:solidFill>
+                <a:srgbClr val="34495E"/>
+              </a:solidFill>
+              <a:effectLst/>
+              <a:latin typeface="Ubuntu"/>
+            </a:endParaRPr>
           </a:p>
           <a:p>
             <a:pPr algn="l">
@@ -2341,6 +2449,13 @@
               </a:rPr>
               <a:t>监听所有地址</a:t>
             </a:r>
+            <a:endParaRPr lang="zh-CN" altLang="en-US" b="0" i="0" dirty="0">
+              <a:solidFill>
+                <a:srgbClr val="34495E"/>
+              </a:solidFill>
+              <a:effectLst/>
+              <a:latin typeface="Ubuntu"/>
+            </a:endParaRPr>
           </a:p>
           <a:p>
             <a:pPr algn="l">
@@ -2367,6 +2482,13 @@
               </a:rPr>
               <a:t>地址</a:t>
             </a:r>
+            <a:endParaRPr lang="zh-CN" altLang="en-US" b="0" i="0" dirty="0">
+              <a:solidFill>
+                <a:srgbClr val="34495E"/>
+              </a:solidFill>
+              <a:effectLst/>
+              <a:latin typeface="Ubuntu"/>
+            </a:endParaRPr>
           </a:p>
           <a:p>
             <a:pPr algn="l">
@@ -2383,6 +2505,13 @@
               </a:rPr>
               <a:t>主机名</a:t>
             </a:r>
+            <a:endParaRPr lang="zh-CN" altLang="en-US" b="0" i="0" dirty="0">
+              <a:solidFill>
+                <a:srgbClr val="34495E"/>
+              </a:solidFill>
+              <a:effectLst/>
+              <a:latin typeface="Ubuntu"/>
+            </a:endParaRPr>
           </a:p>
           <a:p>
             <a:pPr algn="l">
@@ -2429,6 +2558,13 @@
               </a:rPr>
               <a:t>DNS</a:t>
             </a:r>
+            <a:endParaRPr lang="en-US" altLang="zh-CN" b="0" i="0" dirty="0">
+              <a:solidFill>
+                <a:srgbClr val="34495E"/>
+              </a:solidFill>
+              <a:effectLst/>
+              <a:latin typeface="Ubuntu"/>
+            </a:endParaRPr>
           </a:p>
           <a:p>
             <a:pPr algn="l"/>
@@ -2512,6 +2648,13 @@
               </a:rPr>
               <a:t>集合找到其他节点并学习其整个环中的网络拓扑。</a:t>
             </a:r>
+            <a:endParaRPr lang="zh-CN" altLang="en-US" b="0" i="0" dirty="0">
+              <a:solidFill>
+                <a:srgbClr val="34495E"/>
+              </a:solidFill>
+              <a:effectLst/>
+              <a:latin typeface="Ubuntu"/>
+            </a:endParaRPr>
           </a:p>
           <a:p>
             <a:pPr algn="l"/>
@@ -2555,6 +2698,13 @@
               </a:rPr>
               <a:t>），可用自定义，但通常不必要。</a:t>
             </a:r>
+            <a:endParaRPr lang="zh-CN" altLang="en-US" b="0" i="0" dirty="0">
+              <a:solidFill>
+                <a:srgbClr val="34495E"/>
+              </a:solidFill>
+              <a:effectLst/>
+              <a:latin typeface="Ubuntu"/>
+            </a:endParaRPr>
           </a:p>
           <a:p>
             <a:pPr algn="l"/>
@@ -2618,6 +2768,13 @@
               </a:rPr>
               <a:t>列表。</a:t>
             </a:r>
+            <a:endParaRPr lang="zh-CN" altLang="en-US" b="0" i="0" dirty="0">
+              <a:solidFill>
+                <a:srgbClr val="34495E"/>
+              </a:solidFill>
+              <a:effectLst/>
+              <a:latin typeface="Ubuntu"/>
+            </a:endParaRPr>
           </a:p>
           <a:p>
             <a:pPr algn="l"/>
@@ -2741,6 +2898,13 @@
               </a:rPr>
               <a:t>表示不限制。</a:t>
             </a:r>
+            <a:endParaRPr lang="zh-CN" altLang="en-US" b="0" i="0" dirty="0">
+              <a:solidFill>
+                <a:srgbClr val="34495E"/>
+              </a:solidFill>
+              <a:effectLst/>
+              <a:latin typeface="Ubuntu"/>
+            </a:endParaRPr>
           </a:p>
           <a:p>
             <a:pPr algn="l"/>
@@ -2824,6 +2988,13 @@
               </a:rPr>
               <a:t>）。</a:t>
             </a:r>
+            <a:endParaRPr lang="zh-CN" altLang="en-US" b="0" i="0" dirty="0">
+              <a:solidFill>
+                <a:srgbClr val="34495E"/>
+              </a:solidFill>
+              <a:effectLst/>
+              <a:latin typeface="Ubuntu"/>
+            </a:endParaRPr>
           </a:p>
           <a:p>
             <a:pPr algn="l"/>
@@ -2907,6 +3078,13 @@
               </a:rPr>
               <a:t>倍于磁盘数量可以减少操作队列。</a:t>
             </a:r>
+            <a:endParaRPr lang="zh-CN" altLang="en-US" b="0" i="0" dirty="0">
+              <a:solidFill>
+                <a:srgbClr val="34495E"/>
+              </a:solidFill>
+              <a:effectLst/>
+              <a:latin typeface="Ubuntu"/>
+            </a:endParaRPr>
           </a:p>
           <a:p>
             <a:pPr algn="l"/>
@@ -3070,6 +3248,13 @@
               </a:rPr>
               <a:t>数。</a:t>
             </a:r>
+            <a:endParaRPr lang="zh-CN" altLang="en-US" b="0" i="0" dirty="0">
+              <a:solidFill>
+                <a:srgbClr val="34495E"/>
+              </a:solidFill>
+              <a:effectLst/>
+              <a:latin typeface="Ubuntu"/>
+            </a:endParaRPr>
           </a:p>
           <a:p>
             <a:pPr algn="l"/>
@@ -3193,6 +3378,13 @@
               </a:rPr>
               <a:t>子目录。删除这些硬链接是操作员的责任。</a:t>
             </a:r>
+            <a:endParaRPr lang="zh-CN" altLang="en-US" b="0" i="0" dirty="0">
+              <a:solidFill>
+                <a:srgbClr val="34495E"/>
+              </a:solidFill>
+              <a:effectLst/>
+              <a:latin typeface="Ubuntu"/>
+            </a:endParaRPr>
           </a:p>
           <a:p>
             <a:pPr algn="l"/>
@@ -3276,6 +3468,13 @@
               </a:rPr>
               <a:t>不会自动删除过期的快照。</a:t>
             </a:r>
+            <a:endParaRPr lang="zh-CN" altLang="en-US" b="0" i="0" dirty="0">
+              <a:solidFill>
+                <a:srgbClr val="34495E"/>
+              </a:solidFill>
+              <a:effectLst/>
+              <a:latin typeface="Ubuntu"/>
+            </a:endParaRPr>
           </a:p>
           <a:p>
             <a:pPr algn="l"/>
@@ -3439,6 +3638,13 @@
               </a:rPr>
               <a:t>的值不推荐！</a:t>
             </a:r>
+            <a:endParaRPr lang="zh-CN" altLang="en-US" b="0" i="0" dirty="0">
+              <a:solidFill>
+                <a:srgbClr val="34495E"/>
+              </a:solidFill>
+              <a:effectLst/>
+              <a:latin typeface="Ubuntu"/>
+            </a:endParaRPr>
           </a:p>
           <a:p>
             <a:endParaRPr lang="zh-CN" altLang="en-US" dirty="0"/>
@@ -3462,7 +3668,6 @@
           <a:p>
             <a:fld id="{BC70D309-CFC4-4092-9B55-08CA2DC262A2}" type="slidenum">
               <a:rPr lang="zh-CN" altLang="en-US" smtClean="0"/>
-              <a:t>14</a:t>
             </a:fld>
             <a:endParaRPr lang="zh-CN" altLang="en-US"/>
           </a:p>
@@ -3551,6 +3756,13 @@
               </a:rPr>
               <a:t>副本因子决定数据有几份副本。例如：</a:t>
             </a:r>
+            <a:endParaRPr lang="zh-CN" altLang="en-US" b="0" i="0" dirty="0">
+              <a:solidFill>
+                <a:srgbClr val="34495E"/>
+              </a:solidFill>
+              <a:effectLst/>
+              <a:latin typeface="Ubuntu"/>
+            </a:endParaRPr>
           </a:p>
           <a:p>
             <a:pPr algn="l"/>
@@ -3644,6 +3856,13 @@
               </a:rPr>
               <a:t>以上。</a:t>
             </a:r>
+            <a:endParaRPr lang="zh-CN" altLang="en-US" b="0" i="0" dirty="0">
+              <a:solidFill>
+                <a:srgbClr val="34495E"/>
+              </a:solidFill>
+              <a:effectLst/>
+              <a:latin typeface="Ubuntu"/>
+            </a:endParaRPr>
           </a:p>
         </p:txBody>
       </p:sp>
@@ -3664,18 +3883,12 @@
           <a:p>
             <a:fld id="{BC70D309-CFC4-4092-9B55-08CA2DC262A2}" type="slidenum">
               <a:rPr lang="zh-CN" altLang="en-US" smtClean="0"/>
-              <a:t>15</a:t>
             </a:fld>
             <a:endParaRPr lang="zh-CN" altLang="en-US"/>
           </a:p>
         </p:txBody>
       </p:sp>
     </p:spTree>
-    <p:extLst>
-      <p:ext uri="{BB962C8B-B14F-4D97-AF65-F5344CB8AC3E}">
-        <p14:creationId xmlns:p14="http://schemas.microsoft.com/office/powerpoint/2010/main" val="4018026631"/>
-      </p:ext>
-    </p:extLst>
   </p:cSld>
   <p:clrMapOvr>
     <a:masterClrMapping/>
@@ -3752,18 +3965,12 @@
           <a:p>
             <a:fld id="{BC70D309-CFC4-4092-9B55-08CA2DC262A2}" type="slidenum">
               <a:rPr lang="zh-CN" altLang="en-US" smtClean="0"/>
-              <a:t>16</a:t>
             </a:fld>
             <a:endParaRPr lang="zh-CN" altLang="en-US"/>
           </a:p>
         </p:txBody>
       </p:sp>
     </p:spTree>
-    <p:extLst>
-      <p:ext uri="{BB962C8B-B14F-4D97-AF65-F5344CB8AC3E}">
-        <p14:creationId xmlns:p14="http://schemas.microsoft.com/office/powerpoint/2010/main" val="3448801720"/>
-      </p:ext>
-    </p:extLst>
   </p:cSld>
   <p:clrMapOvr>
     <a:masterClrMapping/>
@@ -3836,18 +4043,12 @@
           <a:p>
             <a:fld id="{BC70D309-CFC4-4092-9B55-08CA2DC262A2}" type="slidenum">
               <a:rPr lang="zh-CN" altLang="en-US" smtClean="0"/>
-              <a:t>17</a:t>
             </a:fld>
             <a:endParaRPr lang="zh-CN" altLang="en-US"/>
           </a:p>
         </p:txBody>
       </p:sp>
     </p:spTree>
-    <p:extLst>
-      <p:ext uri="{BB962C8B-B14F-4D97-AF65-F5344CB8AC3E}">
-        <p14:creationId xmlns:p14="http://schemas.microsoft.com/office/powerpoint/2010/main" val="2789691994"/>
-      </p:ext>
-    </p:extLst>
   </p:cSld>
   <p:clrMapOvr>
     <a:masterClrMapping/>
@@ -3924,18 +4125,12 @@
           <a:p>
             <a:fld id="{BC70D309-CFC4-4092-9B55-08CA2DC262A2}" type="slidenum">
               <a:rPr lang="zh-CN" altLang="en-US" smtClean="0"/>
-              <a:t>18</a:t>
             </a:fld>
             <a:endParaRPr lang="zh-CN" altLang="en-US"/>
           </a:p>
         </p:txBody>
       </p:sp>
     </p:spTree>
-    <p:extLst>
-      <p:ext uri="{BB962C8B-B14F-4D97-AF65-F5344CB8AC3E}">
-        <p14:creationId xmlns:p14="http://schemas.microsoft.com/office/powerpoint/2010/main" val="234004217"/>
-      </p:ext>
-    </p:extLst>
   </p:cSld>
   <p:clrMapOvr>
     <a:masterClrMapping/>
@@ -4012,18 +4207,12 @@
           <a:p>
             <a:fld id="{BC70D309-CFC4-4092-9B55-08CA2DC262A2}" type="slidenum">
               <a:rPr lang="zh-CN" altLang="en-US" smtClean="0"/>
-              <a:t>19</a:t>
             </a:fld>
             <a:endParaRPr lang="zh-CN" altLang="en-US"/>
           </a:p>
         </p:txBody>
       </p:sp>
     </p:spTree>
-    <p:extLst>
-      <p:ext uri="{BB962C8B-B14F-4D97-AF65-F5344CB8AC3E}">
-        <p14:creationId xmlns:p14="http://schemas.microsoft.com/office/powerpoint/2010/main" val="1141150394"/>
-      </p:ext>
-    </p:extLst>
   </p:cSld>
   <p:clrMapOvr>
     <a:masterClrMapping/>
@@ -4116,6 +4305,13 @@
               </a:rPr>
               <a:t>数据格式</a:t>
             </a:r>
+            <a:endParaRPr lang="zh-CN" altLang="en-US" b="1" i="0" dirty="0">
+              <a:solidFill>
+                <a:srgbClr val="34495E"/>
+              </a:solidFill>
+              <a:effectLst/>
+              <a:latin typeface="Ubuntu"/>
+            </a:endParaRPr>
           </a:p>
           <a:p>
             <a:pPr algn="l"/>
@@ -4349,6 +4545,13 @@
               </a:rPr>
               <a:t>文件不再需要时，会自动清除。</a:t>
             </a:r>
+            <a:endParaRPr lang="zh-CN" altLang="en-US" b="0" i="0" dirty="0">
+              <a:solidFill>
+                <a:srgbClr val="34495E"/>
+              </a:solidFill>
+              <a:effectLst/>
+              <a:latin typeface="Ubuntu"/>
+            </a:endParaRPr>
           </a:p>
           <a:p>
             <a:pPr algn="l"/>
@@ -4392,6 +4595,13 @@
               </a:rPr>
               <a:t>内存中数据结构</a:t>
             </a:r>
+            <a:endParaRPr lang="zh-CN" altLang="en-US" b="1" i="0" dirty="0">
+              <a:solidFill>
+                <a:srgbClr val="34495E"/>
+              </a:solidFill>
+              <a:effectLst/>
+              <a:latin typeface="Ubuntu"/>
+            </a:endParaRPr>
           </a:p>
           <a:p>
             <a:pPr algn="l"/>
@@ -4545,6 +4755,13 @@
               </a:rPr>
               <a:t>。也就是每一张表对应一个。用户写的数据在内存中的形式，</a:t>
             </a:r>
+            <a:endParaRPr lang="zh-CN" altLang="en-US" b="0" i="0" dirty="0">
+              <a:solidFill>
+                <a:srgbClr val="34495E"/>
+              </a:solidFill>
+              <a:effectLst/>
+              <a:latin typeface="Ubuntu"/>
+            </a:endParaRPr>
           </a:p>
           <a:p>
             <a:pPr algn="l"/>
@@ -4588,6 +4805,13 @@
               </a:rPr>
               <a:t>数据格式</a:t>
             </a:r>
+            <a:endParaRPr lang="zh-CN" altLang="en-US" b="1" i="0" dirty="0">
+              <a:solidFill>
+                <a:srgbClr val="34495E"/>
+              </a:solidFill>
+              <a:effectLst/>
+              <a:latin typeface="Ubuntu"/>
+            </a:endParaRPr>
           </a:p>
           <a:p>
             <a:pPr algn="l"/>
@@ -4791,6 +5015,13 @@
               </a:rPr>
               <a:t>。</a:t>
             </a:r>
+            <a:endParaRPr lang="zh-CN" altLang="en-US" b="0" i="0" dirty="0">
+              <a:solidFill>
+                <a:srgbClr val="34495E"/>
+              </a:solidFill>
+              <a:effectLst/>
+              <a:latin typeface="Ubuntu"/>
+            </a:endParaRPr>
           </a:p>
           <a:p>
             <a:pPr algn="l"/>
@@ -4944,6 +5175,13 @@
               </a:rPr>
               <a:t>。</a:t>
             </a:r>
+            <a:endParaRPr lang="zh-CN" altLang="en-US" b="0" i="0" dirty="0">
+              <a:solidFill>
+                <a:srgbClr val="34495E"/>
+              </a:solidFill>
+              <a:effectLst/>
+              <a:latin typeface="Ubuntu"/>
+            </a:endParaRPr>
           </a:p>
           <a:p>
             <a:pPr algn="l"/>
@@ -4997,6 +5235,13 @@
               </a:rPr>
               <a:t>主要完成的任务是：</a:t>
             </a:r>
+            <a:endParaRPr lang="zh-CN" altLang="en-US" b="0" i="0" dirty="0">
+              <a:solidFill>
+                <a:srgbClr val="34495E"/>
+              </a:solidFill>
+              <a:effectLst/>
+              <a:latin typeface="Ubuntu"/>
+            </a:endParaRPr>
           </a:p>
           <a:p>
             <a:pPr algn="l"/>
@@ -5060,6 +5305,13 @@
               </a:rPr>
               <a:t>会把标记为删除的数据真正删除；</a:t>
             </a:r>
+            <a:endParaRPr lang="zh-CN" altLang="en-US" b="0" i="0" dirty="0">
+              <a:solidFill>
+                <a:srgbClr val="34495E"/>
+              </a:solidFill>
+              <a:effectLst/>
+              <a:latin typeface="Ubuntu"/>
+            </a:endParaRPr>
           </a:p>
           <a:p>
             <a:pPr algn="l"/>
@@ -5173,6 +5425,13 @@
               </a:rPr>
               <a:t>文件），以提高读操作的效率；</a:t>
             </a:r>
+            <a:endParaRPr lang="zh-CN" altLang="en-US" b="0" i="0" dirty="0">
+              <a:solidFill>
+                <a:srgbClr val="34495E"/>
+              </a:solidFill>
+              <a:effectLst/>
+              <a:latin typeface="Ubuntu"/>
+            </a:endParaRPr>
           </a:p>
           <a:p>
             <a:pPr algn="l"/>
@@ -5256,6 +5515,13 @@
               </a:rPr>
               <a:t>，用于与其他存储节点对比以及修复数据。</a:t>
             </a:r>
+            <a:endParaRPr lang="zh-CN" altLang="en-US" b="0" i="0" dirty="0">
+              <a:solidFill>
+                <a:srgbClr val="34495E"/>
+              </a:solidFill>
+              <a:effectLst/>
+              <a:latin typeface="Ubuntu"/>
+            </a:endParaRPr>
           </a:p>
           <a:p>
             <a:endParaRPr lang="zh-CN" altLang="en-US" dirty="0"/>
@@ -5279,18 +5545,12 @@
           <a:p>
             <a:fld id="{BC70D309-CFC4-4092-9B55-08CA2DC262A2}" type="slidenum">
               <a:rPr lang="zh-CN" altLang="en-US" smtClean="0"/>
-              <a:t>20</a:t>
             </a:fld>
             <a:endParaRPr lang="zh-CN" altLang="en-US"/>
           </a:p>
         </p:txBody>
       </p:sp>
     </p:spTree>
-    <p:extLst>
-      <p:ext uri="{BB962C8B-B14F-4D97-AF65-F5344CB8AC3E}">
-        <p14:creationId xmlns:p14="http://schemas.microsoft.com/office/powerpoint/2010/main" val="4099277643"/>
-      </p:ext>
-    </p:extLst>
   </p:cSld>
   <p:clrMapOvr>
     <a:masterClrMapping/>
@@ -5363,7 +5623,6 @@
           <a:p>
             <a:fld id="{BC70D309-CFC4-4092-9B55-08CA2DC262A2}" type="slidenum">
               <a:rPr lang="zh-CN" altLang="en-US" smtClean="0"/>
-              <a:t>22</a:t>
             </a:fld>
             <a:endParaRPr lang="zh-CN" altLang="en-US"/>
           </a:p>
@@ -5442,7 +5701,6 @@
           <a:p>
             <a:fld id="{BC70D309-CFC4-4092-9B55-08CA2DC262A2}" type="slidenum">
               <a:rPr lang="zh-CN" altLang="en-US" smtClean="0"/>
-              <a:t>2</a:t>
             </a:fld>
             <a:endParaRPr lang="zh-CN" altLang="en-US"/>
           </a:p>
@@ -5521,7 +5779,6 @@
           <a:p>
             <a:fld id="{BC70D309-CFC4-4092-9B55-08CA2DC262A2}" type="slidenum">
               <a:rPr lang="zh-CN" altLang="en-US" smtClean="0"/>
-              <a:t>23</a:t>
             </a:fld>
             <a:endParaRPr lang="zh-CN" altLang="en-US"/>
           </a:p>
@@ -5600,7 +5857,6 @@
           <a:p>
             <a:fld id="{BC70D309-CFC4-4092-9B55-08CA2DC262A2}" type="slidenum">
               <a:rPr lang="zh-CN" altLang="en-US" smtClean="0"/>
-              <a:t>24</a:t>
             </a:fld>
             <a:endParaRPr lang="zh-CN" altLang="en-US"/>
           </a:p>
@@ -5679,7 +5935,6 @@
           <a:p>
             <a:fld id="{BC70D309-CFC4-4092-9B55-08CA2DC262A2}" type="slidenum">
               <a:rPr lang="zh-CN" altLang="en-US" smtClean="0"/>
-              <a:t>3</a:t>
             </a:fld>
             <a:endParaRPr lang="zh-CN" altLang="en-US"/>
           </a:p>
@@ -5741,6 +5996,7 @@
               <a:rPr lang="zh-CN" altLang="en-US" dirty="0"/>
               <a:t>在Spark中，UDT、UDF和UDAF是三种常用的用户自定义函数类型，用于处理不同类型的数据。</a:t>
             </a:r>
+            <a:endParaRPr lang="zh-CN" altLang="en-US" dirty="0"/>
           </a:p>
           <a:p>
             <a:endParaRPr lang="zh-CN" altLang="en-US" dirty="0"/>
@@ -5750,12 +6006,14 @@
               <a:rPr lang="zh-CN" altLang="en-US" dirty="0"/>
               <a:t>UDT (User-Defined Type)</a:t>
             </a:r>
+            <a:endParaRPr lang="zh-CN" altLang="en-US" dirty="0"/>
           </a:p>
           <a:p>
             <a:r>
               <a:rPr lang="zh-CN" altLang="en-US" dirty="0"/>
               <a:t>UDT是用户自定义类型的缩写，可以用于定义新的数据类型。Spark中的UDT通常用于处理自定义的复杂数据类型，例如地理空间数据类型，可以使用UDT将地理空间数据封装为一个自定义类型并进行操作。</a:t>
             </a:r>
+            <a:endParaRPr lang="zh-CN" altLang="en-US" dirty="0"/>
           </a:p>
           <a:p>
             <a:endParaRPr lang="zh-CN" altLang="en-US" dirty="0"/>
@@ -5765,12 +6023,14 @@
               <a:rPr lang="zh-CN" altLang="en-US" dirty="0"/>
               <a:t>UDF (User-Defined Function)</a:t>
             </a:r>
+            <a:endParaRPr lang="zh-CN" altLang="en-US" dirty="0"/>
           </a:p>
           <a:p>
             <a:r>
               <a:rPr lang="zh-CN" altLang="en-US" dirty="0"/>
               <a:t>UDF是用户自定义函数的缩写，可以用于定义新的函数。在Spark中，用户可以使用UDF定义自己的函数来处理数据。例如，可以使用UDF来处理地理空间数据的计算和转换。</a:t>
             </a:r>
+            <a:endParaRPr lang="zh-CN" altLang="en-US" dirty="0"/>
           </a:p>
           <a:p>
             <a:endParaRPr lang="zh-CN" altLang="en-US" dirty="0"/>
@@ -5780,12 +6040,14 @@
               <a:rPr lang="zh-CN" altLang="en-US" dirty="0"/>
               <a:t>UDAF (User-Defined Aggregate Function)</a:t>
             </a:r>
+            <a:endParaRPr lang="zh-CN" altLang="en-US" dirty="0"/>
           </a:p>
           <a:p>
             <a:r>
               <a:rPr lang="zh-CN" altLang="en-US" dirty="0"/>
               <a:t>UDAF是用户自定义聚合函数的缩写，可以用于定义新的聚合函数。在Spark中，用户可以使用UDAF来处理聚合操作，例如计算地理空间数据的平均值、最大值和最小值等。</a:t>
             </a:r>
+            <a:endParaRPr lang="zh-CN" altLang="en-US" dirty="0"/>
           </a:p>
           <a:p>
             <a:endParaRPr lang="zh-CN" altLang="en-US" dirty="0"/>
@@ -5795,6 +6057,7 @@
               <a:rPr lang="zh-CN" altLang="en-US" dirty="0"/>
               <a:t>总之，UDT、UDF和UDAF是Spark中常用的三种用户自定义函数类型，可以用于处理不同类型的数据，例如地理空间数据。通过定义自己的函数和类型，用户可以更方便地处理和分析数据，提高数据处理的效率和准确性。</a:t>
             </a:r>
+            <a:endParaRPr lang="zh-CN" altLang="en-US" dirty="0"/>
           </a:p>
         </p:txBody>
       </p:sp>
@@ -5815,7 +6078,6 @@
           <a:p>
             <a:fld id="{BC70D309-CFC4-4092-9B55-08CA2DC262A2}" type="slidenum">
               <a:rPr lang="zh-CN" altLang="en-US" smtClean="0"/>
-              <a:t>4</a:t>
             </a:fld>
             <a:endParaRPr lang="zh-CN" altLang="en-US"/>
           </a:p>
@@ -5894,7 +6156,6 @@
           <a:p>
             <a:fld id="{BC70D309-CFC4-4092-9B55-08CA2DC262A2}" type="slidenum">
               <a:rPr lang="zh-CN" altLang="en-US" smtClean="0"/>
-              <a:t>5</a:t>
             </a:fld>
             <a:endParaRPr lang="zh-CN" altLang="en-US"/>
           </a:p>
@@ -5973,7 +6234,6 @@
           <a:p>
             <a:fld id="{BC70D309-CFC4-4092-9B55-08CA2DC262A2}" type="slidenum">
               <a:rPr lang="zh-CN" altLang="en-US" smtClean="0"/>
-              <a:t>8</a:t>
             </a:fld>
             <a:endParaRPr lang="zh-CN" altLang="en-US"/>
           </a:p>
@@ -6052,18 +6312,12 @@
           <a:p>
             <a:fld id="{BC70D309-CFC4-4092-9B55-08CA2DC262A2}" type="slidenum">
               <a:rPr lang="zh-CN" altLang="en-US" smtClean="0"/>
-              <a:t>9</a:t>
             </a:fld>
             <a:endParaRPr lang="zh-CN" altLang="en-US"/>
           </a:p>
         </p:txBody>
       </p:sp>
     </p:spTree>
-    <p:extLst>
-      <p:ext uri="{BB962C8B-B14F-4D97-AF65-F5344CB8AC3E}">
-        <p14:creationId xmlns:p14="http://schemas.microsoft.com/office/powerpoint/2010/main" val="3816442410"/>
-      </p:ext>
-    </p:extLst>
   </p:cSld>
   <p:clrMapOvr>
     <a:masterClrMapping/>
@@ -6166,18 +6420,12 @@
           <a:p>
             <a:fld id="{BC70D309-CFC4-4092-9B55-08CA2DC262A2}" type="slidenum">
               <a:rPr lang="zh-CN" altLang="en-US" smtClean="0"/>
-              <a:t>10</a:t>
             </a:fld>
             <a:endParaRPr lang="zh-CN" altLang="en-US"/>
           </a:p>
         </p:txBody>
       </p:sp>
     </p:spTree>
-    <p:extLst>
-      <p:ext uri="{BB962C8B-B14F-4D97-AF65-F5344CB8AC3E}">
-        <p14:creationId xmlns:p14="http://schemas.microsoft.com/office/powerpoint/2010/main" val="315912220"/>
-      </p:ext>
-    </p:extLst>
   </p:cSld>
   <p:clrMapOvr>
     <a:masterClrMapping/>
@@ -6330,18 +6578,12 @@
           <a:p>
             <a:fld id="{BC70D309-CFC4-4092-9B55-08CA2DC262A2}" type="slidenum">
               <a:rPr lang="zh-CN" altLang="en-US" smtClean="0"/>
-              <a:t>11</a:t>
             </a:fld>
             <a:endParaRPr lang="zh-CN" altLang="en-US"/>
           </a:p>
         </p:txBody>
       </p:sp>
     </p:spTree>
-    <p:extLst>
-      <p:ext uri="{BB962C8B-B14F-4D97-AF65-F5344CB8AC3E}">
-        <p14:creationId xmlns:p14="http://schemas.microsoft.com/office/powerpoint/2010/main" val="998385715"/>
-      </p:ext>
-    </p:extLst>
   </p:cSld>
   <p:clrMapOvr>
     <a:masterClrMapping/>
@@ -6461,6 +6703,7 @@
               <a:rPr lang="en-US" altLang="zh-CN" dirty="0"/>
               <a:t>Click to edit Master subtitle style</a:t>
             </a:r>
+            <a:endParaRPr lang="en-US" altLang="zh-CN" dirty="0"/>
           </a:p>
         </p:txBody>
       </p:sp>
@@ -6554,6 +6797,7 @@
               <a:rPr lang="en-US" altLang="zh-CN" dirty="0"/>
               <a:t>Signature</a:t>
             </a:r>
+            <a:endParaRPr lang="en-US" altLang="zh-CN" dirty="0"/>
           </a:p>
         </p:txBody>
       </p:sp>
@@ -25178,6 +25422,7 @@
               <a:rPr lang="zh-CN" altLang="en-US" dirty="0"/>
               <a:t>项目介绍</a:t>
             </a:r>
+            <a:endParaRPr lang="zh-CN" altLang="en-US" dirty="0"/>
           </a:p>
         </p:txBody>
       </p:sp>
@@ -25292,6 +25537,7 @@
               <a:rPr lang="zh-CN" altLang="en-US" dirty="0"/>
               <a:t>项目介绍</a:t>
             </a:r>
+            <a:endParaRPr lang="zh-CN" altLang="en-US" dirty="0"/>
           </a:p>
         </p:txBody>
       </p:sp>
@@ -25406,6 +25652,7 @@
               <a:rPr lang="zh-CN" altLang="en-US" dirty="0"/>
               <a:t>项目介绍</a:t>
             </a:r>
+            <a:endParaRPr lang="zh-CN" altLang="en-US" dirty="0"/>
           </a:p>
         </p:txBody>
       </p:sp>
@@ -25520,6 +25767,7 @@
               <a:rPr lang="zh-CN" altLang="en-US" dirty="0"/>
               <a:t>项目介绍</a:t>
             </a:r>
+            <a:endParaRPr lang="zh-CN" altLang="en-US" dirty="0"/>
           </a:p>
         </p:txBody>
       </p:sp>
@@ -25929,6 +26177,7 @@
               <a:rPr lang="zh-CN" altLang="en-US" dirty="0"/>
               <a:t>项目介绍</a:t>
             </a:r>
+            <a:endParaRPr lang="zh-CN" altLang="en-US" dirty="0"/>
           </a:p>
         </p:txBody>
       </p:sp>
@@ -26780,6 +27029,7 @@
               <a:rPr lang="zh-CN" altLang="en-US" dirty="0"/>
               <a:t>单击此处编辑母版文本</a:t>
             </a:r>
+            <a:endParaRPr lang="zh-CN" altLang="en-US" dirty="0"/>
           </a:p>
         </p:txBody>
       </p:sp>
@@ -26870,6 +27120,11 @@
                 </a:rPr>
                 <a:t>互联世界，无惧未来</a:t>
               </a:r>
+              <a:endParaRPr lang="zh-CN" altLang="en-US" sz="1200" dirty="0">
+                <a:solidFill>
+                  <a:schemeClr val="accent1"/>
+                </a:solidFill>
+              </a:endParaRPr>
             </a:p>
           </p:txBody>
         </p:sp>
@@ -31937,6 +32192,7 @@
               <a:rPr lang="en-US" altLang="zh-CN" dirty="0"/>
               <a:t>Signature</a:t>
             </a:r>
+            <a:endParaRPr lang="en-US" altLang="zh-CN" dirty="0"/>
           </a:p>
         </p:txBody>
       </p:sp>
@@ -31994,6 +32250,7 @@
               <a:rPr lang="en-US" altLang="zh-CN" dirty="0"/>
               <a:t>Data</a:t>
             </a:r>
+            <a:endParaRPr lang="en-US" altLang="zh-CN" dirty="0"/>
           </a:p>
         </p:txBody>
       </p:sp>
@@ -32119,6 +32376,7 @@
               <a:rPr lang="zh-CN" altLang="en-US" dirty="0"/>
               <a:t>单击此处编辑母版标题样式</a:t>
             </a:r>
+            <a:endParaRPr lang="zh-CN" altLang="en-US" dirty="0"/>
           </a:p>
         </p:txBody>
       </p:sp>
@@ -32152,6 +32410,7 @@
               <a:rPr lang="zh-CN" altLang="en-US" dirty="0"/>
               <a:t>单击此处编辑母版文本样式</a:t>
             </a:r>
+            <a:endParaRPr lang="zh-CN" altLang="en-US" dirty="0"/>
           </a:p>
           <a:p>
             <a:pPr lvl="1"/>
@@ -32159,6 +32418,7 @@
               <a:rPr lang="zh-CN" altLang="en-US" dirty="0"/>
               <a:t>二级</a:t>
             </a:r>
+            <a:endParaRPr lang="zh-CN" altLang="en-US" dirty="0"/>
           </a:p>
           <a:p>
             <a:pPr lvl="2"/>
@@ -32166,6 +32426,7 @@
               <a:rPr lang="zh-CN" altLang="en-US" dirty="0"/>
               <a:t>三级</a:t>
             </a:r>
+            <a:endParaRPr lang="zh-CN" altLang="en-US" dirty="0"/>
           </a:p>
           <a:p>
             <a:pPr lvl="3"/>
@@ -32173,6 +32434,7 @@
               <a:rPr lang="zh-CN" altLang="en-US" dirty="0"/>
               <a:t>四级</a:t>
             </a:r>
+            <a:endParaRPr lang="zh-CN" altLang="en-US" dirty="0"/>
           </a:p>
           <a:p>
             <a:pPr lvl="4"/>
@@ -32180,6 +32442,7 @@
               <a:rPr lang="zh-CN" altLang="en-US" dirty="0"/>
               <a:t>五级</a:t>
             </a:r>
+            <a:endParaRPr lang="zh-CN" altLang="en-US" dirty="0"/>
           </a:p>
         </p:txBody>
       </p:sp>
@@ -32219,7 +32482,6 @@
           <a:p>
             <a:fld id="{F52114D6-3887-4ECF-8F4F-5694B5188BBE}" type="datetimeFigureOut">
               <a:rPr lang="zh-CN" altLang="en-US" smtClean="0"/>
-              <a:t>2023/4/23</a:t>
             </a:fld>
             <a:endParaRPr lang="zh-CN" altLang="en-US"/>
           </a:p>
@@ -32299,7 +32561,6 @@
           <a:p>
             <a:fld id="{EC9AA0D0-AAE0-4A0F-8520-8EA630DCF9A6}" type="slidenum">
               <a:rPr lang="zh-CN" altLang="en-US" smtClean="0"/>
-              <a:t>‹#›</a:t>
             </a:fld>
             <a:endParaRPr lang="zh-CN" altLang="en-US"/>
           </a:p>
@@ -32681,858 +32942,6 @@
       </p:grpSpPr>
       <p:sp>
         <p:nvSpPr>
-          <p:cNvPr id="5" name="文本占位符 4">
-            <a:extLst>
-              <a:ext uri="{FF2B5EF4-FFF2-40B4-BE49-F238E27FC236}">
-                <a16:creationId xmlns:a16="http://schemas.microsoft.com/office/drawing/2014/main" id="{23B3A8D2-B279-4BD6-84BD-5E40E48E1F0A}"/>
-              </a:ext>
-            </a:extLst>
-          </p:cNvPr>
-          <p:cNvSpPr>
-            <a:spLocks noGrp="1"/>
-          </p:cNvSpPr>
-          <p:nvPr>
-            <p:ph type="body" sz="quarter" idx="10"/>
-          </p:nvPr>
-        </p:nvSpPr>
-        <p:spPr>
-          <a:xfrm>
-            <a:off x="1268056" y="216696"/>
-            <a:ext cx="4623329" cy="617493"/>
-          </a:xfrm>
-        </p:spPr>
-        <p:txBody>
-          <a:bodyPr/>
-          <a:lstStyle/>
-          <a:p>
-            <a:r>
-              <a:rPr lang="en-US" altLang="zh-CN" dirty="0"/>
-              <a:t>Cassandra</a:t>
-            </a:r>
-            <a:r>
-              <a:rPr lang="zh-CN" altLang="en-US" dirty="0"/>
-              <a:t>基本概念</a:t>
-            </a:r>
-          </a:p>
-        </p:txBody>
-      </p:sp>
-      <p:sp>
-        <p:nvSpPr>
-          <p:cNvPr id="6" name="Rectangle 2">
-            <a:extLst>
-              <a:ext uri="{FF2B5EF4-FFF2-40B4-BE49-F238E27FC236}">
-                <a16:creationId xmlns:a16="http://schemas.microsoft.com/office/drawing/2014/main" id="{053A0E80-6811-4E97-A4A1-10CEB722EB58}"/>
-              </a:ext>
-            </a:extLst>
-          </p:cNvPr>
-          <p:cNvSpPr>
-            <a:spLocks noChangeArrowheads="1"/>
-          </p:cNvSpPr>
-          <p:nvPr/>
-        </p:nvSpPr>
-        <p:spPr bwMode="auto">
-          <a:xfrm>
-            <a:off x="198994" y="1155014"/>
-            <a:ext cx="4081604" cy="1015663"/>
-          </a:xfrm>
-          <a:prstGeom prst="rect">
-            <a:avLst/>
-          </a:prstGeom>
-          <a:noFill/>
-          <a:ln>
-            <a:noFill/>
-          </a:ln>
-          <a:effectLst/>
-          <a:extLst>
-            <a:ext uri="{909E8E84-426E-40DD-AFC4-6F175D3DCCD1}">
-              <a14:hiddenFill xmlns:a14="http://schemas.microsoft.com/office/drawing/2010/main">
-                <a:solidFill>
-                  <a:schemeClr val="accent1"/>
-                </a:solidFill>
-              </a14:hiddenFill>
-            </a:ext>
-            <a:ext uri="{91240B29-F687-4F45-9708-019B960494DF}">
-              <a14:hiddenLine xmlns:a14="http://schemas.microsoft.com/office/drawing/2010/main" w="9525">
-                <a:solidFill>
-                  <a:schemeClr val="tx1"/>
-                </a:solidFill>
-                <a:miter lim="800000"/>
-                <a:headEnd/>
-                <a:tailEnd/>
-              </a14:hiddenLine>
-            </a:ext>
-            <a:ext uri="{AF507438-7753-43E0-B8FC-AC1667EBCBE1}">
-              <a14:hiddenEffects xmlns:a14="http://schemas.microsoft.com/office/drawing/2010/main">
-                <a:effectLst>
-                  <a:outerShdw dist="35921" dir="2700000" algn="ctr" rotWithShape="0">
-                    <a:schemeClr val="bg2"/>
-                  </a:outerShdw>
-                </a:effectLst>
-              </a14:hiddenEffects>
-            </a:ext>
-          </a:extLst>
-        </p:spPr>
-        <p:txBody>
-          <a:bodyPr vert="horz" wrap="square" lIns="91440" tIns="45720" rIns="91440" bIns="45720" numCol="1" anchor="ctr" anchorCtr="0" compatLnSpc="1">
-            <a:prstTxWarp prst="textNoShape">
-              <a:avLst/>
-            </a:prstTxWarp>
-            <a:spAutoFit/>
-          </a:bodyPr>
-          <a:lstStyle>
-            <a:lvl1pPr eaLnBrk="0" fontAlgn="base" hangingPunct="0">
-              <a:spcBef>
-                <a:spcPct val="0"/>
-              </a:spcBef>
-              <a:spcAft>
-                <a:spcPct val="0"/>
-              </a:spcAft>
-              <a:defRPr>
-                <a:solidFill>
-                  <a:schemeClr val="tx1"/>
-                </a:solidFill>
-                <a:latin typeface="Arial" panose="020B0604020202020204" pitchFamily="34" charset="0"/>
-              </a:defRPr>
-            </a:lvl1pPr>
-            <a:lvl2pPr eaLnBrk="0" fontAlgn="base" hangingPunct="0">
-              <a:spcBef>
-                <a:spcPct val="0"/>
-              </a:spcBef>
-              <a:spcAft>
-                <a:spcPct val="0"/>
-              </a:spcAft>
-              <a:defRPr>
-                <a:solidFill>
-                  <a:schemeClr val="tx1"/>
-                </a:solidFill>
-                <a:latin typeface="Arial" panose="020B0604020202020204" pitchFamily="34" charset="0"/>
-              </a:defRPr>
-            </a:lvl2pPr>
-            <a:lvl3pPr eaLnBrk="0" fontAlgn="base" hangingPunct="0">
-              <a:spcBef>
-                <a:spcPct val="0"/>
-              </a:spcBef>
-              <a:spcAft>
-                <a:spcPct val="0"/>
-              </a:spcAft>
-              <a:defRPr>
-                <a:solidFill>
-                  <a:schemeClr val="tx1"/>
-                </a:solidFill>
-                <a:latin typeface="Arial" panose="020B0604020202020204" pitchFamily="34" charset="0"/>
-              </a:defRPr>
-            </a:lvl3pPr>
-            <a:lvl4pPr eaLnBrk="0" fontAlgn="base" hangingPunct="0">
-              <a:spcBef>
-                <a:spcPct val="0"/>
-              </a:spcBef>
-              <a:spcAft>
-                <a:spcPct val="0"/>
-              </a:spcAft>
-              <a:defRPr>
-                <a:solidFill>
-                  <a:schemeClr val="tx1"/>
-                </a:solidFill>
-                <a:latin typeface="Arial" panose="020B0604020202020204" pitchFamily="34" charset="0"/>
-              </a:defRPr>
-            </a:lvl4pPr>
-            <a:lvl5pPr eaLnBrk="0" fontAlgn="base" hangingPunct="0">
-              <a:spcBef>
-                <a:spcPct val="0"/>
-              </a:spcBef>
-              <a:spcAft>
-                <a:spcPct val="0"/>
-              </a:spcAft>
-              <a:defRPr>
-                <a:solidFill>
-                  <a:schemeClr val="tx1"/>
-                </a:solidFill>
-                <a:latin typeface="Arial" panose="020B0604020202020204" pitchFamily="34" charset="0"/>
-              </a:defRPr>
-            </a:lvl5pPr>
-            <a:lvl6pPr eaLnBrk="0" fontAlgn="base" hangingPunct="0">
-              <a:spcBef>
-                <a:spcPct val="0"/>
-              </a:spcBef>
-              <a:spcAft>
-                <a:spcPct val="0"/>
-              </a:spcAft>
-              <a:defRPr>
-                <a:solidFill>
-                  <a:schemeClr val="tx1"/>
-                </a:solidFill>
-                <a:latin typeface="Arial" panose="020B0604020202020204" pitchFamily="34" charset="0"/>
-              </a:defRPr>
-            </a:lvl6pPr>
-            <a:lvl7pPr eaLnBrk="0" fontAlgn="base" hangingPunct="0">
-              <a:spcBef>
-                <a:spcPct val="0"/>
-              </a:spcBef>
-              <a:spcAft>
-                <a:spcPct val="0"/>
-              </a:spcAft>
-              <a:defRPr>
-                <a:solidFill>
-                  <a:schemeClr val="tx1"/>
-                </a:solidFill>
-                <a:latin typeface="Arial" panose="020B0604020202020204" pitchFamily="34" charset="0"/>
-              </a:defRPr>
-            </a:lvl7pPr>
-            <a:lvl8pPr eaLnBrk="0" fontAlgn="base" hangingPunct="0">
-              <a:spcBef>
-                <a:spcPct val="0"/>
-              </a:spcBef>
-              <a:spcAft>
-                <a:spcPct val="0"/>
-              </a:spcAft>
-              <a:defRPr>
-                <a:solidFill>
-                  <a:schemeClr val="tx1"/>
-                </a:solidFill>
-                <a:latin typeface="Arial" panose="020B0604020202020204" pitchFamily="34" charset="0"/>
-              </a:defRPr>
-            </a:lvl8pPr>
-            <a:lvl9pPr eaLnBrk="0" fontAlgn="base" hangingPunct="0">
-              <a:spcBef>
-                <a:spcPct val="0"/>
-              </a:spcBef>
-              <a:spcAft>
-                <a:spcPct val="0"/>
-              </a:spcAft>
-              <a:defRPr>
-                <a:solidFill>
-                  <a:schemeClr val="tx1"/>
-                </a:solidFill>
-                <a:latin typeface="Arial" panose="020B0604020202020204" pitchFamily="34" charset="0"/>
-              </a:defRPr>
-            </a:lvl9pPr>
-          </a:lstStyle>
-          <a:p>
-            <a:pPr marL="0" marR="0" lvl="0" indent="0" algn="l" defTabSz="914400" rtl="0" eaLnBrk="0" fontAlgn="base" latinLnBrk="0" hangingPunct="0">
-              <a:lnSpc>
-                <a:spcPct val="100000"/>
-              </a:lnSpc>
-              <a:spcBef>
-                <a:spcPct val="0"/>
-              </a:spcBef>
-              <a:spcAft>
-                <a:spcPct val="0"/>
-              </a:spcAft>
-              <a:buClrTx/>
-              <a:buSzTx/>
-              <a:buFontTx/>
-              <a:buNone/>
-              <a:tabLst/>
-            </a:pPr>
-            <a:r>
-              <a:rPr kumimoji="0" lang="zh-CN" altLang="zh-CN" sz="1200" b="0" i="0" u="none" strike="noStrike" cap="none" normalizeH="0" baseline="0" dirty="0">
-                <a:ln>
-                  <a:noFill/>
-                </a:ln>
-                <a:solidFill>
-                  <a:srgbClr val="34495E"/>
-                </a:solidFill>
-                <a:effectLst/>
-                <a:latin typeface="Arial" panose="020B0604020202020204" pitchFamily="34" charset="0"/>
-                <a:ea typeface="Ubuntu"/>
-              </a:rPr>
-              <a:t>行式存储</a:t>
-            </a:r>
-            <a:endParaRPr kumimoji="0" lang="zh-CN" altLang="zh-CN" sz="800" b="0" i="0" u="none" strike="noStrike" cap="none" normalizeH="0" baseline="0" dirty="0">
-              <a:ln>
-                <a:noFill/>
-              </a:ln>
-              <a:solidFill>
-                <a:schemeClr val="tx1"/>
-              </a:solidFill>
-              <a:effectLst/>
-              <a:latin typeface="Arial" panose="020B0604020202020204" pitchFamily="34" charset="0"/>
-            </a:endParaRPr>
-          </a:p>
-          <a:p>
-            <a:pPr marL="0" marR="0" lvl="0" indent="0" algn="l" defTabSz="914400" rtl="0" eaLnBrk="0" fontAlgn="base" latinLnBrk="0" hangingPunct="0">
-              <a:lnSpc>
-                <a:spcPct val="100000"/>
-              </a:lnSpc>
-              <a:spcBef>
-                <a:spcPct val="0"/>
-              </a:spcBef>
-              <a:spcAft>
-                <a:spcPct val="0"/>
-              </a:spcAft>
-              <a:buClrTx/>
-              <a:buSzTx/>
-              <a:buFontTx/>
-              <a:buNone/>
-              <a:tabLst/>
-            </a:pPr>
-            <a:r>
-              <a:rPr kumimoji="0" lang="zh-CN" altLang="zh-CN" sz="1200" b="0" i="0" u="none" strike="noStrike" cap="none" normalizeH="0" baseline="0" dirty="0">
-                <a:ln>
-                  <a:noFill/>
-                </a:ln>
-                <a:solidFill>
-                  <a:srgbClr val="34495E"/>
-                </a:solidFill>
-                <a:effectLst/>
-                <a:latin typeface="Arial" panose="020B0604020202020204" pitchFamily="34" charset="0"/>
-                <a:ea typeface="Ubuntu"/>
-              </a:rPr>
-              <a:t>以行为单位，在磁盘上存储数据；因为大部分的SQL查询，都是基于某个字段查询和结果输出的，所以在行式存储中，每一次查询都存在大量的磁盘转动和寻址操作。磁盘的转动次数多，因此他的查询性能相对较慢</a:t>
-            </a:r>
-            <a:endParaRPr kumimoji="0" lang="zh-CN" altLang="zh-CN" sz="1800" b="0" i="0" u="none" strike="noStrike" cap="none" normalizeH="0" baseline="0" dirty="0">
-              <a:ln>
-                <a:noFill/>
-              </a:ln>
-              <a:solidFill>
-                <a:schemeClr val="tx1"/>
-              </a:solidFill>
-              <a:effectLst/>
-              <a:latin typeface="Arial" panose="020B0604020202020204" pitchFamily="34" charset="0"/>
-            </a:endParaRPr>
-          </a:p>
-        </p:txBody>
-      </p:sp>
-      <p:pic>
-        <p:nvPicPr>
-          <p:cNvPr id="11" name="图片 10">
-            <a:extLst>
-              <a:ext uri="{FF2B5EF4-FFF2-40B4-BE49-F238E27FC236}">
-                <a16:creationId xmlns:a16="http://schemas.microsoft.com/office/drawing/2014/main" id="{9FD33187-16B3-4712-839B-8AC2E899ADE0}"/>
-              </a:ext>
-            </a:extLst>
-          </p:cNvPr>
-          <p:cNvPicPr>
-            <a:picLocks noChangeAspect="1"/>
-          </p:cNvPicPr>
-          <p:nvPr/>
-        </p:nvPicPr>
-        <p:blipFill>
-          <a:blip r:embed="rId3"/>
-          <a:stretch>
-            <a:fillRect/>
-          </a:stretch>
-        </p:blipFill>
-        <p:spPr>
-          <a:xfrm>
-            <a:off x="5492054" y="1155014"/>
-            <a:ext cx="4838700" cy="2114550"/>
-          </a:xfrm>
-          <a:prstGeom prst="rect">
-            <a:avLst/>
-          </a:prstGeom>
-        </p:spPr>
-      </p:pic>
-      <p:pic>
-        <p:nvPicPr>
-          <p:cNvPr id="13" name="图片 12">
-            <a:extLst>
-              <a:ext uri="{FF2B5EF4-FFF2-40B4-BE49-F238E27FC236}">
-                <a16:creationId xmlns:a16="http://schemas.microsoft.com/office/drawing/2014/main" id="{B34813F6-4863-43F7-9E02-1B8BB29B81C4}"/>
-              </a:ext>
-            </a:extLst>
-          </p:cNvPr>
-          <p:cNvPicPr>
-            <a:picLocks noChangeAspect="1"/>
-          </p:cNvPicPr>
-          <p:nvPr/>
-        </p:nvPicPr>
-        <p:blipFill>
-          <a:blip r:embed="rId4"/>
-          <a:stretch>
-            <a:fillRect/>
-          </a:stretch>
-        </p:blipFill>
-        <p:spPr>
-          <a:xfrm>
-            <a:off x="376551" y="2491502"/>
-            <a:ext cx="4867275" cy="1476375"/>
-          </a:xfrm>
-          <a:prstGeom prst="rect">
-            <a:avLst/>
-          </a:prstGeom>
-        </p:spPr>
-      </p:pic>
-      <p:pic>
-        <p:nvPicPr>
-          <p:cNvPr id="15" name="图片 14">
-            <a:extLst>
-              <a:ext uri="{FF2B5EF4-FFF2-40B4-BE49-F238E27FC236}">
-                <a16:creationId xmlns:a16="http://schemas.microsoft.com/office/drawing/2014/main" id="{F75A3973-45E3-4D52-BA61-D22153987C14}"/>
-              </a:ext>
-            </a:extLst>
-          </p:cNvPr>
-          <p:cNvPicPr>
-            <a:picLocks noChangeAspect="1"/>
-          </p:cNvPicPr>
-          <p:nvPr/>
-        </p:nvPicPr>
-        <p:blipFill>
-          <a:blip r:embed="rId5"/>
-          <a:stretch>
-            <a:fillRect/>
-          </a:stretch>
-        </p:blipFill>
-        <p:spPr>
-          <a:xfrm>
-            <a:off x="3538710" y="4288702"/>
-            <a:ext cx="4705350" cy="1543050"/>
-          </a:xfrm>
-          <a:prstGeom prst="rect">
-            <a:avLst/>
-          </a:prstGeom>
-        </p:spPr>
-      </p:pic>
-    </p:spTree>
-    <p:extLst>
-      <p:ext uri="{BB962C8B-B14F-4D97-AF65-F5344CB8AC3E}">
-        <p14:creationId xmlns:p14="http://schemas.microsoft.com/office/powerpoint/2010/main" val="3094356053"/>
-      </p:ext>
-    </p:extLst>
-  </p:cSld>
-  <p:clrMapOvr>
-    <a:masterClrMapping/>
-  </p:clrMapOvr>
-</p:sld>
-</file>
-
-<file path=ppt/slides/slide11.xml><?xml version="1.0" encoding="utf-8"?>
-<p:sld xmlns:a="http://schemas.openxmlformats.org/drawingml/2006/main" xmlns:r="http://schemas.openxmlformats.org/officeDocument/2006/relationships" xmlns:p="http://schemas.openxmlformats.org/presentationml/2006/main">
-  <p:cSld>
-    <p:spTree>
-      <p:nvGrpSpPr>
-        <p:cNvPr id="1" name=""/>
-        <p:cNvGrpSpPr/>
-        <p:nvPr/>
-      </p:nvGrpSpPr>
-      <p:grpSpPr>
-        <a:xfrm>
-          <a:off x="0" y="0"/>
-          <a:ext cx="0" cy="0"/>
-          <a:chOff x="0" y="0"/>
-          <a:chExt cx="0" cy="0"/>
-        </a:xfrm>
-      </p:grpSpPr>
-      <p:sp>
-        <p:nvSpPr>
-          <p:cNvPr id="5" name="文本占位符 4">
-            <a:extLst>
-              <a:ext uri="{FF2B5EF4-FFF2-40B4-BE49-F238E27FC236}">
-                <a16:creationId xmlns:a16="http://schemas.microsoft.com/office/drawing/2014/main" id="{23B3A8D2-B279-4BD6-84BD-5E40E48E1F0A}"/>
-              </a:ext>
-            </a:extLst>
-          </p:cNvPr>
-          <p:cNvSpPr>
-            <a:spLocks noGrp="1"/>
-          </p:cNvSpPr>
-          <p:nvPr>
-            <p:ph type="body" sz="quarter" idx="10"/>
-          </p:nvPr>
-        </p:nvSpPr>
-        <p:spPr>
-          <a:xfrm>
-            <a:off x="1268056" y="216696"/>
-            <a:ext cx="4623329" cy="617493"/>
-          </a:xfrm>
-        </p:spPr>
-        <p:txBody>
-          <a:bodyPr/>
-          <a:lstStyle/>
-          <a:p>
-            <a:r>
-              <a:rPr lang="en-US" altLang="zh-CN" dirty="0"/>
-              <a:t>Cassandra</a:t>
-            </a:r>
-            <a:r>
-              <a:rPr lang="zh-CN" altLang="en-US" dirty="0"/>
-              <a:t>基本概念</a:t>
-            </a:r>
-          </a:p>
-        </p:txBody>
-      </p:sp>
-      <p:sp>
-        <p:nvSpPr>
-          <p:cNvPr id="6" name="Rectangle 2">
-            <a:extLst>
-              <a:ext uri="{FF2B5EF4-FFF2-40B4-BE49-F238E27FC236}">
-                <a16:creationId xmlns:a16="http://schemas.microsoft.com/office/drawing/2014/main" id="{053A0E80-6811-4E97-A4A1-10CEB722EB58}"/>
-              </a:ext>
-            </a:extLst>
-          </p:cNvPr>
-          <p:cNvSpPr>
-            <a:spLocks noChangeArrowheads="1"/>
-          </p:cNvSpPr>
-          <p:nvPr/>
-        </p:nvSpPr>
-        <p:spPr bwMode="auto">
-          <a:xfrm>
-            <a:off x="198994" y="1432013"/>
-            <a:ext cx="4081604" cy="461665"/>
-          </a:xfrm>
-          <a:prstGeom prst="rect">
-            <a:avLst/>
-          </a:prstGeom>
-          <a:noFill/>
-          <a:ln>
-            <a:noFill/>
-          </a:ln>
-          <a:effectLst/>
-          <a:extLst>
-            <a:ext uri="{909E8E84-426E-40DD-AFC4-6F175D3DCCD1}">
-              <a14:hiddenFill xmlns:a14="http://schemas.microsoft.com/office/drawing/2010/main">
-                <a:solidFill>
-                  <a:schemeClr val="accent1"/>
-                </a:solidFill>
-              </a14:hiddenFill>
-            </a:ext>
-            <a:ext uri="{91240B29-F687-4F45-9708-019B960494DF}">
-              <a14:hiddenLine xmlns:a14="http://schemas.microsoft.com/office/drawing/2010/main" w="9525">
-                <a:solidFill>
-                  <a:schemeClr val="tx1"/>
-                </a:solidFill>
-                <a:miter lim="800000"/>
-                <a:headEnd/>
-                <a:tailEnd/>
-              </a14:hiddenLine>
-            </a:ext>
-            <a:ext uri="{AF507438-7753-43E0-B8FC-AC1667EBCBE1}">
-              <a14:hiddenEffects xmlns:a14="http://schemas.microsoft.com/office/drawing/2010/main">
-                <a:effectLst>
-                  <a:outerShdw dist="35921" dir="2700000" algn="ctr" rotWithShape="0">
-                    <a:schemeClr val="bg2"/>
-                  </a:outerShdw>
-                </a:effectLst>
-              </a14:hiddenEffects>
-            </a:ext>
-          </a:extLst>
-        </p:spPr>
-        <p:txBody>
-          <a:bodyPr vert="horz" wrap="square" lIns="91440" tIns="45720" rIns="91440" bIns="45720" numCol="1" anchor="ctr" anchorCtr="0" compatLnSpc="1">
-            <a:prstTxWarp prst="textNoShape">
-              <a:avLst/>
-            </a:prstTxWarp>
-            <a:spAutoFit/>
-          </a:bodyPr>
-          <a:lstStyle>
-            <a:lvl1pPr eaLnBrk="0" fontAlgn="base" hangingPunct="0">
-              <a:spcBef>
-                <a:spcPct val="0"/>
-              </a:spcBef>
-              <a:spcAft>
-                <a:spcPct val="0"/>
-              </a:spcAft>
-              <a:defRPr>
-                <a:solidFill>
-                  <a:schemeClr val="tx1"/>
-                </a:solidFill>
-                <a:latin typeface="Arial" panose="020B0604020202020204" pitchFamily="34" charset="0"/>
-              </a:defRPr>
-            </a:lvl1pPr>
-            <a:lvl2pPr eaLnBrk="0" fontAlgn="base" hangingPunct="0">
-              <a:spcBef>
-                <a:spcPct val="0"/>
-              </a:spcBef>
-              <a:spcAft>
-                <a:spcPct val="0"/>
-              </a:spcAft>
-              <a:defRPr>
-                <a:solidFill>
-                  <a:schemeClr val="tx1"/>
-                </a:solidFill>
-                <a:latin typeface="Arial" panose="020B0604020202020204" pitchFamily="34" charset="0"/>
-              </a:defRPr>
-            </a:lvl2pPr>
-            <a:lvl3pPr eaLnBrk="0" fontAlgn="base" hangingPunct="0">
-              <a:spcBef>
-                <a:spcPct val="0"/>
-              </a:spcBef>
-              <a:spcAft>
-                <a:spcPct val="0"/>
-              </a:spcAft>
-              <a:defRPr>
-                <a:solidFill>
-                  <a:schemeClr val="tx1"/>
-                </a:solidFill>
-                <a:latin typeface="Arial" panose="020B0604020202020204" pitchFamily="34" charset="0"/>
-              </a:defRPr>
-            </a:lvl3pPr>
-            <a:lvl4pPr eaLnBrk="0" fontAlgn="base" hangingPunct="0">
-              <a:spcBef>
-                <a:spcPct val="0"/>
-              </a:spcBef>
-              <a:spcAft>
-                <a:spcPct val="0"/>
-              </a:spcAft>
-              <a:defRPr>
-                <a:solidFill>
-                  <a:schemeClr val="tx1"/>
-                </a:solidFill>
-                <a:latin typeface="Arial" panose="020B0604020202020204" pitchFamily="34" charset="0"/>
-              </a:defRPr>
-            </a:lvl4pPr>
-            <a:lvl5pPr eaLnBrk="0" fontAlgn="base" hangingPunct="0">
-              <a:spcBef>
-                <a:spcPct val="0"/>
-              </a:spcBef>
-              <a:spcAft>
-                <a:spcPct val="0"/>
-              </a:spcAft>
-              <a:defRPr>
-                <a:solidFill>
-                  <a:schemeClr val="tx1"/>
-                </a:solidFill>
-                <a:latin typeface="Arial" panose="020B0604020202020204" pitchFamily="34" charset="0"/>
-              </a:defRPr>
-            </a:lvl5pPr>
-            <a:lvl6pPr eaLnBrk="0" fontAlgn="base" hangingPunct="0">
-              <a:spcBef>
-                <a:spcPct val="0"/>
-              </a:spcBef>
-              <a:spcAft>
-                <a:spcPct val="0"/>
-              </a:spcAft>
-              <a:defRPr>
-                <a:solidFill>
-                  <a:schemeClr val="tx1"/>
-                </a:solidFill>
-                <a:latin typeface="Arial" panose="020B0604020202020204" pitchFamily="34" charset="0"/>
-              </a:defRPr>
-            </a:lvl6pPr>
-            <a:lvl7pPr eaLnBrk="0" fontAlgn="base" hangingPunct="0">
-              <a:spcBef>
-                <a:spcPct val="0"/>
-              </a:spcBef>
-              <a:spcAft>
-                <a:spcPct val="0"/>
-              </a:spcAft>
-              <a:defRPr>
-                <a:solidFill>
-                  <a:schemeClr val="tx1"/>
-                </a:solidFill>
-                <a:latin typeface="Arial" panose="020B0604020202020204" pitchFamily="34" charset="0"/>
-              </a:defRPr>
-            </a:lvl7pPr>
-            <a:lvl8pPr eaLnBrk="0" fontAlgn="base" hangingPunct="0">
-              <a:spcBef>
-                <a:spcPct val="0"/>
-              </a:spcBef>
-              <a:spcAft>
-                <a:spcPct val="0"/>
-              </a:spcAft>
-              <a:defRPr>
-                <a:solidFill>
-                  <a:schemeClr val="tx1"/>
-                </a:solidFill>
-                <a:latin typeface="Arial" panose="020B0604020202020204" pitchFamily="34" charset="0"/>
-              </a:defRPr>
-            </a:lvl8pPr>
-            <a:lvl9pPr eaLnBrk="0" fontAlgn="base" hangingPunct="0">
-              <a:spcBef>
-                <a:spcPct val="0"/>
-              </a:spcBef>
-              <a:spcAft>
-                <a:spcPct val="0"/>
-              </a:spcAft>
-              <a:defRPr>
-                <a:solidFill>
-                  <a:schemeClr val="tx1"/>
-                </a:solidFill>
-                <a:latin typeface="Arial" panose="020B0604020202020204" pitchFamily="34" charset="0"/>
-              </a:defRPr>
-            </a:lvl9pPr>
-          </a:lstStyle>
-          <a:p>
-            <a:pPr marL="0" marR="0" lvl="0" indent="0" algn="l" defTabSz="914400" rtl="0" eaLnBrk="0" fontAlgn="base" latinLnBrk="0" hangingPunct="0">
-              <a:lnSpc>
-                <a:spcPct val="100000"/>
-              </a:lnSpc>
-              <a:spcBef>
-                <a:spcPct val="0"/>
-              </a:spcBef>
-              <a:spcAft>
-                <a:spcPct val="0"/>
-              </a:spcAft>
-              <a:buClrTx/>
-              <a:buSzTx/>
-              <a:buFontTx/>
-              <a:buNone/>
-              <a:tabLst/>
-            </a:pPr>
-            <a:r>
-              <a:rPr lang="zh-CN" altLang="en-US" sz="1200" dirty="0">
-                <a:solidFill>
-                  <a:srgbClr val="34495E"/>
-                </a:solidFill>
-                <a:ea typeface="Ubuntu"/>
-              </a:rPr>
-              <a:t>列式存储：</a:t>
-            </a:r>
-            <a:endParaRPr lang="en-US" altLang="zh-CN" sz="1200" dirty="0">
-              <a:solidFill>
-                <a:srgbClr val="34495E"/>
-              </a:solidFill>
-              <a:ea typeface="Ubuntu"/>
-            </a:endParaRPr>
-          </a:p>
-          <a:p>
-            <a:pPr marL="0" marR="0" lvl="0" indent="0" algn="l" defTabSz="914400" rtl="0" eaLnBrk="0" fontAlgn="base" latinLnBrk="0" hangingPunct="0">
-              <a:lnSpc>
-                <a:spcPct val="100000"/>
-              </a:lnSpc>
-              <a:spcBef>
-                <a:spcPct val="0"/>
-              </a:spcBef>
-              <a:spcAft>
-                <a:spcPct val="0"/>
-              </a:spcAft>
-              <a:buClrTx/>
-              <a:buSzTx/>
-              <a:buFontTx/>
-              <a:buNone/>
-              <a:tabLst/>
-            </a:pPr>
-            <a:r>
-              <a:rPr kumimoji="0" lang="zh-CN" altLang="zh-CN" sz="1200" b="0" i="0" u="none" strike="noStrike" cap="none" normalizeH="0" baseline="0" dirty="0">
-                <a:ln>
-                  <a:noFill/>
-                </a:ln>
-                <a:solidFill>
-                  <a:srgbClr val="34495E"/>
-                </a:solidFill>
-                <a:effectLst/>
-                <a:latin typeface="Arial" panose="020B0604020202020204" pitchFamily="34" charset="0"/>
-                <a:ea typeface="Ubuntu"/>
-              </a:rPr>
-              <a:t>以</a:t>
-            </a:r>
-            <a:r>
-              <a:rPr lang="zh-CN" altLang="en-US" sz="1200" dirty="0">
-                <a:solidFill>
-                  <a:srgbClr val="34495E"/>
-                </a:solidFill>
-                <a:ea typeface="Ubuntu"/>
-              </a:rPr>
-              <a:t>列</a:t>
-            </a:r>
-            <a:r>
-              <a:rPr kumimoji="0" lang="zh-CN" altLang="zh-CN" sz="1200" b="0" i="0" u="none" strike="noStrike" cap="none" normalizeH="0" baseline="0" dirty="0">
-                <a:ln>
-                  <a:noFill/>
-                </a:ln>
-                <a:solidFill>
-                  <a:srgbClr val="34495E"/>
-                </a:solidFill>
-                <a:effectLst/>
-                <a:latin typeface="Arial" panose="020B0604020202020204" pitchFamily="34" charset="0"/>
-                <a:ea typeface="Ubuntu"/>
-              </a:rPr>
-              <a:t>为单位，在磁盘上存储数据</a:t>
-            </a:r>
-            <a:endParaRPr kumimoji="0" lang="zh-CN" altLang="zh-CN" sz="1800" b="0" i="0" u="none" strike="noStrike" cap="none" normalizeH="0" baseline="0" dirty="0">
-              <a:ln>
-                <a:noFill/>
-              </a:ln>
-              <a:solidFill>
-                <a:schemeClr val="tx1"/>
-              </a:solidFill>
-              <a:effectLst/>
-              <a:latin typeface="Arial" panose="020B0604020202020204" pitchFamily="34" charset="0"/>
-            </a:endParaRPr>
-          </a:p>
-        </p:txBody>
-      </p:sp>
-      <p:pic>
-        <p:nvPicPr>
-          <p:cNvPr id="8" name="图片 7">
-            <a:extLst>
-              <a:ext uri="{FF2B5EF4-FFF2-40B4-BE49-F238E27FC236}">
-                <a16:creationId xmlns:a16="http://schemas.microsoft.com/office/drawing/2014/main" id="{C50E3A9C-62F3-4F97-92A4-7D5812D34168}"/>
-              </a:ext>
-            </a:extLst>
-          </p:cNvPr>
-          <p:cNvPicPr>
-            <a:picLocks noChangeAspect="1"/>
-          </p:cNvPicPr>
-          <p:nvPr/>
-        </p:nvPicPr>
-        <p:blipFill>
-          <a:blip r:embed="rId3"/>
-          <a:stretch>
-            <a:fillRect/>
-          </a:stretch>
-        </p:blipFill>
-        <p:spPr>
-          <a:xfrm>
-            <a:off x="4704109" y="1136050"/>
-            <a:ext cx="5429250" cy="1876425"/>
-          </a:xfrm>
-          <a:prstGeom prst="rect">
-            <a:avLst/>
-          </a:prstGeom>
-        </p:spPr>
-      </p:pic>
-      <p:pic>
-        <p:nvPicPr>
-          <p:cNvPr id="10" name="图片 9">
-            <a:extLst>
-              <a:ext uri="{FF2B5EF4-FFF2-40B4-BE49-F238E27FC236}">
-                <a16:creationId xmlns:a16="http://schemas.microsoft.com/office/drawing/2014/main" id="{A544BD61-DFA3-4D06-997C-52812A430CF0}"/>
-              </a:ext>
-            </a:extLst>
-          </p:cNvPr>
-          <p:cNvPicPr>
-            <a:picLocks noChangeAspect="1"/>
-          </p:cNvPicPr>
-          <p:nvPr/>
-        </p:nvPicPr>
-        <p:blipFill>
-          <a:blip r:embed="rId4"/>
-          <a:stretch>
-            <a:fillRect/>
-          </a:stretch>
-        </p:blipFill>
-        <p:spPr>
-          <a:xfrm>
-            <a:off x="1334242" y="3429000"/>
-            <a:ext cx="7528404" cy="2596001"/>
-          </a:xfrm>
-          <a:prstGeom prst="rect">
-            <a:avLst/>
-          </a:prstGeom>
-        </p:spPr>
-      </p:pic>
-    </p:spTree>
-    <p:extLst>
-      <p:ext uri="{BB962C8B-B14F-4D97-AF65-F5344CB8AC3E}">
-        <p14:creationId xmlns:p14="http://schemas.microsoft.com/office/powerpoint/2010/main" val="2521393214"/>
-      </p:ext>
-    </p:extLst>
-  </p:cSld>
-  <p:clrMapOvr>
-    <a:masterClrMapping/>
-  </p:clrMapOvr>
-</p:sld>
-</file>
-
-<file path=ppt/slides/slide12.xml><?xml version="1.0" encoding="utf-8"?>
-<p:sld xmlns:a="http://schemas.openxmlformats.org/drawingml/2006/main" xmlns:r="http://schemas.openxmlformats.org/officeDocument/2006/relationships" xmlns:p="http://schemas.openxmlformats.org/presentationml/2006/main">
-  <p:cSld>
-    <p:spTree>
-      <p:nvGrpSpPr>
-        <p:cNvPr id="1" name=""/>
-        <p:cNvGrpSpPr/>
-        <p:nvPr/>
-      </p:nvGrpSpPr>
-      <p:grpSpPr>
-        <a:xfrm>
-          <a:off x="0" y="0"/>
-          <a:ext cx="0" cy="0"/>
-          <a:chOff x="0" y="0"/>
-          <a:chExt cx="0" cy="0"/>
-        </a:xfrm>
-      </p:grpSpPr>
-      <p:sp>
-        <p:nvSpPr>
           <p:cNvPr id="38" name="文本占位符 37"/>
           <p:cNvSpPr>
             <a:spLocks noGrp="1"/>
@@ -33550,8 +32959,17 @@
           <a:p>
             <a:r>
               <a:rPr lang="zh-CN" altLang="en-US" dirty="0"/>
-              <a:t>单机版部署</a:t>
-            </a:r>
+              <a:t>概述</a:t>
+            </a:r>
+            <a:r>
+              <a:rPr lang="en-US" altLang="zh-CN" dirty="0"/>
+              <a:t>&amp;</a:t>
+            </a:r>
+            <a:r>
+              <a:rPr lang="zh-CN" altLang="en-US" dirty="0"/>
+              <a:t>特点</a:t>
+            </a:r>
+            <a:endParaRPr lang="zh-CN" altLang="en-US" dirty="0"/>
           </a:p>
         </p:txBody>
       </p:sp>
@@ -34178,13 +33596,1717 @@
           <p:nvPr/>
         </p:nvPicPr>
         <p:blipFill>
-          <a:blip r:embed="rId3">
+          <a:blip r:embed="rId1">
             <a:extLst>
               <a:ext uri="{96DAC541-7B7A-43D3-8B79-37D633B846F1}">
-                <asvg:svgBlip xmlns:asvg="http://schemas.microsoft.com/office/drawing/2016/SVG/main" r:embed="rId4"/>
+                <asvg:svgBlip xmlns:asvg="http://schemas.microsoft.com/office/drawing/2016/SVG/main" r:embed="rId2"/>
               </a:ext>
             </a:extLst>
           </a:blip>
+          <a:stretch>
+            <a:fillRect/>
+          </a:stretch>
+        </p:blipFill>
+        <p:spPr>
+          <a:xfrm>
+            <a:off x="5299461" y="2671978"/>
+            <a:ext cx="1450923" cy="1450923"/>
+          </a:xfrm>
+          <a:prstGeom prst="rect">
+            <a:avLst/>
+          </a:prstGeom>
+        </p:spPr>
+      </p:pic>
+      <p:sp>
+        <p:nvSpPr>
+          <p:cNvPr id="9" name="文本框 8"/>
+          <p:cNvSpPr txBox="1"/>
+          <p:nvPr/>
+        </p:nvSpPr>
+        <p:spPr>
+          <a:xfrm>
+            <a:off x="1268056" y="923278"/>
+            <a:ext cx="9358515" cy="307777"/>
+          </a:xfrm>
+          <a:prstGeom prst="rect">
+            <a:avLst/>
+          </a:prstGeom>
+          <a:noFill/>
+        </p:spPr>
+        <p:txBody>
+          <a:bodyPr wrap="square" rtlCol="0">
+            <a:spAutoFit/>
+          </a:bodyPr>
+          <a:lstStyle/>
+          <a:p>
+            <a:r>
+              <a:rPr lang="en-US" altLang="zh-CN" sz="1400" dirty="0"/>
+              <a:t>Cassandra</a:t>
+            </a:r>
+            <a:r>
+              <a:rPr lang="zh-CN" altLang="en-US" sz="1400" dirty="0"/>
+              <a:t>是一个分布式的</a:t>
+            </a:r>
+            <a:r>
+              <a:rPr lang="en-US" altLang="zh-CN" sz="1400" dirty="0"/>
+              <a:t>NoSQL</a:t>
+            </a:r>
+            <a:r>
+              <a:rPr lang="zh-CN" altLang="en-US" sz="1400" dirty="0"/>
+              <a:t>数据库系统，它的设计目的是为了能够处理大规模数据的高可用性和高性能</a:t>
+            </a:r>
+            <a:endParaRPr lang="zh-CN" altLang="en-US" sz="1400" dirty="0"/>
+          </a:p>
+        </p:txBody>
+      </p:sp>
+      <p:sp>
+        <p:nvSpPr>
+          <p:cNvPr id="12" name="文本框 11"/>
+          <p:cNvSpPr txBox="1"/>
+          <p:nvPr/>
+        </p:nvSpPr>
+        <p:spPr>
+          <a:xfrm>
+            <a:off x="923548" y="1538266"/>
+            <a:ext cx="10333337" cy="4031873"/>
+          </a:xfrm>
+          <a:prstGeom prst="rect">
+            <a:avLst/>
+          </a:prstGeom>
+          <a:noFill/>
+        </p:spPr>
+        <p:txBody>
+          <a:bodyPr wrap="square" rtlCol="0">
+            <a:spAutoFit/>
+          </a:bodyPr>
+          <a:lstStyle/>
+          <a:p>
+            <a:r>
+              <a:rPr lang="zh-CN" altLang="en-US" sz="1600" dirty="0"/>
+              <a:t>弹性可扩展性 </a:t>
+            </a:r>
+            <a:r>
+              <a:rPr lang="en-US" altLang="zh-CN" sz="1600" dirty="0"/>
+              <a:t>- Cassandra</a:t>
+            </a:r>
+            <a:r>
+              <a:rPr lang="zh-CN" altLang="en-US" sz="1600" dirty="0"/>
+              <a:t>是高度可扩展的</a:t>
+            </a:r>
+            <a:r>
+              <a:rPr lang="en-US" altLang="zh-CN" sz="1600" dirty="0"/>
+              <a:t>; </a:t>
+            </a:r>
+            <a:r>
+              <a:rPr lang="zh-CN" altLang="en-US" sz="1600" dirty="0"/>
+              <a:t>它允许添加更多的硬件以适应更多的客户和更多的数据根据要求。</a:t>
+            </a:r>
+            <a:r>
+              <a:rPr lang="en-US" altLang="zh-CN" sz="1600" dirty="0"/>
+              <a:t>- </a:t>
+            </a:r>
+            <a:endParaRPr lang="en-US" altLang="zh-CN" sz="1600" dirty="0"/>
+          </a:p>
+          <a:p>
+            <a:endParaRPr lang="en-US" altLang="zh-CN" sz="1600" dirty="0"/>
+          </a:p>
+          <a:p>
+            <a:r>
+              <a:rPr lang="zh-CN" altLang="en-US" sz="1600" dirty="0"/>
+              <a:t>始终基于架构 </a:t>
+            </a:r>
+            <a:r>
+              <a:rPr lang="en-US" altLang="zh-CN" sz="1600" dirty="0"/>
+              <a:t>- Cassandra</a:t>
+            </a:r>
+            <a:r>
+              <a:rPr lang="zh-CN" altLang="en-US" sz="1600" dirty="0"/>
+              <a:t>没有单点故障，它可以连续用于不能承担故障的关键业务应用程序。</a:t>
+            </a:r>
+            <a:r>
+              <a:rPr lang="en-US" altLang="zh-CN" sz="1600" dirty="0"/>
+              <a:t>- </a:t>
+            </a:r>
+            <a:endParaRPr lang="en-US" altLang="zh-CN" sz="1600" dirty="0"/>
+          </a:p>
+          <a:p>
+            <a:endParaRPr lang="en-US" altLang="zh-CN" sz="1600" dirty="0"/>
+          </a:p>
+          <a:p>
+            <a:r>
+              <a:rPr lang="zh-CN" altLang="en-US" sz="1600" dirty="0"/>
+              <a:t>快速线性性能 </a:t>
+            </a:r>
+            <a:r>
+              <a:rPr lang="en-US" altLang="zh-CN" sz="1600" dirty="0"/>
+              <a:t>- Cassandra</a:t>
+            </a:r>
+            <a:r>
+              <a:rPr lang="zh-CN" altLang="en-US" sz="1600" dirty="0"/>
+              <a:t>是线性可扩展性的，即它为你增加集群中的节点数量增加你的吞吐量。因此，保持一个快速的响应时间。</a:t>
+            </a:r>
+            <a:r>
+              <a:rPr lang="en-US" altLang="zh-CN" sz="1600" dirty="0"/>
+              <a:t>- </a:t>
+            </a:r>
+            <a:endParaRPr lang="en-US" altLang="zh-CN" sz="1600" dirty="0"/>
+          </a:p>
+          <a:p>
+            <a:endParaRPr lang="en-US" altLang="zh-CN" sz="1600" dirty="0"/>
+          </a:p>
+          <a:p>
+            <a:r>
+              <a:rPr lang="zh-CN" altLang="en-US" sz="1600" dirty="0"/>
+              <a:t>灵活的数据存储 </a:t>
+            </a:r>
+            <a:r>
+              <a:rPr lang="en-US" altLang="zh-CN" sz="1600" dirty="0"/>
+              <a:t>- Cassandra</a:t>
+            </a:r>
+            <a:r>
+              <a:rPr lang="zh-CN" altLang="en-US" sz="1600" dirty="0"/>
+              <a:t>适应所有可能的数据格式，包括：结构化，半结构化和非结构化。它可以根据您的需要动态地适应变化的数据结构。</a:t>
+            </a:r>
+            <a:r>
+              <a:rPr lang="en-US" altLang="zh-CN" sz="1600" dirty="0"/>
+              <a:t>- </a:t>
+            </a:r>
+            <a:endParaRPr lang="en-US" altLang="zh-CN" sz="1600" dirty="0"/>
+          </a:p>
+          <a:p>
+            <a:endParaRPr lang="en-US" altLang="zh-CN" sz="1600" dirty="0"/>
+          </a:p>
+          <a:p>
+            <a:r>
+              <a:rPr lang="zh-CN" altLang="en-US" sz="1600" dirty="0"/>
+              <a:t>便捷的数据分发 </a:t>
+            </a:r>
+            <a:r>
+              <a:rPr lang="en-US" altLang="zh-CN" sz="1600" dirty="0"/>
+              <a:t>- Cassandra</a:t>
+            </a:r>
+            <a:r>
+              <a:rPr lang="zh-CN" altLang="en-US" sz="1600" dirty="0"/>
+              <a:t>通过在多个数据中心之间复制数据，可以灵活地在需要时分发数据。</a:t>
+            </a:r>
+            <a:r>
+              <a:rPr lang="en-US" altLang="zh-CN" sz="1600" dirty="0"/>
+              <a:t>- </a:t>
+            </a:r>
+            <a:endParaRPr lang="en-US" altLang="zh-CN" sz="1600" dirty="0"/>
+          </a:p>
+          <a:p>
+            <a:endParaRPr lang="en-US" altLang="zh-CN" sz="1600" dirty="0"/>
+          </a:p>
+          <a:p>
+            <a:r>
+              <a:rPr lang="zh-CN" altLang="en-US" sz="1600" dirty="0"/>
+              <a:t>事务支持 </a:t>
+            </a:r>
+            <a:r>
+              <a:rPr lang="en-US" altLang="zh-CN" sz="1600" dirty="0"/>
+              <a:t>- Cassandra</a:t>
+            </a:r>
+            <a:r>
+              <a:rPr lang="zh-CN" altLang="en-US" sz="1600" dirty="0"/>
+              <a:t>支持属性，如原子性，一致性，隔离和持久性（</a:t>
+            </a:r>
+            <a:r>
+              <a:rPr lang="en-US" altLang="zh-CN" sz="1600" dirty="0"/>
+              <a:t>ACID</a:t>
+            </a:r>
+            <a:r>
+              <a:rPr lang="zh-CN" altLang="en-US" sz="1600" dirty="0"/>
+              <a:t>）。</a:t>
+            </a:r>
+            <a:r>
+              <a:rPr lang="en-US" altLang="zh-CN" sz="1600" dirty="0"/>
+              <a:t>- </a:t>
+            </a:r>
+            <a:endParaRPr lang="en-US" altLang="zh-CN" sz="1600" dirty="0"/>
+          </a:p>
+          <a:p>
+            <a:endParaRPr lang="en-US" altLang="zh-CN" sz="1600" dirty="0"/>
+          </a:p>
+          <a:p>
+            <a:r>
+              <a:rPr lang="zh-CN" altLang="en-US" sz="1600" dirty="0"/>
+              <a:t>快速写入 </a:t>
+            </a:r>
+            <a:r>
+              <a:rPr lang="en-US" altLang="zh-CN" sz="1600" dirty="0"/>
+              <a:t>- Cassandra</a:t>
+            </a:r>
+            <a:r>
+              <a:rPr lang="zh-CN" altLang="en-US" sz="1600" dirty="0"/>
+              <a:t>被设计为在廉价的商品硬件上运行。 它执行快速写入，并可以存储数百</a:t>
+            </a:r>
+            <a:r>
+              <a:rPr lang="en-US" altLang="zh-CN" sz="1600" dirty="0"/>
+              <a:t>TB</a:t>
+            </a:r>
+            <a:r>
+              <a:rPr lang="zh-CN" altLang="en-US" sz="1600" dirty="0"/>
+              <a:t>的数据，而不牺牲读取效率。</a:t>
+            </a:r>
+            <a:endParaRPr lang="zh-CN" altLang="en-US" sz="1600" dirty="0"/>
+          </a:p>
+        </p:txBody>
+      </p:sp>
+    </p:spTree>
+  </p:cSld>
+  <p:clrMapOvr>
+    <a:masterClrMapping/>
+  </p:clrMapOvr>
+</p:sld>
+</file>
+
+<file path=ppt/slides/slide11.xml><?xml version="1.0" encoding="utf-8"?>
+<p:sld xmlns:a="http://schemas.openxmlformats.org/drawingml/2006/main" xmlns:r="http://schemas.openxmlformats.org/officeDocument/2006/relationships" xmlns:p="http://schemas.openxmlformats.org/presentationml/2006/main">
+  <p:cSld>
+    <p:spTree>
+      <p:nvGrpSpPr>
+        <p:cNvPr id="1" name=""/>
+        <p:cNvGrpSpPr/>
+        <p:nvPr/>
+      </p:nvGrpSpPr>
+      <p:grpSpPr>
+        <a:xfrm>
+          <a:off x="0" y="0"/>
+          <a:ext cx="0" cy="0"/>
+          <a:chOff x="0" y="0"/>
+          <a:chExt cx="0" cy="0"/>
+        </a:xfrm>
+      </p:grpSpPr>
+      <p:sp>
+        <p:nvSpPr>
+          <p:cNvPr id="5" name="文本占位符 4"/>
+          <p:cNvSpPr>
+            <a:spLocks noGrp="1"/>
+          </p:cNvSpPr>
+          <p:nvPr>
+            <p:ph type="body" sz="quarter" idx="10"/>
+          </p:nvPr>
+        </p:nvSpPr>
+        <p:spPr>
+          <a:xfrm>
+            <a:off x="1268056" y="216696"/>
+            <a:ext cx="4623329" cy="617493"/>
+          </a:xfrm>
+        </p:spPr>
+        <p:txBody>
+          <a:bodyPr/>
+          <a:lstStyle/>
+          <a:p>
+            <a:r>
+              <a:rPr lang="en-US" altLang="zh-CN" dirty="0"/>
+              <a:t>Cassandra</a:t>
+            </a:r>
+            <a:r>
+              <a:rPr lang="zh-CN" altLang="en-US" dirty="0"/>
+              <a:t>基本概念</a:t>
+            </a:r>
+            <a:endParaRPr lang="zh-CN" altLang="en-US" dirty="0"/>
+          </a:p>
+        </p:txBody>
+      </p:sp>
+      <p:sp>
+        <p:nvSpPr>
+          <p:cNvPr id="6" name="Rectangle 2"/>
+          <p:cNvSpPr>
+            <a:spLocks noChangeArrowheads="1"/>
+          </p:cNvSpPr>
+          <p:nvPr/>
+        </p:nvSpPr>
+        <p:spPr bwMode="auto">
+          <a:xfrm>
+            <a:off x="198994" y="1155014"/>
+            <a:ext cx="4081604" cy="1015663"/>
+          </a:xfrm>
+          <a:prstGeom prst="rect">
+            <a:avLst/>
+          </a:prstGeom>
+          <a:noFill/>
+          <a:ln>
+            <a:noFill/>
+          </a:ln>
+          <a:effectLst/>
+          <a:extLst>
+            <a:ext uri="{909E8E84-426E-40DD-AFC4-6F175D3DCCD1}">
+              <a14:hiddenFill xmlns:a14="http://schemas.microsoft.com/office/drawing/2010/main">
+                <a:solidFill>
+                  <a:schemeClr val="accent1"/>
+                </a:solidFill>
+              </a14:hiddenFill>
+            </a:ext>
+            <a:ext uri="{91240B29-F687-4F45-9708-019B960494DF}">
+              <a14:hiddenLine xmlns:a14="http://schemas.microsoft.com/office/drawing/2010/main" w="9525">
+                <a:solidFill>
+                  <a:schemeClr val="tx1"/>
+                </a:solidFill>
+                <a:miter lim="800000"/>
+                <a:headEnd/>
+                <a:tailEnd/>
+              </a14:hiddenLine>
+            </a:ext>
+            <a:ext uri="{AF507438-7753-43E0-B8FC-AC1667EBCBE1}">
+              <a14:hiddenEffects xmlns:a14="http://schemas.microsoft.com/office/drawing/2010/main">
+                <a:effectLst>
+                  <a:outerShdw dist="35921" dir="2700000" algn="ctr" rotWithShape="0">
+                    <a:schemeClr val="bg2"/>
+                  </a:outerShdw>
+                </a:effectLst>
+              </a14:hiddenEffects>
+            </a:ext>
+          </a:extLst>
+        </p:spPr>
+        <p:txBody>
+          <a:bodyPr vert="horz" wrap="square" lIns="91440" tIns="45720" rIns="91440" bIns="45720" numCol="1" anchor="ctr" anchorCtr="0" compatLnSpc="1">
+            <a:spAutoFit/>
+          </a:bodyPr>
+          <a:lstStyle>
+            <a:lvl1pPr eaLnBrk="0" fontAlgn="base" hangingPunct="0">
+              <a:spcBef>
+                <a:spcPct val="0"/>
+              </a:spcBef>
+              <a:spcAft>
+                <a:spcPct val="0"/>
+              </a:spcAft>
+              <a:defRPr>
+                <a:solidFill>
+                  <a:schemeClr val="tx1"/>
+                </a:solidFill>
+                <a:latin typeface="Arial" panose="020B0604020202020204" pitchFamily="34" charset="0"/>
+              </a:defRPr>
+            </a:lvl1pPr>
+            <a:lvl2pPr eaLnBrk="0" fontAlgn="base" hangingPunct="0">
+              <a:spcBef>
+                <a:spcPct val="0"/>
+              </a:spcBef>
+              <a:spcAft>
+                <a:spcPct val="0"/>
+              </a:spcAft>
+              <a:defRPr>
+                <a:solidFill>
+                  <a:schemeClr val="tx1"/>
+                </a:solidFill>
+                <a:latin typeface="Arial" panose="020B0604020202020204" pitchFamily="34" charset="0"/>
+              </a:defRPr>
+            </a:lvl2pPr>
+            <a:lvl3pPr eaLnBrk="0" fontAlgn="base" hangingPunct="0">
+              <a:spcBef>
+                <a:spcPct val="0"/>
+              </a:spcBef>
+              <a:spcAft>
+                <a:spcPct val="0"/>
+              </a:spcAft>
+              <a:defRPr>
+                <a:solidFill>
+                  <a:schemeClr val="tx1"/>
+                </a:solidFill>
+                <a:latin typeface="Arial" panose="020B0604020202020204" pitchFamily="34" charset="0"/>
+              </a:defRPr>
+            </a:lvl3pPr>
+            <a:lvl4pPr eaLnBrk="0" fontAlgn="base" hangingPunct="0">
+              <a:spcBef>
+                <a:spcPct val="0"/>
+              </a:spcBef>
+              <a:spcAft>
+                <a:spcPct val="0"/>
+              </a:spcAft>
+              <a:defRPr>
+                <a:solidFill>
+                  <a:schemeClr val="tx1"/>
+                </a:solidFill>
+                <a:latin typeface="Arial" panose="020B0604020202020204" pitchFamily="34" charset="0"/>
+              </a:defRPr>
+            </a:lvl4pPr>
+            <a:lvl5pPr eaLnBrk="0" fontAlgn="base" hangingPunct="0">
+              <a:spcBef>
+                <a:spcPct val="0"/>
+              </a:spcBef>
+              <a:spcAft>
+                <a:spcPct val="0"/>
+              </a:spcAft>
+              <a:defRPr>
+                <a:solidFill>
+                  <a:schemeClr val="tx1"/>
+                </a:solidFill>
+                <a:latin typeface="Arial" panose="020B0604020202020204" pitchFamily="34" charset="0"/>
+              </a:defRPr>
+            </a:lvl5pPr>
+            <a:lvl6pPr eaLnBrk="0" fontAlgn="base" hangingPunct="0">
+              <a:spcBef>
+                <a:spcPct val="0"/>
+              </a:spcBef>
+              <a:spcAft>
+                <a:spcPct val="0"/>
+              </a:spcAft>
+              <a:defRPr>
+                <a:solidFill>
+                  <a:schemeClr val="tx1"/>
+                </a:solidFill>
+                <a:latin typeface="Arial" panose="020B0604020202020204" pitchFamily="34" charset="0"/>
+              </a:defRPr>
+            </a:lvl6pPr>
+            <a:lvl7pPr eaLnBrk="0" fontAlgn="base" hangingPunct="0">
+              <a:spcBef>
+                <a:spcPct val="0"/>
+              </a:spcBef>
+              <a:spcAft>
+                <a:spcPct val="0"/>
+              </a:spcAft>
+              <a:defRPr>
+                <a:solidFill>
+                  <a:schemeClr val="tx1"/>
+                </a:solidFill>
+                <a:latin typeface="Arial" panose="020B0604020202020204" pitchFamily="34" charset="0"/>
+              </a:defRPr>
+            </a:lvl7pPr>
+            <a:lvl8pPr eaLnBrk="0" fontAlgn="base" hangingPunct="0">
+              <a:spcBef>
+                <a:spcPct val="0"/>
+              </a:spcBef>
+              <a:spcAft>
+                <a:spcPct val="0"/>
+              </a:spcAft>
+              <a:defRPr>
+                <a:solidFill>
+                  <a:schemeClr val="tx1"/>
+                </a:solidFill>
+                <a:latin typeface="Arial" panose="020B0604020202020204" pitchFamily="34" charset="0"/>
+              </a:defRPr>
+            </a:lvl8pPr>
+            <a:lvl9pPr eaLnBrk="0" fontAlgn="base" hangingPunct="0">
+              <a:spcBef>
+                <a:spcPct val="0"/>
+              </a:spcBef>
+              <a:spcAft>
+                <a:spcPct val="0"/>
+              </a:spcAft>
+              <a:defRPr>
+                <a:solidFill>
+                  <a:schemeClr val="tx1"/>
+                </a:solidFill>
+                <a:latin typeface="Arial" panose="020B0604020202020204" pitchFamily="34" charset="0"/>
+              </a:defRPr>
+            </a:lvl9pPr>
+          </a:lstStyle>
+          <a:p>
+            <a:pPr marL="0" marR="0" lvl="0" indent="0" algn="l" defTabSz="914400" rtl="0" eaLnBrk="0" fontAlgn="base" latinLnBrk="0" hangingPunct="0">
+              <a:lnSpc>
+                <a:spcPct val="100000"/>
+              </a:lnSpc>
+              <a:spcBef>
+                <a:spcPct val="0"/>
+              </a:spcBef>
+              <a:spcAft>
+                <a:spcPct val="0"/>
+              </a:spcAft>
+              <a:buClrTx/>
+              <a:buSzTx/>
+              <a:buFontTx/>
+              <a:buNone/>
+            </a:pPr>
+            <a:r>
+              <a:rPr kumimoji="0" lang="zh-CN" altLang="zh-CN" sz="1200" b="0" i="0" u="none" strike="noStrike" cap="none" normalizeH="0" baseline="0" dirty="0">
+                <a:ln>
+                  <a:noFill/>
+                </a:ln>
+                <a:solidFill>
+                  <a:srgbClr val="34495E"/>
+                </a:solidFill>
+                <a:effectLst/>
+                <a:latin typeface="Arial" panose="020B0604020202020204" pitchFamily="34" charset="0"/>
+                <a:ea typeface="Ubuntu"/>
+              </a:rPr>
+              <a:t>行式存储</a:t>
+            </a:r>
+            <a:endParaRPr kumimoji="0" lang="zh-CN" altLang="zh-CN" sz="800" b="0" i="0" u="none" strike="noStrike" cap="none" normalizeH="0" baseline="0" dirty="0">
+              <a:ln>
+                <a:noFill/>
+              </a:ln>
+              <a:solidFill>
+                <a:schemeClr val="tx1"/>
+              </a:solidFill>
+              <a:effectLst/>
+              <a:latin typeface="Arial" panose="020B0604020202020204" pitchFamily="34" charset="0"/>
+            </a:endParaRPr>
+          </a:p>
+          <a:p>
+            <a:pPr marL="0" marR="0" lvl="0" indent="0" algn="l" defTabSz="914400" rtl="0" eaLnBrk="0" fontAlgn="base" latinLnBrk="0" hangingPunct="0">
+              <a:lnSpc>
+                <a:spcPct val="100000"/>
+              </a:lnSpc>
+              <a:spcBef>
+                <a:spcPct val="0"/>
+              </a:spcBef>
+              <a:spcAft>
+                <a:spcPct val="0"/>
+              </a:spcAft>
+              <a:buClrTx/>
+              <a:buSzTx/>
+              <a:buFontTx/>
+              <a:buNone/>
+            </a:pPr>
+            <a:r>
+              <a:rPr kumimoji="0" lang="zh-CN" altLang="zh-CN" sz="1200" b="0" i="0" u="none" strike="noStrike" cap="none" normalizeH="0" baseline="0" dirty="0">
+                <a:ln>
+                  <a:noFill/>
+                </a:ln>
+                <a:solidFill>
+                  <a:srgbClr val="34495E"/>
+                </a:solidFill>
+                <a:effectLst/>
+                <a:latin typeface="Arial" panose="020B0604020202020204" pitchFamily="34" charset="0"/>
+                <a:ea typeface="Ubuntu"/>
+              </a:rPr>
+              <a:t>以行为单位，在磁盘上存储数据；因为大部分的SQL查询，都是基于某个字段查询和结果输出的，所以在行式存储中，每一次查询都存在大量的磁盘转动和寻址操作。磁盘的转动次数多，因此他的查询性能相对较慢</a:t>
+            </a:r>
+            <a:endParaRPr kumimoji="0" lang="zh-CN" altLang="zh-CN" sz="1800" b="0" i="0" u="none" strike="noStrike" cap="none" normalizeH="0" baseline="0" dirty="0">
+              <a:ln>
+                <a:noFill/>
+              </a:ln>
+              <a:solidFill>
+                <a:schemeClr val="tx1"/>
+              </a:solidFill>
+              <a:effectLst/>
+              <a:latin typeface="Arial" panose="020B0604020202020204" pitchFamily="34" charset="0"/>
+            </a:endParaRPr>
+          </a:p>
+        </p:txBody>
+      </p:sp>
+      <p:pic>
+        <p:nvPicPr>
+          <p:cNvPr id="11" name="图片 10"/>
+          <p:cNvPicPr>
+            <a:picLocks noChangeAspect="1"/>
+          </p:cNvPicPr>
+          <p:nvPr/>
+        </p:nvPicPr>
+        <p:blipFill>
+          <a:blip r:embed="rId1"/>
+          <a:stretch>
+            <a:fillRect/>
+          </a:stretch>
+        </p:blipFill>
+        <p:spPr>
+          <a:xfrm>
+            <a:off x="5492054" y="1155014"/>
+            <a:ext cx="4838700" cy="2114550"/>
+          </a:xfrm>
+          <a:prstGeom prst="rect">
+            <a:avLst/>
+          </a:prstGeom>
+        </p:spPr>
+      </p:pic>
+      <p:pic>
+        <p:nvPicPr>
+          <p:cNvPr id="13" name="图片 12"/>
+          <p:cNvPicPr>
+            <a:picLocks noChangeAspect="1"/>
+          </p:cNvPicPr>
+          <p:nvPr/>
+        </p:nvPicPr>
+        <p:blipFill>
+          <a:blip r:embed="rId2"/>
+          <a:stretch>
+            <a:fillRect/>
+          </a:stretch>
+        </p:blipFill>
+        <p:spPr>
+          <a:xfrm>
+            <a:off x="376551" y="2491502"/>
+            <a:ext cx="4867275" cy="1476375"/>
+          </a:xfrm>
+          <a:prstGeom prst="rect">
+            <a:avLst/>
+          </a:prstGeom>
+        </p:spPr>
+      </p:pic>
+      <p:pic>
+        <p:nvPicPr>
+          <p:cNvPr id="15" name="图片 14"/>
+          <p:cNvPicPr>
+            <a:picLocks noChangeAspect="1"/>
+          </p:cNvPicPr>
+          <p:nvPr/>
+        </p:nvPicPr>
+        <p:blipFill>
+          <a:blip r:embed="rId3"/>
+          <a:stretch>
+            <a:fillRect/>
+          </a:stretch>
+        </p:blipFill>
+        <p:spPr>
+          <a:xfrm>
+            <a:off x="3538710" y="4288702"/>
+            <a:ext cx="4705350" cy="1543050"/>
+          </a:xfrm>
+          <a:prstGeom prst="rect">
+            <a:avLst/>
+          </a:prstGeom>
+        </p:spPr>
+      </p:pic>
+    </p:spTree>
+  </p:cSld>
+  <p:clrMapOvr>
+    <a:masterClrMapping/>
+  </p:clrMapOvr>
+</p:sld>
+</file>
+
+<file path=ppt/slides/slide12.xml><?xml version="1.0" encoding="utf-8"?>
+<p:sld xmlns:a="http://schemas.openxmlformats.org/drawingml/2006/main" xmlns:r="http://schemas.openxmlformats.org/officeDocument/2006/relationships" xmlns:p="http://schemas.openxmlformats.org/presentationml/2006/main">
+  <p:cSld>
+    <p:spTree>
+      <p:nvGrpSpPr>
+        <p:cNvPr id="1" name=""/>
+        <p:cNvGrpSpPr/>
+        <p:nvPr/>
+      </p:nvGrpSpPr>
+      <p:grpSpPr>
+        <a:xfrm>
+          <a:off x="0" y="0"/>
+          <a:ext cx="0" cy="0"/>
+          <a:chOff x="0" y="0"/>
+          <a:chExt cx="0" cy="0"/>
+        </a:xfrm>
+      </p:grpSpPr>
+      <p:sp>
+        <p:nvSpPr>
+          <p:cNvPr id="5" name="文本占位符 4"/>
+          <p:cNvSpPr>
+            <a:spLocks noGrp="1"/>
+          </p:cNvSpPr>
+          <p:nvPr>
+            <p:ph type="body" sz="quarter" idx="10"/>
+          </p:nvPr>
+        </p:nvSpPr>
+        <p:spPr>
+          <a:xfrm>
+            <a:off x="1268056" y="216696"/>
+            <a:ext cx="4623329" cy="617493"/>
+          </a:xfrm>
+        </p:spPr>
+        <p:txBody>
+          <a:bodyPr/>
+          <a:lstStyle/>
+          <a:p>
+            <a:r>
+              <a:rPr lang="en-US" altLang="zh-CN" dirty="0"/>
+              <a:t>Cassandra</a:t>
+            </a:r>
+            <a:r>
+              <a:rPr lang="zh-CN" altLang="en-US" dirty="0"/>
+              <a:t>基本概念</a:t>
+            </a:r>
+            <a:endParaRPr lang="zh-CN" altLang="en-US" dirty="0"/>
+          </a:p>
+        </p:txBody>
+      </p:sp>
+      <p:sp>
+        <p:nvSpPr>
+          <p:cNvPr id="6" name="Rectangle 2"/>
+          <p:cNvSpPr>
+            <a:spLocks noChangeArrowheads="1"/>
+          </p:cNvSpPr>
+          <p:nvPr/>
+        </p:nvSpPr>
+        <p:spPr bwMode="auto">
+          <a:xfrm>
+            <a:off x="198994" y="1432013"/>
+            <a:ext cx="4081604" cy="461665"/>
+          </a:xfrm>
+          <a:prstGeom prst="rect">
+            <a:avLst/>
+          </a:prstGeom>
+          <a:noFill/>
+          <a:ln>
+            <a:noFill/>
+          </a:ln>
+          <a:effectLst/>
+          <a:extLst>
+            <a:ext uri="{909E8E84-426E-40DD-AFC4-6F175D3DCCD1}">
+              <a14:hiddenFill xmlns:a14="http://schemas.microsoft.com/office/drawing/2010/main">
+                <a:solidFill>
+                  <a:schemeClr val="accent1"/>
+                </a:solidFill>
+              </a14:hiddenFill>
+            </a:ext>
+            <a:ext uri="{91240B29-F687-4F45-9708-019B960494DF}">
+              <a14:hiddenLine xmlns:a14="http://schemas.microsoft.com/office/drawing/2010/main" w="9525">
+                <a:solidFill>
+                  <a:schemeClr val="tx1"/>
+                </a:solidFill>
+                <a:miter lim="800000"/>
+                <a:headEnd/>
+                <a:tailEnd/>
+              </a14:hiddenLine>
+            </a:ext>
+            <a:ext uri="{AF507438-7753-43E0-B8FC-AC1667EBCBE1}">
+              <a14:hiddenEffects xmlns:a14="http://schemas.microsoft.com/office/drawing/2010/main">
+                <a:effectLst>
+                  <a:outerShdw dist="35921" dir="2700000" algn="ctr" rotWithShape="0">
+                    <a:schemeClr val="bg2"/>
+                  </a:outerShdw>
+                </a:effectLst>
+              </a14:hiddenEffects>
+            </a:ext>
+          </a:extLst>
+        </p:spPr>
+        <p:txBody>
+          <a:bodyPr vert="horz" wrap="square" lIns="91440" tIns="45720" rIns="91440" bIns="45720" numCol="1" anchor="ctr" anchorCtr="0" compatLnSpc="1">
+            <a:spAutoFit/>
+          </a:bodyPr>
+          <a:lstStyle>
+            <a:lvl1pPr eaLnBrk="0" fontAlgn="base" hangingPunct="0">
+              <a:spcBef>
+                <a:spcPct val="0"/>
+              </a:spcBef>
+              <a:spcAft>
+                <a:spcPct val="0"/>
+              </a:spcAft>
+              <a:defRPr>
+                <a:solidFill>
+                  <a:schemeClr val="tx1"/>
+                </a:solidFill>
+                <a:latin typeface="Arial" panose="020B0604020202020204" pitchFamily="34" charset="0"/>
+              </a:defRPr>
+            </a:lvl1pPr>
+            <a:lvl2pPr eaLnBrk="0" fontAlgn="base" hangingPunct="0">
+              <a:spcBef>
+                <a:spcPct val="0"/>
+              </a:spcBef>
+              <a:spcAft>
+                <a:spcPct val="0"/>
+              </a:spcAft>
+              <a:defRPr>
+                <a:solidFill>
+                  <a:schemeClr val="tx1"/>
+                </a:solidFill>
+                <a:latin typeface="Arial" panose="020B0604020202020204" pitchFamily="34" charset="0"/>
+              </a:defRPr>
+            </a:lvl2pPr>
+            <a:lvl3pPr eaLnBrk="0" fontAlgn="base" hangingPunct="0">
+              <a:spcBef>
+                <a:spcPct val="0"/>
+              </a:spcBef>
+              <a:spcAft>
+                <a:spcPct val="0"/>
+              </a:spcAft>
+              <a:defRPr>
+                <a:solidFill>
+                  <a:schemeClr val="tx1"/>
+                </a:solidFill>
+                <a:latin typeface="Arial" panose="020B0604020202020204" pitchFamily="34" charset="0"/>
+              </a:defRPr>
+            </a:lvl3pPr>
+            <a:lvl4pPr eaLnBrk="0" fontAlgn="base" hangingPunct="0">
+              <a:spcBef>
+                <a:spcPct val="0"/>
+              </a:spcBef>
+              <a:spcAft>
+                <a:spcPct val="0"/>
+              </a:spcAft>
+              <a:defRPr>
+                <a:solidFill>
+                  <a:schemeClr val="tx1"/>
+                </a:solidFill>
+                <a:latin typeface="Arial" panose="020B0604020202020204" pitchFamily="34" charset="0"/>
+              </a:defRPr>
+            </a:lvl4pPr>
+            <a:lvl5pPr eaLnBrk="0" fontAlgn="base" hangingPunct="0">
+              <a:spcBef>
+                <a:spcPct val="0"/>
+              </a:spcBef>
+              <a:spcAft>
+                <a:spcPct val="0"/>
+              </a:spcAft>
+              <a:defRPr>
+                <a:solidFill>
+                  <a:schemeClr val="tx1"/>
+                </a:solidFill>
+                <a:latin typeface="Arial" panose="020B0604020202020204" pitchFamily="34" charset="0"/>
+              </a:defRPr>
+            </a:lvl5pPr>
+            <a:lvl6pPr eaLnBrk="0" fontAlgn="base" hangingPunct="0">
+              <a:spcBef>
+                <a:spcPct val="0"/>
+              </a:spcBef>
+              <a:spcAft>
+                <a:spcPct val="0"/>
+              </a:spcAft>
+              <a:defRPr>
+                <a:solidFill>
+                  <a:schemeClr val="tx1"/>
+                </a:solidFill>
+                <a:latin typeface="Arial" panose="020B0604020202020204" pitchFamily="34" charset="0"/>
+              </a:defRPr>
+            </a:lvl6pPr>
+            <a:lvl7pPr eaLnBrk="0" fontAlgn="base" hangingPunct="0">
+              <a:spcBef>
+                <a:spcPct val="0"/>
+              </a:spcBef>
+              <a:spcAft>
+                <a:spcPct val="0"/>
+              </a:spcAft>
+              <a:defRPr>
+                <a:solidFill>
+                  <a:schemeClr val="tx1"/>
+                </a:solidFill>
+                <a:latin typeface="Arial" panose="020B0604020202020204" pitchFamily="34" charset="0"/>
+              </a:defRPr>
+            </a:lvl7pPr>
+            <a:lvl8pPr eaLnBrk="0" fontAlgn="base" hangingPunct="0">
+              <a:spcBef>
+                <a:spcPct val="0"/>
+              </a:spcBef>
+              <a:spcAft>
+                <a:spcPct val="0"/>
+              </a:spcAft>
+              <a:defRPr>
+                <a:solidFill>
+                  <a:schemeClr val="tx1"/>
+                </a:solidFill>
+                <a:latin typeface="Arial" panose="020B0604020202020204" pitchFamily="34" charset="0"/>
+              </a:defRPr>
+            </a:lvl8pPr>
+            <a:lvl9pPr eaLnBrk="0" fontAlgn="base" hangingPunct="0">
+              <a:spcBef>
+                <a:spcPct val="0"/>
+              </a:spcBef>
+              <a:spcAft>
+                <a:spcPct val="0"/>
+              </a:spcAft>
+              <a:defRPr>
+                <a:solidFill>
+                  <a:schemeClr val="tx1"/>
+                </a:solidFill>
+                <a:latin typeface="Arial" panose="020B0604020202020204" pitchFamily="34" charset="0"/>
+              </a:defRPr>
+            </a:lvl9pPr>
+          </a:lstStyle>
+          <a:p>
+            <a:pPr marL="0" marR="0" lvl="0" indent="0" algn="l" defTabSz="914400" rtl="0" eaLnBrk="0" fontAlgn="base" latinLnBrk="0" hangingPunct="0">
+              <a:lnSpc>
+                <a:spcPct val="100000"/>
+              </a:lnSpc>
+              <a:spcBef>
+                <a:spcPct val="0"/>
+              </a:spcBef>
+              <a:spcAft>
+                <a:spcPct val="0"/>
+              </a:spcAft>
+              <a:buClrTx/>
+              <a:buSzTx/>
+              <a:buFontTx/>
+              <a:buNone/>
+            </a:pPr>
+            <a:r>
+              <a:rPr lang="zh-CN" altLang="en-US" sz="1200" dirty="0">
+                <a:solidFill>
+                  <a:srgbClr val="34495E"/>
+                </a:solidFill>
+                <a:ea typeface="Ubuntu"/>
+              </a:rPr>
+              <a:t>列式存储：</a:t>
+            </a:r>
+            <a:endParaRPr lang="en-US" altLang="zh-CN" sz="1200" dirty="0">
+              <a:solidFill>
+                <a:srgbClr val="34495E"/>
+              </a:solidFill>
+              <a:ea typeface="Ubuntu"/>
+            </a:endParaRPr>
+          </a:p>
+          <a:p>
+            <a:pPr marL="0" marR="0" lvl="0" indent="0" algn="l" defTabSz="914400" rtl="0" eaLnBrk="0" fontAlgn="base" latinLnBrk="0" hangingPunct="0">
+              <a:lnSpc>
+                <a:spcPct val="100000"/>
+              </a:lnSpc>
+              <a:spcBef>
+                <a:spcPct val="0"/>
+              </a:spcBef>
+              <a:spcAft>
+                <a:spcPct val="0"/>
+              </a:spcAft>
+              <a:buClrTx/>
+              <a:buSzTx/>
+              <a:buFontTx/>
+              <a:buNone/>
+            </a:pPr>
+            <a:r>
+              <a:rPr kumimoji="0" lang="zh-CN" altLang="zh-CN" sz="1200" b="0" i="0" u="none" strike="noStrike" cap="none" normalizeH="0" baseline="0" dirty="0">
+                <a:ln>
+                  <a:noFill/>
+                </a:ln>
+                <a:solidFill>
+                  <a:srgbClr val="34495E"/>
+                </a:solidFill>
+                <a:effectLst/>
+                <a:latin typeface="Arial" panose="020B0604020202020204" pitchFamily="34" charset="0"/>
+                <a:ea typeface="Ubuntu"/>
+              </a:rPr>
+              <a:t>以</a:t>
+            </a:r>
+            <a:r>
+              <a:rPr lang="zh-CN" altLang="en-US" sz="1200" dirty="0">
+                <a:solidFill>
+                  <a:srgbClr val="34495E"/>
+                </a:solidFill>
+                <a:ea typeface="Ubuntu"/>
+              </a:rPr>
+              <a:t>列</a:t>
+            </a:r>
+            <a:r>
+              <a:rPr kumimoji="0" lang="zh-CN" altLang="zh-CN" sz="1200" b="0" i="0" u="none" strike="noStrike" cap="none" normalizeH="0" baseline="0" dirty="0">
+                <a:ln>
+                  <a:noFill/>
+                </a:ln>
+                <a:solidFill>
+                  <a:srgbClr val="34495E"/>
+                </a:solidFill>
+                <a:effectLst/>
+                <a:latin typeface="Arial" panose="020B0604020202020204" pitchFamily="34" charset="0"/>
+                <a:ea typeface="Ubuntu"/>
+              </a:rPr>
+              <a:t>为单位，在磁盘上存储数据</a:t>
+            </a:r>
+            <a:endParaRPr kumimoji="0" lang="zh-CN" altLang="zh-CN" sz="1800" b="0" i="0" u="none" strike="noStrike" cap="none" normalizeH="0" baseline="0" dirty="0">
+              <a:ln>
+                <a:noFill/>
+              </a:ln>
+              <a:solidFill>
+                <a:schemeClr val="tx1"/>
+              </a:solidFill>
+              <a:effectLst/>
+              <a:latin typeface="Arial" panose="020B0604020202020204" pitchFamily="34" charset="0"/>
+            </a:endParaRPr>
+          </a:p>
+        </p:txBody>
+      </p:sp>
+      <p:pic>
+        <p:nvPicPr>
+          <p:cNvPr id="8" name="图片 7"/>
+          <p:cNvPicPr>
+            <a:picLocks noChangeAspect="1"/>
+          </p:cNvPicPr>
+          <p:nvPr/>
+        </p:nvPicPr>
+        <p:blipFill>
+          <a:blip r:embed="rId1"/>
+          <a:stretch>
+            <a:fillRect/>
+          </a:stretch>
+        </p:blipFill>
+        <p:spPr>
+          <a:xfrm>
+            <a:off x="4704109" y="1136050"/>
+            <a:ext cx="5429250" cy="1876425"/>
+          </a:xfrm>
+          <a:prstGeom prst="rect">
+            <a:avLst/>
+          </a:prstGeom>
+        </p:spPr>
+      </p:pic>
+      <p:pic>
+        <p:nvPicPr>
+          <p:cNvPr id="10" name="图片 9"/>
+          <p:cNvPicPr>
+            <a:picLocks noChangeAspect="1"/>
+          </p:cNvPicPr>
+          <p:nvPr/>
+        </p:nvPicPr>
+        <p:blipFill>
+          <a:blip r:embed="rId2"/>
+          <a:stretch>
+            <a:fillRect/>
+          </a:stretch>
+        </p:blipFill>
+        <p:spPr>
+          <a:xfrm>
+            <a:off x="1334242" y="3429000"/>
+            <a:ext cx="7528404" cy="2596001"/>
+          </a:xfrm>
+          <a:prstGeom prst="rect">
+            <a:avLst/>
+          </a:prstGeom>
+        </p:spPr>
+      </p:pic>
+    </p:spTree>
+  </p:cSld>
+  <p:clrMapOvr>
+    <a:masterClrMapping/>
+  </p:clrMapOvr>
+</p:sld>
+</file>
+
+<file path=ppt/slides/slide13.xml><?xml version="1.0" encoding="utf-8"?>
+<p:sld xmlns:a="http://schemas.openxmlformats.org/drawingml/2006/main" xmlns:r="http://schemas.openxmlformats.org/officeDocument/2006/relationships" xmlns:p="http://schemas.openxmlformats.org/presentationml/2006/main">
+  <p:cSld>
+    <p:spTree>
+      <p:nvGrpSpPr>
+        <p:cNvPr id="1" name=""/>
+        <p:cNvGrpSpPr/>
+        <p:nvPr/>
+      </p:nvGrpSpPr>
+      <p:grpSpPr>
+        <a:xfrm>
+          <a:off x="0" y="0"/>
+          <a:ext cx="0" cy="0"/>
+          <a:chOff x="0" y="0"/>
+          <a:chExt cx="0" cy="0"/>
+        </a:xfrm>
+      </p:grpSpPr>
+      <p:sp>
+        <p:nvSpPr>
+          <p:cNvPr id="38" name="文本占位符 37"/>
+          <p:cNvSpPr>
+            <a:spLocks noGrp="1"/>
+          </p:cNvSpPr>
+          <p:nvPr>
+            <p:ph type="body" sz="quarter" idx="10"/>
+          </p:nvPr>
+        </p:nvSpPr>
+        <p:spPr/>
+        <p:txBody>
+          <a:bodyPr>
+            <a:noAutofit/>
+          </a:bodyPr>
+          <a:lstStyle/>
+          <a:p>
+            <a:r>
+              <a:rPr lang="zh-CN" altLang="en-US" dirty="0"/>
+              <a:t>单机版部署</a:t>
+            </a:r>
+            <a:endParaRPr lang="zh-CN" altLang="en-US" dirty="0"/>
+          </a:p>
+        </p:txBody>
+      </p:sp>
+      <p:grpSp>
+        <p:nvGrpSpPr>
+          <p:cNvPr id="40" name="组合 39"/>
+          <p:cNvGrpSpPr/>
+          <p:nvPr/>
+        </p:nvGrpSpPr>
+        <p:grpSpPr>
+          <a:xfrm>
+            <a:off x="4453086" y="1728325"/>
+            <a:ext cx="3143672" cy="3338228"/>
+            <a:chOff x="5051297" y="2650446"/>
+            <a:chExt cx="2141877" cy="2274429"/>
+          </a:xfrm>
+        </p:grpSpPr>
+        <p:sp>
+          <p:nvSpPr>
+            <p:cNvPr id="41" name="矩形 40"/>
+            <p:cNvSpPr/>
+            <p:nvPr/>
+          </p:nvSpPr>
+          <p:spPr>
+            <a:xfrm>
+              <a:off x="5498139" y="3673659"/>
+              <a:ext cx="1251216" cy="1251216"/>
+            </a:xfrm>
+            <a:prstGeom prst="rect">
+              <a:avLst/>
+            </a:prstGeom>
+            <a:gradFill flip="none" rotWithShape="1">
+              <a:gsLst>
+                <a:gs pos="0">
+                  <a:schemeClr val="accent1">
+                    <a:lumMod val="60000"/>
+                    <a:lumOff val="40000"/>
+                  </a:schemeClr>
+                </a:gs>
+                <a:gs pos="100000">
+                  <a:schemeClr val="accent1">
+                    <a:lumMod val="20000"/>
+                    <a:lumOff val="80000"/>
+                    <a:alpha val="0"/>
+                  </a:schemeClr>
+                </a:gs>
+              </a:gsLst>
+              <a:lin ang="18900000" scaled="1"/>
+              <a:tileRect/>
+            </a:gradFill>
+            <a:ln>
+              <a:noFill/>
+            </a:ln>
+            <a:effectLst>
+              <a:outerShdw blurRad="457200" dist="38100" dir="5400000" sx="120000" sy="120000" algn="t" rotWithShape="0">
+                <a:schemeClr val="accent1">
+                  <a:alpha val="40000"/>
+                </a:schemeClr>
+              </a:outerShdw>
+            </a:effectLst>
+            <a:scene3d>
+              <a:camera prst="isometricTopUp"/>
+              <a:lightRig rig="threePt" dir="t"/>
+            </a:scene3d>
+          </p:spPr>
+          <p:style>
+            <a:lnRef idx="2">
+              <a:schemeClr val="accent1">
+                <a:shade val="50000"/>
+              </a:schemeClr>
+            </a:lnRef>
+            <a:fillRef idx="1">
+              <a:schemeClr val="accent1"/>
+            </a:fillRef>
+            <a:effectRef idx="0">
+              <a:schemeClr val="accent1"/>
+            </a:effectRef>
+            <a:fontRef idx="minor">
+              <a:schemeClr val="lt1"/>
+            </a:fontRef>
+          </p:style>
+          <p:txBody>
+            <a:bodyPr rtlCol="0" anchor="ctr">
+              <a:noAutofit/>
+            </a:bodyPr>
+            <a:lstStyle/>
+            <a:p>
+              <a:pPr algn="ctr"/>
+              <a:endParaRPr lang="zh-CN" altLang="en-US"/>
+            </a:p>
+          </p:txBody>
+        </p:sp>
+        <p:sp>
+          <p:nvSpPr>
+            <p:cNvPr id="42" name="矩形 41"/>
+            <p:cNvSpPr/>
+            <p:nvPr/>
+          </p:nvSpPr>
+          <p:spPr>
+            <a:xfrm>
+              <a:off x="5057049" y="2908101"/>
+              <a:ext cx="1251216" cy="1251216"/>
+            </a:xfrm>
+            <a:prstGeom prst="rect">
+              <a:avLst/>
+            </a:prstGeom>
+            <a:solidFill>
+              <a:schemeClr val="accent1">
+                <a:alpha val="25000"/>
+              </a:schemeClr>
+            </a:solidFill>
+            <a:ln>
+              <a:noFill/>
+            </a:ln>
+            <a:scene3d>
+              <a:camera prst="isometricRightUp"/>
+              <a:lightRig rig="threePt" dir="t"/>
+            </a:scene3d>
+          </p:spPr>
+          <p:style>
+            <a:lnRef idx="2">
+              <a:schemeClr val="accent1">
+                <a:shade val="50000"/>
+              </a:schemeClr>
+            </a:lnRef>
+            <a:fillRef idx="1">
+              <a:schemeClr val="accent1"/>
+            </a:fillRef>
+            <a:effectRef idx="0">
+              <a:schemeClr val="accent1"/>
+            </a:effectRef>
+            <a:fontRef idx="minor">
+              <a:schemeClr val="lt1"/>
+            </a:fontRef>
+          </p:style>
+          <p:txBody>
+            <a:bodyPr rtlCol="0" anchor="ctr">
+              <a:noAutofit/>
+            </a:bodyPr>
+            <a:lstStyle/>
+            <a:p>
+              <a:pPr algn="ctr"/>
+              <a:endParaRPr lang="zh-CN" altLang="en-US"/>
+            </a:p>
+          </p:txBody>
+        </p:sp>
+        <p:sp>
+          <p:nvSpPr>
+            <p:cNvPr id="43" name="矩形 42"/>
+            <p:cNvSpPr/>
+            <p:nvPr/>
+          </p:nvSpPr>
+          <p:spPr>
+            <a:xfrm>
+              <a:off x="5941958" y="2905373"/>
+              <a:ext cx="1251216" cy="1251216"/>
+            </a:xfrm>
+            <a:prstGeom prst="rect">
+              <a:avLst/>
+            </a:prstGeom>
+            <a:solidFill>
+              <a:schemeClr val="accent1">
+                <a:alpha val="25000"/>
+              </a:schemeClr>
+            </a:solidFill>
+            <a:ln>
+              <a:noFill/>
+            </a:ln>
+            <a:scene3d>
+              <a:camera prst="isometricLeftDown"/>
+              <a:lightRig rig="threePt" dir="t"/>
+            </a:scene3d>
+          </p:spPr>
+          <p:style>
+            <a:lnRef idx="2">
+              <a:schemeClr val="accent1">
+                <a:shade val="50000"/>
+              </a:schemeClr>
+            </a:lnRef>
+            <a:fillRef idx="1">
+              <a:schemeClr val="accent1"/>
+            </a:fillRef>
+            <a:effectRef idx="0">
+              <a:schemeClr val="accent1"/>
+            </a:effectRef>
+            <a:fontRef idx="minor">
+              <a:schemeClr val="lt1"/>
+            </a:fontRef>
+          </p:style>
+          <p:txBody>
+            <a:bodyPr rtlCol="0" anchor="ctr">
+              <a:noAutofit/>
+            </a:bodyPr>
+            <a:lstStyle/>
+            <a:p>
+              <a:pPr algn="ctr"/>
+              <a:endParaRPr lang="zh-CN" altLang="en-US"/>
+            </a:p>
+          </p:txBody>
+        </p:sp>
+        <p:cxnSp>
+          <p:nvCxnSpPr>
+            <p:cNvPr id="44" name="直接连接符 43"/>
+            <p:cNvCxnSpPr/>
+            <p:nvPr/>
+          </p:nvCxnSpPr>
+          <p:spPr>
+            <a:xfrm flipV="1">
+              <a:off x="6122381" y="2759944"/>
+              <a:ext cx="0" cy="1026544"/>
+            </a:xfrm>
+            <a:prstGeom prst="line">
+              <a:avLst/>
+            </a:prstGeom>
+            <a:ln w="3175">
+              <a:solidFill>
+                <a:schemeClr val="bg1">
+                  <a:alpha val="14000"/>
+                </a:schemeClr>
+              </a:solidFill>
+            </a:ln>
+          </p:spPr>
+          <p:style>
+            <a:lnRef idx="1">
+              <a:schemeClr val="accent1"/>
+            </a:lnRef>
+            <a:fillRef idx="0">
+              <a:schemeClr val="accent1"/>
+            </a:fillRef>
+            <a:effectRef idx="0">
+              <a:schemeClr val="accent1"/>
+            </a:effectRef>
+            <a:fontRef idx="minor">
+              <a:schemeClr val="tx1"/>
+            </a:fontRef>
+          </p:style>
+        </p:cxnSp>
+        <p:cxnSp>
+          <p:nvCxnSpPr>
+            <p:cNvPr id="45" name="直接连接符 44"/>
+            <p:cNvCxnSpPr/>
+            <p:nvPr/>
+          </p:nvCxnSpPr>
+          <p:spPr>
+            <a:xfrm>
+              <a:off x="6124368" y="3788546"/>
+              <a:ext cx="889770" cy="510721"/>
+            </a:xfrm>
+            <a:prstGeom prst="line">
+              <a:avLst/>
+            </a:prstGeom>
+            <a:ln w="12700">
+              <a:solidFill>
+                <a:schemeClr val="bg1">
+                  <a:alpha val="0"/>
+                </a:schemeClr>
+              </a:solidFill>
+            </a:ln>
+          </p:spPr>
+          <p:style>
+            <a:lnRef idx="1">
+              <a:schemeClr val="accent1"/>
+            </a:lnRef>
+            <a:fillRef idx="0">
+              <a:schemeClr val="accent1"/>
+            </a:fillRef>
+            <a:effectRef idx="0">
+              <a:schemeClr val="accent1"/>
+            </a:effectRef>
+            <a:fontRef idx="minor">
+              <a:schemeClr val="tx1"/>
+            </a:fontRef>
+          </p:style>
+        </p:cxnSp>
+        <p:cxnSp>
+          <p:nvCxnSpPr>
+            <p:cNvPr id="46" name="直接连接符 45"/>
+            <p:cNvCxnSpPr/>
+            <p:nvPr/>
+          </p:nvCxnSpPr>
+          <p:spPr>
+            <a:xfrm flipH="1">
+              <a:off x="5233977" y="3788746"/>
+              <a:ext cx="885855" cy="507365"/>
+            </a:xfrm>
+            <a:prstGeom prst="line">
+              <a:avLst/>
+            </a:prstGeom>
+            <a:ln w="12700">
+              <a:solidFill>
+                <a:schemeClr val="bg1">
+                  <a:alpha val="4000"/>
+                </a:schemeClr>
+              </a:solidFill>
+            </a:ln>
+          </p:spPr>
+          <p:style>
+            <a:lnRef idx="1">
+              <a:schemeClr val="accent1"/>
+            </a:lnRef>
+            <a:fillRef idx="0">
+              <a:schemeClr val="accent1"/>
+            </a:fillRef>
+            <a:effectRef idx="0">
+              <a:schemeClr val="accent1"/>
+            </a:effectRef>
+            <a:fontRef idx="minor">
+              <a:schemeClr val="tx1"/>
+            </a:fontRef>
+          </p:style>
+        </p:cxnSp>
+        <p:sp>
+          <p:nvSpPr>
+            <p:cNvPr id="47" name="矩形 46"/>
+            <p:cNvSpPr/>
+            <p:nvPr/>
+          </p:nvSpPr>
+          <p:spPr>
+            <a:xfrm>
+              <a:off x="5938510" y="3416821"/>
+              <a:ext cx="1251215" cy="1251216"/>
+            </a:xfrm>
+            <a:prstGeom prst="rect">
+              <a:avLst/>
+            </a:prstGeom>
+            <a:gradFill flip="none" rotWithShape="1">
+              <a:gsLst>
+                <a:gs pos="0">
+                  <a:schemeClr val="accent1">
+                    <a:lumMod val="60000"/>
+                    <a:lumOff val="40000"/>
+                  </a:schemeClr>
+                </a:gs>
+                <a:gs pos="100000">
+                  <a:schemeClr val="accent1"/>
+                </a:gs>
+              </a:gsLst>
+              <a:lin ang="7800000" scaled="0"/>
+              <a:tileRect/>
+            </a:gradFill>
+            <a:ln>
+              <a:noFill/>
+            </a:ln>
+            <a:scene3d>
+              <a:camera prst="isometricRightUp"/>
+              <a:lightRig rig="threePt" dir="t"/>
+            </a:scene3d>
+          </p:spPr>
+          <p:style>
+            <a:lnRef idx="2">
+              <a:schemeClr val="accent1">
+                <a:shade val="50000"/>
+              </a:schemeClr>
+            </a:lnRef>
+            <a:fillRef idx="1">
+              <a:schemeClr val="accent1"/>
+            </a:fillRef>
+            <a:effectRef idx="0">
+              <a:schemeClr val="accent1"/>
+            </a:effectRef>
+            <a:fontRef idx="minor">
+              <a:schemeClr val="lt1"/>
+            </a:fontRef>
+          </p:style>
+          <p:txBody>
+            <a:bodyPr rtlCol="0" anchor="ctr">
+              <a:noAutofit/>
+            </a:bodyPr>
+            <a:lstStyle/>
+            <a:p>
+              <a:pPr algn="ctr"/>
+              <a:endParaRPr lang="zh-CN" altLang="en-US"/>
+            </a:p>
+          </p:txBody>
+        </p:sp>
+        <p:sp>
+          <p:nvSpPr>
+            <p:cNvPr id="48" name="矩形 47"/>
+            <p:cNvSpPr/>
+            <p:nvPr/>
+          </p:nvSpPr>
+          <p:spPr>
+            <a:xfrm>
+              <a:off x="5051297" y="3411968"/>
+              <a:ext cx="1251216" cy="1251216"/>
+            </a:xfrm>
+            <a:prstGeom prst="rect">
+              <a:avLst/>
+            </a:prstGeom>
+            <a:gradFill>
+              <a:gsLst>
+                <a:gs pos="0">
+                  <a:schemeClr val="accent1"/>
+                </a:gs>
+                <a:gs pos="100000">
+                  <a:schemeClr val="accent1">
+                    <a:lumMod val="40000"/>
+                    <a:lumOff val="60000"/>
+                  </a:schemeClr>
+                </a:gs>
+              </a:gsLst>
+              <a:lin ang="14400000" scaled="0"/>
+            </a:gradFill>
+            <a:ln>
+              <a:noFill/>
+            </a:ln>
+            <a:scene3d>
+              <a:camera prst="isometricLeftDown"/>
+              <a:lightRig rig="threePt" dir="t">
+                <a:rot lat="0" lon="0" rev="6000000"/>
+              </a:lightRig>
+            </a:scene3d>
+          </p:spPr>
+          <p:style>
+            <a:lnRef idx="2">
+              <a:schemeClr val="accent1">
+                <a:shade val="50000"/>
+              </a:schemeClr>
+            </a:lnRef>
+            <a:fillRef idx="1">
+              <a:schemeClr val="accent1"/>
+            </a:fillRef>
+            <a:effectRef idx="0">
+              <a:schemeClr val="accent1"/>
+            </a:effectRef>
+            <a:fontRef idx="minor">
+              <a:schemeClr val="lt1"/>
+            </a:fontRef>
+          </p:style>
+          <p:txBody>
+            <a:bodyPr rtlCol="0" anchor="ctr">
+              <a:noAutofit/>
+            </a:bodyPr>
+            <a:lstStyle/>
+            <a:p>
+              <a:pPr algn="ctr"/>
+              <a:endParaRPr lang="zh-CN" altLang="en-US"/>
+            </a:p>
+          </p:txBody>
+        </p:sp>
+        <p:sp>
+          <p:nvSpPr>
+            <p:cNvPr id="49" name="矩形 48"/>
+            <p:cNvSpPr/>
+            <p:nvPr/>
+          </p:nvSpPr>
+          <p:spPr>
+            <a:xfrm>
+              <a:off x="5501586" y="2650446"/>
+              <a:ext cx="1251216" cy="1251216"/>
+            </a:xfrm>
+            <a:prstGeom prst="rect">
+              <a:avLst/>
+            </a:prstGeom>
+            <a:gradFill>
+              <a:gsLst>
+                <a:gs pos="0">
+                  <a:schemeClr val="accent1"/>
+                </a:gs>
+                <a:gs pos="81000">
+                  <a:schemeClr val="accent1">
+                    <a:lumMod val="60000"/>
+                    <a:lumOff val="40000"/>
+                  </a:schemeClr>
+                </a:gs>
+              </a:gsLst>
+              <a:lin ang="12000000" scaled="0"/>
+            </a:gradFill>
+            <a:ln>
+              <a:noFill/>
+            </a:ln>
+            <a:scene3d>
+              <a:camera prst="isometricTopUp"/>
+              <a:lightRig rig="threePt" dir="t">
+                <a:rot lat="0" lon="0" rev="12600000"/>
+              </a:lightRig>
+            </a:scene3d>
+          </p:spPr>
+          <p:style>
+            <a:lnRef idx="2">
+              <a:schemeClr val="accent1">
+                <a:shade val="50000"/>
+              </a:schemeClr>
+            </a:lnRef>
+            <a:fillRef idx="1">
+              <a:schemeClr val="accent1"/>
+            </a:fillRef>
+            <a:effectRef idx="0">
+              <a:schemeClr val="accent1"/>
+            </a:effectRef>
+            <a:fontRef idx="minor">
+              <a:schemeClr val="lt1"/>
+            </a:fontRef>
+          </p:style>
+          <p:txBody>
+            <a:bodyPr rtlCol="0" anchor="ctr">
+              <a:noAutofit/>
+            </a:bodyPr>
+            <a:lstStyle/>
+            <a:p>
+              <a:pPr algn="ctr"/>
+              <a:endParaRPr lang="zh-CN" altLang="en-US"/>
+            </a:p>
+          </p:txBody>
+        </p:sp>
+        <p:cxnSp>
+          <p:nvCxnSpPr>
+            <p:cNvPr id="50" name="直接连接符 49"/>
+            <p:cNvCxnSpPr/>
+            <p:nvPr/>
+          </p:nvCxnSpPr>
+          <p:spPr>
+            <a:xfrm>
+              <a:off x="5233977" y="3272607"/>
+              <a:ext cx="889770" cy="510721"/>
+            </a:xfrm>
+            <a:prstGeom prst="line">
+              <a:avLst/>
+            </a:prstGeom>
+            <a:ln w="9525">
+              <a:solidFill>
+                <a:schemeClr val="bg1">
+                  <a:alpha val="0"/>
+                </a:schemeClr>
+              </a:solidFill>
+            </a:ln>
+          </p:spPr>
+          <p:style>
+            <a:lnRef idx="1">
+              <a:schemeClr val="accent1"/>
+            </a:lnRef>
+            <a:fillRef idx="0">
+              <a:schemeClr val="accent1"/>
+            </a:fillRef>
+            <a:effectRef idx="0">
+              <a:schemeClr val="accent1"/>
+            </a:effectRef>
+            <a:fontRef idx="minor">
+              <a:schemeClr val="tx1"/>
+            </a:fontRef>
+          </p:style>
+        </p:cxnSp>
+        <p:cxnSp>
+          <p:nvCxnSpPr>
+            <p:cNvPr id="51" name="直接连接符 50"/>
+            <p:cNvCxnSpPr/>
+            <p:nvPr/>
+          </p:nvCxnSpPr>
+          <p:spPr>
+            <a:xfrm flipH="1">
+              <a:off x="6123747" y="3273215"/>
+              <a:ext cx="885855" cy="507365"/>
+            </a:xfrm>
+            <a:prstGeom prst="line">
+              <a:avLst/>
+            </a:prstGeom>
+            <a:ln w="3175">
+              <a:solidFill>
+                <a:schemeClr val="bg1">
+                  <a:alpha val="0"/>
+                </a:schemeClr>
+              </a:solidFill>
+            </a:ln>
+          </p:spPr>
+          <p:style>
+            <a:lnRef idx="1">
+              <a:schemeClr val="accent1"/>
+            </a:lnRef>
+            <a:fillRef idx="0">
+              <a:schemeClr val="accent1"/>
+            </a:fillRef>
+            <a:effectRef idx="0">
+              <a:schemeClr val="accent1"/>
+            </a:effectRef>
+            <a:fontRef idx="minor">
+              <a:schemeClr val="tx1"/>
+            </a:fontRef>
+          </p:style>
+        </p:cxnSp>
+        <p:cxnSp>
+          <p:nvCxnSpPr>
+            <p:cNvPr id="52" name="直接连接符 51"/>
+            <p:cNvCxnSpPr/>
+            <p:nvPr/>
+          </p:nvCxnSpPr>
+          <p:spPr>
+            <a:xfrm flipV="1">
+              <a:off x="6122381" y="3780580"/>
+              <a:ext cx="0" cy="1026544"/>
+            </a:xfrm>
+            <a:prstGeom prst="line">
+              <a:avLst/>
+            </a:prstGeom>
+            <a:ln w="9525">
+              <a:solidFill>
+                <a:schemeClr val="bg1">
+                  <a:alpha val="0"/>
+                </a:schemeClr>
+              </a:solidFill>
+            </a:ln>
+          </p:spPr>
+          <p:style>
+            <a:lnRef idx="1">
+              <a:schemeClr val="accent1"/>
+            </a:lnRef>
+            <a:fillRef idx="0">
+              <a:schemeClr val="accent1"/>
+            </a:fillRef>
+            <a:effectRef idx="0">
+              <a:schemeClr val="accent1"/>
+            </a:effectRef>
+            <a:fontRef idx="minor">
+              <a:schemeClr val="tx1"/>
+            </a:fontRef>
+          </p:style>
+        </p:cxnSp>
+      </p:grpSp>
+      <p:pic>
+        <p:nvPicPr>
+          <p:cNvPr id="87" name="图形 86"/>
+          <p:cNvPicPr>
+            <a:picLocks noChangeAspect="1"/>
+          </p:cNvPicPr>
+          <p:nvPr/>
+        </p:nvPicPr>
+        <p:blipFill>
+          <a:blip r:embed="rId1"/>
           <a:stretch>
             <a:fillRect/>
           </a:stretch>
@@ -34251,13 +35373,7 @@
       </p:sp>
       <p:sp>
         <p:nvSpPr>
-          <p:cNvPr id="3" name="文本框 2">
-            <a:extLst>
-              <a:ext uri="{FF2B5EF4-FFF2-40B4-BE49-F238E27FC236}">
-                <a16:creationId xmlns:a16="http://schemas.microsoft.com/office/drawing/2014/main" id="{F0AB3B67-709C-4BBC-A903-0E85BB4FD22C}"/>
-              </a:ext>
-            </a:extLst>
-          </p:cNvPr>
+          <p:cNvPr id="3" name="文本框 2"/>
           <p:cNvSpPr txBox="1"/>
           <p:nvPr/>
         </p:nvSpPr>
@@ -34296,34 +35412,6 @@
               <a:rPr lang="en-US" altLang="zh-CN" dirty="0"/>
               <a:t> apache-cassandra-3.9-bin.tar.gz</a:t>
             </a:r>
-          </a:p>
-          <a:p>
-            <a:endParaRPr lang="en-US" altLang="zh-CN" dirty="0"/>
-          </a:p>
-          <a:p>
-            <a:r>
-              <a:rPr lang="zh-CN" altLang="en-US" dirty="0"/>
-              <a:t>创建数据文件夹或创建环境变量</a:t>
-            </a:r>
-            <a:endParaRPr lang="en-US" altLang="zh-CN" dirty="0"/>
-          </a:p>
-          <a:p>
-            <a:r>
-              <a:rPr lang="en-US" altLang="zh-CN" dirty="0"/>
-              <a:t>    </a:t>
-            </a:r>
-            <a:r>
-              <a:rPr lang="zh-CN" altLang="en-US" dirty="0"/>
-              <a:t>在系统配置环境变量的文件中添加</a:t>
-            </a:r>
-            <a:r>
-              <a:rPr lang="en-US" altLang="zh-CN" dirty="0"/>
-              <a:t>$CASSANDRA_HOME</a:t>
-            </a:r>
-            <a:r>
-              <a:rPr lang="zh-CN" altLang="en-US" dirty="0"/>
-              <a:t>参数</a:t>
-            </a:r>
             <a:endParaRPr lang="en-US" altLang="zh-CN" dirty="0"/>
           </a:p>
           <a:p>
@@ -34332,49 +35420,41 @@
           <a:p>
             <a:r>
               <a:rPr lang="zh-CN" altLang="en-US" dirty="0"/>
-              <a:t>配置</a:t>
-            </a:r>
-            <a:r>
-              <a:rPr lang="en-US" altLang="zh-CN" dirty="0"/>
-              <a:t>Cassandra</a:t>
-            </a:r>
-          </a:p>
-          <a:p>
-            <a:pPr marL="285750" indent="-285750">
-              <a:buFont typeface="Arial" panose="020B0604020202020204" pitchFamily="34" charset="0"/>
-              <a:buChar char="•"/>
-            </a:pPr>
-            <a:r>
-              <a:rPr lang="en-US" altLang="zh-CN" dirty="0" err="1"/>
-              <a:t>data_file_directories</a:t>
+              <a:t>创建数据文件夹或创建环境变量</a:t>
             </a:r>
             <a:endParaRPr lang="en-US" altLang="zh-CN" dirty="0"/>
           </a:p>
           <a:p>
             <a:r>
-              <a:rPr lang="en-US" altLang="zh-CN" dirty="0" err="1"/>
-              <a:t>data_file_directories</a:t>
-            </a:r>
-            <a:r>
               <a:rPr lang="en-US" altLang="zh-CN" dirty="0"/>
-              <a:t>:</a:t>
-            </a:r>
+              <a:t>    </a:t>
+            </a:r>
+            <a:r>
+              <a:rPr lang="zh-CN" altLang="en-US" dirty="0"/>
+              <a:t>在系统配置环境变量的文件中添加</a:t>
+            </a:r>
+            <a:r>
+              <a:rPr lang="en-US" altLang="zh-CN" dirty="0"/>
+              <a:t>$CASSANDRA_HOME</a:t>
+            </a:r>
+            <a:r>
+              <a:rPr lang="zh-CN" altLang="en-US" dirty="0"/>
+              <a:t>参数</a:t>
+            </a:r>
+            <a:endParaRPr lang="en-US" altLang="zh-CN" dirty="0"/>
           </a:p>
           <a:p>
-            <a:r>
-              <a:rPr lang="en-US" altLang="zh-CN" dirty="0"/>
-              <a:t>    - /</a:t>
-            </a:r>
-            <a:r>
-              <a:rPr lang="en-US" altLang="zh-CN" dirty="0" err="1"/>
-              <a:t>usr</a:t>
-            </a:r>
-            <a:r>
-              <a:rPr lang="en-US" altLang="zh-CN" dirty="0"/>
-              <a:t>/local/apache-cassandra-3.9/data</a:t>
-            </a:r>
+            <a:endParaRPr lang="en-US" altLang="zh-CN" dirty="0"/>
           </a:p>
           <a:p>
+            <a:r>
+              <a:rPr lang="zh-CN" altLang="en-US" dirty="0"/>
+              <a:t>配置</a:t>
+            </a:r>
+            <a:r>
+              <a:rPr lang="en-US" altLang="zh-CN" dirty="0"/>
+              <a:t>Cassandra</a:t>
+            </a:r>
             <a:endParaRPr lang="en-US" altLang="zh-CN" dirty="0"/>
           </a:p>
           <a:p>
@@ -34384,18 +35464,25 @@
             </a:pPr>
             <a:r>
               <a:rPr lang="en-US" altLang="zh-CN" dirty="0" err="1"/>
-              <a:t>commitlog_directory</a:t>
+              <a:t>data_file_directories</a:t>
             </a:r>
             <a:endParaRPr lang="en-US" altLang="zh-CN" dirty="0"/>
           </a:p>
           <a:p>
             <a:r>
               <a:rPr lang="en-US" altLang="zh-CN" dirty="0" err="1"/>
-              <a:t>commitlog_directory</a:t>
+              <a:t>data_file_directories</a:t>
             </a:r>
             <a:r>
               <a:rPr lang="en-US" altLang="zh-CN" dirty="0"/>
-              <a:t>: /</a:t>
+              <a:t>:</a:t>
+            </a:r>
+            <a:endParaRPr lang="en-US" altLang="zh-CN" dirty="0"/>
+          </a:p>
+          <a:p>
+            <a:r>
+              <a:rPr lang="en-US" altLang="zh-CN" dirty="0"/>
+              <a:t>    - /</a:t>
             </a:r>
             <a:r>
               <a:rPr lang="en-US" altLang="zh-CN" dirty="0" err="1"/>
@@ -34403,11 +35490,7 @@
             </a:r>
             <a:r>
               <a:rPr lang="en-US" altLang="zh-CN" dirty="0"/>
-              <a:t>/local/apache-cassandra-3.9/</a:t>
-            </a:r>
-            <a:r>
-              <a:rPr lang="en-US" altLang="zh-CN" dirty="0" err="1"/>
-              <a:t>commitlog</a:t>
+              <a:t>/local/apache-cassandra-3.9/data</a:t>
             </a:r>
             <a:endParaRPr lang="en-US" altLang="zh-CN" dirty="0"/>
           </a:p>
@@ -34421,14 +35504,14 @@
             </a:pPr>
             <a:r>
               <a:rPr lang="en-US" altLang="zh-CN" dirty="0" err="1"/>
-              <a:t>saved_caches_directory</a:t>
+              <a:t>commitlog_directory</a:t>
             </a:r>
             <a:endParaRPr lang="en-US" altLang="zh-CN" dirty="0"/>
           </a:p>
           <a:p>
             <a:r>
               <a:rPr lang="en-US" altLang="zh-CN" dirty="0" err="1"/>
-              <a:t>saved_caches_directory</a:t>
+              <a:t>commitlog_directory</a:t>
             </a:r>
             <a:r>
               <a:rPr lang="en-US" altLang="zh-CN" dirty="0"/>
@@ -34444,7 +35527,7 @@
             </a:r>
             <a:r>
               <a:rPr lang="en-US" altLang="zh-CN" dirty="0" err="1"/>
-              <a:t>saved_caches</a:t>
+              <a:t>commitlog</a:t>
             </a:r>
             <a:endParaRPr lang="en-US" altLang="zh-CN" dirty="0"/>
           </a:p>
@@ -34452,6 +35535,43 @@
             <a:endParaRPr lang="en-US" altLang="zh-CN" dirty="0"/>
           </a:p>
           <a:p>
+            <a:pPr marL="285750" indent="-285750">
+              <a:buFont typeface="Arial" panose="020B0604020202020204" pitchFamily="34" charset="0"/>
+              <a:buChar char="•"/>
+            </a:pPr>
+            <a:r>
+              <a:rPr lang="en-US" altLang="zh-CN" dirty="0" err="1"/>
+              <a:t>saved_caches_directory</a:t>
+            </a:r>
+            <a:endParaRPr lang="en-US" altLang="zh-CN" dirty="0"/>
+          </a:p>
+          <a:p>
+            <a:r>
+              <a:rPr lang="en-US" altLang="zh-CN" dirty="0" err="1"/>
+              <a:t>saved_caches_directory</a:t>
+            </a:r>
+            <a:r>
+              <a:rPr lang="en-US" altLang="zh-CN" dirty="0"/>
+              <a:t>: /</a:t>
+            </a:r>
+            <a:r>
+              <a:rPr lang="en-US" altLang="zh-CN" dirty="0" err="1"/>
+              <a:t>usr</a:t>
+            </a:r>
+            <a:r>
+              <a:rPr lang="en-US" altLang="zh-CN" dirty="0"/>
+              <a:t>/local/apache-cassandra-3.9/</a:t>
+            </a:r>
+            <a:r>
+              <a:rPr lang="en-US" altLang="zh-CN" dirty="0" err="1"/>
+              <a:t>saved_caches</a:t>
+            </a:r>
+            <a:endParaRPr lang="en-US" altLang="zh-CN" dirty="0"/>
+          </a:p>
+          <a:p>
+            <a:endParaRPr lang="en-US" altLang="zh-CN" dirty="0"/>
+          </a:p>
+          <a:p>
             <a:r>
               <a:rPr lang="zh-CN" altLang="en-US" dirty="0"/>
               <a:t>启动</a:t>
@@ -34460,6 +35580,7 @@
               <a:rPr lang="en-US" altLang="zh-CN" dirty="0"/>
               <a:t>Cassandra</a:t>
             </a:r>
+            <a:endParaRPr lang="en-US" altLang="zh-CN" dirty="0"/>
           </a:p>
           <a:p>
             <a:r>
@@ -34478,154 +35599,6 @@
           </a:p>
         </p:txBody>
       </p:sp>
-    </p:spTree>
-    <p:extLst>
-      <p:ext uri="{BB962C8B-B14F-4D97-AF65-F5344CB8AC3E}">
-        <p14:creationId xmlns:p14="http://schemas.microsoft.com/office/powerpoint/2010/main" val="1545677844"/>
-      </p:ext>
-    </p:extLst>
-  </p:cSld>
-  <p:clrMapOvr>
-    <a:masterClrMapping/>
-  </p:clrMapOvr>
-</p:sld>
-</file>
-
-<file path=ppt/slides/slide13.xml><?xml version="1.0" encoding="utf-8"?>
-<p:sld xmlns:a="http://schemas.openxmlformats.org/drawingml/2006/main" xmlns:r="http://schemas.openxmlformats.org/officeDocument/2006/relationships" xmlns:p="http://schemas.openxmlformats.org/presentationml/2006/main">
-  <p:cSld>
-    <p:spTree>
-      <p:nvGrpSpPr>
-        <p:cNvPr id="1" name=""/>
-        <p:cNvGrpSpPr/>
-        <p:nvPr/>
-      </p:nvGrpSpPr>
-      <p:grpSpPr>
-        <a:xfrm>
-          <a:off x="0" y="0"/>
-          <a:ext cx="0" cy="0"/>
-          <a:chOff x="0" y="0"/>
-          <a:chExt cx="0" cy="0"/>
-        </a:xfrm>
-      </p:grpSpPr>
-      <p:sp>
-        <p:nvSpPr>
-          <p:cNvPr id="5" name="文本占位符 4">
-            <a:extLst>
-              <a:ext uri="{FF2B5EF4-FFF2-40B4-BE49-F238E27FC236}">
-                <a16:creationId xmlns:a16="http://schemas.microsoft.com/office/drawing/2014/main" id="{E0AFFFF7-8D89-4C80-8C6D-F775EC391B11}"/>
-              </a:ext>
-            </a:extLst>
-          </p:cNvPr>
-          <p:cNvSpPr>
-            <a:spLocks noGrp="1"/>
-          </p:cNvSpPr>
-          <p:nvPr>
-            <p:ph type="body" sz="quarter" idx="10"/>
-          </p:nvPr>
-        </p:nvSpPr>
-        <p:spPr/>
-        <p:txBody>
-          <a:bodyPr/>
-          <a:lstStyle/>
-          <a:p>
-            <a:r>
-              <a:rPr lang="zh-CN" altLang="en-US" dirty="0"/>
-              <a:t>集群版部署如下</a:t>
-            </a:r>
-          </a:p>
-        </p:txBody>
-      </p:sp>
-      <p:pic>
-        <p:nvPicPr>
-          <p:cNvPr id="10" name="图片 9">
-            <a:extLst>
-              <a:ext uri="{FF2B5EF4-FFF2-40B4-BE49-F238E27FC236}">
-                <a16:creationId xmlns:a16="http://schemas.microsoft.com/office/drawing/2014/main" id="{D09D1052-38B5-42B6-BF2C-94071BB03989}"/>
-              </a:ext>
-            </a:extLst>
-          </p:cNvPr>
-          <p:cNvPicPr>
-            <a:picLocks noChangeAspect="1"/>
-          </p:cNvPicPr>
-          <p:nvPr/>
-        </p:nvPicPr>
-        <p:blipFill>
-          <a:blip r:embed="rId3"/>
-          <a:stretch>
-            <a:fillRect/>
-          </a:stretch>
-        </p:blipFill>
-        <p:spPr>
-          <a:xfrm>
-            <a:off x="1268056" y="1079855"/>
-            <a:ext cx="7904762" cy="1819048"/>
-          </a:xfrm>
-          <a:prstGeom prst="rect">
-            <a:avLst/>
-          </a:prstGeom>
-        </p:spPr>
-      </p:pic>
-      <p:pic>
-        <p:nvPicPr>
-          <p:cNvPr id="12" name="图片 11">
-            <a:extLst>
-              <a:ext uri="{FF2B5EF4-FFF2-40B4-BE49-F238E27FC236}">
-                <a16:creationId xmlns:a16="http://schemas.microsoft.com/office/drawing/2014/main" id="{85684F58-A222-4E96-8671-02644A85BEB8}"/>
-              </a:ext>
-            </a:extLst>
-          </p:cNvPr>
-          <p:cNvPicPr>
-            <a:picLocks noChangeAspect="1"/>
-          </p:cNvPicPr>
-          <p:nvPr/>
-        </p:nvPicPr>
-        <p:blipFill>
-          <a:blip r:embed="rId4"/>
-          <a:stretch>
-            <a:fillRect/>
-          </a:stretch>
-        </p:blipFill>
-        <p:spPr>
-          <a:xfrm>
-            <a:off x="1268056" y="3189391"/>
-            <a:ext cx="7923809" cy="638095"/>
-          </a:xfrm>
-          <a:prstGeom prst="rect">
-            <a:avLst/>
-          </a:prstGeom>
-        </p:spPr>
-      </p:pic>
-      <p:pic>
-        <p:nvPicPr>
-          <p:cNvPr id="14" name="图片 13">
-            <a:extLst>
-              <a:ext uri="{FF2B5EF4-FFF2-40B4-BE49-F238E27FC236}">
-                <a16:creationId xmlns:a16="http://schemas.microsoft.com/office/drawing/2014/main" id="{63785D21-5662-45F4-9D4B-E356DB416B60}"/>
-              </a:ext>
-            </a:extLst>
-          </p:cNvPr>
-          <p:cNvPicPr>
-            <a:picLocks noChangeAspect="1"/>
-          </p:cNvPicPr>
-          <p:nvPr/>
-        </p:nvPicPr>
-        <p:blipFill>
-          <a:blip r:embed="rId5"/>
-          <a:stretch>
-            <a:fillRect/>
-          </a:stretch>
-        </p:blipFill>
-        <p:spPr>
-          <a:xfrm>
-            <a:off x="1268056" y="4439691"/>
-            <a:ext cx="10019048" cy="609524"/>
-          </a:xfrm>
-          <a:prstGeom prst="rect">
-            <a:avLst/>
-          </a:prstGeom>
-        </p:spPr>
-      </p:pic>
     </p:spTree>
   </p:cSld>
   <p:clrMapOvr>
@@ -34653,13 +35626,127 @@
       </p:grpSpPr>
       <p:sp>
         <p:nvSpPr>
-          <p:cNvPr id="5" name="文本占位符 4">
-            <a:extLst>
-              <a:ext uri="{FF2B5EF4-FFF2-40B4-BE49-F238E27FC236}">
-                <a16:creationId xmlns:a16="http://schemas.microsoft.com/office/drawing/2014/main" id="{23B3A8D2-B279-4BD6-84BD-5E40E48E1F0A}"/>
-              </a:ext>
-            </a:extLst>
-          </p:cNvPr>
+          <p:cNvPr id="5" name="文本占位符 4"/>
+          <p:cNvSpPr>
+            <a:spLocks noGrp="1"/>
+          </p:cNvSpPr>
+          <p:nvPr>
+            <p:ph type="body" sz="quarter" idx="10"/>
+          </p:nvPr>
+        </p:nvSpPr>
+        <p:spPr/>
+        <p:txBody>
+          <a:bodyPr/>
+          <a:lstStyle/>
+          <a:p>
+            <a:r>
+              <a:rPr lang="zh-CN" altLang="en-US" dirty="0"/>
+              <a:t>集群版部署如下</a:t>
+            </a:r>
+            <a:endParaRPr lang="zh-CN" altLang="en-US" dirty="0"/>
+          </a:p>
+        </p:txBody>
+      </p:sp>
+      <p:pic>
+        <p:nvPicPr>
+          <p:cNvPr id="10" name="图片 9"/>
+          <p:cNvPicPr>
+            <a:picLocks noChangeAspect="1"/>
+          </p:cNvPicPr>
+          <p:nvPr/>
+        </p:nvPicPr>
+        <p:blipFill>
+          <a:blip r:embed="rId1"/>
+          <a:stretch>
+            <a:fillRect/>
+          </a:stretch>
+        </p:blipFill>
+        <p:spPr>
+          <a:xfrm>
+            <a:off x="1268056" y="1079855"/>
+            <a:ext cx="7904762" cy="1819048"/>
+          </a:xfrm>
+          <a:prstGeom prst="rect">
+            <a:avLst/>
+          </a:prstGeom>
+        </p:spPr>
+      </p:pic>
+      <p:pic>
+        <p:nvPicPr>
+          <p:cNvPr id="12" name="图片 11"/>
+          <p:cNvPicPr>
+            <a:picLocks noChangeAspect="1"/>
+          </p:cNvPicPr>
+          <p:nvPr/>
+        </p:nvPicPr>
+        <p:blipFill>
+          <a:blip r:embed="rId2"/>
+          <a:stretch>
+            <a:fillRect/>
+          </a:stretch>
+        </p:blipFill>
+        <p:spPr>
+          <a:xfrm>
+            <a:off x="1268056" y="3189391"/>
+            <a:ext cx="7923809" cy="638095"/>
+          </a:xfrm>
+          <a:prstGeom prst="rect">
+            <a:avLst/>
+          </a:prstGeom>
+        </p:spPr>
+      </p:pic>
+      <p:pic>
+        <p:nvPicPr>
+          <p:cNvPr id="14" name="图片 13"/>
+          <p:cNvPicPr>
+            <a:picLocks noChangeAspect="1"/>
+          </p:cNvPicPr>
+          <p:nvPr/>
+        </p:nvPicPr>
+        <p:blipFill>
+          <a:blip r:embed="rId3"/>
+          <a:stretch>
+            <a:fillRect/>
+          </a:stretch>
+        </p:blipFill>
+        <p:spPr>
+          <a:xfrm>
+            <a:off x="1268056" y="4439691"/>
+            <a:ext cx="10019048" cy="609524"/>
+          </a:xfrm>
+          <a:prstGeom prst="rect">
+            <a:avLst/>
+          </a:prstGeom>
+        </p:spPr>
+      </p:pic>
+    </p:spTree>
+  </p:cSld>
+  <p:clrMapOvr>
+    <a:masterClrMapping/>
+  </p:clrMapOvr>
+</p:sld>
+</file>
+
+<file path=ppt/slides/slide15.xml><?xml version="1.0" encoding="utf-8"?>
+<p:sld xmlns:a="http://schemas.openxmlformats.org/drawingml/2006/main" xmlns:r="http://schemas.openxmlformats.org/officeDocument/2006/relationships" xmlns:p="http://schemas.openxmlformats.org/presentationml/2006/main">
+  <p:cSld>
+    <p:spTree>
+      <p:nvGrpSpPr>
+        <p:cNvPr id="1" name=""/>
+        <p:cNvGrpSpPr/>
+        <p:nvPr/>
+      </p:nvGrpSpPr>
+      <p:grpSpPr>
+        <a:xfrm>
+          <a:off x="0" y="0"/>
+          <a:ext cx="0" cy="0"/>
+          <a:chOff x="0" y="0"/>
+          <a:chExt cx="0" cy="0"/>
+        </a:xfrm>
+      </p:grpSpPr>
+      <p:sp>
+        <p:nvSpPr>
+          <p:cNvPr id="5" name="文本占位符 4"/>
           <p:cNvSpPr>
             <a:spLocks noGrp="1"/>
           </p:cNvSpPr>
@@ -34681,18 +35768,13 @@
               <a:rPr lang="zh-CN" altLang="en-US" dirty="0"/>
               <a:t>配置文件详情</a:t>
             </a:r>
+            <a:endParaRPr lang="zh-CN" altLang="en-US" dirty="0"/>
           </a:p>
         </p:txBody>
       </p:sp>
       <p:sp>
         <p:nvSpPr>
-          <p:cNvPr id="10" name="Rectangle 2">
-            <a:extLst>
-              <a:ext uri="{FF2B5EF4-FFF2-40B4-BE49-F238E27FC236}">
-                <a16:creationId xmlns:a16="http://schemas.microsoft.com/office/drawing/2014/main" id="{A8AD6F15-89E2-499F-921D-B4020698B39E}"/>
-              </a:ext>
-            </a:extLst>
-          </p:cNvPr>
+          <p:cNvPr id="10" name="Rectangle 2"/>
           <p:cNvSpPr>
             <a:spLocks noChangeArrowheads="1"/>
           </p:cNvSpPr>
@@ -34742,9 +35824,6 @@
         </p:spPr>
         <p:txBody>
           <a:bodyPr vert="horz" wrap="square" lIns="0" tIns="126960" rIns="0" bIns="126960" numCol="1" anchor="ctr" anchorCtr="0" compatLnSpc="1">
-            <a:prstTxWarp prst="textNoShape">
-              <a:avLst/>
-            </a:prstTxWarp>
             <a:spAutoFit/>
           </a:bodyPr>
           <a:lstStyle>
@@ -34890,7 +35969,6 @@
               <a:buSzTx/>
               <a:buFontTx/>
               <a:buNone/>
-              <a:tabLst/>
             </a:pPr>
             <a:r>
               <a:rPr kumimoji="0" lang="zh-CN" altLang="zh-CN" sz="1600" b="0" i="0" u="none" strike="noStrike" cap="none" normalizeH="0" baseline="0" dirty="0">
@@ -34932,7 +36010,6 @@
               <a:buSzTx/>
               <a:buFontTx/>
               <a:buNone/>
-              <a:tabLst/>
             </a:pPr>
             <a:r>
               <a:rPr kumimoji="0" lang="en-US" altLang="zh-CN" sz="1600" b="0" i="0" u="none" strike="noStrike" cap="none" normalizeH="0" baseline="0" dirty="0">
@@ -34988,7 +36065,6 @@
               <a:buSzTx/>
               <a:buFontTx/>
               <a:buNone/>
-              <a:tabLst/>
             </a:pPr>
             <a:endParaRPr kumimoji="0" lang="en-US" altLang="zh-CN" sz="1600" b="0" i="0" u="none" strike="noStrike" cap="none" normalizeH="0" baseline="0" dirty="0">
               <a:ln>
@@ -35017,7 +36093,6 @@
               <a:buSzTx/>
               <a:buFontTx/>
               <a:buNone/>
-              <a:tabLst/>
             </a:pPr>
             <a:r>
               <a:rPr kumimoji="0" lang="zh-CN" altLang="zh-CN" sz="1600" b="0" i="0" u="none" strike="noStrike" cap="none" normalizeH="0" baseline="0" dirty="0">
@@ -35059,7 +36134,6 @@
               <a:buSzTx/>
               <a:buFontTx/>
               <a:buNone/>
-              <a:tabLst/>
             </a:pPr>
             <a:r>
               <a:rPr kumimoji="0" lang="en-US" altLang="zh-CN" sz="1600" b="0" i="0" u="none" strike="noStrike" cap="none" normalizeH="0" baseline="0" dirty="0">
@@ -35115,7 +36189,6 @@
               <a:buSzTx/>
               <a:buFontTx/>
               <a:buNone/>
-              <a:tabLst/>
             </a:pPr>
             <a:endParaRPr kumimoji="0" lang="en-US" altLang="zh-CN" sz="1600" b="0" i="0" u="none" strike="noStrike" cap="none" normalizeH="0" baseline="0" dirty="0">
               <a:ln>
@@ -35144,7 +36217,6 @@
               <a:buSzTx/>
               <a:buFontTx/>
               <a:buNone/>
-              <a:tabLst/>
             </a:pPr>
             <a:r>
               <a:rPr kumimoji="0" lang="zh-CN" altLang="zh-CN" sz="1600" b="0" i="0" u="none" strike="noStrike" cap="none" normalizeH="0" baseline="0" dirty="0">
@@ -35186,7 +36258,6 @@
               <a:buSzTx/>
               <a:buFontTx/>
               <a:buNone/>
-              <a:tabLst/>
             </a:pPr>
             <a:r>
               <a:rPr kumimoji="0" lang="en-US" altLang="zh-CN" sz="1600" b="0" i="0" u="none" strike="noStrike" cap="none" normalizeH="0" baseline="0" dirty="0">
@@ -35242,7 +36313,6 @@
               <a:buSzTx/>
               <a:buFontTx/>
               <a:buNone/>
-              <a:tabLst/>
             </a:pPr>
             <a:endParaRPr kumimoji="0" lang="en-US" altLang="zh-CN" sz="1600" b="0" i="0" u="none" strike="noStrike" cap="none" normalizeH="0" baseline="0" dirty="0">
               <a:ln>
@@ -35271,7 +36341,6 @@
               <a:buSzTx/>
               <a:buFontTx/>
               <a:buNone/>
-              <a:tabLst/>
             </a:pPr>
             <a:r>
               <a:rPr lang="en-US" altLang="zh-CN" sz="1600" dirty="0">
@@ -35322,7 +36391,6 @@
               <a:buSzTx/>
               <a:buFontTx/>
               <a:buNone/>
-              <a:tabLst/>
             </a:pPr>
             <a:r>
               <a:rPr kumimoji="0" lang="zh-CN" altLang="zh-CN" sz="1600" b="0" i="0" u="none" strike="noStrike" cap="none" normalizeH="0" baseline="0" dirty="0">
@@ -35364,7 +36432,6 @@
               <a:buSzTx/>
               <a:buFont typeface="Arial" panose="020B0604020202020204" pitchFamily="34" charset="0"/>
               <a:buChar char="•"/>
-              <a:tabLst/>
             </a:pPr>
             <a:r>
               <a:rPr kumimoji="0" lang="zh-CN" altLang="zh-CN" sz="1600" b="0" i="0" u="none" strike="noStrike" cap="none" normalizeH="0" baseline="0" dirty="0">
@@ -35380,6 +36447,17 @@
               </a:rPr>
               <a:t>0.0.0.0监听所有地址</a:t>
             </a:r>
+            <a:endParaRPr kumimoji="0" lang="zh-CN" altLang="zh-CN" sz="1600" b="0" i="0" u="none" strike="noStrike" cap="none" normalizeH="0" baseline="0" dirty="0">
+              <a:ln>
+                <a:noFill/>
+              </a:ln>
+              <a:solidFill>
+                <a:srgbClr val="34495E"/>
+              </a:solidFill>
+              <a:effectLst/>
+              <a:latin typeface="Arial" panose="020B0604020202020204" pitchFamily="34" charset="0"/>
+              <a:ea typeface="Ubuntu"/>
+            </a:endParaRPr>
           </a:p>
           <a:p>
             <a:pPr marL="285750" marR="0" lvl="0" indent="-285750" algn="l" defTabSz="914400" rtl="0" eaLnBrk="0" fontAlgn="base" latinLnBrk="0" hangingPunct="0">
@@ -35396,7 +36474,6 @@
               <a:buSzTx/>
               <a:buFont typeface="Arial" panose="020B0604020202020204" pitchFamily="34" charset="0"/>
               <a:buChar char="•"/>
-              <a:tabLst/>
             </a:pPr>
             <a:r>
               <a:rPr lang="en-US" altLang="zh-CN" sz="1600" dirty="0" err="1">
@@ -35421,6 +36498,17 @@
               </a:rPr>
               <a:t>地址</a:t>
             </a:r>
+            <a:endParaRPr kumimoji="0" lang="zh-CN" altLang="zh-CN" sz="1600" b="0" i="0" u="none" strike="noStrike" cap="none" normalizeH="0" baseline="0" dirty="0">
+              <a:ln>
+                <a:noFill/>
+              </a:ln>
+              <a:solidFill>
+                <a:srgbClr val="34495E"/>
+              </a:solidFill>
+              <a:effectLst/>
+              <a:latin typeface="Arial" panose="020B0604020202020204" pitchFamily="34" charset="0"/>
+              <a:ea typeface="Ubuntu"/>
+            </a:endParaRPr>
           </a:p>
           <a:p>
             <a:pPr marL="285750" marR="0" lvl="0" indent="-285750" algn="l" defTabSz="914400" rtl="0" eaLnBrk="0" fontAlgn="base" latinLnBrk="0" hangingPunct="0">
@@ -35437,7 +36525,6 @@
               <a:buSzTx/>
               <a:buFont typeface="Arial" panose="020B0604020202020204" pitchFamily="34" charset="0"/>
               <a:buChar char="•"/>
-              <a:tabLst/>
             </a:pPr>
             <a:r>
               <a:rPr kumimoji="0" lang="zh-CN" altLang="zh-CN" sz="1600" b="0" i="0" u="none" strike="noStrike" cap="none" normalizeH="0" baseline="0" dirty="0">
@@ -35453,6 +36540,17 @@
               </a:rPr>
               <a:t>主机名</a:t>
             </a:r>
+            <a:endParaRPr kumimoji="0" lang="zh-CN" altLang="zh-CN" sz="1600" b="0" i="0" u="none" strike="noStrike" cap="none" normalizeH="0" baseline="0" dirty="0">
+              <a:ln>
+                <a:noFill/>
+              </a:ln>
+              <a:solidFill>
+                <a:srgbClr val="34495E"/>
+              </a:solidFill>
+              <a:effectLst/>
+              <a:latin typeface="Arial" panose="020B0604020202020204" pitchFamily="34" charset="0"/>
+              <a:ea typeface="Ubuntu"/>
+            </a:endParaRPr>
           </a:p>
           <a:p>
             <a:pPr marL="285750" marR="0" lvl="0" indent="-285750" algn="l" defTabSz="914400" rtl="0" eaLnBrk="0" fontAlgn="base" latinLnBrk="0" hangingPunct="0">
@@ -35469,7 +36567,6 @@
               <a:buSzTx/>
               <a:buFont typeface="Arial" panose="020B0604020202020204" pitchFamily="34" charset="0"/>
               <a:buChar char="•"/>
-              <a:tabLst/>
             </a:pPr>
             <a:r>
               <a:rPr kumimoji="0" lang="zh-CN" altLang="zh-CN" sz="1600" b="0" i="0" u="none" strike="noStrike" cap="none" normalizeH="0" baseline="0" dirty="0">
@@ -35485,6 +36582,17 @@
               </a:rPr>
               <a:t>不设置：使用hosts文件或DNS</a:t>
             </a:r>
+            <a:endParaRPr kumimoji="0" lang="zh-CN" altLang="zh-CN" sz="1600" b="0" i="0" u="none" strike="noStrike" cap="none" normalizeH="0" baseline="0" dirty="0">
+              <a:ln>
+                <a:noFill/>
+              </a:ln>
+              <a:solidFill>
+                <a:srgbClr val="34495E"/>
+              </a:solidFill>
+              <a:effectLst/>
+              <a:latin typeface="Arial" panose="020B0604020202020204" pitchFamily="34" charset="0"/>
+              <a:ea typeface="Ubuntu"/>
+            </a:endParaRPr>
           </a:p>
           <a:p>
             <a:pPr marL="0" marR="0" lvl="0" indent="0" algn="l" defTabSz="914400" rtl="0" eaLnBrk="0" fontAlgn="base" latinLnBrk="0" hangingPunct="0">
@@ -35501,7 +36609,6 @@
               <a:buSzTx/>
               <a:buFontTx/>
               <a:buNone/>
-              <a:tabLst/>
             </a:pPr>
             <a:r>
               <a:rPr kumimoji="0" lang="zh-CN" altLang="zh-CN" sz="1600" b="0" i="0" u="none" strike="noStrike" cap="none" normalizeH="0" baseline="0" dirty="0">
@@ -35543,7 +36650,6 @@
               <a:buSzTx/>
               <a:buFontTx/>
               <a:buNone/>
-              <a:tabLst/>
             </a:pPr>
             <a:r>
               <a:rPr kumimoji="0" lang="en-US" altLang="zh-CN" sz="1600" b="0" i="0" u="none" strike="noStrike" cap="none" normalizeH="0" baseline="0" dirty="0">
@@ -35599,7 +36705,6 @@
               <a:buSzTx/>
               <a:buFontTx/>
               <a:buNone/>
-              <a:tabLst/>
             </a:pPr>
             <a:r>
               <a:rPr kumimoji="0" lang="zh-CN" altLang="zh-CN" sz="1600" b="0" i="0" u="none" strike="noStrike" cap="none" normalizeH="0" baseline="0" dirty="0">
@@ -35641,7 +36746,6 @@
               <a:buSzTx/>
               <a:buFontTx/>
               <a:buNone/>
-              <a:tabLst/>
             </a:pPr>
             <a:r>
               <a:rPr kumimoji="0" lang="zh-CN" altLang="zh-CN" sz="1600" b="0" i="0" u="none" strike="noStrike" cap="none" normalizeH="0" baseline="0" dirty="0">
@@ -35678,7 +36782,7 @@
 </p:sld>
 </file>
 
-<file path=ppt/slides/slide15.xml><?xml version="1.0" encoding="utf-8"?>
+<file path=ppt/slides/slide16.xml><?xml version="1.0" encoding="utf-8"?>
 <p:sld xmlns:a="http://schemas.openxmlformats.org/drawingml/2006/main" xmlns:r="http://schemas.openxmlformats.org/officeDocument/2006/relationships" xmlns:p="http://schemas.openxmlformats.org/presentationml/2006/main">
   <p:cSld>
     <p:spTree>
@@ -35697,13 +36801,7 @@
       </p:grpSpPr>
       <p:sp>
         <p:nvSpPr>
-          <p:cNvPr id="2" name="文本占位符 1">
-            <a:extLst>
-              <a:ext uri="{FF2B5EF4-FFF2-40B4-BE49-F238E27FC236}">
-                <a16:creationId xmlns:a16="http://schemas.microsoft.com/office/drawing/2014/main" id="{12FE9B34-B4C4-4358-BE09-4B93BF888E38}"/>
-              </a:ext>
-            </a:extLst>
-          </p:cNvPr>
+          <p:cNvPr id="2" name="文本占位符 1"/>
           <p:cNvSpPr>
             <a:spLocks noGrp="1"/>
           </p:cNvSpPr>
@@ -35720,28 +36818,17 @@
               <a:rPr lang="zh-CN" altLang="en-US" dirty="0"/>
               <a:t>副本放置策略</a:t>
             </a:r>
+            <a:endParaRPr lang="zh-CN" altLang="en-US" dirty="0"/>
           </a:p>
         </p:txBody>
       </p:sp>
       <p:graphicFrame>
         <p:nvGraphicFramePr>
-          <p:cNvPr id="4" name="表格 4">
-            <a:extLst>
-              <a:ext uri="{FF2B5EF4-FFF2-40B4-BE49-F238E27FC236}">
-                <a16:creationId xmlns:a16="http://schemas.microsoft.com/office/drawing/2014/main" id="{0817A462-3F3E-42CF-A596-E920D8F6840D}"/>
-              </a:ext>
-            </a:extLst>
-          </p:cNvPr>
+          <p:cNvPr id="4" name="表格 4"/>
           <p:cNvGraphicFramePr>
             <a:graphicFrameLocks noGrp="1"/>
           </p:cNvGraphicFramePr>
-          <p:nvPr>
-            <p:extLst>
-              <p:ext uri="{D42A27DB-BD31-4B8C-83A1-F6EECF244321}">
-                <p14:modId xmlns:p14="http://schemas.microsoft.com/office/powerpoint/2010/main" val="2529026364"/>
-              </p:ext>
-            </p:extLst>
-          </p:nvPr>
+          <p:nvPr/>
         </p:nvGraphicFramePr>
         <p:xfrm>
           <a:off x="1268056" y="1684308"/>
@@ -35754,27 +36841,9 @@
                 <a:tableStyleId>{5C22544A-7EE6-4342-B048-85BDC9FD1C3A}</a:tableStyleId>
               </a:tblPr>
               <a:tblGrid>
-                <a:gridCol w="3258361">
-                  <a:extLst>
-                    <a:ext uri="{9D8B030D-6E8A-4147-A177-3AD203B41FA5}">
-                      <a16:colId xmlns:a16="http://schemas.microsoft.com/office/drawing/2014/main" val="1104738522"/>
-                    </a:ext>
-                  </a:extLst>
-                </a:gridCol>
-                <a:gridCol w="2577768">
-                  <a:extLst>
-                    <a:ext uri="{9D8B030D-6E8A-4147-A177-3AD203B41FA5}">
-                      <a16:colId xmlns:a16="http://schemas.microsoft.com/office/drawing/2014/main" val="2182847328"/>
-                    </a:ext>
-                  </a:extLst>
-                </a:gridCol>
-                <a:gridCol w="3938954">
-                  <a:extLst>
-                    <a:ext uri="{9D8B030D-6E8A-4147-A177-3AD203B41FA5}">
-                      <a16:colId xmlns:a16="http://schemas.microsoft.com/office/drawing/2014/main" val="1410605097"/>
-                    </a:ext>
-                  </a:extLst>
-                </a:gridCol>
+                <a:gridCol w="3258361"/>
+                <a:gridCol w="2577768"/>
+                <a:gridCol w="3938954"/>
               </a:tblGrid>
               <a:tr h="358604">
                 <a:tc>
@@ -35843,11 +36912,6 @@
                   </a:txBody>
                   <a:tcPr/>
                 </a:tc>
-                <a:extLst>
-                  <a:ext uri="{0D108BD9-81ED-4DB2-BD59-A6C34878D82A}">
-                    <a16:rowId xmlns:a16="http://schemas.microsoft.com/office/drawing/2014/main" val="3027070384"/>
-                  </a:ext>
-                </a:extLst>
               </a:tr>
               <a:tr h="896510">
                 <a:tc>
@@ -35903,15 +36967,11 @@
                         <a:rPr lang="zh-CN" altLang="en-US" dirty="0"/>
                         <a:t>适用于只有一个数据中心。为集群指定简单的副本因子（有几个副本）</a:t>
                       </a:r>
+                      <a:endParaRPr lang="zh-CN" altLang="en-US" dirty="0"/>
                     </a:p>
                   </a:txBody>
                   <a:tcPr/>
                 </a:tc>
-                <a:extLst>
-                  <a:ext uri="{0D108BD9-81ED-4DB2-BD59-A6C34878D82A}">
-                    <a16:rowId xmlns:a16="http://schemas.microsoft.com/office/drawing/2014/main" val="2879924325"/>
-                  </a:ext>
-                </a:extLst>
               </a:tr>
               <a:tr h="1100016">
                 <a:tc>
@@ -35967,15 +37027,11 @@
                         <a:rPr lang="zh-CN" altLang="en-US" dirty="0"/>
                         <a:t>推荐方式，因为可以扩展到多数据中心，可以单独为每个数据中心设置复制因子</a:t>
                       </a:r>
+                      <a:endParaRPr lang="zh-CN" altLang="en-US" dirty="0"/>
                     </a:p>
                   </a:txBody>
                   <a:tcPr/>
                 </a:tc>
-                <a:extLst>
-                  <a:ext uri="{0D108BD9-81ED-4DB2-BD59-A6C34878D82A}">
-                    <a16:rowId xmlns:a16="http://schemas.microsoft.com/office/drawing/2014/main" val="1341443272"/>
-                  </a:ext>
-                </a:extLst>
               </a:tr>
             </a:tbl>
           </a:graphicData>
@@ -35983,13 +37039,7 @@
       </p:graphicFrame>
       <p:sp>
         <p:nvSpPr>
-          <p:cNvPr id="7" name="文本框 6">
-            <a:extLst>
-              <a:ext uri="{FF2B5EF4-FFF2-40B4-BE49-F238E27FC236}">
-                <a16:creationId xmlns:a16="http://schemas.microsoft.com/office/drawing/2014/main" id="{3C25446E-9446-4CD2-8546-62E8A4A072A3}"/>
-              </a:ext>
-            </a:extLst>
-          </p:cNvPr>
+          <p:cNvPr id="7" name="文本框 6"/>
           <p:cNvSpPr txBox="1"/>
           <p:nvPr/>
         </p:nvSpPr>
@@ -36021,18 +37071,13 @@
               <a:rPr lang="zh-CN" altLang="en-US" dirty="0"/>
               <a:t>种策略，内容如下：</a:t>
             </a:r>
+            <a:endParaRPr lang="zh-CN" altLang="en-US" dirty="0"/>
           </a:p>
         </p:txBody>
       </p:sp>
       <p:sp>
         <p:nvSpPr>
-          <p:cNvPr id="9" name="文本框 8">
-            <a:extLst>
-              <a:ext uri="{FF2B5EF4-FFF2-40B4-BE49-F238E27FC236}">
-                <a16:creationId xmlns:a16="http://schemas.microsoft.com/office/drawing/2014/main" id="{EB27A24C-34D2-459B-B413-D319E676EECB}"/>
-              </a:ext>
-            </a:extLst>
-          </p:cNvPr>
+          <p:cNvPr id="9" name="文本框 8"/>
           <p:cNvSpPr txBox="1"/>
           <p:nvPr/>
         </p:nvSpPr>
@@ -36075,6 +37120,7 @@
               <a:rPr lang="zh-CN" altLang="en-US" dirty="0"/>
               <a:t>Create keyspace KeyspaceName with replicaton={'class':strategy name,   </a:t>
             </a:r>
+            <a:endParaRPr lang="zh-CN" altLang="en-US" dirty="0"/>
           </a:p>
           <a:p>
             <a:r>
@@ -36123,15 +37169,11 @@
               <a:rPr lang="zh-CN" altLang="en-US" dirty="0"/>
               <a:t>代表 复制因子，放置在不同节点上的数据的副本数</a:t>
             </a:r>
+            <a:endParaRPr lang="zh-CN" altLang="en-US" dirty="0"/>
           </a:p>
         </p:txBody>
       </p:sp>
     </p:spTree>
-    <p:extLst>
-      <p:ext uri="{BB962C8B-B14F-4D97-AF65-F5344CB8AC3E}">
-        <p14:creationId xmlns:p14="http://schemas.microsoft.com/office/powerpoint/2010/main" val="94190958"/>
-      </p:ext>
-    </p:extLst>
   </p:cSld>
   <p:clrMapOvr>
     <a:masterClrMapping/>
@@ -36139,7 +37181,7 @@
 </p:sld>
 </file>
 
-<file path=ppt/slides/slide16.xml><?xml version="1.0" encoding="utf-8"?>
+<file path=ppt/slides/slide17.xml><?xml version="1.0" encoding="utf-8"?>
 <p:sld xmlns:a="http://schemas.openxmlformats.org/drawingml/2006/main" xmlns:r="http://schemas.openxmlformats.org/officeDocument/2006/relationships" xmlns:p="http://schemas.openxmlformats.org/presentationml/2006/main">
   <p:cSld>
     <p:spTree>
@@ -36158,13 +37200,7 @@
       </p:grpSpPr>
       <p:sp>
         <p:nvSpPr>
-          <p:cNvPr id="5" name="文本占位符 4">
-            <a:extLst>
-              <a:ext uri="{FF2B5EF4-FFF2-40B4-BE49-F238E27FC236}">
-                <a16:creationId xmlns:a16="http://schemas.microsoft.com/office/drawing/2014/main" id="{23B3A8D2-B279-4BD6-84BD-5E40E48E1F0A}"/>
-              </a:ext>
-            </a:extLst>
-          </p:cNvPr>
+          <p:cNvPr id="5" name="文本占位符 4"/>
           <p:cNvSpPr>
             <a:spLocks noGrp="1"/>
           </p:cNvSpPr>
@@ -36196,13 +37232,7 @@
       </p:sp>
       <p:sp>
         <p:nvSpPr>
-          <p:cNvPr id="8" name="文本框 7">
-            <a:extLst>
-              <a:ext uri="{FF2B5EF4-FFF2-40B4-BE49-F238E27FC236}">
-                <a16:creationId xmlns:a16="http://schemas.microsoft.com/office/drawing/2014/main" id="{9DC752C5-35FE-4D09-908C-EC29191C8520}"/>
-              </a:ext>
-            </a:extLst>
-          </p:cNvPr>
+          <p:cNvPr id="8" name="文本框 7"/>
           <p:cNvSpPr txBox="1"/>
           <p:nvPr/>
         </p:nvSpPr>
@@ -36236,7 +37266,6 @@
               <a:buSzTx/>
               <a:buFontTx/>
               <a:buNone/>
-              <a:tabLst/>
             </a:pPr>
             <a:r>
               <a:rPr kumimoji="0" lang="zh-CN" altLang="zh-CN" sz="1800" b="0" i="0" u="none" strike="noStrike" cap="none" normalizeH="0" baseline="0" dirty="0">
@@ -36278,7 +37307,6 @@
               <a:buSzTx/>
               <a:buFontTx/>
               <a:buNone/>
-              <a:tabLst/>
             </a:pPr>
             <a:r>
               <a:rPr kumimoji="0" lang="zh-CN" altLang="zh-CN" sz="1800" b="0" i="0" u="none" strike="noStrike" cap="none" normalizeH="0" baseline="0" dirty="0">
@@ -36320,7 +37348,6 @@
               <a:buSzTx/>
               <a:buFont typeface="Arial" panose="020B0604020202020204" pitchFamily="34" charset="0"/>
               <a:buChar char="•"/>
-              <a:tabLst/>
             </a:pPr>
             <a:r>
               <a:rPr kumimoji="0" lang="zh-CN" altLang="zh-CN" sz="1800" b="0" i="0" u="none" strike="noStrike" cap="none" normalizeH="0" baseline="0" dirty="0">
@@ -36336,6 +37363,17 @@
               </a:rPr>
               <a:t>periodic：和commitlog_sync_period_in_ms（默认10000 – 10 秒）一起控制把commit log同步到磁盘的频繁度。周期性的同步会立即确认。</a:t>
             </a:r>
+            <a:endParaRPr kumimoji="0" lang="zh-CN" altLang="zh-CN" sz="1800" b="0" i="0" u="none" strike="noStrike" cap="none" normalizeH="0" baseline="0" dirty="0">
+              <a:ln>
+                <a:noFill/>
+              </a:ln>
+              <a:solidFill>
+                <a:srgbClr val="34495E"/>
+              </a:solidFill>
+              <a:effectLst/>
+              <a:latin typeface="Arial" panose="020B0604020202020204" pitchFamily="34" charset="0"/>
+              <a:ea typeface="Ubuntu"/>
+            </a:endParaRPr>
           </a:p>
           <a:p>
             <a:pPr marL="285750" marR="0" lvl="0" indent="-285750" algn="l" defTabSz="914400" rtl="0" eaLnBrk="0" fontAlgn="base" latinLnBrk="0" hangingPunct="0">
@@ -36352,7 +37390,6 @@
               <a:buSzTx/>
               <a:buFont typeface="Arial" panose="020B0604020202020204" pitchFamily="34" charset="0"/>
               <a:buChar char="•"/>
-              <a:tabLst/>
             </a:pPr>
             <a:r>
               <a:rPr kumimoji="0" lang="zh-CN" altLang="zh-CN" sz="1800" b="0" i="0" u="none" strike="noStrike" cap="none" normalizeH="0" baseline="0" dirty="0">
@@ -36368,6 +37405,17 @@
               </a:rPr>
               <a:t>batch：和commitlog_sync_batch_window_in_ms（默认disabled）一起控制Cassandra在执行同步前要等待其他写操作多久时间。当使用该方法时，写操作在同步数据到磁盘前不会被确认。</a:t>
             </a:r>
+            <a:endParaRPr kumimoji="0" lang="zh-CN" altLang="zh-CN" sz="1800" b="0" i="0" u="none" strike="noStrike" cap="none" normalizeH="0" baseline="0" dirty="0">
+              <a:ln>
+                <a:noFill/>
+              </a:ln>
+              <a:solidFill>
+                <a:srgbClr val="34495E"/>
+              </a:solidFill>
+              <a:effectLst/>
+              <a:latin typeface="Arial" panose="020B0604020202020204" pitchFamily="34" charset="0"/>
+              <a:ea typeface="Ubuntu"/>
+            </a:endParaRPr>
           </a:p>
           <a:p>
             <a:pPr marL="0" marR="0" lvl="0" indent="0" algn="l" defTabSz="914400" rtl="0" eaLnBrk="0" fontAlgn="base" latinLnBrk="0" hangingPunct="0">
@@ -36384,7 +37432,6 @@
               <a:buSzTx/>
               <a:buFontTx/>
               <a:buNone/>
-              <a:tabLst/>
             </a:pPr>
             <a:endParaRPr kumimoji="0" lang="en-US" altLang="zh-CN" sz="1800" b="0" i="0" u="none" strike="noStrike" cap="none" normalizeH="0" baseline="0" dirty="0">
               <a:ln>
@@ -36413,7 +37460,6 @@
               <a:buSzTx/>
               <a:buFontTx/>
               <a:buNone/>
-              <a:tabLst/>
             </a:pPr>
             <a:r>
               <a:rPr kumimoji="0" lang="zh-CN" altLang="zh-CN" sz="1800" b="0" i="0" u="none" strike="noStrike" cap="none" normalizeH="0" baseline="0" dirty="0">
@@ -36455,7 +37501,6 @@
               <a:buSzTx/>
               <a:buFontTx/>
               <a:buNone/>
-              <a:tabLst/>
             </a:pPr>
             <a:r>
               <a:rPr kumimoji="0" lang="zh-CN" altLang="zh-CN" sz="1800" b="0" i="0" u="none" strike="noStrike" cap="none" normalizeH="0" baseline="0" dirty="0">
@@ -36497,7 +37542,6 @@
               <a:buSzTx/>
               <a:buFontTx/>
               <a:buNone/>
-              <a:tabLst/>
             </a:pPr>
             <a:endParaRPr kumimoji="0" lang="en-US" altLang="zh-CN" sz="1800" b="0" i="0" u="none" strike="noStrike" cap="none" normalizeH="0" baseline="0" dirty="0">
               <a:ln>
@@ -36526,7 +37570,6 @@
               <a:buSzTx/>
               <a:buFontTx/>
               <a:buNone/>
-              <a:tabLst/>
             </a:pPr>
             <a:r>
               <a:rPr kumimoji="0" lang="zh-CN" altLang="zh-CN" sz="1800" b="0" i="0" u="none" strike="noStrike" cap="none" normalizeH="0" baseline="0" dirty="0">
@@ -36568,7 +37611,6 @@
               <a:buSzTx/>
               <a:buFontTx/>
               <a:buNone/>
-              <a:tabLst/>
             </a:pPr>
             <a:r>
               <a:rPr kumimoji="0" lang="zh-CN" altLang="zh-CN" sz="1800" b="0" i="0" u="none" strike="noStrike" cap="none" normalizeH="0" baseline="0" dirty="0">
@@ -36610,7 +37652,6 @@
               <a:buSzTx/>
               <a:buFontTx/>
               <a:buNone/>
-              <a:tabLst/>
             </a:pPr>
             <a:endParaRPr kumimoji="0" lang="en-US" altLang="zh-CN" sz="2800" b="0" i="0" u="none" strike="noStrike" cap="none" normalizeH="0" baseline="0" dirty="0">
               <a:ln>
@@ -36638,7 +37679,6 @@
               <a:buSzTx/>
               <a:buFontTx/>
               <a:buNone/>
-              <a:tabLst/>
             </a:pPr>
             <a:endParaRPr kumimoji="0" lang="zh-CN" altLang="zh-CN" sz="2800" b="0" i="0" u="none" strike="noStrike" cap="none" normalizeH="0" baseline="0" dirty="0">
               <a:ln>
@@ -36654,11 +37694,6 @@
         </p:txBody>
       </p:sp>
     </p:spTree>
-    <p:extLst>
-      <p:ext uri="{BB962C8B-B14F-4D97-AF65-F5344CB8AC3E}">
-        <p14:creationId xmlns:p14="http://schemas.microsoft.com/office/powerpoint/2010/main" val="3975119098"/>
-      </p:ext>
-    </p:extLst>
   </p:cSld>
   <p:clrMapOvr>
     <a:masterClrMapping/>
@@ -36666,7 +37701,7 @@
 </p:sld>
 </file>
 
-<file path=ppt/slides/slide17.xml><?xml version="1.0" encoding="utf-8"?>
+<file path=ppt/slides/slide18.xml><?xml version="1.0" encoding="utf-8"?>
 <p:sld xmlns:a="http://schemas.openxmlformats.org/drawingml/2006/main" xmlns:r="http://schemas.openxmlformats.org/officeDocument/2006/relationships" xmlns:p="http://schemas.openxmlformats.org/presentationml/2006/main">
   <p:cSld>
     <p:spTree>
@@ -36685,13 +37720,7 @@
       </p:grpSpPr>
       <p:sp>
         <p:nvSpPr>
-          <p:cNvPr id="5" name="文本占位符 4">
-            <a:extLst>
-              <a:ext uri="{FF2B5EF4-FFF2-40B4-BE49-F238E27FC236}">
-                <a16:creationId xmlns:a16="http://schemas.microsoft.com/office/drawing/2014/main" id="{23B3A8D2-B279-4BD6-84BD-5E40E48E1F0A}"/>
-              </a:ext>
-            </a:extLst>
-          </p:cNvPr>
+          <p:cNvPr id="5" name="文本占位符 4"/>
           <p:cNvSpPr>
             <a:spLocks noGrp="1"/>
           </p:cNvSpPr>
@@ -36723,13 +37752,7 @@
       </p:sp>
       <p:sp>
         <p:nvSpPr>
-          <p:cNvPr id="2" name="Rectangle 1">
-            <a:extLst>
-              <a:ext uri="{FF2B5EF4-FFF2-40B4-BE49-F238E27FC236}">
-                <a16:creationId xmlns:a16="http://schemas.microsoft.com/office/drawing/2014/main" id="{95ED3964-3FC7-48E4-B4E3-7782A3D2D5CC}"/>
-              </a:ext>
-            </a:extLst>
-          </p:cNvPr>
+          <p:cNvPr id="2" name="Rectangle 1"/>
           <p:cNvSpPr>
             <a:spLocks noChangeArrowheads="1"/>
           </p:cNvSpPr>
@@ -36779,9 +37802,6 @@
         </p:spPr>
         <p:txBody>
           <a:bodyPr vert="horz" wrap="square" lIns="91440" tIns="45720" rIns="91440" bIns="45720" numCol="1" anchor="ctr" anchorCtr="0" compatLnSpc="1">
-            <a:prstTxWarp prst="textNoShape">
-              <a:avLst/>
-            </a:prstTxWarp>
             <a:spAutoFit/>
           </a:bodyPr>
           <a:lstStyle>
@@ -36927,7 +37947,6 @@
               <a:buSzTx/>
               <a:buFontTx/>
               <a:buNone/>
-              <a:tabLst/>
             </a:pPr>
             <a:r>
               <a:rPr kumimoji="0" lang="zh-CN" altLang="zh-CN" sz="1600" b="0" i="0" u="none" strike="noStrike" cap="none" normalizeH="0" baseline="0" dirty="0">
@@ -36969,7 +37988,6 @@
               <a:buSzTx/>
               <a:buFontTx/>
               <a:buNone/>
-              <a:tabLst/>
             </a:pPr>
             <a:r>
               <a:rPr kumimoji="0" lang="zh-CN" altLang="zh-CN" sz="1600" b="0" i="0" u="none" strike="noStrike" cap="none" normalizeH="0" baseline="0" dirty="0">
@@ -37011,7 +38029,6 @@
               <a:buSzTx/>
               <a:buFontTx/>
               <a:buNone/>
-              <a:tabLst/>
             </a:pPr>
             <a:endParaRPr kumimoji="0" lang="en-US" altLang="zh-CN" sz="1600" b="0" i="0" u="none" strike="noStrike" cap="none" normalizeH="0" baseline="0" dirty="0">
               <a:ln>
@@ -37040,7 +38057,6 @@
               <a:buSzTx/>
               <a:buFontTx/>
               <a:buNone/>
-              <a:tabLst/>
             </a:pPr>
             <a:r>
               <a:rPr kumimoji="0" lang="zh-CN" altLang="zh-CN" sz="1600" b="0" i="0" u="none" strike="noStrike" cap="none" normalizeH="0" baseline="0" dirty="0">
@@ -37082,7 +38098,6 @@
               <a:buSzTx/>
               <a:buFontTx/>
               <a:buNone/>
-              <a:tabLst/>
             </a:pPr>
             <a:r>
               <a:rPr kumimoji="0" lang="zh-CN" altLang="zh-CN" sz="1600" b="0" i="0" u="none" strike="noStrike" cap="none" normalizeH="0" baseline="0" dirty="0">
@@ -37124,7 +38139,6 @@
               <a:buSzTx/>
               <a:buFontTx/>
               <a:buNone/>
-              <a:tabLst/>
             </a:pPr>
             <a:endParaRPr kumimoji="0" lang="en-US" altLang="zh-CN" sz="1600" b="0" i="0" u="none" strike="noStrike" cap="none" normalizeH="0" baseline="0" dirty="0">
               <a:ln>
@@ -37153,7 +38167,6 @@
               <a:buSzTx/>
               <a:buFontTx/>
               <a:buNone/>
-              <a:tabLst/>
             </a:pPr>
             <a:r>
               <a:rPr kumimoji="0" lang="zh-CN" altLang="zh-CN" sz="1600" b="0" i="0" u="none" strike="noStrike" cap="none" normalizeH="0" baseline="0" dirty="0">
@@ -37195,7 +38208,6 @@
               <a:buSzTx/>
               <a:buFontTx/>
               <a:buNone/>
-              <a:tabLst/>
             </a:pPr>
             <a:r>
               <a:rPr kumimoji="0" lang="zh-CN" altLang="zh-CN" sz="1600" b="0" i="0" u="none" strike="noStrike" cap="none" normalizeH="0" baseline="0" dirty="0">
@@ -37237,7 +38249,6 @@
               <a:buSzTx/>
               <a:buFontTx/>
               <a:buNone/>
-              <a:tabLst/>
             </a:pPr>
             <a:endParaRPr kumimoji="0" lang="en-US" altLang="zh-CN" sz="1600" b="0" i="0" u="none" strike="noStrike" cap="none" normalizeH="0" baseline="0" dirty="0">
               <a:ln>
@@ -37266,7 +38277,6 @@
               <a:buSzTx/>
               <a:buFontTx/>
               <a:buNone/>
-              <a:tabLst/>
             </a:pPr>
             <a:r>
               <a:rPr kumimoji="0" lang="zh-CN" altLang="zh-CN" sz="1600" b="0" i="0" u="none" strike="noStrike" cap="none" normalizeH="0" baseline="0" dirty="0">
@@ -37308,7 +38318,6 @@
               <a:buSzTx/>
               <a:buFontTx/>
               <a:buNone/>
-              <a:tabLst/>
             </a:pPr>
             <a:r>
               <a:rPr kumimoji="0" lang="zh-CN" altLang="zh-CN" sz="1600" b="0" i="0" u="none" strike="noStrike" cap="none" normalizeH="0" baseline="0" dirty="0">
@@ -37338,11 +38347,6 @@
         </p:txBody>
       </p:sp>
     </p:spTree>
-    <p:extLst>
-      <p:ext uri="{BB962C8B-B14F-4D97-AF65-F5344CB8AC3E}">
-        <p14:creationId xmlns:p14="http://schemas.microsoft.com/office/powerpoint/2010/main" val="4091423601"/>
-      </p:ext>
-    </p:extLst>
   </p:cSld>
   <p:clrMapOvr>
     <a:masterClrMapping/>
@@ -37350,7 +38354,7 @@
 </p:sld>
 </file>
 
-<file path=ppt/slides/slide18.xml><?xml version="1.0" encoding="utf-8"?>
+<file path=ppt/slides/slide19.xml><?xml version="1.0" encoding="utf-8"?>
 <p:sld xmlns:a="http://schemas.openxmlformats.org/drawingml/2006/main" xmlns:r="http://schemas.openxmlformats.org/officeDocument/2006/relationships" xmlns:p="http://schemas.openxmlformats.org/presentationml/2006/main">
   <p:cSld>
     <p:spTree>
@@ -37369,13 +38373,7 @@
       </p:grpSpPr>
       <p:sp>
         <p:nvSpPr>
-          <p:cNvPr id="5" name="文本占位符 4">
-            <a:extLst>
-              <a:ext uri="{FF2B5EF4-FFF2-40B4-BE49-F238E27FC236}">
-                <a16:creationId xmlns:a16="http://schemas.microsoft.com/office/drawing/2014/main" id="{23B3A8D2-B279-4BD6-84BD-5E40E48E1F0A}"/>
-              </a:ext>
-            </a:extLst>
-          </p:cNvPr>
+          <p:cNvPr id="5" name="文本占位符 4"/>
           <p:cNvSpPr>
             <a:spLocks noGrp="1"/>
           </p:cNvSpPr>
@@ -37407,13 +38405,7 @@
       </p:sp>
       <p:sp>
         <p:nvSpPr>
-          <p:cNvPr id="2" name="Rectangle 1">
-            <a:extLst>
-              <a:ext uri="{FF2B5EF4-FFF2-40B4-BE49-F238E27FC236}">
-                <a16:creationId xmlns:a16="http://schemas.microsoft.com/office/drawing/2014/main" id="{72266C89-A127-4878-8D8A-404D9BB31C08}"/>
-              </a:ext>
-            </a:extLst>
-          </p:cNvPr>
+          <p:cNvPr id="2" name="Rectangle 1"/>
           <p:cNvSpPr>
             <a:spLocks noChangeArrowheads="1"/>
           </p:cNvSpPr>
@@ -37463,9 +38455,6 @@
         </p:spPr>
         <p:txBody>
           <a:bodyPr vert="horz" wrap="square" lIns="91440" tIns="45720" rIns="91440" bIns="45720" numCol="1" anchor="ctr" anchorCtr="0" compatLnSpc="1">
-            <a:prstTxWarp prst="textNoShape">
-              <a:avLst/>
-            </a:prstTxWarp>
             <a:spAutoFit/>
           </a:bodyPr>
           <a:lstStyle>
@@ -37611,7 +38600,6 @@
               <a:buSzTx/>
               <a:buFontTx/>
               <a:buNone/>
-              <a:tabLst/>
             </a:pPr>
             <a:r>
               <a:rPr kumimoji="0" lang="zh-CN" altLang="zh-CN" sz="1600" b="0" i="0" u="none" strike="noStrike" cap="none" normalizeH="0" baseline="0" dirty="0">
@@ -37653,7 +38641,6 @@
               <a:buSzTx/>
               <a:buFontTx/>
               <a:buNone/>
-              <a:tabLst/>
             </a:pPr>
             <a:r>
               <a:rPr kumimoji="0" lang="zh-CN" altLang="zh-CN" sz="1600" b="0" i="0" u="none" strike="noStrike" cap="none" normalizeH="0" baseline="0" dirty="0">
@@ -37695,7 +38682,6 @@
               <a:buSzTx/>
               <a:buFontTx/>
               <a:buNone/>
-              <a:tabLst/>
             </a:pPr>
             <a:endParaRPr kumimoji="0" lang="en-US" altLang="zh-CN" sz="1600" b="0" i="0" u="none" strike="noStrike" cap="none" normalizeH="0" baseline="0" dirty="0">
               <a:ln>
@@ -37724,7 +38710,6 @@
               <a:buSzTx/>
               <a:buFontTx/>
               <a:buNone/>
-              <a:tabLst/>
             </a:pPr>
             <a:r>
               <a:rPr kumimoji="0" lang="zh-CN" altLang="zh-CN" sz="1600" b="0" i="0" u="none" strike="noStrike" cap="none" normalizeH="0" baseline="0" dirty="0">
@@ -37766,7 +38751,6 @@
               <a:buSzTx/>
               <a:buFontTx/>
               <a:buNone/>
-              <a:tabLst/>
             </a:pPr>
             <a:r>
               <a:rPr kumimoji="0" lang="zh-CN" altLang="zh-CN" sz="1600" b="0" i="0" u="none" strike="noStrike" cap="none" normalizeH="0" baseline="0" dirty="0">
@@ -37808,7 +38792,6 @@
               <a:buSzTx/>
               <a:buFontTx/>
               <a:buNone/>
-              <a:tabLst/>
             </a:pPr>
             <a:endParaRPr kumimoji="0" lang="en-US" altLang="zh-CN" sz="1600" b="0" i="0" u="none" strike="noStrike" cap="none" normalizeH="0" baseline="0" dirty="0">
               <a:ln>
@@ -37837,7 +38820,6 @@
               <a:buSzTx/>
               <a:buFontTx/>
               <a:buNone/>
-              <a:tabLst/>
             </a:pPr>
             <a:r>
               <a:rPr kumimoji="0" lang="zh-CN" altLang="zh-CN" sz="1600" b="0" i="0" u="none" strike="noStrike" cap="none" normalizeH="0" baseline="0" dirty="0">
@@ -37879,7 +38861,6 @@
               <a:buSzTx/>
               <a:buFontTx/>
               <a:buNone/>
-              <a:tabLst/>
             </a:pPr>
             <a:r>
               <a:rPr kumimoji="0" lang="zh-CN" altLang="zh-CN" sz="1600" b="0" i="0" u="none" strike="noStrike" cap="none" normalizeH="0" baseline="0" dirty="0">
@@ -37921,7 +38902,6 @@
               <a:buSzTx/>
               <a:buFontTx/>
               <a:buNone/>
-              <a:tabLst/>
             </a:pPr>
             <a:endParaRPr kumimoji="0" lang="en-US" altLang="zh-CN" sz="1600" b="0" i="0" u="none" strike="noStrike" cap="none" normalizeH="0" baseline="0" dirty="0">
               <a:ln>
@@ -37950,7 +38930,6 @@
               <a:buSzTx/>
               <a:buFontTx/>
               <a:buNone/>
-              <a:tabLst/>
             </a:pPr>
             <a:r>
               <a:rPr kumimoji="0" lang="zh-CN" altLang="zh-CN" sz="1600" b="0" i="0" u="none" strike="noStrike" cap="none" normalizeH="0" baseline="0" dirty="0">
@@ -37992,7 +38971,6 @@
               <a:buSzTx/>
               <a:buFontTx/>
               <a:buNone/>
-              <a:tabLst/>
             </a:pPr>
             <a:r>
               <a:rPr kumimoji="0" lang="zh-CN" altLang="zh-CN" sz="1600" b="0" i="0" u="none" strike="noStrike" cap="none" normalizeH="0" baseline="0" dirty="0">
@@ -38034,7 +39012,6 @@
               <a:buSzTx/>
               <a:buFontTx/>
               <a:buNone/>
-              <a:tabLst/>
             </a:pPr>
             <a:endParaRPr kumimoji="0" lang="en-US" altLang="zh-CN" sz="1600" b="0" i="0" u="none" strike="noStrike" cap="none" normalizeH="0" baseline="0" dirty="0">
               <a:ln>
@@ -38063,7 +39040,6 @@
               <a:buSzTx/>
               <a:buFontTx/>
               <a:buNone/>
-              <a:tabLst/>
             </a:pPr>
             <a:r>
               <a:rPr kumimoji="0" lang="zh-CN" altLang="zh-CN" sz="1600" b="0" i="0" u="none" strike="noStrike" cap="none" normalizeH="0" baseline="0" dirty="0">
@@ -38105,7 +39081,6 @@
               <a:buSzTx/>
               <a:buFontTx/>
               <a:buNone/>
-              <a:tabLst/>
             </a:pPr>
             <a:r>
               <a:rPr kumimoji="0" lang="zh-CN" altLang="zh-CN" sz="1600" b="0" i="0" u="none" strike="noStrike" cap="none" normalizeH="0" baseline="0" dirty="0">
@@ -38147,7 +39122,6 @@
               <a:buSzTx/>
               <a:buFontTx/>
               <a:buNone/>
-              <a:tabLst/>
             </a:pPr>
             <a:endParaRPr kumimoji="0" lang="en-US" altLang="zh-CN" sz="1600" b="0" i="0" u="none" strike="noStrike" cap="none" normalizeH="0" baseline="0" dirty="0">
               <a:ln>
@@ -38176,7 +39150,6 @@
               <a:buSzTx/>
               <a:buFontTx/>
               <a:buNone/>
-              <a:tabLst/>
             </a:pPr>
             <a:r>
               <a:rPr kumimoji="0" lang="zh-CN" altLang="zh-CN" sz="1600" b="0" i="0" u="none" strike="noStrike" cap="none" normalizeH="0" baseline="0" dirty="0">
@@ -38218,7 +39191,6 @@
               <a:buSzTx/>
               <a:buFontTx/>
               <a:buNone/>
-              <a:tabLst/>
             </a:pPr>
             <a:r>
               <a:rPr kumimoji="0" lang="zh-CN" altLang="zh-CN" sz="1600" b="0" i="0" u="none" strike="noStrike" cap="none" normalizeH="0" baseline="0" dirty="0">
@@ -38260,7 +39232,6 @@
               <a:buSzTx/>
               <a:buFontTx/>
               <a:buNone/>
-              <a:tabLst/>
             </a:pPr>
             <a:br>
               <a:rPr kumimoji="0" lang="zh-CN" altLang="zh-CN" sz="1600" b="0" i="0" u="none" strike="noStrike" cap="none" normalizeH="0" baseline="0" dirty="0">
@@ -38288,921 +39259,6 @@
         </p:txBody>
       </p:sp>
     </p:spTree>
-    <p:extLst>
-      <p:ext uri="{BB962C8B-B14F-4D97-AF65-F5344CB8AC3E}">
-        <p14:creationId xmlns:p14="http://schemas.microsoft.com/office/powerpoint/2010/main" val="2338510228"/>
-      </p:ext>
-    </p:extLst>
-  </p:cSld>
-  <p:clrMapOvr>
-    <a:masterClrMapping/>
-  </p:clrMapOvr>
-</p:sld>
-</file>
-
-<file path=ppt/slides/slide19.xml><?xml version="1.0" encoding="utf-8"?>
-<p:sld xmlns:a="http://schemas.openxmlformats.org/drawingml/2006/main" xmlns:r="http://schemas.openxmlformats.org/officeDocument/2006/relationships" xmlns:p="http://schemas.openxmlformats.org/presentationml/2006/main">
-  <p:cSld>
-    <p:spTree>
-      <p:nvGrpSpPr>
-        <p:cNvPr id="1" name=""/>
-        <p:cNvGrpSpPr/>
-        <p:nvPr/>
-      </p:nvGrpSpPr>
-      <p:grpSpPr>
-        <a:xfrm>
-          <a:off x="0" y="0"/>
-          <a:ext cx="0" cy="0"/>
-          <a:chOff x="0" y="0"/>
-          <a:chExt cx="0" cy="0"/>
-        </a:xfrm>
-      </p:grpSpPr>
-      <p:sp>
-        <p:nvSpPr>
-          <p:cNvPr id="5" name="文本占位符 4">
-            <a:extLst>
-              <a:ext uri="{FF2B5EF4-FFF2-40B4-BE49-F238E27FC236}">
-                <a16:creationId xmlns:a16="http://schemas.microsoft.com/office/drawing/2014/main" id="{23B3A8D2-B279-4BD6-84BD-5E40E48E1F0A}"/>
-              </a:ext>
-            </a:extLst>
-          </p:cNvPr>
-          <p:cNvSpPr>
-            <a:spLocks noGrp="1"/>
-          </p:cNvSpPr>
-          <p:nvPr>
-            <p:ph type="body" sz="quarter" idx="10"/>
-          </p:nvPr>
-        </p:nvSpPr>
-        <p:spPr>
-          <a:xfrm>
-            <a:off x="1268056" y="216696"/>
-            <a:ext cx="4623329" cy="617493"/>
-          </a:xfrm>
-        </p:spPr>
-        <p:txBody>
-          <a:bodyPr/>
-          <a:lstStyle/>
-          <a:p>
-            <a:r>
-              <a:rPr lang="zh-CN" altLang="en-US" dirty="0"/>
-              <a:t>性能调优</a:t>
-            </a:r>
-            <a:r>
-              <a:rPr lang="en-US" altLang="zh-CN" dirty="0"/>
-              <a:t>4</a:t>
-            </a:r>
-            <a:endParaRPr lang="zh-CN" altLang="en-US" dirty="0"/>
-          </a:p>
-        </p:txBody>
-      </p:sp>
-      <p:sp>
-        <p:nvSpPr>
-          <p:cNvPr id="2" name="Rectangle 1">
-            <a:extLst>
-              <a:ext uri="{FF2B5EF4-FFF2-40B4-BE49-F238E27FC236}">
-                <a16:creationId xmlns:a16="http://schemas.microsoft.com/office/drawing/2014/main" id="{7A11585A-5C08-46B9-A3B3-B76943390482}"/>
-              </a:ext>
-            </a:extLst>
-          </p:cNvPr>
-          <p:cNvSpPr>
-            <a:spLocks noChangeArrowheads="1"/>
-          </p:cNvSpPr>
-          <p:nvPr/>
-        </p:nvSpPr>
-        <p:spPr bwMode="auto">
-          <a:xfrm>
-            <a:off x="569494" y="920621"/>
-            <a:ext cx="11053012" cy="5016758"/>
-          </a:xfrm>
-          <a:prstGeom prst="rect">
-            <a:avLst/>
-          </a:prstGeom>
-          <a:noFill/>
-          <a:ln>
-            <a:noFill/>
-          </a:ln>
-          <a:effectLst/>
-          <a:extLst>
-            <a:ext uri="{909E8E84-426E-40DD-AFC4-6F175D3DCCD1}">
-              <a14:hiddenFill xmlns:a14="http://schemas.microsoft.com/office/drawing/2010/main">
-                <a:solidFill>
-                  <a:schemeClr val="accent1"/>
-                </a:solidFill>
-              </a14:hiddenFill>
-            </a:ext>
-            <a:ext uri="{91240B29-F687-4F45-9708-019B960494DF}">
-              <a14:hiddenLine xmlns:a14="http://schemas.microsoft.com/office/drawing/2010/main" w="9525">
-                <a:solidFill>
-                  <a:schemeClr val="tx1"/>
-                </a:solidFill>
-                <a:miter lim="800000"/>
-                <a:headEnd/>
-                <a:tailEnd/>
-              </a14:hiddenLine>
-            </a:ext>
-            <a:ext uri="{AF507438-7753-43E0-B8FC-AC1667EBCBE1}">
-              <a14:hiddenEffects xmlns:a14="http://schemas.microsoft.com/office/drawing/2010/main">
-                <a:effectLst>
-                  <a:outerShdw dist="35921" dir="2700000" algn="ctr" rotWithShape="0">
-                    <a:schemeClr val="bg2"/>
-                  </a:outerShdw>
-                </a:effectLst>
-              </a14:hiddenEffects>
-            </a:ext>
-          </a:extLst>
-        </p:spPr>
-        <p:txBody>
-          <a:bodyPr vert="horz" wrap="square" lIns="91440" tIns="45720" rIns="91440" bIns="45720" numCol="1" anchor="ctr" anchorCtr="0" compatLnSpc="1">
-            <a:prstTxWarp prst="textNoShape">
-              <a:avLst/>
-            </a:prstTxWarp>
-            <a:spAutoFit/>
-          </a:bodyPr>
-          <a:lstStyle>
-            <a:lvl1pPr eaLnBrk="0" fontAlgn="base" hangingPunct="0">
-              <a:spcBef>
-                <a:spcPct val="0"/>
-              </a:spcBef>
-              <a:spcAft>
-                <a:spcPct val="0"/>
-              </a:spcAft>
-              <a:defRPr>
-                <a:solidFill>
-                  <a:schemeClr val="tx1"/>
-                </a:solidFill>
-                <a:latin typeface="Arial" panose="020B0604020202020204" pitchFamily="34" charset="0"/>
-              </a:defRPr>
-            </a:lvl1pPr>
-            <a:lvl2pPr eaLnBrk="0" fontAlgn="base" hangingPunct="0">
-              <a:spcBef>
-                <a:spcPct val="0"/>
-              </a:spcBef>
-              <a:spcAft>
-                <a:spcPct val="0"/>
-              </a:spcAft>
-              <a:defRPr>
-                <a:solidFill>
-                  <a:schemeClr val="tx1"/>
-                </a:solidFill>
-                <a:latin typeface="Arial" panose="020B0604020202020204" pitchFamily="34" charset="0"/>
-              </a:defRPr>
-            </a:lvl2pPr>
-            <a:lvl3pPr eaLnBrk="0" fontAlgn="base" hangingPunct="0">
-              <a:spcBef>
-                <a:spcPct val="0"/>
-              </a:spcBef>
-              <a:spcAft>
-                <a:spcPct val="0"/>
-              </a:spcAft>
-              <a:defRPr>
-                <a:solidFill>
-                  <a:schemeClr val="tx1"/>
-                </a:solidFill>
-                <a:latin typeface="Arial" panose="020B0604020202020204" pitchFamily="34" charset="0"/>
-              </a:defRPr>
-            </a:lvl3pPr>
-            <a:lvl4pPr eaLnBrk="0" fontAlgn="base" hangingPunct="0">
-              <a:spcBef>
-                <a:spcPct val="0"/>
-              </a:spcBef>
-              <a:spcAft>
-                <a:spcPct val="0"/>
-              </a:spcAft>
-              <a:defRPr>
-                <a:solidFill>
-                  <a:schemeClr val="tx1"/>
-                </a:solidFill>
-                <a:latin typeface="Arial" panose="020B0604020202020204" pitchFamily="34" charset="0"/>
-              </a:defRPr>
-            </a:lvl4pPr>
-            <a:lvl5pPr eaLnBrk="0" fontAlgn="base" hangingPunct="0">
-              <a:spcBef>
-                <a:spcPct val="0"/>
-              </a:spcBef>
-              <a:spcAft>
-                <a:spcPct val="0"/>
-              </a:spcAft>
-              <a:defRPr>
-                <a:solidFill>
-                  <a:schemeClr val="tx1"/>
-                </a:solidFill>
-                <a:latin typeface="Arial" panose="020B0604020202020204" pitchFamily="34" charset="0"/>
-              </a:defRPr>
-            </a:lvl5pPr>
-            <a:lvl6pPr eaLnBrk="0" fontAlgn="base" hangingPunct="0">
-              <a:spcBef>
-                <a:spcPct val="0"/>
-              </a:spcBef>
-              <a:spcAft>
-                <a:spcPct val="0"/>
-              </a:spcAft>
-              <a:defRPr>
-                <a:solidFill>
-                  <a:schemeClr val="tx1"/>
-                </a:solidFill>
-                <a:latin typeface="Arial" panose="020B0604020202020204" pitchFamily="34" charset="0"/>
-              </a:defRPr>
-            </a:lvl6pPr>
-            <a:lvl7pPr eaLnBrk="0" fontAlgn="base" hangingPunct="0">
-              <a:spcBef>
-                <a:spcPct val="0"/>
-              </a:spcBef>
-              <a:spcAft>
-                <a:spcPct val="0"/>
-              </a:spcAft>
-              <a:defRPr>
-                <a:solidFill>
-                  <a:schemeClr val="tx1"/>
-                </a:solidFill>
-                <a:latin typeface="Arial" panose="020B0604020202020204" pitchFamily="34" charset="0"/>
-              </a:defRPr>
-            </a:lvl7pPr>
-            <a:lvl8pPr eaLnBrk="0" fontAlgn="base" hangingPunct="0">
-              <a:spcBef>
-                <a:spcPct val="0"/>
-              </a:spcBef>
-              <a:spcAft>
-                <a:spcPct val="0"/>
-              </a:spcAft>
-              <a:defRPr>
-                <a:solidFill>
-                  <a:schemeClr val="tx1"/>
-                </a:solidFill>
-                <a:latin typeface="Arial" panose="020B0604020202020204" pitchFamily="34" charset="0"/>
-              </a:defRPr>
-            </a:lvl8pPr>
-            <a:lvl9pPr eaLnBrk="0" fontAlgn="base" hangingPunct="0">
-              <a:spcBef>
-                <a:spcPct val="0"/>
-              </a:spcBef>
-              <a:spcAft>
-                <a:spcPct val="0"/>
-              </a:spcAft>
-              <a:defRPr>
-                <a:solidFill>
-                  <a:schemeClr val="tx1"/>
-                </a:solidFill>
-                <a:latin typeface="Arial" panose="020B0604020202020204" pitchFamily="34" charset="0"/>
-              </a:defRPr>
-            </a:lvl9pPr>
-          </a:lstStyle>
-          <a:p>
-            <a:pPr marL="0" marR="0" lvl="0" indent="0" algn="l" defTabSz="914400" rtl="0" eaLnBrk="0" fontAlgn="base" latinLnBrk="0" hangingPunct="0">
-              <a:lnSpc>
-                <a:spcPct val="100000"/>
-              </a:lnSpc>
-              <a:spcBef>
-                <a:spcPct val="0"/>
-              </a:spcBef>
-              <a:spcAft>
-                <a:spcPct val="0"/>
-              </a:spcAft>
-              <a:buClrTx/>
-              <a:buSzTx/>
-              <a:buFontTx/>
-              <a:buNone/>
-              <a:tabLst/>
-            </a:pPr>
-            <a:r>
-              <a:rPr kumimoji="0" lang="zh-CN" altLang="zh-CN" sz="1600" b="0" i="0" u="none" strike="noStrike" cap="none" normalizeH="0" baseline="0" dirty="0">
-                <a:ln>
-                  <a:noFill/>
-                </a:ln>
-                <a:solidFill>
-                  <a:srgbClr val="34495E"/>
-                </a:solidFill>
-                <a:effectLst/>
-                <a:latin typeface="Arial" panose="020B0604020202020204" pitchFamily="34" charset="0"/>
-                <a:ea typeface="Ubuntu"/>
-              </a:rPr>
-              <a:t>populate_io_cache_on_flush</a:t>
-            </a:r>
-            <a:endParaRPr kumimoji="0" lang="zh-CN" altLang="zh-CN" sz="1600" b="0" i="0" u="none" strike="noStrike" cap="none" normalizeH="0" baseline="0" dirty="0">
-              <a:ln>
-                <a:noFill/>
-              </a:ln>
-              <a:solidFill>
-                <a:schemeClr val="tx1"/>
-              </a:solidFill>
-              <a:effectLst/>
-              <a:latin typeface="Arial" panose="020B0604020202020204" pitchFamily="34" charset="0"/>
-            </a:endParaRPr>
-          </a:p>
-          <a:p>
-            <a:pPr marL="0" marR="0" lvl="0" indent="0" algn="l" defTabSz="914400" rtl="0" eaLnBrk="0" fontAlgn="base" latinLnBrk="0" hangingPunct="0">
-              <a:lnSpc>
-                <a:spcPct val="100000"/>
-              </a:lnSpc>
-              <a:spcBef>
-                <a:spcPct val="0"/>
-              </a:spcBef>
-              <a:spcAft>
-                <a:spcPct val="0"/>
-              </a:spcAft>
-              <a:buClrTx/>
-              <a:buSzTx/>
-              <a:buFontTx/>
-              <a:buNone/>
-              <a:tabLst/>
-            </a:pPr>
-            <a:r>
-              <a:rPr kumimoji="0" lang="zh-CN" altLang="zh-CN" sz="1600" b="0" i="0" u="none" strike="noStrike" cap="none" normalizeH="0" baseline="0" dirty="0">
-                <a:ln>
-                  <a:noFill/>
-                </a:ln>
-                <a:solidFill>
-                  <a:srgbClr val="34495E"/>
-                </a:solidFill>
-                <a:effectLst/>
-                <a:latin typeface="Arial" panose="020B0604020202020204" pitchFamily="34" charset="0"/>
-                <a:ea typeface="Ubuntu"/>
-              </a:rPr>
-              <a:t>（默认false）添加新刷新或压缩的SSTable到操作系统的页面缓存。</a:t>
-            </a:r>
-            <a:endParaRPr kumimoji="0" lang="zh-CN" altLang="zh-CN" sz="1600" b="0" i="0" u="none" strike="noStrike" cap="none" normalizeH="0" baseline="0" dirty="0">
-              <a:ln>
-                <a:noFill/>
-              </a:ln>
-              <a:solidFill>
-                <a:schemeClr val="tx1"/>
-              </a:solidFill>
-              <a:effectLst/>
-              <a:latin typeface="Arial" panose="020B0604020202020204" pitchFamily="34" charset="0"/>
-            </a:endParaRPr>
-          </a:p>
-          <a:p>
-            <a:pPr marL="0" marR="0" lvl="0" indent="0" algn="l" defTabSz="914400" rtl="0" eaLnBrk="0" fontAlgn="base" latinLnBrk="0" hangingPunct="0">
-              <a:lnSpc>
-                <a:spcPct val="100000"/>
-              </a:lnSpc>
-              <a:spcBef>
-                <a:spcPct val="0"/>
-              </a:spcBef>
-              <a:spcAft>
-                <a:spcPct val="0"/>
-              </a:spcAft>
-              <a:buClrTx/>
-              <a:buSzTx/>
-              <a:buFontTx/>
-              <a:buNone/>
-              <a:tabLst/>
-            </a:pPr>
-            <a:endParaRPr kumimoji="0" lang="en-US" altLang="zh-CN" sz="1600" b="0" i="0" u="none" strike="noStrike" cap="none" normalizeH="0" baseline="0" dirty="0">
-              <a:ln>
-                <a:noFill/>
-              </a:ln>
-              <a:solidFill>
-                <a:srgbClr val="34495E"/>
-              </a:solidFill>
-              <a:effectLst/>
-              <a:latin typeface="Arial" panose="020B0604020202020204" pitchFamily="34" charset="0"/>
-              <a:ea typeface="Ubuntu"/>
-            </a:endParaRPr>
-          </a:p>
-          <a:p>
-            <a:pPr marL="0" marR="0" lvl="0" indent="0" algn="l" defTabSz="914400" rtl="0" eaLnBrk="0" fontAlgn="base" latinLnBrk="0" hangingPunct="0">
-              <a:lnSpc>
-                <a:spcPct val="100000"/>
-              </a:lnSpc>
-              <a:spcBef>
-                <a:spcPct val="0"/>
-              </a:spcBef>
-              <a:spcAft>
-                <a:spcPct val="0"/>
-              </a:spcAft>
-              <a:buClrTx/>
-              <a:buSzTx/>
-              <a:buFontTx/>
-              <a:buNone/>
-              <a:tabLst/>
-            </a:pPr>
-            <a:r>
-              <a:rPr kumimoji="0" lang="zh-CN" altLang="zh-CN" sz="1600" b="0" i="0" u="none" strike="noStrike" cap="none" normalizeH="0" baseline="0" dirty="0">
-                <a:ln>
-                  <a:noFill/>
-                </a:ln>
-                <a:solidFill>
-                  <a:srgbClr val="34495E"/>
-                </a:solidFill>
-                <a:effectLst/>
-                <a:latin typeface="Arial" panose="020B0604020202020204" pitchFamily="34" charset="0"/>
-                <a:ea typeface="Ubuntu"/>
-              </a:rPr>
-              <a:t>reduce_cache_capacity_to</a:t>
-            </a:r>
-            <a:endParaRPr kumimoji="0" lang="zh-CN" altLang="zh-CN" sz="1600" b="0" i="0" u="none" strike="noStrike" cap="none" normalizeH="0" baseline="0" dirty="0">
-              <a:ln>
-                <a:noFill/>
-              </a:ln>
-              <a:solidFill>
-                <a:schemeClr val="tx1"/>
-              </a:solidFill>
-              <a:effectLst/>
-              <a:latin typeface="Arial" panose="020B0604020202020204" pitchFamily="34" charset="0"/>
-            </a:endParaRPr>
-          </a:p>
-          <a:p>
-            <a:pPr marL="0" marR="0" lvl="0" indent="0" algn="l" defTabSz="914400" rtl="0" eaLnBrk="0" fontAlgn="base" latinLnBrk="0" hangingPunct="0">
-              <a:lnSpc>
-                <a:spcPct val="100000"/>
-              </a:lnSpc>
-              <a:spcBef>
-                <a:spcPct val="0"/>
-              </a:spcBef>
-              <a:spcAft>
-                <a:spcPct val="0"/>
-              </a:spcAft>
-              <a:buClrTx/>
-              <a:buSzTx/>
-              <a:buFontTx/>
-              <a:buNone/>
-              <a:tabLst/>
-            </a:pPr>
-            <a:r>
-              <a:rPr kumimoji="0" lang="zh-CN" altLang="zh-CN" sz="1600" b="0" i="0" u="none" strike="noStrike" cap="none" normalizeH="0" baseline="0" dirty="0">
-                <a:ln>
-                  <a:noFill/>
-                </a:ln>
-                <a:solidFill>
-                  <a:srgbClr val="34495E"/>
-                </a:solidFill>
-                <a:effectLst/>
-                <a:latin typeface="Arial" panose="020B0604020202020204" pitchFamily="34" charset="0"/>
-                <a:ea typeface="Ubuntu"/>
-              </a:rPr>
-              <a:t>（默认0.6）设置由reduce_cache_sizes_at定义的Java对内存达到限制时的最大缓存容量百分比。</a:t>
-            </a:r>
-            <a:endParaRPr kumimoji="0" lang="zh-CN" altLang="zh-CN" sz="1600" b="0" i="0" u="none" strike="noStrike" cap="none" normalizeH="0" baseline="0" dirty="0">
-              <a:ln>
-                <a:noFill/>
-              </a:ln>
-              <a:solidFill>
-                <a:schemeClr val="tx1"/>
-              </a:solidFill>
-              <a:effectLst/>
-              <a:latin typeface="Arial" panose="020B0604020202020204" pitchFamily="34" charset="0"/>
-            </a:endParaRPr>
-          </a:p>
-          <a:p>
-            <a:pPr marL="0" marR="0" lvl="0" indent="0" algn="l" defTabSz="914400" rtl="0" eaLnBrk="0" fontAlgn="base" latinLnBrk="0" hangingPunct="0">
-              <a:lnSpc>
-                <a:spcPct val="100000"/>
-              </a:lnSpc>
-              <a:spcBef>
-                <a:spcPct val="0"/>
-              </a:spcBef>
-              <a:spcAft>
-                <a:spcPct val="0"/>
-              </a:spcAft>
-              <a:buClrTx/>
-              <a:buSzTx/>
-              <a:buFontTx/>
-              <a:buNone/>
-              <a:tabLst/>
-            </a:pPr>
-            <a:endParaRPr kumimoji="0" lang="en-US" altLang="zh-CN" sz="1600" b="0" i="0" u="none" strike="noStrike" cap="none" normalizeH="0" baseline="0" dirty="0">
-              <a:ln>
-                <a:noFill/>
-              </a:ln>
-              <a:solidFill>
-                <a:srgbClr val="34495E"/>
-              </a:solidFill>
-              <a:effectLst/>
-              <a:latin typeface="Arial" panose="020B0604020202020204" pitchFamily="34" charset="0"/>
-              <a:ea typeface="Ubuntu"/>
-            </a:endParaRPr>
-          </a:p>
-          <a:p>
-            <a:pPr marL="0" marR="0" lvl="0" indent="0" algn="l" defTabSz="914400" rtl="0" eaLnBrk="0" fontAlgn="base" latinLnBrk="0" hangingPunct="0">
-              <a:lnSpc>
-                <a:spcPct val="100000"/>
-              </a:lnSpc>
-              <a:spcBef>
-                <a:spcPct val="0"/>
-              </a:spcBef>
-              <a:spcAft>
-                <a:spcPct val="0"/>
-              </a:spcAft>
-              <a:buClrTx/>
-              <a:buSzTx/>
-              <a:buFontTx/>
-              <a:buNone/>
-              <a:tabLst/>
-            </a:pPr>
-            <a:r>
-              <a:rPr kumimoji="0" lang="zh-CN" altLang="zh-CN" sz="1600" b="0" i="0" u="none" strike="noStrike" cap="none" normalizeH="0" baseline="0" dirty="0">
-                <a:ln>
-                  <a:noFill/>
-                </a:ln>
-                <a:solidFill>
-                  <a:srgbClr val="34495E"/>
-                </a:solidFill>
-                <a:effectLst/>
-                <a:latin typeface="Arial" panose="020B0604020202020204" pitchFamily="34" charset="0"/>
-                <a:ea typeface="Ubuntu"/>
-              </a:rPr>
-              <a:t>reduce_cache_sizes_at</a:t>
-            </a:r>
-            <a:endParaRPr kumimoji="0" lang="zh-CN" altLang="zh-CN" sz="1600" b="0" i="0" u="none" strike="noStrike" cap="none" normalizeH="0" baseline="0" dirty="0">
-              <a:ln>
-                <a:noFill/>
-              </a:ln>
-              <a:solidFill>
-                <a:schemeClr val="tx1"/>
-              </a:solidFill>
-              <a:effectLst/>
-              <a:latin typeface="Arial" panose="020B0604020202020204" pitchFamily="34" charset="0"/>
-            </a:endParaRPr>
-          </a:p>
-          <a:p>
-            <a:pPr marL="0" marR="0" lvl="0" indent="0" algn="l" defTabSz="914400" rtl="0" eaLnBrk="0" fontAlgn="base" latinLnBrk="0" hangingPunct="0">
-              <a:lnSpc>
-                <a:spcPct val="100000"/>
-              </a:lnSpc>
-              <a:spcBef>
-                <a:spcPct val="0"/>
-              </a:spcBef>
-              <a:spcAft>
-                <a:spcPct val="0"/>
-              </a:spcAft>
-              <a:buClrTx/>
-              <a:buSzTx/>
-              <a:buFontTx/>
-              <a:buNone/>
-              <a:tabLst/>
-            </a:pPr>
-            <a:r>
-              <a:rPr kumimoji="0" lang="zh-CN" altLang="zh-CN" sz="1600" b="0" i="0" u="none" strike="noStrike" cap="none" normalizeH="0" baseline="0" dirty="0">
-                <a:ln>
-                  <a:noFill/>
-                </a:ln>
-                <a:solidFill>
-                  <a:srgbClr val="34495E"/>
-                </a:solidFill>
-                <a:effectLst/>
-                <a:latin typeface="Arial" panose="020B0604020202020204" pitchFamily="34" charset="0"/>
-                <a:ea typeface="Ubuntu"/>
-              </a:rPr>
-              <a:t>（默认0.85）当Java对内存使用率达到这个百分比，Cassandra减少通过reduce_cache_capacity_to定义的缓存容量。禁用请使用1.0。</a:t>
-            </a:r>
-            <a:endParaRPr kumimoji="0" lang="zh-CN" altLang="zh-CN" sz="1600" b="0" i="0" u="none" strike="noStrike" cap="none" normalizeH="0" baseline="0" dirty="0">
-              <a:ln>
-                <a:noFill/>
-              </a:ln>
-              <a:solidFill>
-                <a:schemeClr val="tx1"/>
-              </a:solidFill>
-              <a:effectLst/>
-              <a:latin typeface="Arial" panose="020B0604020202020204" pitchFamily="34" charset="0"/>
-            </a:endParaRPr>
-          </a:p>
-          <a:p>
-            <a:pPr marL="0" marR="0" lvl="0" indent="0" algn="l" defTabSz="914400" rtl="0" eaLnBrk="0" fontAlgn="base" latinLnBrk="0" hangingPunct="0">
-              <a:lnSpc>
-                <a:spcPct val="100000"/>
-              </a:lnSpc>
-              <a:spcBef>
-                <a:spcPct val="0"/>
-              </a:spcBef>
-              <a:spcAft>
-                <a:spcPct val="0"/>
-              </a:spcAft>
-              <a:buClrTx/>
-              <a:buSzTx/>
-              <a:buFontTx/>
-              <a:buNone/>
-              <a:tabLst/>
-            </a:pPr>
-            <a:endParaRPr kumimoji="0" lang="en-US" altLang="zh-CN" sz="1600" b="0" i="0" u="none" strike="noStrike" cap="none" normalizeH="0" baseline="0" dirty="0">
-              <a:ln>
-                <a:noFill/>
-              </a:ln>
-              <a:solidFill>
-                <a:srgbClr val="34495E"/>
-              </a:solidFill>
-              <a:effectLst/>
-              <a:latin typeface="Arial" panose="020B0604020202020204" pitchFamily="34" charset="0"/>
-              <a:ea typeface="Ubuntu"/>
-            </a:endParaRPr>
-          </a:p>
-          <a:p>
-            <a:pPr marL="0" marR="0" lvl="0" indent="0" algn="l" defTabSz="914400" rtl="0" eaLnBrk="0" fontAlgn="base" latinLnBrk="0" hangingPunct="0">
-              <a:lnSpc>
-                <a:spcPct val="100000"/>
-              </a:lnSpc>
-              <a:spcBef>
-                <a:spcPct val="0"/>
-              </a:spcBef>
-              <a:spcAft>
-                <a:spcPct val="0"/>
-              </a:spcAft>
-              <a:buClrTx/>
-              <a:buSzTx/>
-              <a:buFontTx/>
-              <a:buNone/>
-              <a:tabLst/>
-            </a:pPr>
-            <a:r>
-              <a:rPr kumimoji="0" lang="zh-CN" altLang="zh-CN" sz="1600" b="0" i="0" u="none" strike="noStrike" cap="none" normalizeH="0" baseline="0" dirty="0">
-                <a:ln>
-                  <a:noFill/>
-                </a:ln>
-                <a:solidFill>
-                  <a:srgbClr val="34495E"/>
-                </a:solidFill>
-                <a:effectLst/>
-                <a:latin typeface="Arial" panose="020B0604020202020204" pitchFamily="34" charset="0"/>
-                <a:ea typeface="Ubuntu"/>
-              </a:rPr>
-              <a:t>stream_throughput_outbound_megabits_per_sec</a:t>
-            </a:r>
-            <a:endParaRPr kumimoji="0" lang="zh-CN" altLang="zh-CN" sz="1600" b="0" i="0" u="none" strike="noStrike" cap="none" normalizeH="0" baseline="0" dirty="0">
-              <a:ln>
-                <a:noFill/>
-              </a:ln>
-              <a:solidFill>
-                <a:schemeClr val="tx1"/>
-              </a:solidFill>
-              <a:effectLst/>
-              <a:latin typeface="Arial" panose="020B0604020202020204" pitchFamily="34" charset="0"/>
-            </a:endParaRPr>
-          </a:p>
-          <a:p>
-            <a:pPr marL="0" marR="0" lvl="0" indent="0" algn="l" defTabSz="914400" rtl="0" eaLnBrk="0" fontAlgn="base" latinLnBrk="0" hangingPunct="0">
-              <a:lnSpc>
-                <a:spcPct val="100000"/>
-              </a:lnSpc>
-              <a:spcBef>
-                <a:spcPct val="0"/>
-              </a:spcBef>
-              <a:spcAft>
-                <a:spcPct val="0"/>
-              </a:spcAft>
-              <a:buClrTx/>
-              <a:buSzTx/>
-              <a:buFontTx/>
-              <a:buNone/>
-              <a:tabLst/>
-            </a:pPr>
-            <a:r>
-              <a:rPr kumimoji="0" lang="zh-CN" altLang="zh-CN" sz="1600" b="0" i="0" u="none" strike="noStrike" cap="none" normalizeH="0" baseline="0" dirty="0">
-                <a:ln>
-                  <a:noFill/>
-                </a:ln>
-                <a:solidFill>
-                  <a:srgbClr val="34495E"/>
-                </a:solidFill>
-                <a:effectLst/>
-                <a:latin typeface="Arial" panose="020B0604020202020204" pitchFamily="34" charset="0"/>
-                <a:ea typeface="Ubuntu"/>
-              </a:rPr>
-              <a:t>（默认200）限制所有外出的流文件吞吐量。Cassandra在启动或修复时使用很多顺序I/O来流化数据，这些可以导致网络饱和以及降低RPC的性能。</a:t>
-            </a:r>
-            <a:endParaRPr kumimoji="0" lang="zh-CN" altLang="zh-CN" sz="1600" b="0" i="0" u="none" strike="noStrike" cap="none" normalizeH="0" baseline="0" dirty="0">
-              <a:ln>
-                <a:noFill/>
-              </a:ln>
-              <a:solidFill>
-                <a:schemeClr val="tx1"/>
-              </a:solidFill>
-              <a:effectLst/>
-              <a:latin typeface="Arial" panose="020B0604020202020204" pitchFamily="34" charset="0"/>
-            </a:endParaRPr>
-          </a:p>
-          <a:p>
-            <a:pPr marL="0" marR="0" lvl="0" indent="0" algn="l" defTabSz="914400" rtl="0" eaLnBrk="0" fontAlgn="base" latinLnBrk="0" hangingPunct="0">
-              <a:lnSpc>
-                <a:spcPct val="100000"/>
-              </a:lnSpc>
-              <a:spcBef>
-                <a:spcPct val="0"/>
-              </a:spcBef>
-              <a:spcAft>
-                <a:spcPct val="0"/>
-              </a:spcAft>
-              <a:buClrTx/>
-              <a:buSzTx/>
-              <a:buFontTx/>
-              <a:buNone/>
-              <a:tabLst/>
-            </a:pPr>
-            <a:endParaRPr kumimoji="0" lang="en-US" altLang="zh-CN" sz="1600" b="0" i="0" u="none" strike="noStrike" cap="none" normalizeH="0" baseline="0" dirty="0">
-              <a:ln>
-                <a:noFill/>
-              </a:ln>
-              <a:solidFill>
-                <a:srgbClr val="34495E"/>
-              </a:solidFill>
-              <a:effectLst/>
-              <a:latin typeface="Arial" panose="020B0604020202020204" pitchFamily="34" charset="0"/>
-              <a:ea typeface="Ubuntu"/>
-            </a:endParaRPr>
-          </a:p>
-          <a:p>
-            <a:pPr marL="0" marR="0" lvl="0" indent="0" algn="l" defTabSz="914400" rtl="0" eaLnBrk="0" fontAlgn="base" latinLnBrk="0" hangingPunct="0">
-              <a:lnSpc>
-                <a:spcPct val="100000"/>
-              </a:lnSpc>
-              <a:spcBef>
-                <a:spcPct val="0"/>
-              </a:spcBef>
-              <a:spcAft>
-                <a:spcPct val="0"/>
-              </a:spcAft>
-              <a:buClrTx/>
-              <a:buSzTx/>
-              <a:buFontTx/>
-              <a:buNone/>
-              <a:tabLst/>
-            </a:pPr>
-            <a:r>
-              <a:rPr kumimoji="0" lang="zh-CN" altLang="zh-CN" sz="1600" b="0" i="0" u="none" strike="noStrike" cap="none" normalizeH="0" baseline="0" dirty="0">
-                <a:ln>
-                  <a:noFill/>
-                </a:ln>
-                <a:solidFill>
-                  <a:srgbClr val="34495E"/>
-                </a:solidFill>
-                <a:effectLst/>
-                <a:latin typeface="Arial" panose="020B0604020202020204" pitchFamily="34" charset="0"/>
-                <a:ea typeface="Ubuntu"/>
-              </a:rPr>
-              <a:t>trickle_fsync</a:t>
-            </a:r>
-            <a:endParaRPr kumimoji="0" lang="zh-CN" altLang="zh-CN" sz="1600" b="0" i="0" u="none" strike="noStrike" cap="none" normalizeH="0" baseline="0" dirty="0">
-              <a:ln>
-                <a:noFill/>
-              </a:ln>
-              <a:solidFill>
-                <a:schemeClr val="tx1"/>
-              </a:solidFill>
-              <a:effectLst/>
-              <a:latin typeface="Arial" panose="020B0604020202020204" pitchFamily="34" charset="0"/>
-            </a:endParaRPr>
-          </a:p>
-          <a:p>
-            <a:pPr marL="0" marR="0" lvl="0" indent="0" algn="l" defTabSz="914400" rtl="0" eaLnBrk="0" fontAlgn="base" latinLnBrk="0" hangingPunct="0">
-              <a:lnSpc>
-                <a:spcPct val="100000"/>
-              </a:lnSpc>
-              <a:spcBef>
-                <a:spcPct val="0"/>
-              </a:spcBef>
-              <a:spcAft>
-                <a:spcPct val="0"/>
-              </a:spcAft>
-              <a:buClrTx/>
-              <a:buSzTx/>
-              <a:buFontTx/>
-              <a:buNone/>
-              <a:tabLst/>
-            </a:pPr>
-            <a:r>
-              <a:rPr kumimoji="0" lang="zh-CN" altLang="zh-CN" sz="1600" b="0" i="0" u="none" strike="noStrike" cap="none" normalizeH="0" baseline="0" dirty="0">
-                <a:ln>
-                  <a:noFill/>
-                </a:ln>
-                <a:solidFill>
-                  <a:srgbClr val="34495E"/>
-                </a:solidFill>
-                <a:effectLst/>
-                <a:latin typeface="Arial" panose="020B0604020202020204" pitchFamily="34" charset="0"/>
-                <a:ea typeface="Ubuntu"/>
-              </a:rPr>
-              <a:t>（默认false）当使用顺序写的时候，启用该选项就告诉fsync强制操作系统在trickle_fsync_interval_in_kb设定的间隔刷新脏缓存。建议在SSD启用。</a:t>
-            </a:r>
-            <a:endParaRPr kumimoji="0" lang="zh-CN" altLang="zh-CN" sz="1600" b="0" i="0" u="none" strike="noStrike" cap="none" normalizeH="0" baseline="0" dirty="0">
-              <a:ln>
-                <a:noFill/>
-              </a:ln>
-              <a:solidFill>
-                <a:schemeClr val="tx1"/>
-              </a:solidFill>
-              <a:effectLst/>
-              <a:latin typeface="Arial" panose="020B0604020202020204" pitchFamily="34" charset="0"/>
-            </a:endParaRPr>
-          </a:p>
-          <a:p>
-            <a:pPr marL="0" marR="0" lvl="0" indent="0" algn="l" defTabSz="914400" rtl="0" eaLnBrk="0" fontAlgn="base" latinLnBrk="0" hangingPunct="0">
-              <a:lnSpc>
-                <a:spcPct val="100000"/>
-              </a:lnSpc>
-              <a:spcBef>
-                <a:spcPct val="0"/>
-              </a:spcBef>
-              <a:spcAft>
-                <a:spcPct val="0"/>
-              </a:spcAft>
-              <a:buClrTx/>
-              <a:buSzTx/>
-              <a:buFontTx/>
-              <a:buNone/>
-              <a:tabLst/>
-            </a:pPr>
-            <a:endParaRPr kumimoji="0" lang="en-US" altLang="zh-CN" sz="1600" b="0" i="0" u="none" strike="noStrike" cap="none" normalizeH="0" baseline="0" dirty="0">
-              <a:ln>
-                <a:noFill/>
-              </a:ln>
-              <a:solidFill>
-                <a:srgbClr val="34495E"/>
-              </a:solidFill>
-              <a:effectLst/>
-              <a:latin typeface="Arial" panose="020B0604020202020204" pitchFamily="34" charset="0"/>
-              <a:ea typeface="Ubuntu"/>
-            </a:endParaRPr>
-          </a:p>
-          <a:p>
-            <a:pPr marL="0" marR="0" lvl="0" indent="0" algn="l" defTabSz="914400" rtl="0" eaLnBrk="0" fontAlgn="base" latinLnBrk="0" hangingPunct="0">
-              <a:lnSpc>
-                <a:spcPct val="100000"/>
-              </a:lnSpc>
-              <a:spcBef>
-                <a:spcPct val="0"/>
-              </a:spcBef>
-              <a:spcAft>
-                <a:spcPct val="0"/>
-              </a:spcAft>
-              <a:buClrTx/>
-              <a:buSzTx/>
-              <a:buFontTx/>
-              <a:buNone/>
-              <a:tabLst/>
-            </a:pPr>
-            <a:r>
-              <a:rPr kumimoji="0" lang="zh-CN" altLang="zh-CN" sz="1600" b="0" i="0" u="none" strike="noStrike" cap="none" normalizeH="0" baseline="0" dirty="0">
-                <a:ln>
-                  <a:noFill/>
-                </a:ln>
-                <a:solidFill>
-                  <a:srgbClr val="34495E"/>
-                </a:solidFill>
-                <a:effectLst/>
-                <a:latin typeface="Arial" panose="020B0604020202020204" pitchFamily="34" charset="0"/>
-                <a:ea typeface="Ubuntu"/>
-              </a:rPr>
-              <a:t>trickle_fsync_interval_in_kb</a:t>
-            </a:r>
-            <a:endParaRPr kumimoji="0" lang="zh-CN" altLang="zh-CN" sz="1600" b="0" i="0" u="none" strike="noStrike" cap="none" normalizeH="0" baseline="0" dirty="0">
-              <a:ln>
-                <a:noFill/>
-              </a:ln>
-              <a:solidFill>
-                <a:schemeClr val="tx1"/>
-              </a:solidFill>
-              <a:effectLst/>
-              <a:latin typeface="Arial" panose="020B0604020202020204" pitchFamily="34" charset="0"/>
-            </a:endParaRPr>
-          </a:p>
-          <a:p>
-            <a:pPr marL="0" marR="0" lvl="0" indent="0" algn="l" defTabSz="914400" rtl="0" eaLnBrk="0" fontAlgn="base" latinLnBrk="0" hangingPunct="0">
-              <a:lnSpc>
-                <a:spcPct val="100000"/>
-              </a:lnSpc>
-              <a:spcBef>
-                <a:spcPct val="0"/>
-              </a:spcBef>
-              <a:spcAft>
-                <a:spcPct val="0"/>
-              </a:spcAft>
-              <a:buClrTx/>
-              <a:buSzTx/>
-              <a:buFontTx/>
-              <a:buNone/>
-              <a:tabLst/>
-            </a:pPr>
-            <a:r>
-              <a:rPr kumimoji="0" lang="zh-CN" altLang="zh-CN" sz="1600" b="0" i="0" u="none" strike="noStrike" cap="none" normalizeH="0" baseline="0" dirty="0">
-                <a:ln>
-                  <a:noFill/>
-                </a:ln>
-                <a:solidFill>
-                  <a:srgbClr val="34495E"/>
-                </a:solidFill>
-                <a:effectLst/>
-                <a:latin typeface="Arial" panose="020B0604020202020204" pitchFamily="34" charset="0"/>
-                <a:ea typeface="Ubuntu"/>
-              </a:rPr>
-              <a:t>（默认10240）设置fsync的大小</a:t>
-            </a:r>
-            <a:endParaRPr kumimoji="0" lang="zh-CN" altLang="zh-CN" sz="1600" b="0" i="0" u="none" strike="noStrike" cap="none" normalizeH="0" baseline="0" dirty="0">
-              <a:ln>
-                <a:noFill/>
-              </a:ln>
-              <a:solidFill>
-                <a:schemeClr val="tx1"/>
-              </a:solidFill>
-              <a:effectLst/>
-              <a:latin typeface="Arial" panose="020B0604020202020204" pitchFamily="34" charset="0"/>
-            </a:endParaRPr>
-          </a:p>
-        </p:txBody>
-      </p:sp>
-    </p:spTree>
-    <p:extLst>
-      <p:ext uri="{BB962C8B-B14F-4D97-AF65-F5344CB8AC3E}">
-        <p14:creationId xmlns:p14="http://schemas.microsoft.com/office/powerpoint/2010/main" val="702346148"/>
-      </p:ext>
-    </p:extLst>
   </p:cSld>
   <p:clrMapOvr>
     <a:masterClrMapping/>
@@ -39303,44 +39359,6 @@
       </p:sp>
       <p:sp>
         <p:nvSpPr>
-          <p:cNvPr id="2" name="文本框 1"/>
-          <p:cNvSpPr txBox="1"/>
-          <p:nvPr/>
-        </p:nvSpPr>
-        <p:spPr>
-          <a:xfrm>
-            <a:off x="3521798" y="325925"/>
-            <a:ext cx="1892174" cy="230832"/>
-          </a:xfrm>
-          <a:prstGeom prst="rect">
-            <a:avLst/>
-          </a:prstGeom>
-          <a:noFill/>
-        </p:spPr>
-        <p:txBody>
-          <a:bodyPr wrap="square" rtlCol="0">
-            <a:spAutoFit/>
-          </a:bodyPr>
-          <a:lstStyle/>
-          <a:p>
-            <a:r>
-              <a:rPr lang="en-US" altLang="zh-CN" sz="900" dirty="0">
-                <a:solidFill>
-                  <a:srgbClr val="FFFFFF"/>
-                </a:solidFill>
-              </a:rPr>
-              <a:t>https://www.ypppt.com/</a:t>
-            </a:r>
-            <a:endParaRPr lang="zh-CN" altLang="en-US" sz="900" dirty="0">
-              <a:solidFill>
-                <a:srgbClr val="FFFFFF"/>
-              </a:solidFill>
-            </a:endParaRPr>
-          </a:p>
-        </p:txBody>
-      </p:sp>
-      <p:sp>
-        <p:nvSpPr>
           <p:cNvPr id="16" name="文本占位符 15"/>
           <p:cNvSpPr>
             <a:spLocks noGrp="1"/>
@@ -39394,13 +39412,880 @@
       </p:grpSpPr>
       <p:sp>
         <p:nvSpPr>
-          <p:cNvPr id="2" name="文本占位符 1">
-            <a:extLst>
-              <a:ext uri="{FF2B5EF4-FFF2-40B4-BE49-F238E27FC236}">
-                <a16:creationId xmlns:a16="http://schemas.microsoft.com/office/drawing/2014/main" id="{9697683E-5D7D-4501-B020-97B15E1D54C4}"/>
-              </a:ext>
-            </a:extLst>
-          </p:cNvPr>
+          <p:cNvPr id="5" name="文本占位符 4"/>
+          <p:cNvSpPr>
+            <a:spLocks noGrp="1"/>
+          </p:cNvSpPr>
+          <p:nvPr>
+            <p:ph type="body" sz="quarter" idx="10"/>
+          </p:nvPr>
+        </p:nvSpPr>
+        <p:spPr>
+          <a:xfrm>
+            <a:off x="1268056" y="216696"/>
+            <a:ext cx="4623329" cy="617493"/>
+          </a:xfrm>
+        </p:spPr>
+        <p:txBody>
+          <a:bodyPr/>
+          <a:lstStyle/>
+          <a:p>
+            <a:r>
+              <a:rPr lang="zh-CN" altLang="en-US" dirty="0"/>
+              <a:t>性能调优</a:t>
+            </a:r>
+            <a:r>
+              <a:rPr lang="en-US" altLang="zh-CN" dirty="0"/>
+              <a:t>4</a:t>
+            </a:r>
+            <a:endParaRPr lang="zh-CN" altLang="en-US" dirty="0"/>
+          </a:p>
+        </p:txBody>
+      </p:sp>
+      <p:sp>
+        <p:nvSpPr>
+          <p:cNvPr id="2" name="Rectangle 1"/>
+          <p:cNvSpPr>
+            <a:spLocks noChangeArrowheads="1"/>
+          </p:cNvSpPr>
+          <p:nvPr/>
+        </p:nvSpPr>
+        <p:spPr bwMode="auto">
+          <a:xfrm>
+            <a:off x="569494" y="920621"/>
+            <a:ext cx="11053012" cy="5016758"/>
+          </a:xfrm>
+          <a:prstGeom prst="rect">
+            <a:avLst/>
+          </a:prstGeom>
+          <a:noFill/>
+          <a:ln>
+            <a:noFill/>
+          </a:ln>
+          <a:effectLst/>
+          <a:extLst>
+            <a:ext uri="{909E8E84-426E-40DD-AFC4-6F175D3DCCD1}">
+              <a14:hiddenFill xmlns:a14="http://schemas.microsoft.com/office/drawing/2010/main">
+                <a:solidFill>
+                  <a:schemeClr val="accent1"/>
+                </a:solidFill>
+              </a14:hiddenFill>
+            </a:ext>
+            <a:ext uri="{91240B29-F687-4F45-9708-019B960494DF}">
+              <a14:hiddenLine xmlns:a14="http://schemas.microsoft.com/office/drawing/2010/main" w="9525">
+                <a:solidFill>
+                  <a:schemeClr val="tx1"/>
+                </a:solidFill>
+                <a:miter lim="800000"/>
+                <a:headEnd/>
+                <a:tailEnd/>
+              </a14:hiddenLine>
+            </a:ext>
+            <a:ext uri="{AF507438-7753-43E0-B8FC-AC1667EBCBE1}">
+              <a14:hiddenEffects xmlns:a14="http://schemas.microsoft.com/office/drawing/2010/main">
+                <a:effectLst>
+                  <a:outerShdw dist="35921" dir="2700000" algn="ctr" rotWithShape="0">
+                    <a:schemeClr val="bg2"/>
+                  </a:outerShdw>
+                </a:effectLst>
+              </a14:hiddenEffects>
+            </a:ext>
+          </a:extLst>
+        </p:spPr>
+        <p:txBody>
+          <a:bodyPr vert="horz" wrap="square" lIns="91440" tIns="45720" rIns="91440" bIns="45720" numCol="1" anchor="ctr" anchorCtr="0" compatLnSpc="1">
+            <a:spAutoFit/>
+          </a:bodyPr>
+          <a:lstStyle>
+            <a:lvl1pPr eaLnBrk="0" fontAlgn="base" hangingPunct="0">
+              <a:spcBef>
+                <a:spcPct val="0"/>
+              </a:spcBef>
+              <a:spcAft>
+                <a:spcPct val="0"/>
+              </a:spcAft>
+              <a:defRPr>
+                <a:solidFill>
+                  <a:schemeClr val="tx1"/>
+                </a:solidFill>
+                <a:latin typeface="Arial" panose="020B0604020202020204" pitchFamily="34" charset="0"/>
+              </a:defRPr>
+            </a:lvl1pPr>
+            <a:lvl2pPr eaLnBrk="0" fontAlgn="base" hangingPunct="0">
+              <a:spcBef>
+                <a:spcPct val="0"/>
+              </a:spcBef>
+              <a:spcAft>
+                <a:spcPct val="0"/>
+              </a:spcAft>
+              <a:defRPr>
+                <a:solidFill>
+                  <a:schemeClr val="tx1"/>
+                </a:solidFill>
+                <a:latin typeface="Arial" panose="020B0604020202020204" pitchFamily="34" charset="0"/>
+              </a:defRPr>
+            </a:lvl2pPr>
+            <a:lvl3pPr eaLnBrk="0" fontAlgn="base" hangingPunct="0">
+              <a:spcBef>
+                <a:spcPct val="0"/>
+              </a:spcBef>
+              <a:spcAft>
+                <a:spcPct val="0"/>
+              </a:spcAft>
+              <a:defRPr>
+                <a:solidFill>
+                  <a:schemeClr val="tx1"/>
+                </a:solidFill>
+                <a:latin typeface="Arial" panose="020B0604020202020204" pitchFamily="34" charset="0"/>
+              </a:defRPr>
+            </a:lvl3pPr>
+            <a:lvl4pPr eaLnBrk="0" fontAlgn="base" hangingPunct="0">
+              <a:spcBef>
+                <a:spcPct val="0"/>
+              </a:spcBef>
+              <a:spcAft>
+                <a:spcPct val="0"/>
+              </a:spcAft>
+              <a:defRPr>
+                <a:solidFill>
+                  <a:schemeClr val="tx1"/>
+                </a:solidFill>
+                <a:latin typeface="Arial" panose="020B0604020202020204" pitchFamily="34" charset="0"/>
+              </a:defRPr>
+            </a:lvl4pPr>
+            <a:lvl5pPr eaLnBrk="0" fontAlgn="base" hangingPunct="0">
+              <a:spcBef>
+                <a:spcPct val="0"/>
+              </a:spcBef>
+              <a:spcAft>
+                <a:spcPct val="0"/>
+              </a:spcAft>
+              <a:defRPr>
+                <a:solidFill>
+                  <a:schemeClr val="tx1"/>
+                </a:solidFill>
+                <a:latin typeface="Arial" panose="020B0604020202020204" pitchFamily="34" charset="0"/>
+              </a:defRPr>
+            </a:lvl5pPr>
+            <a:lvl6pPr eaLnBrk="0" fontAlgn="base" hangingPunct="0">
+              <a:spcBef>
+                <a:spcPct val="0"/>
+              </a:spcBef>
+              <a:spcAft>
+                <a:spcPct val="0"/>
+              </a:spcAft>
+              <a:defRPr>
+                <a:solidFill>
+                  <a:schemeClr val="tx1"/>
+                </a:solidFill>
+                <a:latin typeface="Arial" panose="020B0604020202020204" pitchFamily="34" charset="0"/>
+              </a:defRPr>
+            </a:lvl6pPr>
+            <a:lvl7pPr eaLnBrk="0" fontAlgn="base" hangingPunct="0">
+              <a:spcBef>
+                <a:spcPct val="0"/>
+              </a:spcBef>
+              <a:spcAft>
+                <a:spcPct val="0"/>
+              </a:spcAft>
+              <a:defRPr>
+                <a:solidFill>
+                  <a:schemeClr val="tx1"/>
+                </a:solidFill>
+                <a:latin typeface="Arial" panose="020B0604020202020204" pitchFamily="34" charset="0"/>
+              </a:defRPr>
+            </a:lvl7pPr>
+            <a:lvl8pPr eaLnBrk="0" fontAlgn="base" hangingPunct="0">
+              <a:spcBef>
+                <a:spcPct val="0"/>
+              </a:spcBef>
+              <a:spcAft>
+                <a:spcPct val="0"/>
+              </a:spcAft>
+              <a:defRPr>
+                <a:solidFill>
+                  <a:schemeClr val="tx1"/>
+                </a:solidFill>
+                <a:latin typeface="Arial" panose="020B0604020202020204" pitchFamily="34" charset="0"/>
+              </a:defRPr>
+            </a:lvl8pPr>
+            <a:lvl9pPr eaLnBrk="0" fontAlgn="base" hangingPunct="0">
+              <a:spcBef>
+                <a:spcPct val="0"/>
+              </a:spcBef>
+              <a:spcAft>
+                <a:spcPct val="0"/>
+              </a:spcAft>
+              <a:defRPr>
+                <a:solidFill>
+                  <a:schemeClr val="tx1"/>
+                </a:solidFill>
+                <a:latin typeface="Arial" panose="020B0604020202020204" pitchFamily="34" charset="0"/>
+              </a:defRPr>
+            </a:lvl9pPr>
+          </a:lstStyle>
+          <a:p>
+            <a:pPr marL="0" marR="0" lvl="0" indent="0" algn="l" defTabSz="914400" rtl="0" eaLnBrk="0" fontAlgn="base" latinLnBrk="0" hangingPunct="0">
+              <a:lnSpc>
+                <a:spcPct val="100000"/>
+              </a:lnSpc>
+              <a:spcBef>
+                <a:spcPct val="0"/>
+              </a:spcBef>
+              <a:spcAft>
+                <a:spcPct val="0"/>
+              </a:spcAft>
+              <a:buClrTx/>
+              <a:buSzTx/>
+              <a:buFontTx/>
+              <a:buNone/>
+            </a:pPr>
+            <a:r>
+              <a:rPr kumimoji="0" lang="zh-CN" altLang="zh-CN" sz="1600" b="0" i="0" u="none" strike="noStrike" cap="none" normalizeH="0" baseline="0" dirty="0">
+                <a:ln>
+                  <a:noFill/>
+                </a:ln>
+                <a:solidFill>
+                  <a:srgbClr val="34495E"/>
+                </a:solidFill>
+                <a:effectLst/>
+                <a:latin typeface="Arial" panose="020B0604020202020204" pitchFamily="34" charset="0"/>
+                <a:ea typeface="Ubuntu"/>
+              </a:rPr>
+              <a:t>populate_io_cache_on_flush</a:t>
+            </a:r>
+            <a:endParaRPr kumimoji="0" lang="zh-CN" altLang="zh-CN" sz="1600" b="0" i="0" u="none" strike="noStrike" cap="none" normalizeH="0" baseline="0" dirty="0">
+              <a:ln>
+                <a:noFill/>
+              </a:ln>
+              <a:solidFill>
+                <a:schemeClr val="tx1"/>
+              </a:solidFill>
+              <a:effectLst/>
+              <a:latin typeface="Arial" panose="020B0604020202020204" pitchFamily="34" charset="0"/>
+            </a:endParaRPr>
+          </a:p>
+          <a:p>
+            <a:pPr marL="0" marR="0" lvl="0" indent="0" algn="l" defTabSz="914400" rtl="0" eaLnBrk="0" fontAlgn="base" latinLnBrk="0" hangingPunct="0">
+              <a:lnSpc>
+                <a:spcPct val="100000"/>
+              </a:lnSpc>
+              <a:spcBef>
+                <a:spcPct val="0"/>
+              </a:spcBef>
+              <a:spcAft>
+                <a:spcPct val="0"/>
+              </a:spcAft>
+              <a:buClrTx/>
+              <a:buSzTx/>
+              <a:buFontTx/>
+              <a:buNone/>
+            </a:pPr>
+            <a:r>
+              <a:rPr kumimoji="0" lang="zh-CN" altLang="zh-CN" sz="1600" b="0" i="0" u="none" strike="noStrike" cap="none" normalizeH="0" baseline="0" dirty="0">
+                <a:ln>
+                  <a:noFill/>
+                </a:ln>
+                <a:solidFill>
+                  <a:srgbClr val="34495E"/>
+                </a:solidFill>
+                <a:effectLst/>
+                <a:latin typeface="Arial" panose="020B0604020202020204" pitchFamily="34" charset="0"/>
+                <a:ea typeface="Ubuntu"/>
+              </a:rPr>
+              <a:t>（默认false）添加新刷新或压缩的SSTable到操作系统的页面缓存。</a:t>
+            </a:r>
+            <a:endParaRPr kumimoji="0" lang="zh-CN" altLang="zh-CN" sz="1600" b="0" i="0" u="none" strike="noStrike" cap="none" normalizeH="0" baseline="0" dirty="0">
+              <a:ln>
+                <a:noFill/>
+              </a:ln>
+              <a:solidFill>
+                <a:schemeClr val="tx1"/>
+              </a:solidFill>
+              <a:effectLst/>
+              <a:latin typeface="Arial" panose="020B0604020202020204" pitchFamily="34" charset="0"/>
+            </a:endParaRPr>
+          </a:p>
+          <a:p>
+            <a:pPr marL="0" marR="0" lvl="0" indent="0" algn="l" defTabSz="914400" rtl="0" eaLnBrk="0" fontAlgn="base" latinLnBrk="0" hangingPunct="0">
+              <a:lnSpc>
+                <a:spcPct val="100000"/>
+              </a:lnSpc>
+              <a:spcBef>
+                <a:spcPct val="0"/>
+              </a:spcBef>
+              <a:spcAft>
+                <a:spcPct val="0"/>
+              </a:spcAft>
+              <a:buClrTx/>
+              <a:buSzTx/>
+              <a:buFontTx/>
+              <a:buNone/>
+            </a:pPr>
+            <a:endParaRPr kumimoji="0" lang="en-US" altLang="zh-CN" sz="1600" b="0" i="0" u="none" strike="noStrike" cap="none" normalizeH="0" baseline="0" dirty="0">
+              <a:ln>
+                <a:noFill/>
+              </a:ln>
+              <a:solidFill>
+                <a:srgbClr val="34495E"/>
+              </a:solidFill>
+              <a:effectLst/>
+              <a:latin typeface="Arial" panose="020B0604020202020204" pitchFamily="34" charset="0"/>
+              <a:ea typeface="Ubuntu"/>
+            </a:endParaRPr>
+          </a:p>
+          <a:p>
+            <a:pPr marL="0" marR="0" lvl="0" indent="0" algn="l" defTabSz="914400" rtl="0" eaLnBrk="0" fontAlgn="base" latinLnBrk="0" hangingPunct="0">
+              <a:lnSpc>
+                <a:spcPct val="100000"/>
+              </a:lnSpc>
+              <a:spcBef>
+                <a:spcPct val="0"/>
+              </a:spcBef>
+              <a:spcAft>
+                <a:spcPct val="0"/>
+              </a:spcAft>
+              <a:buClrTx/>
+              <a:buSzTx/>
+              <a:buFontTx/>
+              <a:buNone/>
+            </a:pPr>
+            <a:r>
+              <a:rPr kumimoji="0" lang="zh-CN" altLang="zh-CN" sz="1600" b="0" i="0" u="none" strike="noStrike" cap="none" normalizeH="0" baseline="0" dirty="0">
+                <a:ln>
+                  <a:noFill/>
+                </a:ln>
+                <a:solidFill>
+                  <a:srgbClr val="34495E"/>
+                </a:solidFill>
+                <a:effectLst/>
+                <a:latin typeface="Arial" panose="020B0604020202020204" pitchFamily="34" charset="0"/>
+                <a:ea typeface="Ubuntu"/>
+              </a:rPr>
+              <a:t>reduce_cache_capacity_to</a:t>
+            </a:r>
+            <a:endParaRPr kumimoji="0" lang="zh-CN" altLang="zh-CN" sz="1600" b="0" i="0" u="none" strike="noStrike" cap="none" normalizeH="0" baseline="0" dirty="0">
+              <a:ln>
+                <a:noFill/>
+              </a:ln>
+              <a:solidFill>
+                <a:schemeClr val="tx1"/>
+              </a:solidFill>
+              <a:effectLst/>
+              <a:latin typeface="Arial" panose="020B0604020202020204" pitchFamily="34" charset="0"/>
+            </a:endParaRPr>
+          </a:p>
+          <a:p>
+            <a:pPr marL="0" marR="0" lvl="0" indent="0" algn="l" defTabSz="914400" rtl="0" eaLnBrk="0" fontAlgn="base" latinLnBrk="0" hangingPunct="0">
+              <a:lnSpc>
+                <a:spcPct val="100000"/>
+              </a:lnSpc>
+              <a:spcBef>
+                <a:spcPct val="0"/>
+              </a:spcBef>
+              <a:spcAft>
+                <a:spcPct val="0"/>
+              </a:spcAft>
+              <a:buClrTx/>
+              <a:buSzTx/>
+              <a:buFontTx/>
+              <a:buNone/>
+            </a:pPr>
+            <a:r>
+              <a:rPr kumimoji="0" lang="zh-CN" altLang="zh-CN" sz="1600" b="0" i="0" u="none" strike="noStrike" cap="none" normalizeH="0" baseline="0" dirty="0">
+                <a:ln>
+                  <a:noFill/>
+                </a:ln>
+                <a:solidFill>
+                  <a:srgbClr val="34495E"/>
+                </a:solidFill>
+                <a:effectLst/>
+                <a:latin typeface="Arial" panose="020B0604020202020204" pitchFamily="34" charset="0"/>
+                <a:ea typeface="Ubuntu"/>
+              </a:rPr>
+              <a:t>（默认0.6）设置由reduce_cache_sizes_at定义的Java对内存达到限制时的最大缓存容量百分比。</a:t>
+            </a:r>
+            <a:endParaRPr kumimoji="0" lang="zh-CN" altLang="zh-CN" sz="1600" b="0" i="0" u="none" strike="noStrike" cap="none" normalizeH="0" baseline="0" dirty="0">
+              <a:ln>
+                <a:noFill/>
+              </a:ln>
+              <a:solidFill>
+                <a:schemeClr val="tx1"/>
+              </a:solidFill>
+              <a:effectLst/>
+              <a:latin typeface="Arial" panose="020B0604020202020204" pitchFamily="34" charset="0"/>
+            </a:endParaRPr>
+          </a:p>
+          <a:p>
+            <a:pPr marL="0" marR="0" lvl="0" indent="0" algn="l" defTabSz="914400" rtl="0" eaLnBrk="0" fontAlgn="base" latinLnBrk="0" hangingPunct="0">
+              <a:lnSpc>
+                <a:spcPct val="100000"/>
+              </a:lnSpc>
+              <a:spcBef>
+                <a:spcPct val="0"/>
+              </a:spcBef>
+              <a:spcAft>
+                <a:spcPct val="0"/>
+              </a:spcAft>
+              <a:buClrTx/>
+              <a:buSzTx/>
+              <a:buFontTx/>
+              <a:buNone/>
+            </a:pPr>
+            <a:endParaRPr kumimoji="0" lang="en-US" altLang="zh-CN" sz="1600" b="0" i="0" u="none" strike="noStrike" cap="none" normalizeH="0" baseline="0" dirty="0">
+              <a:ln>
+                <a:noFill/>
+              </a:ln>
+              <a:solidFill>
+                <a:srgbClr val="34495E"/>
+              </a:solidFill>
+              <a:effectLst/>
+              <a:latin typeface="Arial" panose="020B0604020202020204" pitchFamily="34" charset="0"/>
+              <a:ea typeface="Ubuntu"/>
+            </a:endParaRPr>
+          </a:p>
+          <a:p>
+            <a:pPr marL="0" marR="0" lvl="0" indent="0" algn="l" defTabSz="914400" rtl="0" eaLnBrk="0" fontAlgn="base" latinLnBrk="0" hangingPunct="0">
+              <a:lnSpc>
+                <a:spcPct val="100000"/>
+              </a:lnSpc>
+              <a:spcBef>
+                <a:spcPct val="0"/>
+              </a:spcBef>
+              <a:spcAft>
+                <a:spcPct val="0"/>
+              </a:spcAft>
+              <a:buClrTx/>
+              <a:buSzTx/>
+              <a:buFontTx/>
+              <a:buNone/>
+            </a:pPr>
+            <a:r>
+              <a:rPr kumimoji="0" lang="zh-CN" altLang="zh-CN" sz="1600" b="0" i="0" u="none" strike="noStrike" cap="none" normalizeH="0" baseline="0" dirty="0">
+                <a:ln>
+                  <a:noFill/>
+                </a:ln>
+                <a:solidFill>
+                  <a:srgbClr val="34495E"/>
+                </a:solidFill>
+                <a:effectLst/>
+                <a:latin typeface="Arial" panose="020B0604020202020204" pitchFamily="34" charset="0"/>
+                <a:ea typeface="Ubuntu"/>
+              </a:rPr>
+              <a:t>reduce_cache_sizes_at</a:t>
+            </a:r>
+            <a:endParaRPr kumimoji="0" lang="zh-CN" altLang="zh-CN" sz="1600" b="0" i="0" u="none" strike="noStrike" cap="none" normalizeH="0" baseline="0" dirty="0">
+              <a:ln>
+                <a:noFill/>
+              </a:ln>
+              <a:solidFill>
+                <a:schemeClr val="tx1"/>
+              </a:solidFill>
+              <a:effectLst/>
+              <a:latin typeface="Arial" panose="020B0604020202020204" pitchFamily="34" charset="0"/>
+            </a:endParaRPr>
+          </a:p>
+          <a:p>
+            <a:pPr marL="0" marR="0" lvl="0" indent="0" algn="l" defTabSz="914400" rtl="0" eaLnBrk="0" fontAlgn="base" latinLnBrk="0" hangingPunct="0">
+              <a:lnSpc>
+                <a:spcPct val="100000"/>
+              </a:lnSpc>
+              <a:spcBef>
+                <a:spcPct val="0"/>
+              </a:spcBef>
+              <a:spcAft>
+                <a:spcPct val="0"/>
+              </a:spcAft>
+              <a:buClrTx/>
+              <a:buSzTx/>
+              <a:buFontTx/>
+              <a:buNone/>
+            </a:pPr>
+            <a:r>
+              <a:rPr kumimoji="0" lang="zh-CN" altLang="zh-CN" sz="1600" b="0" i="0" u="none" strike="noStrike" cap="none" normalizeH="0" baseline="0" dirty="0">
+                <a:ln>
+                  <a:noFill/>
+                </a:ln>
+                <a:solidFill>
+                  <a:srgbClr val="34495E"/>
+                </a:solidFill>
+                <a:effectLst/>
+                <a:latin typeface="Arial" panose="020B0604020202020204" pitchFamily="34" charset="0"/>
+                <a:ea typeface="Ubuntu"/>
+              </a:rPr>
+              <a:t>（默认0.85）当Java对内存使用率达到这个百分比，Cassandra减少通过reduce_cache_capacity_to定义的缓存容量。禁用请使用1.0。</a:t>
+            </a:r>
+            <a:endParaRPr kumimoji="0" lang="zh-CN" altLang="zh-CN" sz="1600" b="0" i="0" u="none" strike="noStrike" cap="none" normalizeH="0" baseline="0" dirty="0">
+              <a:ln>
+                <a:noFill/>
+              </a:ln>
+              <a:solidFill>
+                <a:schemeClr val="tx1"/>
+              </a:solidFill>
+              <a:effectLst/>
+              <a:latin typeface="Arial" panose="020B0604020202020204" pitchFamily="34" charset="0"/>
+            </a:endParaRPr>
+          </a:p>
+          <a:p>
+            <a:pPr marL="0" marR="0" lvl="0" indent="0" algn="l" defTabSz="914400" rtl="0" eaLnBrk="0" fontAlgn="base" latinLnBrk="0" hangingPunct="0">
+              <a:lnSpc>
+                <a:spcPct val="100000"/>
+              </a:lnSpc>
+              <a:spcBef>
+                <a:spcPct val="0"/>
+              </a:spcBef>
+              <a:spcAft>
+                <a:spcPct val="0"/>
+              </a:spcAft>
+              <a:buClrTx/>
+              <a:buSzTx/>
+              <a:buFontTx/>
+              <a:buNone/>
+            </a:pPr>
+            <a:endParaRPr kumimoji="0" lang="en-US" altLang="zh-CN" sz="1600" b="0" i="0" u="none" strike="noStrike" cap="none" normalizeH="0" baseline="0" dirty="0">
+              <a:ln>
+                <a:noFill/>
+              </a:ln>
+              <a:solidFill>
+                <a:srgbClr val="34495E"/>
+              </a:solidFill>
+              <a:effectLst/>
+              <a:latin typeface="Arial" panose="020B0604020202020204" pitchFamily="34" charset="0"/>
+              <a:ea typeface="Ubuntu"/>
+            </a:endParaRPr>
+          </a:p>
+          <a:p>
+            <a:pPr marL="0" marR="0" lvl="0" indent="0" algn="l" defTabSz="914400" rtl="0" eaLnBrk="0" fontAlgn="base" latinLnBrk="0" hangingPunct="0">
+              <a:lnSpc>
+                <a:spcPct val="100000"/>
+              </a:lnSpc>
+              <a:spcBef>
+                <a:spcPct val="0"/>
+              </a:spcBef>
+              <a:spcAft>
+                <a:spcPct val="0"/>
+              </a:spcAft>
+              <a:buClrTx/>
+              <a:buSzTx/>
+              <a:buFontTx/>
+              <a:buNone/>
+            </a:pPr>
+            <a:r>
+              <a:rPr kumimoji="0" lang="zh-CN" altLang="zh-CN" sz="1600" b="0" i="0" u="none" strike="noStrike" cap="none" normalizeH="0" baseline="0" dirty="0">
+                <a:ln>
+                  <a:noFill/>
+                </a:ln>
+                <a:solidFill>
+                  <a:srgbClr val="34495E"/>
+                </a:solidFill>
+                <a:effectLst/>
+                <a:latin typeface="Arial" panose="020B0604020202020204" pitchFamily="34" charset="0"/>
+                <a:ea typeface="Ubuntu"/>
+              </a:rPr>
+              <a:t>stream_throughput_outbound_megabits_per_sec</a:t>
+            </a:r>
+            <a:endParaRPr kumimoji="0" lang="zh-CN" altLang="zh-CN" sz="1600" b="0" i="0" u="none" strike="noStrike" cap="none" normalizeH="0" baseline="0" dirty="0">
+              <a:ln>
+                <a:noFill/>
+              </a:ln>
+              <a:solidFill>
+                <a:schemeClr val="tx1"/>
+              </a:solidFill>
+              <a:effectLst/>
+              <a:latin typeface="Arial" panose="020B0604020202020204" pitchFamily="34" charset="0"/>
+            </a:endParaRPr>
+          </a:p>
+          <a:p>
+            <a:pPr marL="0" marR="0" lvl="0" indent="0" algn="l" defTabSz="914400" rtl="0" eaLnBrk="0" fontAlgn="base" latinLnBrk="0" hangingPunct="0">
+              <a:lnSpc>
+                <a:spcPct val="100000"/>
+              </a:lnSpc>
+              <a:spcBef>
+                <a:spcPct val="0"/>
+              </a:spcBef>
+              <a:spcAft>
+                <a:spcPct val="0"/>
+              </a:spcAft>
+              <a:buClrTx/>
+              <a:buSzTx/>
+              <a:buFontTx/>
+              <a:buNone/>
+            </a:pPr>
+            <a:r>
+              <a:rPr kumimoji="0" lang="zh-CN" altLang="zh-CN" sz="1600" b="0" i="0" u="none" strike="noStrike" cap="none" normalizeH="0" baseline="0" dirty="0">
+                <a:ln>
+                  <a:noFill/>
+                </a:ln>
+                <a:solidFill>
+                  <a:srgbClr val="34495E"/>
+                </a:solidFill>
+                <a:effectLst/>
+                <a:latin typeface="Arial" panose="020B0604020202020204" pitchFamily="34" charset="0"/>
+                <a:ea typeface="Ubuntu"/>
+              </a:rPr>
+              <a:t>（默认200）限制所有外出的流文件吞吐量。Cassandra在启动或修复时使用很多顺序I/O来流化数据，这些可以导致网络饱和以及降低RPC的性能。</a:t>
+            </a:r>
+            <a:endParaRPr kumimoji="0" lang="zh-CN" altLang="zh-CN" sz="1600" b="0" i="0" u="none" strike="noStrike" cap="none" normalizeH="0" baseline="0" dirty="0">
+              <a:ln>
+                <a:noFill/>
+              </a:ln>
+              <a:solidFill>
+                <a:schemeClr val="tx1"/>
+              </a:solidFill>
+              <a:effectLst/>
+              <a:latin typeface="Arial" panose="020B0604020202020204" pitchFamily="34" charset="0"/>
+            </a:endParaRPr>
+          </a:p>
+          <a:p>
+            <a:pPr marL="0" marR="0" lvl="0" indent="0" algn="l" defTabSz="914400" rtl="0" eaLnBrk="0" fontAlgn="base" latinLnBrk="0" hangingPunct="0">
+              <a:lnSpc>
+                <a:spcPct val="100000"/>
+              </a:lnSpc>
+              <a:spcBef>
+                <a:spcPct val="0"/>
+              </a:spcBef>
+              <a:spcAft>
+                <a:spcPct val="0"/>
+              </a:spcAft>
+              <a:buClrTx/>
+              <a:buSzTx/>
+              <a:buFontTx/>
+              <a:buNone/>
+            </a:pPr>
+            <a:endParaRPr kumimoji="0" lang="en-US" altLang="zh-CN" sz="1600" b="0" i="0" u="none" strike="noStrike" cap="none" normalizeH="0" baseline="0" dirty="0">
+              <a:ln>
+                <a:noFill/>
+              </a:ln>
+              <a:solidFill>
+                <a:srgbClr val="34495E"/>
+              </a:solidFill>
+              <a:effectLst/>
+              <a:latin typeface="Arial" panose="020B0604020202020204" pitchFamily="34" charset="0"/>
+              <a:ea typeface="Ubuntu"/>
+            </a:endParaRPr>
+          </a:p>
+          <a:p>
+            <a:pPr marL="0" marR="0" lvl="0" indent="0" algn="l" defTabSz="914400" rtl="0" eaLnBrk="0" fontAlgn="base" latinLnBrk="0" hangingPunct="0">
+              <a:lnSpc>
+                <a:spcPct val="100000"/>
+              </a:lnSpc>
+              <a:spcBef>
+                <a:spcPct val="0"/>
+              </a:spcBef>
+              <a:spcAft>
+                <a:spcPct val="0"/>
+              </a:spcAft>
+              <a:buClrTx/>
+              <a:buSzTx/>
+              <a:buFontTx/>
+              <a:buNone/>
+            </a:pPr>
+            <a:r>
+              <a:rPr kumimoji="0" lang="zh-CN" altLang="zh-CN" sz="1600" b="0" i="0" u="none" strike="noStrike" cap="none" normalizeH="0" baseline="0" dirty="0">
+                <a:ln>
+                  <a:noFill/>
+                </a:ln>
+                <a:solidFill>
+                  <a:srgbClr val="34495E"/>
+                </a:solidFill>
+                <a:effectLst/>
+                <a:latin typeface="Arial" panose="020B0604020202020204" pitchFamily="34" charset="0"/>
+                <a:ea typeface="Ubuntu"/>
+              </a:rPr>
+              <a:t>trickle_fsync</a:t>
+            </a:r>
+            <a:endParaRPr kumimoji="0" lang="zh-CN" altLang="zh-CN" sz="1600" b="0" i="0" u="none" strike="noStrike" cap="none" normalizeH="0" baseline="0" dirty="0">
+              <a:ln>
+                <a:noFill/>
+              </a:ln>
+              <a:solidFill>
+                <a:schemeClr val="tx1"/>
+              </a:solidFill>
+              <a:effectLst/>
+              <a:latin typeface="Arial" panose="020B0604020202020204" pitchFamily="34" charset="0"/>
+            </a:endParaRPr>
+          </a:p>
+          <a:p>
+            <a:pPr marL="0" marR="0" lvl="0" indent="0" algn="l" defTabSz="914400" rtl="0" eaLnBrk="0" fontAlgn="base" latinLnBrk="0" hangingPunct="0">
+              <a:lnSpc>
+                <a:spcPct val="100000"/>
+              </a:lnSpc>
+              <a:spcBef>
+                <a:spcPct val="0"/>
+              </a:spcBef>
+              <a:spcAft>
+                <a:spcPct val="0"/>
+              </a:spcAft>
+              <a:buClrTx/>
+              <a:buSzTx/>
+              <a:buFontTx/>
+              <a:buNone/>
+            </a:pPr>
+            <a:r>
+              <a:rPr kumimoji="0" lang="zh-CN" altLang="zh-CN" sz="1600" b="0" i="0" u="none" strike="noStrike" cap="none" normalizeH="0" baseline="0" dirty="0">
+                <a:ln>
+                  <a:noFill/>
+                </a:ln>
+                <a:solidFill>
+                  <a:srgbClr val="34495E"/>
+                </a:solidFill>
+                <a:effectLst/>
+                <a:latin typeface="Arial" panose="020B0604020202020204" pitchFamily="34" charset="0"/>
+                <a:ea typeface="Ubuntu"/>
+              </a:rPr>
+              <a:t>（默认false）当使用顺序写的时候，启用该选项就告诉fsync强制操作系统在trickle_fsync_interval_in_kb设定的间隔刷新脏缓存。建议在SSD启用。</a:t>
+            </a:r>
+            <a:endParaRPr kumimoji="0" lang="zh-CN" altLang="zh-CN" sz="1600" b="0" i="0" u="none" strike="noStrike" cap="none" normalizeH="0" baseline="0" dirty="0">
+              <a:ln>
+                <a:noFill/>
+              </a:ln>
+              <a:solidFill>
+                <a:schemeClr val="tx1"/>
+              </a:solidFill>
+              <a:effectLst/>
+              <a:latin typeface="Arial" panose="020B0604020202020204" pitchFamily="34" charset="0"/>
+            </a:endParaRPr>
+          </a:p>
+          <a:p>
+            <a:pPr marL="0" marR="0" lvl="0" indent="0" algn="l" defTabSz="914400" rtl="0" eaLnBrk="0" fontAlgn="base" latinLnBrk="0" hangingPunct="0">
+              <a:lnSpc>
+                <a:spcPct val="100000"/>
+              </a:lnSpc>
+              <a:spcBef>
+                <a:spcPct val="0"/>
+              </a:spcBef>
+              <a:spcAft>
+                <a:spcPct val="0"/>
+              </a:spcAft>
+              <a:buClrTx/>
+              <a:buSzTx/>
+              <a:buFontTx/>
+              <a:buNone/>
+            </a:pPr>
+            <a:endParaRPr kumimoji="0" lang="en-US" altLang="zh-CN" sz="1600" b="0" i="0" u="none" strike="noStrike" cap="none" normalizeH="0" baseline="0" dirty="0">
+              <a:ln>
+                <a:noFill/>
+              </a:ln>
+              <a:solidFill>
+                <a:srgbClr val="34495E"/>
+              </a:solidFill>
+              <a:effectLst/>
+              <a:latin typeface="Arial" panose="020B0604020202020204" pitchFamily="34" charset="0"/>
+              <a:ea typeface="Ubuntu"/>
+            </a:endParaRPr>
+          </a:p>
+          <a:p>
+            <a:pPr marL="0" marR="0" lvl="0" indent="0" algn="l" defTabSz="914400" rtl="0" eaLnBrk="0" fontAlgn="base" latinLnBrk="0" hangingPunct="0">
+              <a:lnSpc>
+                <a:spcPct val="100000"/>
+              </a:lnSpc>
+              <a:spcBef>
+                <a:spcPct val="0"/>
+              </a:spcBef>
+              <a:spcAft>
+                <a:spcPct val="0"/>
+              </a:spcAft>
+              <a:buClrTx/>
+              <a:buSzTx/>
+              <a:buFontTx/>
+              <a:buNone/>
+            </a:pPr>
+            <a:r>
+              <a:rPr kumimoji="0" lang="zh-CN" altLang="zh-CN" sz="1600" b="0" i="0" u="none" strike="noStrike" cap="none" normalizeH="0" baseline="0" dirty="0">
+                <a:ln>
+                  <a:noFill/>
+                </a:ln>
+                <a:solidFill>
+                  <a:srgbClr val="34495E"/>
+                </a:solidFill>
+                <a:effectLst/>
+                <a:latin typeface="Arial" panose="020B0604020202020204" pitchFamily="34" charset="0"/>
+                <a:ea typeface="Ubuntu"/>
+              </a:rPr>
+              <a:t>trickle_fsync_interval_in_kb</a:t>
+            </a:r>
+            <a:endParaRPr kumimoji="0" lang="zh-CN" altLang="zh-CN" sz="1600" b="0" i="0" u="none" strike="noStrike" cap="none" normalizeH="0" baseline="0" dirty="0">
+              <a:ln>
+                <a:noFill/>
+              </a:ln>
+              <a:solidFill>
+                <a:schemeClr val="tx1"/>
+              </a:solidFill>
+              <a:effectLst/>
+              <a:latin typeface="Arial" panose="020B0604020202020204" pitchFamily="34" charset="0"/>
+            </a:endParaRPr>
+          </a:p>
+          <a:p>
+            <a:pPr marL="0" marR="0" lvl="0" indent="0" algn="l" defTabSz="914400" rtl="0" eaLnBrk="0" fontAlgn="base" latinLnBrk="0" hangingPunct="0">
+              <a:lnSpc>
+                <a:spcPct val="100000"/>
+              </a:lnSpc>
+              <a:spcBef>
+                <a:spcPct val="0"/>
+              </a:spcBef>
+              <a:spcAft>
+                <a:spcPct val="0"/>
+              </a:spcAft>
+              <a:buClrTx/>
+              <a:buSzTx/>
+              <a:buFontTx/>
+              <a:buNone/>
+            </a:pPr>
+            <a:r>
+              <a:rPr kumimoji="0" lang="zh-CN" altLang="zh-CN" sz="1600" b="0" i="0" u="none" strike="noStrike" cap="none" normalizeH="0" baseline="0" dirty="0">
+                <a:ln>
+                  <a:noFill/>
+                </a:ln>
+                <a:solidFill>
+                  <a:srgbClr val="34495E"/>
+                </a:solidFill>
+                <a:effectLst/>
+                <a:latin typeface="Arial" panose="020B0604020202020204" pitchFamily="34" charset="0"/>
+                <a:ea typeface="Ubuntu"/>
+              </a:rPr>
+              <a:t>（默认10240）设置fsync的大小</a:t>
+            </a:r>
+            <a:endParaRPr kumimoji="0" lang="zh-CN" altLang="zh-CN" sz="1600" b="0" i="0" u="none" strike="noStrike" cap="none" normalizeH="0" baseline="0" dirty="0">
+              <a:ln>
+                <a:noFill/>
+              </a:ln>
+              <a:solidFill>
+                <a:schemeClr val="tx1"/>
+              </a:solidFill>
+              <a:effectLst/>
+              <a:latin typeface="Arial" panose="020B0604020202020204" pitchFamily="34" charset="0"/>
+            </a:endParaRPr>
+          </a:p>
+        </p:txBody>
+      </p:sp>
+    </p:spTree>
+  </p:cSld>
+  <p:clrMapOvr>
+    <a:masterClrMapping/>
+  </p:clrMapOvr>
+</p:sld>
+</file>
+
+<file path=ppt/slides/slide21.xml><?xml version="1.0" encoding="utf-8"?>
+<p:sld xmlns:a="http://schemas.openxmlformats.org/drawingml/2006/main" xmlns:r="http://schemas.openxmlformats.org/officeDocument/2006/relationships" xmlns:p="http://schemas.openxmlformats.org/presentationml/2006/main">
+  <p:cSld>
+    <p:spTree>
+      <p:nvGrpSpPr>
+        <p:cNvPr id="1" name=""/>
+        <p:cNvGrpSpPr/>
+        <p:nvPr/>
+      </p:nvGrpSpPr>
+      <p:grpSpPr>
+        <a:xfrm>
+          <a:off x="0" y="0"/>
+          <a:ext cx="0" cy="0"/>
+          <a:chOff x="0" y="0"/>
+          <a:chExt cx="0" cy="0"/>
+        </a:xfrm>
+      </p:grpSpPr>
+      <p:sp>
+        <p:nvSpPr>
+          <p:cNvPr id="2" name="文本占位符 1"/>
           <p:cNvSpPr>
             <a:spLocks noGrp="1"/>
           </p:cNvSpPr>
@@ -39417,18 +40302,13 @@
               <a:rPr lang="zh-CN" altLang="en-US" dirty="0"/>
               <a:t>数据存储</a:t>
             </a:r>
+            <a:endParaRPr lang="zh-CN" altLang="en-US" dirty="0"/>
           </a:p>
         </p:txBody>
       </p:sp>
       <p:sp>
         <p:nvSpPr>
-          <p:cNvPr id="5" name="Rectangle 2">
-            <a:extLst>
-              <a:ext uri="{FF2B5EF4-FFF2-40B4-BE49-F238E27FC236}">
-                <a16:creationId xmlns:a16="http://schemas.microsoft.com/office/drawing/2014/main" id="{A870044F-A85E-40A8-AD99-CAE9A51035F2}"/>
-              </a:ext>
-            </a:extLst>
-          </p:cNvPr>
+          <p:cNvPr id="5" name="Rectangle 2"/>
           <p:cNvSpPr>
             <a:spLocks noChangeArrowheads="1"/>
           </p:cNvSpPr>
@@ -39478,9 +40358,6 @@
         </p:spPr>
         <p:txBody>
           <a:bodyPr vert="horz" wrap="square" lIns="91440" tIns="45720" rIns="91440" bIns="45720" numCol="1" anchor="ctr" anchorCtr="0" compatLnSpc="1">
-            <a:prstTxWarp prst="textNoShape">
-              <a:avLst/>
-            </a:prstTxWarp>
             <a:spAutoFit/>
           </a:bodyPr>
           <a:lstStyle>
@@ -39626,7 +40503,6 @@
               <a:buSzTx/>
               <a:buFontTx/>
               <a:buNone/>
-              <a:tabLst/>
             </a:pPr>
             <a:r>
               <a:rPr kumimoji="0" lang="zh-CN" altLang="zh-CN" sz="1600" b="0" i="0" u="none" strike="noStrike" cap="none" normalizeH="0" baseline="0" dirty="0">
@@ -39668,7 +40544,6 @@
               <a:buSzTx/>
               <a:buFont typeface="Arial" panose="020B0604020202020204" pitchFamily="34" charset="0"/>
               <a:buChar char="•"/>
-              <a:tabLst/>
             </a:pPr>
             <a:r>
               <a:rPr kumimoji="0" lang="zh-CN" altLang="zh-CN" sz="1600" b="0" i="0" u="none" strike="noStrike" cap="none" normalizeH="0" baseline="0" dirty="0">
@@ -39710,7 +40585,6 @@
               <a:buSzTx/>
               <a:buFont typeface="Arial" panose="020B0604020202020204" pitchFamily="34" charset="0"/>
               <a:buChar char="•"/>
-              <a:tabLst/>
             </a:pPr>
             <a:r>
               <a:rPr kumimoji="0" lang="zh-CN" altLang="zh-CN" sz="1600" b="0" i="0" u="none" strike="noStrike" cap="none" normalizeH="0" baseline="0" dirty="0">
@@ -39752,7 +40626,6 @@
               <a:buSzTx/>
               <a:buFont typeface="Arial" panose="020B0604020202020204" pitchFamily="34" charset="0"/>
               <a:buChar char="•"/>
-              <a:tabLst/>
             </a:pPr>
             <a:r>
               <a:rPr kumimoji="0" lang="zh-CN" altLang="zh-CN" sz="1600" b="0" i="0" u="none" strike="noStrike" cap="none" normalizeH="0" baseline="0" dirty="0">
@@ -39783,13 +40656,7 @@
       </p:sp>
       <p:sp>
         <p:nvSpPr>
-          <p:cNvPr id="7" name="文本框 6">
-            <a:extLst>
-              <a:ext uri="{FF2B5EF4-FFF2-40B4-BE49-F238E27FC236}">
-                <a16:creationId xmlns:a16="http://schemas.microsoft.com/office/drawing/2014/main" id="{4F37DC9B-184E-4492-84AC-340402075E9D}"/>
-              </a:ext>
-            </a:extLst>
-          </p:cNvPr>
+          <p:cNvPr id="7" name="文本框 6"/>
           <p:cNvSpPr txBox="1"/>
           <p:nvPr/>
         </p:nvSpPr>
@@ -39839,6 +40706,13 @@
               </a:rPr>
               <a:t>数据格式</a:t>
             </a:r>
+            <a:endParaRPr lang="zh-CN" altLang="en-US" b="1" i="0" dirty="0">
+              <a:solidFill>
+                <a:srgbClr val="34495E"/>
+              </a:solidFill>
+              <a:effectLst/>
+              <a:latin typeface="Ubuntu"/>
+            </a:endParaRPr>
           </a:p>
           <a:p>
             <a:pPr algn="l"/>
@@ -40072,18 +40946,19 @@
               </a:rPr>
               <a:t>文件不再需要时，会自动清除。</a:t>
             </a:r>
+            <a:endParaRPr lang="zh-CN" altLang="en-US" b="0" i="0" dirty="0">
+              <a:solidFill>
+                <a:srgbClr val="34495E"/>
+              </a:solidFill>
+              <a:effectLst/>
+              <a:latin typeface="Ubuntu"/>
+            </a:endParaRPr>
           </a:p>
         </p:txBody>
       </p:sp>
       <p:sp>
         <p:nvSpPr>
-          <p:cNvPr id="9" name="文本框 8">
-            <a:extLst>
-              <a:ext uri="{FF2B5EF4-FFF2-40B4-BE49-F238E27FC236}">
-                <a16:creationId xmlns:a16="http://schemas.microsoft.com/office/drawing/2014/main" id="{F6F7D135-9FC2-43B5-A998-D5DCBF00CA09}"/>
-              </a:ext>
-            </a:extLst>
-          </p:cNvPr>
+          <p:cNvPr id="9" name="文本框 8"/>
           <p:cNvSpPr txBox="1"/>
           <p:nvPr/>
         </p:nvSpPr>
@@ -40134,6 +41009,13 @@
               </a:rPr>
               <a:t>内存中数据结构</a:t>
             </a:r>
+            <a:endParaRPr lang="zh-CN" altLang="en-US" b="1" i="0" dirty="0">
+              <a:solidFill>
+                <a:srgbClr val="34495E"/>
+              </a:solidFill>
+              <a:effectLst/>
+              <a:latin typeface="Ubuntu"/>
+            </a:endParaRPr>
           </a:p>
           <a:p>
             <a:pPr algn="l"/>
@@ -40287,15 +41169,17 @@
               </a:rPr>
               <a:t>。也就是每一张表对应一个。用户写的数据在内存中的形式。</a:t>
             </a:r>
+            <a:endParaRPr lang="zh-CN" altLang="en-US" b="0" i="0" dirty="0">
+              <a:solidFill>
+                <a:srgbClr val="34495E"/>
+              </a:solidFill>
+              <a:effectLst/>
+              <a:latin typeface="Ubuntu"/>
+            </a:endParaRPr>
           </a:p>
         </p:txBody>
       </p:sp>
     </p:spTree>
-    <p:extLst>
-      <p:ext uri="{BB962C8B-B14F-4D97-AF65-F5344CB8AC3E}">
-        <p14:creationId xmlns:p14="http://schemas.microsoft.com/office/powerpoint/2010/main" val="3127591478"/>
-      </p:ext>
-    </p:extLst>
   </p:cSld>
   <p:clrMapOvr>
     <a:masterClrMapping/>
@@ -40303,7 +41187,7 @@
 </p:sld>
 </file>
 
-<file path=ppt/slides/slide21.xml><?xml version="1.0" encoding="utf-8"?>
+<file path=ppt/slides/slide22.xml><?xml version="1.0" encoding="utf-8"?>
 <p:sld xmlns:a="http://schemas.openxmlformats.org/drawingml/2006/main" xmlns:r="http://schemas.openxmlformats.org/officeDocument/2006/relationships" xmlns:p="http://schemas.openxmlformats.org/presentationml/2006/main">
   <p:cSld>
     <p:spTree>
@@ -40322,13 +41206,7 @@
       </p:grpSpPr>
       <p:sp>
         <p:nvSpPr>
-          <p:cNvPr id="4" name="文本框 3">
-            <a:extLst>
-              <a:ext uri="{FF2B5EF4-FFF2-40B4-BE49-F238E27FC236}">
-                <a16:creationId xmlns:a16="http://schemas.microsoft.com/office/drawing/2014/main" id="{05C084EF-6995-4CF8-9E72-C0C4EB38A56C}"/>
-              </a:ext>
-            </a:extLst>
-          </p:cNvPr>
+          <p:cNvPr id="4" name="文本框 3"/>
           <p:cNvSpPr txBox="1"/>
           <p:nvPr/>
         </p:nvSpPr>
@@ -40379,6 +41257,13 @@
               </a:rPr>
               <a:t>数据格式</a:t>
             </a:r>
+            <a:endParaRPr lang="zh-CN" altLang="en-US" b="1" i="0" dirty="0">
+              <a:solidFill>
+                <a:srgbClr val="34495E"/>
+              </a:solidFill>
+              <a:effectLst/>
+              <a:latin typeface="Ubuntu"/>
+            </a:endParaRPr>
           </a:p>
           <a:p>
             <a:pPr algn="l"/>
@@ -40582,6 +41467,13 @@
               </a:rPr>
               <a:t>。</a:t>
             </a:r>
+            <a:endParaRPr lang="zh-CN" altLang="en-US" b="0" i="0" dirty="0">
+              <a:solidFill>
+                <a:srgbClr val="34495E"/>
+              </a:solidFill>
+              <a:effectLst/>
+              <a:latin typeface="Ubuntu"/>
+            </a:endParaRPr>
           </a:p>
           <a:p>
             <a:pPr algn="l"/>
@@ -40735,6 +41627,13 @@
               </a:rPr>
               <a:t>。</a:t>
             </a:r>
+            <a:endParaRPr lang="zh-CN" altLang="en-US" b="0" i="0" dirty="0">
+              <a:solidFill>
+                <a:srgbClr val="34495E"/>
+              </a:solidFill>
+              <a:effectLst/>
+              <a:latin typeface="Ubuntu"/>
+            </a:endParaRPr>
           </a:p>
           <a:p>
             <a:pPr algn="l"/>
@@ -40788,6 +41687,13 @@
               </a:rPr>
               <a:t>主要完成的任务是：</a:t>
             </a:r>
+            <a:endParaRPr lang="zh-CN" altLang="en-US" b="0" i="0" dirty="0">
+              <a:solidFill>
+                <a:srgbClr val="34495E"/>
+              </a:solidFill>
+              <a:effectLst/>
+              <a:latin typeface="Ubuntu"/>
+            </a:endParaRPr>
           </a:p>
           <a:p>
             <a:pPr algn="l"/>
@@ -40851,6 +41757,13 @@
               </a:rPr>
               <a:t>会把标记为删除的数据真正删除；</a:t>
             </a:r>
+            <a:endParaRPr lang="zh-CN" altLang="en-US" b="0" i="0" dirty="0">
+              <a:solidFill>
+                <a:srgbClr val="34495E"/>
+              </a:solidFill>
+              <a:effectLst/>
+              <a:latin typeface="Ubuntu"/>
+            </a:endParaRPr>
           </a:p>
           <a:p>
             <a:pPr algn="l"/>
@@ -40964,6 +41877,13 @@
               </a:rPr>
               <a:t>文件），以提高读操作的效率；</a:t>
             </a:r>
+            <a:endParaRPr lang="zh-CN" altLang="en-US" b="0" i="0" dirty="0">
+              <a:solidFill>
+                <a:srgbClr val="34495E"/>
+              </a:solidFill>
+              <a:effectLst/>
+              <a:latin typeface="Ubuntu"/>
+            </a:endParaRPr>
           </a:p>
           <a:p>
             <a:pPr algn="l"/>
@@ -41047,15 +41967,17 @@
               </a:rPr>
               <a:t>，用于与其他存储节点对比以及修复数据。</a:t>
             </a:r>
+            <a:endParaRPr lang="zh-CN" altLang="en-US" b="0" i="0" dirty="0">
+              <a:solidFill>
+                <a:srgbClr val="34495E"/>
+              </a:solidFill>
+              <a:effectLst/>
+              <a:latin typeface="Ubuntu"/>
+            </a:endParaRPr>
           </a:p>
         </p:txBody>
       </p:sp>
     </p:spTree>
-    <p:extLst>
-      <p:ext uri="{BB962C8B-B14F-4D97-AF65-F5344CB8AC3E}">
-        <p14:creationId xmlns:p14="http://schemas.microsoft.com/office/powerpoint/2010/main" val="397361142"/>
-      </p:ext>
-    </p:extLst>
   </p:cSld>
   <p:clrMapOvr>
     <a:masterClrMapping/>
@@ -41063,7 +41985,7 @@
 </p:sld>
 </file>
 
-<file path=ppt/slides/slide22.xml><?xml version="1.0" encoding="utf-8"?>
+<file path=ppt/slides/slide23.xml><?xml version="1.0" encoding="utf-8"?>
 <p:sld xmlns:a="http://schemas.openxmlformats.org/drawingml/2006/main" xmlns:r="http://schemas.openxmlformats.org/officeDocument/2006/relationships" xmlns:p="http://schemas.openxmlformats.org/presentationml/2006/main">
   <p:cSld>
     <p:spTree>
@@ -43058,7 +43980,7 @@
 </p:sld>
 </file>
 
-<file path=ppt/slides/slide23.xml><?xml version="1.0" encoding="utf-8"?>
+<file path=ppt/slides/slide24.xml><?xml version="1.0" encoding="utf-8"?>
 <p:sld xmlns:a="http://schemas.openxmlformats.org/drawingml/2006/main" xmlns:r="http://schemas.openxmlformats.org/officeDocument/2006/relationships" xmlns:p="http://schemas.openxmlformats.org/presentationml/2006/main">
   <p:cSld>
     <p:spTree>
@@ -43077,13 +43999,7 @@
       </p:grpSpPr>
       <p:sp>
         <p:nvSpPr>
-          <p:cNvPr id="10" name="Rectangle 1">
-            <a:extLst>
-              <a:ext uri="{FF2B5EF4-FFF2-40B4-BE49-F238E27FC236}">
-                <a16:creationId xmlns:a16="http://schemas.microsoft.com/office/drawing/2014/main" id="{8384F90F-1BA3-4E7C-BA32-9013EAEE8068}"/>
-              </a:ext>
-            </a:extLst>
-          </p:cNvPr>
+          <p:cNvPr id="10" name="Rectangle 1"/>
           <p:cNvSpPr>
             <a:spLocks noChangeArrowheads="1"/>
           </p:cNvSpPr>
@@ -43128,9 +44044,6 @@
         </p:spPr>
         <p:txBody>
           <a:bodyPr vert="horz" wrap="square" lIns="0" tIns="126960" rIns="0" bIns="126960" numCol="1" anchor="ctr" anchorCtr="0" compatLnSpc="1">
-            <a:prstTxWarp prst="textNoShape">
-              <a:avLst/>
-            </a:prstTxWarp>
             <a:spAutoFit/>
           </a:bodyPr>
           <a:lstStyle>
@@ -43274,7 +44187,6 @@
               </a:spcAft>
               <a:buClrTx/>
               <a:buSzTx/>
-              <a:tabLst/>
             </a:pPr>
             <a:r>
               <a:rPr kumimoji="0" lang="en-US" altLang="zh-CN" sz="1600" b="0" i="0" u="none" strike="noStrike" cap="none" normalizeH="0" baseline="0" dirty="0">
@@ -43329,7 +44241,6 @@
               </a:spcAft>
               <a:buClrTx/>
               <a:buSzTx/>
-              <a:tabLst/>
             </a:pPr>
             <a:r>
               <a:rPr kumimoji="0" lang="en-US" altLang="zh-CN" sz="1600" b="0" i="0" u="none" strike="noStrike" cap="none" normalizeH="0" baseline="0" dirty="0">
@@ -43359,6 +44270,17 @@
               </a:rPr>
               <a:t>配置Geomesa：在GEOMESA_HOME/conf目录下创建一个cassandra-catalog.xml文件，指定Cassandra的连接信息和Keyspace名称。例如：</a:t>
             </a:r>
+            <a:endParaRPr kumimoji="0" lang="zh-CN" altLang="zh-CN" sz="1600" b="0" i="0" u="none" strike="noStrike" cap="none" normalizeH="0" baseline="0" dirty="0">
+              <a:ln>
+                <a:noFill/>
+              </a:ln>
+              <a:solidFill>
+                <a:srgbClr val="34495E"/>
+              </a:solidFill>
+              <a:effectLst/>
+              <a:latin typeface="Arial" panose="020B0604020202020204" pitchFamily="34" charset="0"/>
+              <a:ea typeface="Ubuntu"/>
+            </a:endParaRPr>
           </a:p>
           <a:p>
             <a:pPr marL="0" marR="0" lvl="0" indent="0" algn="l" defTabSz="914400" rtl="0" eaLnBrk="0" fontAlgn="base" latinLnBrk="0" hangingPunct="0">
@@ -43375,7 +44297,6 @@
               <a:buSzTx/>
               <a:buFontTx/>
               <a:buNone/>
-              <a:tabLst/>
             </a:pPr>
             <a:r>
               <a:rPr kumimoji="0" lang="zh-CN" altLang="zh-CN" sz="1600" b="0" i="0" u="none" strike="noStrike" cap="none" normalizeH="0" baseline="0" dirty="0">
@@ -43570,7 +44491,6 @@
               <a:buSzTx/>
               <a:buFontTx/>
               <a:buNone/>
-              <a:tabLst/>
             </a:pPr>
             <a:r>
               <a:rPr kumimoji="0" lang="en-US" altLang="zh-CN" sz="1600" b="0" i="0" u="none" strike="noStrike" cap="none" normalizeH="0" baseline="0" dirty="0">
@@ -43600,6 +44520,17 @@
               </a:rPr>
               <a:t>创建Geomesa特征类型：使用Geomesa的命令行工具创建一个特征类型。可以使用以下命令：</a:t>
             </a:r>
+            <a:endParaRPr kumimoji="0" lang="zh-CN" altLang="zh-CN" sz="1600" b="0" i="0" u="none" strike="noStrike" cap="none" normalizeH="0" baseline="0" dirty="0">
+              <a:ln>
+                <a:noFill/>
+              </a:ln>
+              <a:solidFill>
+                <a:srgbClr val="34495E"/>
+              </a:solidFill>
+              <a:effectLst/>
+              <a:latin typeface="Arial" panose="020B0604020202020204" pitchFamily="34" charset="0"/>
+              <a:ea typeface="Ubuntu"/>
+            </a:endParaRPr>
           </a:p>
           <a:p>
             <a:pPr marL="0" marR="0" lvl="0" indent="0" algn="l" defTabSz="914400" rtl="0" eaLnBrk="0" fontAlgn="base" latinLnBrk="0" hangingPunct="0">
@@ -43616,7 +44547,6 @@
               <a:buSzTx/>
               <a:buFontTx/>
               <a:buNone/>
-              <a:tabLst/>
             </a:pPr>
             <a:r>
               <a:rPr kumimoji="0" lang="zh-CN" altLang="zh-CN" sz="1600" b="0" i="0" u="none" strike="noStrike" cap="none" normalizeH="0" baseline="0" dirty="0">
@@ -43657,7 +44587,6 @@
               <a:buSzTx/>
               <a:buFontTx/>
               <a:buNone/>
-              <a:tabLst/>
             </a:pPr>
             <a:r>
               <a:rPr kumimoji="0" lang="zh-CN" altLang="zh-CN" sz="1600" b="0" i="0" u="none" strike="noStrike" cap="none" normalizeH="0" baseline="0" dirty="0">
@@ -43697,7 +44626,6 @@
               </a:spcAft>
               <a:buClrTx/>
               <a:buSzTx/>
-              <a:tabLst/>
             </a:pPr>
             <a:r>
               <a:rPr kumimoji="0" lang="en-US" altLang="zh-CN" sz="1600" b="0" i="0" u="none" strike="noStrike" cap="none" normalizeH="0" baseline="0" dirty="0">
@@ -43727,6 +44655,17 @@
               </a:rPr>
               <a:t>导入数据：使用Geomesa的命令行工具将数据导入到Cassandra中。可以使用以下命令：</a:t>
             </a:r>
+            <a:endParaRPr kumimoji="0" lang="zh-CN" altLang="zh-CN" sz="1600" b="0" i="0" u="none" strike="noStrike" cap="none" normalizeH="0" baseline="0" dirty="0">
+              <a:ln>
+                <a:noFill/>
+              </a:ln>
+              <a:solidFill>
+                <a:srgbClr val="34495E"/>
+              </a:solidFill>
+              <a:effectLst/>
+              <a:latin typeface="Arial" panose="020B0604020202020204" pitchFamily="34" charset="0"/>
+              <a:ea typeface="Ubuntu"/>
+            </a:endParaRPr>
           </a:p>
           <a:p>
             <a:pPr marL="0" marR="0" lvl="0" indent="0" algn="l" defTabSz="914400" rtl="0" eaLnBrk="0" fontAlgn="base" latinLnBrk="0" hangingPunct="0">
@@ -43743,7 +44682,6 @@
               <a:buSzTx/>
               <a:buFontTx/>
               <a:buNone/>
-              <a:tabLst/>
             </a:pPr>
             <a:r>
               <a:rPr kumimoji="0" lang="zh-CN" altLang="zh-CN" sz="1600" b="0" i="0" u="none" strike="noStrike" cap="none" normalizeH="0" baseline="0" dirty="0">
@@ -43798,7 +44736,6 @@
               <a:buSzTx/>
               <a:buFontTx/>
               <a:buNone/>
-              <a:tabLst/>
             </a:pPr>
             <a:r>
               <a:rPr kumimoji="0" lang="zh-CN" altLang="zh-CN" sz="1600" b="0" i="0" u="none" strike="noStrike" cap="none" normalizeH="0" baseline="0" dirty="0">
@@ -43838,7 +44775,6 @@
               </a:spcAft>
               <a:buClrTx/>
               <a:buSzTx/>
-              <a:tabLst/>
             </a:pPr>
             <a:r>
               <a:rPr kumimoji="0" lang="en-US" altLang="zh-CN" sz="1600" b="0" i="0" u="none" strike="noStrike" cap="none" normalizeH="0" baseline="0" dirty="0">
@@ -43868,6 +44804,17 @@
               </a:rPr>
               <a:t>查询数据：使用Geomesa的命令行工具查询数据。可以使用以下命令：</a:t>
             </a:r>
+            <a:endParaRPr kumimoji="0" lang="zh-CN" altLang="zh-CN" sz="1600" b="0" i="0" u="none" strike="noStrike" cap="none" normalizeH="0" baseline="0" dirty="0">
+              <a:ln>
+                <a:noFill/>
+              </a:ln>
+              <a:solidFill>
+                <a:srgbClr val="34495E"/>
+              </a:solidFill>
+              <a:effectLst/>
+              <a:latin typeface="Arial" panose="020B0604020202020204" pitchFamily="34" charset="0"/>
+              <a:ea typeface="Ubuntu"/>
+            </a:endParaRPr>
           </a:p>
           <a:p>
             <a:pPr marL="0" marR="0" lvl="0" indent="0" algn="l" defTabSz="914400" rtl="0" eaLnBrk="0" fontAlgn="base" latinLnBrk="0" hangingPunct="0">
@@ -43884,7 +44831,6 @@
               <a:buSzTx/>
               <a:buFontTx/>
               <a:buNone/>
-              <a:tabLst/>
             </a:pPr>
             <a:r>
               <a:rPr kumimoji="0" lang="zh-CN" altLang="zh-CN" sz="1600" b="0" i="0" u="none" strike="noStrike" cap="none" normalizeH="0" baseline="0" dirty="0">
@@ -43925,7 +44871,6 @@
               <a:buSzTx/>
               <a:buFontTx/>
               <a:buNone/>
-              <a:tabLst/>
             </a:pPr>
             <a:r>
               <a:rPr kumimoji="0" lang="zh-CN" altLang="zh-CN" sz="1600" b="0" i="0" u="none" strike="noStrike" cap="none" normalizeH="0" baseline="0" dirty="0">
@@ -43962,7 +44907,7 @@
 </p:sld>
 </file>
 
-<file path=ppt/slides/slide24.xml><?xml version="1.0" encoding="utf-8"?>
+<file path=ppt/slides/slide25.xml><?xml version="1.0" encoding="utf-8"?>
 <p:sld xmlns:a="http://schemas.openxmlformats.org/drawingml/2006/main" xmlns:r="http://schemas.openxmlformats.org/officeDocument/2006/relationships" xmlns:p="http://schemas.openxmlformats.org/presentationml/2006/main">
   <p:cSld>
     <p:spTree>
@@ -44023,6 +44968,609 @@
 </file>
 
 <file path=ppt/slides/slide3.xml><?xml version="1.0" encoding="utf-8"?>
+<p:sld xmlns:a="http://schemas.openxmlformats.org/drawingml/2006/main" xmlns:r="http://schemas.openxmlformats.org/officeDocument/2006/relationships" xmlns:p="http://schemas.openxmlformats.org/presentationml/2006/main">
+  <p:cSld>
+    <p:spTree>
+      <p:nvGrpSpPr>
+        <p:cNvPr id="1" name=""/>
+        <p:cNvGrpSpPr/>
+        <p:nvPr/>
+      </p:nvGrpSpPr>
+      <p:grpSpPr/>
+      <p:sp>
+        <p:nvSpPr>
+          <p:cNvPr id="8" name="文本占位符 7"/>
+          <p:cNvSpPr>
+            <a:spLocks noGrp="1"/>
+          </p:cNvSpPr>
+          <p:nvPr>
+            <p:ph type="body" sz="quarter" idx="10"/>
+            <p:custDataLst>
+              <p:tags r:id="rId1"/>
+            </p:custDataLst>
+          </p:nvPr>
+        </p:nvSpPr>
+        <p:spPr>
+          <a:xfrm>
+            <a:off x="8238936" y="1566337"/>
+            <a:ext cx="2998726" cy="582531"/>
+          </a:xfrm>
+        </p:spPr>
+        <p:txBody>
+          <a:bodyPr/>
+          <a:p>
+            <a:pPr algn="l"/>
+            <a:r>
+              <a:rPr lang="en-US" altLang="zh-CN" sz="2400" b="1" dirty="0" err="1">
+                <a:solidFill>
+                  <a:schemeClr val="tx1">
+                    <a:lumMod val="85000"/>
+                    <a:lumOff val="15000"/>
+                  </a:schemeClr>
+                </a:solidFill>
+                <a:latin typeface="+mj-ea"/>
+                <a:ea typeface="+mj-ea"/>
+              </a:rPr>
+              <a:t>GeoMesa</a:t>
+            </a:r>
+            <a:endParaRPr lang="zh-CN" altLang="en-US" sz="2400" b="1" dirty="0">
+              <a:solidFill>
+                <a:schemeClr val="tx1">
+                  <a:lumMod val="85000"/>
+                  <a:lumOff val="15000"/>
+                </a:schemeClr>
+              </a:solidFill>
+              <a:latin typeface="+mj-ea"/>
+              <a:ea typeface="+mj-ea"/>
+            </a:endParaRPr>
+          </a:p>
+        </p:txBody>
+      </p:sp>
+      <p:sp>
+        <p:nvSpPr>
+          <p:cNvPr id="9" name="文本占位符 160"/>
+          <p:cNvSpPr>
+            <a:spLocks noGrp="1"/>
+          </p:cNvSpPr>
+          <p:nvPr>
+            <p:custDataLst>
+              <p:tags r:id="rId2"/>
+            </p:custDataLst>
+          </p:nvPr>
+        </p:nvSpPr>
+        <p:spPr>
+          <a:xfrm>
+            <a:off x="8238936" y="2998669"/>
+            <a:ext cx="2625865" cy="582531"/>
+          </a:xfrm>
+          <a:prstGeom prst="rect">
+            <a:avLst/>
+          </a:prstGeom>
+        </p:spPr>
+        <p:txBody>
+          <a:bodyPr vert="horz" lIns="91440" tIns="45720" rIns="91440" bIns="45720" rtlCol="0" anchor="ctr">
+            <a:noAutofit/>
+          </a:bodyPr>
+          <a:lstStyle>
+            <a:lvl1pPr marL="0" indent="0" algn="l" defTabSz="914400" rtl="0" eaLnBrk="1" latinLnBrk="0" hangingPunct="1">
+              <a:lnSpc>
+                <a:spcPct val="90000"/>
+              </a:lnSpc>
+              <a:spcBef>
+                <a:spcPts val="1000"/>
+              </a:spcBef>
+              <a:buFont typeface="Arial" panose="020B0604020202020204" pitchFamily="34" charset="0"/>
+              <a:buNone/>
+              <a:defRPr sz="2400" b="1" kern="1200">
+                <a:solidFill>
+                  <a:schemeClr val="tx1"/>
+                </a:solidFill>
+                <a:latin typeface="+mj-ea"/>
+                <a:ea typeface="+mj-ea"/>
+                <a:cs typeface="+mn-cs"/>
+              </a:defRPr>
+            </a:lvl1pPr>
+            <a:lvl2pPr marL="685800" indent="-228600" algn="l" defTabSz="914400" rtl="0" eaLnBrk="1" latinLnBrk="0" hangingPunct="1">
+              <a:lnSpc>
+                <a:spcPct val="90000"/>
+              </a:lnSpc>
+              <a:spcBef>
+                <a:spcPts val="500"/>
+              </a:spcBef>
+              <a:buFont typeface="Arial" panose="020B0604020202020204" pitchFamily="34" charset="0"/>
+              <a:buChar char="•"/>
+              <a:defRPr sz="2400" b="1" kern="1200">
+                <a:solidFill>
+                  <a:schemeClr val="tx1"/>
+                </a:solidFill>
+                <a:latin typeface="+mj-ea"/>
+                <a:ea typeface="+mj-ea"/>
+                <a:cs typeface="+mn-cs"/>
+              </a:defRPr>
+            </a:lvl2pPr>
+            <a:lvl3pPr marL="1143000" indent="-228600" algn="l" defTabSz="914400" rtl="0" eaLnBrk="1" latinLnBrk="0" hangingPunct="1">
+              <a:lnSpc>
+                <a:spcPct val="90000"/>
+              </a:lnSpc>
+              <a:spcBef>
+                <a:spcPts val="500"/>
+              </a:spcBef>
+              <a:buFont typeface="Arial" panose="020B0604020202020204" pitchFamily="34" charset="0"/>
+              <a:buChar char="•"/>
+              <a:defRPr sz="2400" b="1" kern="1200">
+                <a:solidFill>
+                  <a:schemeClr val="tx1"/>
+                </a:solidFill>
+                <a:latin typeface="+mj-ea"/>
+                <a:ea typeface="+mj-ea"/>
+                <a:cs typeface="+mn-cs"/>
+              </a:defRPr>
+            </a:lvl3pPr>
+            <a:lvl4pPr marL="1600200" indent="-228600" algn="l" defTabSz="914400" rtl="0" eaLnBrk="1" latinLnBrk="0" hangingPunct="1">
+              <a:lnSpc>
+                <a:spcPct val="90000"/>
+              </a:lnSpc>
+              <a:spcBef>
+                <a:spcPts val="500"/>
+              </a:spcBef>
+              <a:buFont typeface="Arial" panose="020B0604020202020204" pitchFamily="34" charset="0"/>
+              <a:buChar char="•"/>
+              <a:defRPr sz="2400" b="1" kern="1200">
+                <a:solidFill>
+                  <a:schemeClr val="tx1"/>
+                </a:solidFill>
+                <a:latin typeface="+mj-ea"/>
+                <a:ea typeface="+mj-ea"/>
+                <a:cs typeface="+mn-cs"/>
+              </a:defRPr>
+            </a:lvl4pPr>
+            <a:lvl5pPr marL="2057400" indent="-228600" algn="l" defTabSz="914400" rtl="0" eaLnBrk="1" latinLnBrk="0" hangingPunct="1">
+              <a:lnSpc>
+                <a:spcPct val="90000"/>
+              </a:lnSpc>
+              <a:spcBef>
+                <a:spcPts val="500"/>
+              </a:spcBef>
+              <a:buFont typeface="Arial" panose="020B0604020202020204" pitchFamily="34" charset="0"/>
+              <a:buChar char="•"/>
+              <a:defRPr sz="2400" b="1" kern="1200">
+                <a:solidFill>
+                  <a:schemeClr val="tx1"/>
+                </a:solidFill>
+                <a:latin typeface="+mj-ea"/>
+                <a:ea typeface="+mj-ea"/>
+                <a:cs typeface="+mn-cs"/>
+              </a:defRPr>
+            </a:lvl5pPr>
+            <a:lvl6pPr marL="2514600" indent="-228600" algn="l" defTabSz="914400" rtl="0" eaLnBrk="1" latinLnBrk="0" hangingPunct="1">
+              <a:lnSpc>
+                <a:spcPct val="90000"/>
+              </a:lnSpc>
+              <a:spcBef>
+                <a:spcPts val="500"/>
+              </a:spcBef>
+              <a:buFont typeface="Arial" panose="020B0604020202020204" pitchFamily="34" charset="0"/>
+              <a:buChar char="•"/>
+              <a:defRPr sz="1800" kern="1200">
+                <a:solidFill>
+                  <a:schemeClr val="tx1"/>
+                </a:solidFill>
+                <a:latin typeface="+mn-lt"/>
+                <a:ea typeface="+mn-ea"/>
+                <a:cs typeface="+mn-cs"/>
+              </a:defRPr>
+            </a:lvl6pPr>
+            <a:lvl7pPr marL="2971800" indent="-228600" algn="l" defTabSz="914400" rtl="0" eaLnBrk="1" latinLnBrk="0" hangingPunct="1">
+              <a:lnSpc>
+                <a:spcPct val="90000"/>
+              </a:lnSpc>
+              <a:spcBef>
+                <a:spcPts val="500"/>
+              </a:spcBef>
+              <a:buFont typeface="Arial" panose="020B0604020202020204" pitchFamily="34" charset="0"/>
+              <a:buChar char="•"/>
+              <a:defRPr sz="1800" kern="1200">
+                <a:solidFill>
+                  <a:schemeClr val="tx1"/>
+                </a:solidFill>
+                <a:latin typeface="+mn-lt"/>
+                <a:ea typeface="+mn-ea"/>
+                <a:cs typeface="+mn-cs"/>
+              </a:defRPr>
+            </a:lvl7pPr>
+            <a:lvl8pPr marL="3429000" indent="-228600" algn="l" defTabSz="914400" rtl="0" eaLnBrk="1" latinLnBrk="0" hangingPunct="1">
+              <a:lnSpc>
+                <a:spcPct val="90000"/>
+              </a:lnSpc>
+              <a:spcBef>
+                <a:spcPts val="500"/>
+              </a:spcBef>
+              <a:buFont typeface="Arial" panose="020B0604020202020204" pitchFamily="34" charset="0"/>
+              <a:buChar char="•"/>
+              <a:defRPr sz="1800" kern="1200">
+                <a:solidFill>
+                  <a:schemeClr val="tx1"/>
+                </a:solidFill>
+                <a:latin typeface="+mn-lt"/>
+                <a:ea typeface="+mn-ea"/>
+                <a:cs typeface="+mn-cs"/>
+              </a:defRPr>
+            </a:lvl8pPr>
+            <a:lvl9pPr marL="3886200" indent="-228600" algn="l" defTabSz="914400" rtl="0" eaLnBrk="1" latinLnBrk="0" hangingPunct="1">
+              <a:lnSpc>
+                <a:spcPct val="90000"/>
+              </a:lnSpc>
+              <a:spcBef>
+                <a:spcPts val="500"/>
+              </a:spcBef>
+              <a:buFont typeface="Arial" panose="020B0604020202020204" pitchFamily="34" charset="0"/>
+              <a:buChar char="•"/>
+              <a:defRPr sz="1800" kern="1200">
+                <a:solidFill>
+                  <a:schemeClr val="tx1"/>
+                </a:solidFill>
+                <a:latin typeface="+mn-lt"/>
+                <a:ea typeface="+mn-ea"/>
+                <a:cs typeface="+mn-cs"/>
+              </a:defRPr>
+            </a:lvl9pPr>
+          </a:lstStyle>
+          <a:p>
+            <a:r>
+              <a:rPr lang="en-US" altLang="zh-CN" dirty="0"/>
+              <a:t>Cassandra</a:t>
+            </a:r>
+            <a:endParaRPr lang="zh-CN" altLang="en-US" dirty="0"/>
+          </a:p>
+        </p:txBody>
+      </p:sp>
+      <p:sp>
+        <p:nvSpPr>
+          <p:cNvPr id="10" name="文本占位符 15"/>
+          <p:cNvSpPr>
+            <a:spLocks noGrp="1"/>
+          </p:cNvSpPr>
+          <p:nvPr>
+            <p:custDataLst>
+              <p:tags r:id="rId3"/>
+            </p:custDataLst>
+          </p:nvPr>
+        </p:nvSpPr>
+        <p:spPr>
+          <a:xfrm>
+            <a:off x="8238936" y="4465926"/>
+            <a:ext cx="3966394" cy="582530"/>
+          </a:xfrm>
+          <a:prstGeom prst="rect">
+            <a:avLst/>
+          </a:prstGeom>
+        </p:spPr>
+        <p:txBody>
+          <a:bodyPr vert="horz" lIns="91440" tIns="45720" rIns="91440" bIns="45720" rtlCol="0" anchor="ctr">
+            <a:noAutofit/>
+          </a:bodyPr>
+          <a:lstStyle>
+            <a:lvl1pPr marL="0" indent="0" algn="l" defTabSz="914400" rtl="0" eaLnBrk="1" latinLnBrk="0" hangingPunct="1">
+              <a:lnSpc>
+                <a:spcPct val="90000"/>
+              </a:lnSpc>
+              <a:spcBef>
+                <a:spcPts val="1000"/>
+              </a:spcBef>
+              <a:buFont typeface="Arial" panose="020B0604020202020204" pitchFamily="34" charset="0"/>
+              <a:buNone/>
+              <a:defRPr sz="2400" b="1" kern="1200">
+                <a:solidFill>
+                  <a:schemeClr val="tx1"/>
+                </a:solidFill>
+                <a:latin typeface="+mj-ea"/>
+                <a:ea typeface="+mj-ea"/>
+                <a:cs typeface="+mn-cs"/>
+              </a:defRPr>
+            </a:lvl1pPr>
+            <a:lvl2pPr marL="685800" indent="-228600" algn="l" defTabSz="914400" rtl="0" eaLnBrk="1" latinLnBrk="0" hangingPunct="1">
+              <a:lnSpc>
+                <a:spcPct val="90000"/>
+              </a:lnSpc>
+              <a:spcBef>
+                <a:spcPts val="500"/>
+              </a:spcBef>
+              <a:buFont typeface="Arial" panose="020B0604020202020204" pitchFamily="34" charset="0"/>
+              <a:buChar char="•"/>
+              <a:defRPr sz="2400" b="1" kern="1200">
+                <a:solidFill>
+                  <a:schemeClr val="tx1"/>
+                </a:solidFill>
+                <a:latin typeface="+mj-ea"/>
+                <a:ea typeface="+mj-ea"/>
+                <a:cs typeface="+mn-cs"/>
+              </a:defRPr>
+            </a:lvl2pPr>
+            <a:lvl3pPr marL="1143000" indent="-228600" algn="l" defTabSz="914400" rtl="0" eaLnBrk="1" latinLnBrk="0" hangingPunct="1">
+              <a:lnSpc>
+                <a:spcPct val="90000"/>
+              </a:lnSpc>
+              <a:spcBef>
+                <a:spcPts val="500"/>
+              </a:spcBef>
+              <a:buFont typeface="Arial" panose="020B0604020202020204" pitchFamily="34" charset="0"/>
+              <a:buChar char="•"/>
+              <a:defRPr sz="2400" b="1" kern="1200">
+                <a:solidFill>
+                  <a:schemeClr val="tx1"/>
+                </a:solidFill>
+                <a:latin typeface="+mj-ea"/>
+                <a:ea typeface="+mj-ea"/>
+                <a:cs typeface="+mn-cs"/>
+              </a:defRPr>
+            </a:lvl3pPr>
+            <a:lvl4pPr marL="1600200" indent="-228600" algn="l" defTabSz="914400" rtl="0" eaLnBrk="1" latinLnBrk="0" hangingPunct="1">
+              <a:lnSpc>
+                <a:spcPct val="90000"/>
+              </a:lnSpc>
+              <a:spcBef>
+                <a:spcPts val="500"/>
+              </a:spcBef>
+              <a:buFont typeface="Arial" panose="020B0604020202020204" pitchFamily="34" charset="0"/>
+              <a:buChar char="•"/>
+              <a:defRPr sz="2400" b="1" kern="1200">
+                <a:solidFill>
+                  <a:schemeClr val="tx1"/>
+                </a:solidFill>
+                <a:latin typeface="+mj-ea"/>
+                <a:ea typeface="+mj-ea"/>
+                <a:cs typeface="+mn-cs"/>
+              </a:defRPr>
+            </a:lvl4pPr>
+            <a:lvl5pPr marL="2057400" indent="-228600" algn="l" defTabSz="914400" rtl="0" eaLnBrk="1" latinLnBrk="0" hangingPunct="1">
+              <a:lnSpc>
+                <a:spcPct val="90000"/>
+              </a:lnSpc>
+              <a:spcBef>
+                <a:spcPts val="500"/>
+              </a:spcBef>
+              <a:buFont typeface="Arial" panose="020B0604020202020204" pitchFamily="34" charset="0"/>
+              <a:buChar char="•"/>
+              <a:defRPr sz="2400" b="1" kern="1200">
+                <a:solidFill>
+                  <a:schemeClr val="tx1"/>
+                </a:solidFill>
+                <a:latin typeface="+mj-ea"/>
+                <a:ea typeface="+mj-ea"/>
+                <a:cs typeface="+mn-cs"/>
+              </a:defRPr>
+            </a:lvl5pPr>
+            <a:lvl6pPr marL="2514600" indent="-228600" algn="l" defTabSz="914400" rtl="0" eaLnBrk="1" latinLnBrk="0" hangingPunct="1">
+              <a:lnSpc>
+                <a:spcPct val="90000"/>
+              </a:lnSpc>
+              <a:spcBef>
+                <a:spcPts val="500"/>
+              </a:spcBef>
+              <a:buFont typeface="Arial" panose="020B0604020202020204" pitchFamily="34" charset="0"/>
+              <a:buChar char="•"/>
+              <a:defRPr sz="1800" kern="1200">
+                <a:solidFill>
+                  <a:schemeClr val="tx1"/>
+                </a:solidFill>
+                <a:latin typeface="+mn-lt"/>
+                <a:ea typeface="+mn-ea"/>
+                <a:cs typeface="+mn-cs"/>
+              </a:defRPr>
+            </a:lvl6pPr>
+            <a:lvl7pPr marL="2971800" indent="-228600" algn="l" defTabSz="914400" rtl="0" eaLnBrk="1" latinLnBrk="0" hangingPunct="1">
+              <a:lnSpc>
+                <a:spcPct val="90000"/>
+              </a:lnSpc>
+              <a:spcBef>
+                <a:spcPts val="500"/>
+              </a:spcBef>
+              <a:buFont typeface="Arial" panose="020B0604020202020204" pitchFamily="34" charset="0"/>
+              <a:buChar char="•"/>
+              <a:defRPr sz="1800" kern="1200">
+                <a:solidFill>
+                  <a:schemeClr val="tx1"/>
+                </a:solidFill>
+                <a:latin typeface="+mn-lt"/>
+                <a:ea typeface="+mn-ea"/>
+                <a:cs typeface="+mn-cs"/>
+              </a:defRPr>
+            </a:lvl7pPr>
+            <a:lvl8pPr marL="3429000" indent="-228600" algn="l" defTabSz="914400" rtl="0" eaLnBrk="1" latinLnBrk="0" hangingPunct="1">
+              <a:lnSpc>
+                <a:spcPct val="90000"/>
+              </a:lnSpc>
+              <a:spcBef>
+                <a:spcPts val="500"/>
+              </a:spcBef>
+              <a:buFont typeface="Arial" panose="020B0604020202020204" pitchFamily="34" charset="0"/>
+              <a:buChar char="•"/>
+              <a:defRPr sz="1800" kern="1200">
+                <a:solidFill>
+                  <a:schemeClr val="tx1"/>
+                </a:solidFill>
+                <a:latin typeface="+mn-lt"/>
+                <a:ea typeface="+mn-ea"/>
+                <a:cs typeface="+mn-cs"/>
+              </a:defRPr>
+            </a:lvl8pPr>
+            <a:lvl9pPr marL="3886200" indent="-228600" algn="l" defTabSz="914400" rtl="0" eaLnBrk="1" latinLnBrk="0" hangingPunct="1">
+              <a:lnSpc>
+                <a:spcPct val="90000"/>
+              </a:lnSpc>
+              <a:spcBef>
+                <a:spcPts val="500"/>
+              </a:spcBef>
+              <a:buFont typeface="Arial" panose="020B0604020202020204" pitchFamily="34" charset="0"/>
+              <a:buChar char="•"/>
+              <a:defRPr sz="1800" kern="1200">
+                <a:solidFill>
+                  <a:schemeClr val="tx1"/>
+                </a:solidFill>
+                <a:latin typeface="+mn-lt"/>
+                <a:ea typeface="+mn-ea"/>
+                <a:cs typeface="+mn-cs"/>
+              </a:defRPr>
+            </a:lvl9pPr>
+          </a:lstStyle>
+          <a:p>
+            <a:r>
+              <a:rPr lang="en-US" altLang="zh-CN" dirty="0" err="1"/>
+              <a:t>GeoMesa+Cassandra</a:t>
+            </a:r>
+            <a:endParaRPr lang="zh-CN" altLang="en-US" dirty="0"/>
+          </a:p>
+        </p:txBody>
+      </p:sp>
+      <p:pic>
+        <p:nvPicPr>
+          <p:cNvPr id="11" name="图片 10"/>
+          <p:cNvPicPr>
+            <a:picLocks noChangeAspect="1"/>
+          </p:cNvPicPr>
+          <p:nvPr>
+            <p:custDataLst>
+              <p:tags r:id="rId4"/>
+            </p:custDataLst>
+          </p:nvPr>
+        </p:nvPicPr>
+        <p:blipFill>
+          <a:blip r:embed="rId5"/>
+          <a:stretch>
+            <a:fillRect/>
+          </a:stretch>
+        </p:blipFill>
+        <p:spPr>
+          <a:xfrm>
+            <a:off x="6758940" y="1323975"/>
+            <a:ext cx="952500" cy="971550"/>
+          </a:xfrm>
+          <a:prstGeom prst="rect">
+            <a:avLst/>
+          </a:prstGeom>
+        </p:spPr>
+      </p:pic>
+      <p:pic>
+        <p:nvPicPr>
+          <p:cNvPr id="12" name="图片 11"/>
+          <p:cNvPicPr>
+            <a:picLocks noChangeAspect="1"/>
+          </p:cNvPicPr>
+          <p:nvPr>
+            <p:custDataLst>
+              <p:tags r:id="rId6"/>
+            </p:custDataLst>
+          </p:nvPr>
+        </p:nvPicPr>
+        <p:blipFill>
+          <a:blip r:embed="rId5"/>
+          <a:stretch>
+            <a:fillRect/>
+          </a:stretch>
+        </p:blipFill>
+        <p:spPr>
+          <a:xfrm>
+            <a:off x="6758940" y="2803525"/>
+            <a:ext cx="952500" cy="971550"/>
+          </a:xfrm>
+          <a:prstGeom prst="rect">
+            <a:avLst/>
+          </a:prstGeom>
+        </p:spPr>
+      </p:pic>
+      <p:pic>
+        <p:nvPicPr>
+          <p:cNvPr id="13" name="图片 12"/>
+          <p:cNvPicPr>
+            <a:picLocks noChangeAspect="1"/>
+          </p:cNvPicPr>
+          <p:nvPr>
+            <p:custDataLst>
+              <p:tags r:id="rId7"/>
+            </p:custDataLst>
+          </p:nvPr>
+        </p:nvPicPr>
+        <p:blipFill>
+          <a:blip r:embed="rId5"/>
+          <a:stretch>
+            <a:fillRect/>
+          </a:stretch>
+        </p:blipFill>
+        <p:spPr>
+          <a:xfrm>
+            <a:off x="6819900" y="4283075"/>
+            <a:ext cx="952500" cy="971550"/>
+          </a:xfrm>
+          <a:prstGeom prst="rect">
+            <a:avLst/>
+          </a:prstGeom>
+        </p:spPr>
+      </p:pic>
+      <p:pic>
+        <p:nvPicPr>
+          <p:cNvPr id="14" name="图片 13"/>
+          <p:cNvPicPr>
+            <a:picLocks noChangeAspect="1"/>
+          </p:cNvPicPr>
+          <p:nvPr>
+            <p:custDataLst>
+              <p:tags r:id="rId8"/>
+            </p:custDataLst>
+          </p:nvPr>
+        </p:nvPicPr>
+        <p:blipFill>
+          <a:blip r:embed="rId9"/>
+          <a:stretch>
+            <a:fillRect/>
+          </a:stretch>
+        </p:blipFill>
+        <p:spPr>
+          <a:xfrm>
+            <a:off x="4539615" y="1419225"/>
+            <a:ext cx="2219325" cy="876300"/>
+          </a:xfrm>
+          <a:prstGeom prst="rect">
+            <a:avLst/>
+          </a:prstGeom>
+        </p:spPr>
+      </p:pic>
+      <p:pic>
+        <p:nvPicPr>
+          <p:cNvPr id="15" name="图片 14"/>
+          <p:cNvPicPr>
+            <a:picLocks noChangeAspect="1"/>
+          </p:cNvPicPr>
+          <p:nvPr>
+            <p:custDataLst>
+              <p:tags r:id="rId10"/>
+            </p:custDataLst>
+          </p:nvPr>
+        </p:nvPicPr>
+        <p:blipFill>
+          <a:blip r:embed="rId11"/>
+          <a:stretch>
+            <a:fillRect/>
+          </a:stretch>
+        </p:blipFill>
+        <p:spPr>
+          <a:xfrm>
+            <a:off x="5579745" y="3253740"/>
+            <a:ext cx="1179195" cy="262255"/>
+          </a:xfrm>
+          <a:prstGeom prst="rect">
+            <a:avLst/>
+          </a:prstGeom>
+        </p:spPr>
+      </p:pic>
+    </p:spTree>
+  </p:cSld>
+  <p:clrMapOvr>
+    <a:masterClrMapping/>
+  </p:clrMapOvr>
+</p:sld>
+</file>
+
+<file path=ppt/slides/slide4.xml><?xml version="1.0" encoding="utf-8"?>
 <p:sld xmlns:a="http://schemas.openxmlformats.org/drawingml/2006/main" xmlns:r="http://schemas.openxmlformats.org/officeDocument/2006/relationships" xmlns:p="http://schemas.openxmlformats.org/presentationml/2006/main">
   <p:cSld>
     <p:spTree>
@@ -44783,7 +46331,7 @@
 </p:sld>
 </file>
 
-<file path=ppt/slides/slide4.xml><?xml version="1.0" encoding="utf-8"?>
+<file path=ppt/slides/slide5.xml><?xml version="1.0" encoding="utf-8"?>
 <p:sld xmlns:a="http://schemas.openxmlformats.org/drawingml/2006/main" xmlns:r="http://schemas.openxmlformats.org/officeDocument/2006/relationships" xmlns:p="http://schemas.openxmlformats.org/presentationml/2006/main">
   <p:cSld>
     <p:spTree>
@@ -44813,7 +46361,7 @@
           </p:nvPr>
         </p:nvPicPr>
         <p:blipFill>
-          <a:blip r:embed="rId5"/>
+          <a:blip r:embed="rId2"/>
           <a:stretch>
             <a:fillRect/>
           </a:stretch>
@@ -44858,6 +46406,7 @@
               <a:rPr lang="zh-CN" altLang="en-US"/>
               <a:t>简介</a:t>
             </a:r>
+            <a:endParaRPr lang="zh-CN" altLang="en-US"/>
           </a:p>
         </p:txBody>
       </p:sp>
@@ -44928,12 +46477,12 @@
           </p:cNvPicPr>
           <p:nvPr>
             <p:custDataLst>
-              <p:tags r:id="rId2"/>
+              <p:tags r:id="rId3"/>
             </p:custDataLst>
           </p:nvPr>
         </p:nvPicPr>
         <p:blipFill>
-          <a:blip r:embed="rId6"/>
+          <a:blip r:embed="rId4"/>
           <a:stretch>
             <a:fillRect/>
           </a:stretch>
@@ -44956,7 +46505,7 @@
 </p:sld>
 </file>
 
-<file path=ppt/slides/slide5.xml><?xml version="1.0" encoding="utf-8"?>
+<file path=ppt/slides/slide6.xml><?xml version="1.0" encoding="utf-8"?>
 <p:sld xmlns:a="http://schemas.openxmlformats.org/drawingml/2006/main" xmlns:r="http://schemas.openxmlformats.org/officeDocument/2006/relationships" xmlns:p="http://schemas.openxmlformats.org/presentationml/2006/main">
   <p:cSld>
     <p:spTree>
@@ -44986,7 +46535,7 @@
           </p:nvPr>
         </p:nvPicPr>
         <p:blipFill>
-          <a:blip r:embed="rId4"/>
+          <a:blip r:embed="rId2"/>
           <a:stretch>
             <a:fillRect/>
           </a:stretch>
@@ -45027,90 +46576,11 @@
               <a:rPr lang="zh-CN" altLang="en-US"/>
               <a:t>GeoMesa架构体系</a:t>
             </a:r>
-          </a:p>
-        </p:txBody>
-      </p:sp>
-    </p:spTree>
-  </p:cSld>
-  <p:clrMapOvr>
-    <a:masterClrMapping/>
-  </p:clrMapOvr>
-</p:sld>
-</file>
-
-<file path=ppt/slides/slide6.xml><?xml version="1.0" encoding="utf-8"?>
-<p:sld xmlns:a="http://schemas.openxmlformats.org/drawingml/2006/main" xmlns:r="http://schemas.openxmlformats.org/officeDocument/2006/relationships" xmlns:p="http://schemas.openxmlformats.org/presentationml/2006/main">
-  <p:cSld>
-    <p:spTree>
-      <p:nvGrpSpPr>
-        <p:cNvPr id="1" name=""/>
-        <p:cNvGrpSpPr/>
-        <p:nvPr/>
-      </p:nvGrpSpPr>
-      <p:grpSpPr>
-        <a:xfrm>
-          <a:off x="0" y="0"/>
-          <a:ext cx="0" cy="0"/>
-          <a:chOff x="0" y="0"/>
-          <a:chExt cx="0" cy="0"/>
-        </a:xfrm>
-      </p:grpSpPr>
-      <p:sp>
-        <p:nvSpPr>
-          <p:cNvPr id="2" name="文本占位符 1">
-            <a:extLst>
-              <a:ext uri="{FF2B5EF4-FFF2-40B4-BE49-F238E27FC236}">
-                <a16:creationId xmlns:a16="http://schemas.microsoft.com/office/drawing/2014/main" id="{729C44AF-D538-4D70-8183-6E205D3A8C19}"/>
-              </a:ext>
-            </a:extLst>
-          </p:cNvPr>
-          <p:cNvSpPr>
-            <a:spLocks noGrp="1"/>
-          </p:cNvSpPr>
-          <p:nvPr>
-            <p:ph type="body" sz="quarter" idx="10"/>
-          </p:nvPr>
-        </p:nvSpPr>
-        <p:spPr/>
-        <p:txBody>
-          <a:bodyPr/>
-          <a:lstStyle/>
-          <a:p>
-            <a:endParaRPr lang="zh-CN" altLang="en-US"/>
-          </a:p>
-        </p:txBody>
-      </p:sp>
-      <p:sp>
-        <p:nvSpPr>
-          <p:cNvPr id="3" name="文本占位符 2">
-            <a:extLst>
-              <a:ext uri="{FF2B5EF4-FFF2-40B4-BE49-F238E27FC236}">
-                <a16:creationId xmlns:a16="http://schemas.microsoft.com/office/drawing/2014/main" id="{0FE2BC96-F630-4180-B400-6F249DCE0423}"/>
-              </a:ext>
-            </a:extLst>
-          </p:cNvPr>
-          <p:cNvSpPr>
-            <a:spLocks noGrp="1"/>
-          </p:cNvSpPr>
-          <p:nvPr>
-            <p:ph type="body" sz="quarter" idx="11"/>
-          </p:nvPr>
-        </p:nvSpPr>
-        <p:spPr/>
-        <p:txBody>
-          <a:bodyPr/>
-          <a:lstStyle/>
-          <a:p>
             <a:endParaRPr lang="zh-CN" altLang="en-US"/>
           </a:p>
         </p:txBody>
       </p:sp>
     </p:spTree>
-    <p:extLst>
-      <p:ext uri="{BB962C8B-B14F-4D97-AF65-F5344CB8AC3E}">
-        <p14:creationId xmlns:p14="http://schemas.microsoft.com/office/powerpoint/2010/main" val="2107900019"/>
-      </p:ext>
-    </p:extLst>
   </p:cSld>
   <p:clrMapOvr>
     <a:masterClrMapping/>
@@ -45135,15 +46605,62 @@
           <a:chExt cx="0" cy="0"/>
         </a:xfrm>
       </p:grpSpPr>
+      <p:pic>
+        <p:nvPicPr>
+          <p:cNvPr id="4" name="图片 3"/>
+          <p:cNvPicPr>
+            <a:picLocks noChangeAspect="1"/>
+          </p:cNvPicPr>
+          <p:nvPr>
+            <p:custDataLst>
+              <p:tags r:id="rId1"/>
+            </p:custDataLst>
+          </p:nvPr>
+        </p:nvPicPr>
+        <p:blipFill>
+          <a:blip r:embed="rId2"/>
+          <a:stretch>
+            <a:fillRect/>
+          </a:stretch>
+        </p:blipFill>
+        <p:spPr>
+          <a:xfrm>
+            <a:off x="1567815" y="1466215"/>
+            <a:ext cx="9056370" cy="3925570"/>
+          </a:xfrm>
+          <a:prstGeom prst="rect">
+            <a:avLst/>
+          </a:prstGeom>
+        </p:spPr>
+      </p:pic>
+    </p:spTree>
+  </p:cSld>
+  <p:clrMapOvr>
+    <a:masterClrMapping/>
+  </p:clrMapOvr>
+</p:sld>
+</file>
+
+<file path=ppt/slides/slide8.xml><?xml version="1.0" encoding="utf-8"?>
+<p:sld xmlns:a="http://schemas.openxmlformats.org/drawingml/2006/main" xmlns:r="http://schemas.openxmlformats.org/officeDocument/2006/relationships" xmlns:p="http://schemas.openxmlformats.org/presentationml/2006/main">
+  <p:cSld>
+    <p:spTree>
+      <p:nvGrpSpPr>
+        <p:cNvPr id="1" name=""/>
+        <p:cNvGrpSpPr/>
+        <p:nvPr/>
+      </p:nvGrpSpPr>
+      <p:grpSpPr>
+        <a:xfrm>
+          <a:off x="0" y="0"/>
+          <a:ext cx="0" cy="0"/>
+          <a:chOff x="0" y="0"/>
+          <a:chExt cx="0" cy="0"/>
+        </a:xfrm>
+      </p:grpSpPr>
       <p:sp>
         <p:nvSpPr>
-          <p:cNvPr id="2" name="文本占位符 1">
-            <a:extLst>
-              <a:ext uri="{FF2B5EF4-FFF2-40B4-BE49-F238E27FC236}">
-                <a16:creationId xmlns:a16="http://schemas.microsoft.com/office/drawing/2014/main" id="{B37AC3F0-FA2B-4153-8DC5-D2A9F6873517}"/>
-              </a:ext>
-            </a:extLst>
-          </p:cNvPr>
+          <p:cNvPr id="2" name="文本占位符 1"/>
           <p:cNvSpPr>
             <a:spLocks noGrp="1"/>
           </p:cNvSpPr>
@@ -45162,13 +46679,7 @@
       </p:sp>
       <p:sp>
         <p:nvSpPr>
-          <p:cNvPr id="3" name="文本占位符 2">
-            <a:extLst>
-              <a:ext uri="{FF2B5EF4-FFF2-40B4-BE49-F238E27FC236}">
-                <a16:creationId xmlns:a16="http://schemas.microsoft.com/office/drawing/2014/main" id="{C572FB01-2D00-4A12-A192-62A557389611}"/>
-              </a:ext>
-            </a:extLst>
-          </p:cNvPr>
+          <p:cNvPr id="3" name="文本占位符 2"/>
           <p:cNvSpPr>
             <a:spLocks noGrp="1"/>
           </p:cNvSpPr>
@@ -45186,11 +46697,6 @@
         </p:txBody>
       </p:sp>
     </p:spTree>
-    <p:extLst>
-      <p:ext uri="{BB962C8B-B14F-4D97-AF65-F5344CB8AC3E}">
-        <p14:creationId xmlns:p14="http://schemas.microsoft.com/office/powerpoint/2010/main" val="217579529"/>
-      </p:ext>
-    </p:extLst>
   </p:cSld>
   <p:clrMapOvr>
     <a:masterClrMapping/>
@@ -45198,7 +46704,7 @@
 </p:sld>
 </file>
 
-<file path=ppt/slides/slide8.xml><?xml version="1.0" encoding="utf-8"?>
+<file path=ppt/slides/slide9.xml><?xml version="1.0" encoding="utf-8"?>
 <p:sld xmlns:a="http://schemas.openxmlformats.org/drawingml/2006/main" xmlns:r="http://schemas.openxmlformats.org/officeDocument/2006/relationships" xmlns:p="http://schemas.openxmlformats.org/presentationml/2006/main">
   <p:cSld>
     <p:spTree>
@@ -46579,961 +48085,81 @@
 </p:sld>
 </file>
 
-<file path=ppt/slides/slide9.xml><?xml version="1.0" encoding="utf-8"?>
-<p:sld xmlns:a="http://schemas.openxmlformats.org/drawingml/2006/main" xmlns:r="http://schemas.openxmlformats.org/officeDocument/2006/relationships" xmlns:p="http://schemas.openxmlformats.org/presentationml/2006/main">
-  <p:cSld>
-    <p:spTree>
-      <p:nvGrpSpPr>
-        <p:cNvPr id="1" name=""/>
-        <p:cNvGrpSpPr/>
-        <p:nvPr/>
-      </p:nvGrpSpPr>
-      <p:grpSpPr>
-        <a:xfrm>
-          <a:off x="0" y="0"/>
-          <a:ext cx="0" cy="0"/>
-          <a:chOff x="0" y="0"/>
-          <a:chExt cx="0" cy="0"/>
-        </a:xfrm>
-      </p:grpSpPr>
-      <p:sp>
-        <p:nvSpPr>
-          <p:cNvPr id="38" name="文本占位符 37"/>
-          <p:cNvSpPr>
-            <a:spLocks noGrp="1"/>
-          </p:cNvSpPr>
-          <p:nvPr>
-            <p:ph type="body" sz="quarter" idx="10"/>
-          </p:nvPr>
-        </p:nvSpPr>
-        <p:spPr/>
-        <p:txBody>
-          <a:bodyPr>
-            <a:noAutofit/>
-          </a:bodyPr>
-          <a:lstStyle/>
-          <a:p>
-            <a:r>
-              <a:rPr lang="zh-CN" altLang="en-US" dirty="0"/>
-              <a:t>概述</a:t>
-            </a:r>
-            <a:r>
-              <a:rPr lang="en-US" altLang="zh-CN" dirty="0"/>
-              <a:t>&amp;</a:t>
-            </a:r>
-            <a:r>
-              <a:rPr lang="zh-CN" altLang="en-US" dirty="0"/>
-              <a:t>特点</a:t>
-            </a:r>
-          </a:p>
-        </p:txBody>
-      </p:sp>
-      <p:grpSp>
-        <p:nvGrpSpPr>
-          <p:cNvPr id="40" name="组合 39"/>
-          <p:cNvGrpSpPr/>
-          <p:nvPr/>
-        </p:nvGrpSpPr>
-        <p:grpSpPr>
-          <a:xfrm>
-            <a:off x="4453086" y="1728325"/>
-            <a:ext cx="3143672" cy="3338228"/>
-            <a:chOff x="5051297" y="2650446"/>
-            <a:chExt cx="2141877" cy="2274429"/>
-          </a:xfrm>
-        </p:grpSpPr>
-        <p:sp>
-          <p:nvSpPr>
-            <p:cNvPr id="41" name="矩形 40"/>
-            <p:cNvSpPr/>
-            <p:nvPr/>
-          </p:nvSpPr>
-          <p:spPr>
-            <a:xfrm>
-              <a:off x="5498139" y="3673659"/>
-              <a:ext cx="1251216" cy="1251216"/>
-            </a:xfrm>
-            <a:prstGeom prst="rect">
-              <a:avLst/>
-            </a:prstGeom>
-            <a:gradFill flip="none" rotWithShape="1">
-              <a:gsLst>
-                <a:gs pos="0">
-                  <a:schemeClr val="accent1">
-                    <a:lumMod val="60000"/>
-                    <a:lumOff val="40000"/>
-                  </a:schemeClr>
-                </a:gs>
-                <a:gs pos="100000">
-                  <a:schemeClr val="accent1">
-                    <a:lumMod val="20000"/>
-                    <a:lumOff val="80000"/>
-                    <a:alpha val="0"/>
-                  </a:schemeClr>
-                </a:gs>
-              </a:gsLst>
-              <a:lin ang="18900000" scaled="1"/>
-              <a:tileRect/>
-            </a:gradFill>
-            <a:ln>
-              <a:noFill/>
-            </a:ln>
-            <a:effectLst>
-              <a:outerShdw blurRad="457200" dist="38100" dir="5400000" sx="120000" sy="120000" algn="t" rotWithShape="0">
-                <a:schemeClr val="accent1">
-                  <a:alpha val="40000"/>
-                </a:schemeClr>
-              </a:outerShdw>
-            </a:effectLst>
-            <a:scene3d>
-              <a:camera prst="isometricTopUp"/>
-              <a:lightRig rig="threePt" dir="t"/>
-            </a:scene3d>
-          </p:spPr>
-          <p:style>
-            <a:lnRef idx="2">
-              <a:schemeClr val="accent1">
-                <a:shade val="50000"/>
-              </a:schemeClr>
-            </a:lnRef>
-            <a:fillRef idx="1">
-              <a:schemeClr val="accent1"/>
-            </a:fillRef>
-            <a:effectRef idx="0">
-              <a:schemeClr val="accent1"/>
-            </a:effectRef>
-            <a:fontRef idx="minor">
-              <a:schemeClr val="lt1"/>
-            </a:fontRef>
-          </p:style>
-          <p:txBody>
-            <a:bodyPr rtlCol="0" anchor="ctr">
-              <a:noAutofit/>
-            </a:bodyPr>
-            <a:lstStyle/>
-            <a:p>
-              <a:pPr algn="ctr"/>
-              <a:endParaRPr lang="zh-CN" altLang="en-US"/>
-            </a:p>
-          </p:txBody>
-        </p:sp>
-        <p:sp>
-          <p:nvSpPr>
-            <p:cNvPr id="42" name="矩形 41"/>
-            <p:cNvSpPr/>
-            <p:nvPr/>
-          </p:nvSpPr>
-          <p:spPr>
-            <a:xfrm>
-              <a:off x="5057049" y="2908101"/>
-              <a:ext cx="1251216" cy="1251216"/>
-            </a:xfrm>
-            <a:prstGeom prst="rect">
-              <a:avLst/>
-            </a:prstGeom>
-            <a:solidFill>
-              <a:schemeClr val="accent1">
-                <a:alpha val="25000"/>
-              </a:schemeClr>
-            </a:solidFill>
-            <a:ln>
-              <a:noFill/>
-            </a:ln>
-            <a:scene3d>
-              <a:camera prst="isometricRightUp"/>
-              <a:lightRig rig="threePt" dir="t"/>
-            </a:scene3d>
-          </p:spPr>
-          <p:style>
-            <a:lnRef idx="2">
-              <a:schemeClr val="accent1">
-                <a:shade val="50000"/>
-              </a:schemeClr>
-            </a:lnRef>
-            <a:fillRef idx="1">
-              <a:schemeClr val="accent1"/>
-            </a:fillRef>
-            <a:effectRef idx="0">
-              <a:schemeClr val="accent1"/>
-            </a:effectRef>
-            <a:fontRef idx="minor">
-              <a:schemeClr val="lt1"/>
-            </a:fontRef>
-          </p:style>
-          <p:txBody>
-            <a:bodyPr rtlCol="0" anchor="ctr">
-              <a:noAutofit/>
-            </a:bodyPr>
-            <a:lstStyle/>
-            <a:p>
-              <a:pPr algn="ctr"/>
-              <a:endParaRPr lang="zh-CN" altLang="en-US"/>
-            </a:p>
-          </p:txBody>
-        </p:sp>
-        <p:sp>
-          <p:nvSpPr>
-            <p:cNvPr id="43" name="矩形 42"/>
-            <p:cNvSpPr/>
-            <p:nvPr/>
-          </p:nvSpPr>
-          <p:spPr>
-            <a:xfrm>
-              <a:off x="5941958" y="2905373"/>
-              <a:ext cx="1251216" cy="1251216"/>
-            </a:xfrm>
-            <a:prstGeom prst="rect">
-              <a:avLst/>
-            </a:prstGeom>
-            <a:solidFill>
-              <a:schemeClr val="accent1">
-                <a:alpha val="25000"/>
-              </a:schemeClr>
-            </a:solidFill>
-            <a:ln>
-              <a:noFill/>
-            </a:ln>
-            <a:scene3d>
-              <a:camera prst="isometricLeftDown"/>
-              <a:lightRig rig="threePt" dir="t"/>
-            </a:scene3d>
-          </p:spPr>
-          <p:style>
-            <a:lnRef idx="2">
-              <a:schemeClr val="accent1">
-                <a:shade val="50000"/>
-              </a:schemeClr>
-            </a:lnRef>
-            <a:fillRef idx="1">
-              <a:schemeClr val="accent1"/>
-            </a:fillRef>
-            <a:effectRef idx="0">
-              <a:schemeClr val="accent1"/>
-            </a:effectRef>
-            <a:fontRef idx="minor">
-              <a:schemeClr val="lt1"/>
-            </a:fontRef>
-          </p:style>
-          <p:txBody>
-            <a:bodyPr rtlCol="0" anchor="ctr">
-              <a:noAutofit/>
-            </a:bodyPr>
-            <a:lstStyle/>
-            <a:p>
-              <a:pPr algn="ctr"/>
-              <a:endParaRPr lang="zh-CN" altLang="en-US"/>
-            </a:p>
-          </p:txBody>
-        </p:sp>
-        <p:cxnSp>
-          <p:nvCxnSpPr>
-            <p:cNvPr id="44" name="直接连接符 43"/>
-            <p:cNvCxnSpPr/>
-            <p:nvPr/>
-          </p:nvCxnSpPr>
-          <p:spPr>
-            <a:xfrm flipV="1">
-              <a:off x="6122381" y="2759944"/>
-              <a:ext cx="0" cy="1026544"/>
-            </a:xfrm>
-            <a:prstGeom prst="line">
-              <a:avLst/>
-            </a:prstGeom>
-            <a:ln w="3175">
-              <a:solidFill>
-                <a:schemeClr val="bg1">
-                  <a:alpha val="14000"/>
-                </a:schemeClr>
-              </a:solidFill>
-            </a:ln>
-          </p:spPr>
-          <p:style>
-            <a:lnRef idx="1">
-              <a:schemeClr val="accent1"/>
-            </a:lnRef>
-            <a:fillRef idx="0">
-              <a:schemeClr val="accent1"/>
-            </a:fillRef>
-            <a:effectRef idx="0">
-              <a:schemeClr val="accent1"/>
-            </a:effectRef>
-            <a:fontRef idx="minor">
-              <a:schemeClr val="tx1"/>
-            </a:fontRef>
-          </p:style>
-        </p:cxnSp>
-        <p:cxnSp>
-          <p:nvCxnSpPr>
-            <p:cNvPr id="45" name="直接连接符 44"/>
-            <p:cNvCxnSpPr/>
-            <p:nvPr/>
-          </p:nvCxnSpPr>
-          <p:spPr>
-            <a:xfrm>
-              <a:off x="6124368" y="3788546"/>
-              <a:ext cx="889770" cy="510721"/>
-            </a:xfrm>
-            <a:prstGeom prst="line">
-              <a:avLst/>
-            </a:prstGeom>
-            <a:ln w="12700">
-              <a:solidFill>
-                <a:schemeClr val="bg1">
-                  <a:alpha val="0"/>
-                </a:schemeClr>
-              </a:solidFill>
-            </a:ln>
-          </p:spPr>
-          <p:style>
-            <a:lnRef idx="1">
-              <a:schemeClr val="accent1"/>
-            </a:lnRef>
-            <a:fillRef idx="0">
-              <a:schemeClr val="accent1"/>
-            </a:fillRef>
-            <a:effectRef idx="0">
-              <a:schemeClr val="accent1"/>
-            </a:effectRef>
-            <a:fontRef idx="minor">
-              <a:schemeClr val="tx1"/>
-            </a:fontRef>
-          </p:style>
-        </p:cxnSp>
-        <p:cxnSp>
-          <p:nvCxnSpPr>
-            <p:cNvPr id="46" name="直接连接符 45"/>
-            <p:cNvCxnSpPr/>
-            <p:nvPr/>
-          </p:nvCxnSpPr>
-          <p:spPr>
-            <a:xfrm flipH="1">
-              <a:off x="5233977" y="3788746"/>
-              <a:ext cx="885855" cy="507365"/>
-            </a:xfrm>
-            <a:prstGeom prst="line">
-              <a:avLst/>
-            </a:prstGeom>
-            <a:ln w="12700">
-              <a:solidFill>
-                <a:schemeClr val="bg1">
-                  <a:alpha val="4000"/>
-                </a:schemeClr>
-              </a:solidFill>
-            </a:ln>
-          </p:spPr>
-          <p:style>
-            <a:lnRef idx="1">
-              <a:schemeClr val="accent1"/>
-            </a:lnRef>
-            <a:fillRef idx="0">
-              <a:schemeClr val="accent1"/>
-            </a:fillRef>
-            <a:effectRef idx="0">
-              <a:schemeClr val="accent1"/>
-            </a:effectRef>
-            <a:fontRef idx="minor">
-              <a:schemeClr val="tx1"/>
-            </a:fontRef>
-          </p:style>
-        </p:cxnSp>
-        <p:sp>
-          <p:nvSpPr>
-            <p:cNvPr id="47" name="矩形 46"/>
-            <p:cNvSpPr/>
-            <p:nvPr/>
-          </p:nvSpPr>
-          <p:spPr>
-            <a:xfrm>
-              <a:off x="5938510" y="3416821"/>
-              <a:ext cx="1251215" cy="1251216"/>
-            </a:xfrm>
-            <a:prstGeom prst="rect">
-              <a:avLst/>
-            </a:prstGeom>
-            <a:gradFill flip="none" rotWithShape="1">
-              <a:gsLst>
-                <a:gs pos="0">
-                  <a:schemeClr val="accent1">
-                    <a:lumMod val="60000"/>
-                    <a:lumOff val="40000"/>
-                  </a:schemeClr>
-                </a:gs>
-                <a:gs pos="100000">
-                  <a:schemeClr val="accent1"/>
-                </a:gs>
-              </a:gsLst>
-              <a:lin ang="7800000" scaled="0"/>
-              <a:tileRect/>
-            </a:gradFill>
-            <a:ln>
-              <a:noFill/>
-            </a:ln>
-            <a:scene3d>
-              <a:camera prst="isometricRightUp"/>
-              <a:lightRig rig="threePt" dir="t"/>
-            </a:scene3d>
-          </p:spPr>
-          <p:style>
-            <a:lnRef idx="2">
-              <a:schemeClr val="accent1">
-                <a:shade val="50000"/>
-              </a:schemeClr>
-            </a:lnRef>
-            <a:fillRef idx="1">
-              <a:schemeClr val="accent1"/>
-            </a:fillRef>
-            <a:effectRef idx="0">
-              <a:schemeClr val="accent1"/>
-            </a:effectRef>
-            <a:fontRef idx="minor">
-              <a:schemeClr val="lt1"/>
-            </a:fontRef>
-          </p:style>
-          <p:txBody>
-            <a:bodyPr rtlCol="0" anchor="ctr">
-              <a:noAutofit/>
-            </a:bodyPr>
-            <a:lstStyle/>
-            <a:p>
-              <a:pPr algn="ctr"/>
-              <a:endParaRPr lang="zh-CN" altLang="en-US"/>
-            </a:p>
-          </p:txBody>
-        </p:sp>
-        <p:sp>
-          <p:nvSpPr>
-            <p:cNvPr id="48" name="矩形 47"/>
-            <p:cNvSpPr/>
-            <p:nvPr/>
-          </p:nvSpPr>
-          <p:spPr>
-            <a:xfrm>
-              <a:off x="5051297" y="3411968"/>
-              <a:ext cx="1251216" cy="1251216"/>
-            </a:xfrm>
-            <a:prstGeom prst="rect">
-              <a:avLst/>
-            </a:prstGeom>
-            <a:gradFill>
-              <a:gsLst>
-                <a:gs pos="0">
-                  <a:schemeClr val="accent1"/>
-                </a:gs>
-                <a:gs pos="100000">
-                  <a:schemeClr val="accent1">
-                    <a:lumMod val="40000"/>
-                    <a:lumOff val="60000"/>
-                  </a:schemeClr>
-                </a:gs>
-              </a:gsLst>
-              <a:lin ang="14400000" scaled="0"/>
-            </a:gradFill>
-            <a:ln>
-              <a:noFill/>
-            </a:ln>
-            <a:scene3d>
-              <a:camera prst="isometricLeftDown"/>
-              <a:lightRig rig="threePt" dir="t">
-                <a:rot lat="0" lon="0" rev="6000000"/>
-              </a:lightRig>
-            </a:scene3d>
-          </p:spPr>
-          <p:style>
-            <a:lnRef idx="2">
-              <a:schemeClr val="accent1">
-                <a:shade val="50000"/>
-              </a:schemeClr>
-            </a:lnRef>
-            <a:fillRef idx="1">
-              <a:schemeClr val="accent1"/>
-            </a:fillRef>
-            <a:effectRef idx="0">
-              <a:schemeClr val="accent1"/>
-            </a:effectRef>
-            <a:fontRef idx="minor">
-              <a:schemeClr val="lt1"/>
-            </a:fontRef>
-          </p:style>
-          <p:txBody>
-            <a:bodyPr rtlCol="0" anchor="ctr">
-              <a:noAutofit/>
-            </a:bodyPr>
-            <a:lstStyle/>
-            <a:p>
-              <a:pPr algn="ctr"/>
-              <a:endParaRPr lang="zh-CN" altLang="en-US"/>
-            </a:p>
-          </p:txBody>
-        </p:sp>
-        <p:sp>
-          <p:nvSpPr>
-            <p:cNvPr id="49" name="矩形 48"/>
-            <p:cNvSpPr/>
-            <p:nvPr/>
-          </p:nvSpPr>
-          <p:spPr>
-            <a:xfrm>
-              <a:off x="5501586" y="2650446"/>
-              <a:ext cx="1251216" cy="1251216"/>
-            </a:xfrm>
-            <a:prstGeom prst="rect">
-              <a:avLst/>
-            </a:prstGeom>
-            <a:gradFill>
-              <a:gsLst>
-                <a:gs pos="0">
-                  <a:schemeClr val="accent1"/>
-                </a:gs>
-                <a:gs pos="81000">
-                  <a:schemeClr val="accent1">
-                    <a:lumMod val="60000"/>
-                    <a:lumOff val="40000"/>
-                  </a:schemeClr>
-                </a:gs>
-              </a:gsLst>
-              <a:lin ang="12000000" scaled="0"/>
-            </a:gradFill>
-            <a:ln>
-              <a:noFill/>
-            </a:ln>
-            <a:scene3d>
-              <a:camera prst="isometricTopUp"/>
-              <a:lightRig rig="threePt" dir="t">
-                <a:rot lat="0" lon="0" rev="12600000"/>
-              </a:lightRig>
-            </a:scene3d>
-          </p:spPr>
-          <p:style>
-            <a:lnRef idx="2">
-              <a:schemeClr val="accent1">
-                <a:shade val="50000"/>
-              </a:schemeClr>
-            </a:lnRef>
-            <a:fillRef idx="1">
-              <a:schemeClr val="accent1"/>
-            </a:fillRef>
-            <a:effectRef idx="0">
-              <a:schemeClr val="accent1"/>
-            </a:effectRef>
-            <a:fontRef idx="minor">
-              <a:schemeClr val="lt1"/>
-            </a:fontRef>
-          </p:style>
-          <p:txBody>
-            <a:bodyPr rtlCol="0" anchor="ctr">
-              <a:noAutofit/>
-            </a:bodyPr>
-            <a:lstStyle/>
-            <a:p>
-              <a:pPr algn="ctr"/>
-              <a:endParaRPr lang="zh-CN" altLang="en-US"/>
-            </a:p>
-          </p:txBody>
-        </p:sp>
-        <p:cxnSp>
-          <p:nvCxnSpPr>
-            <p:cNvPr id="50" name="直接连接符 49"/>
-            <p:cNvCxnSpPr/>
-            <p:nvPr/>
-          </p:nvCxnSpPr>
-          <p:spPr>
-            <a:xfrm>
-              <a:off x="5233977" y="3272607"/>
-              <a:ext cx="889770" cy="510721"/>
-            </a:xfrm>
-            <a:prstGeom prst="line">
-              <a:avLst/>
-            </a:prstGeom>
-            <a:ln w="9525">
-              <a:solidFill>
-                <a:schemeClr val="bg1">
-                  <a:alpha val="0"/>
-                </a:schemeClr>
-              </a:solidFill>
-            </a:ln>
-          </p:spPr>
-          <p:style>
-            <a:lnRef idx="1">
-              <a:schemeClr val="accent1"/>
-            </a:lnRef>
-            <a:fillRef idx="0">
-              <a:schemeClr val="accent1"/>
-            </a:fillRef>
-            <a:effectRef idx="0">
-              <a:schemeClr val="accent1"/>
-            </a:effectRef>
-            <a:fontRef idx="minor">
-              <a:schemeClr val="tx1"/>
-            </a:fontRef>
-          </p:style>
-        </p:cxnSp>
-        <p:cxnSp>
-          <p:nvCxnSpPr>
-            <p:cNvPr id="51" name="直接连接符 50"/>
-            <p:cNvCxnSpPr/>
-            <p:nvPr/>
-          </p:nvCxnSpPr>
-          <p:spPr>
-            <a:xfrm flipH="1">
-              <a:off x="6123747" y="3273215"/>
-              <a:ext cx="885855" cy="507365"/>
-            </a:xfrm>
-            <a:prstGeom prst="line">
-              <a:avLst/>
-            </a:prstGeom>
-            <a:ln w="3175">
-              <a:solidFill>
-                <a:schemeClr val="bg1">
-                  <a:alpha val="0"/>
-                </a:schemeClr>
-              </a:solidFill>
-            </a:ln>
-          </p:spPr>
-          <p:style>
-            <a:lnRef idx="1">
-              <a:schemeClr val="accent1"/>
-            </a:lnRef>
-            <a:fillRef idx="0">
-              <a:schemeClr val="accent1"/>
-            </a:fillRef>
-            <a:effectRef idx="0">
-              <a:schemeClr val="accent1"/>
-            </a:effectRef>
-            <a:fontRef idx="minor">
-              <a:schemeClr val="tx1"/>
-            </a:fontRef>
-          </p:style>
-        </p:cxnSp>
-        <p:cxnSp>
-          <p:nvCxnSpPr>
-            <p:cNvPr id="52" name="直接连接符 51"/>
-            <p:cNvCxnSpPr/>
-            <p:nvPr/>
-          </p:nvCxnSpPr>
-          <p:spPr>
-            <a:xfrm flipV="1">
-              <a:off x="6122381" y="3780580"/>
-              <a:ext cx="0" cy="1026544"/>
-            </a:xfrm>
-            <a:prstGeom prst="line">
-              <a:avLst/>
-            </a:prstGeom>
-            <a:ln w="9525">
-              <a:solidFill>
-                <a:schemeClr val="bg1">
-                  <a:alpha val="0"/>
-                </a:schemeClr>
-              </a:solidFill>
-            </a:ln>
-          </p:spPr>
-          <p:style>
-            <a:lnRef idx="1">
-              <a:schemeClr val="accent1"/>
-            </a:lnRef>
-            <a:fillRef idx="0">
-              <a:schemeClr val="accent1"/>
-            </a:fillRef>
-            <a:effectRef idx="0">
-              <a:schemeClr val="accent1"/>
-            </a:effectRef>
-            <a:fontRef idx="minor">
-              <a:schemeClr val="tx1"/>
-            </a:fontRef>
-          </p:style>
-        </p:cxnSp>
-      </p:grpSp>
-      <p:pic>
-        <p:nvPicPr>
-          <p:cNvPr id="87" name="图形 86"/>
-          <p:cNvPicPr>
-            <a:picLocks noChangeAspect="1"/>
-          </p:cNvPicPr>
-          <p:nvPr/>
-        </p:nvPicPr>
-        <p:blipFill>
-          <a:blip r:embed="rId3">
-            <a:extLst>
-              <a:ext uri="{96DAC541-7B7A-43D3-8B79-37D633B846F1}">
-                <asvg:svgBlip xmlns:asvg="http://schemas.microsoft.com/office/drawing/2016/SVG/main" r:embed="rId4"/>
-              </a:ext>
-            </a:extLst>
-          </a:blip>
-          <a:stretch>
-            <a:fillRect/>
-          </a:stretch>
-        </p:blipFill>
-        <p:spPr>
-          <a:xfrm>
-            <a:off x="5299461" y="2671978"/>
-            <a:ext cx="1450923" cy="1450923"/>
-          </a:xfrm>
-          <a:prstGeom prst="rect">
-            <a:avLst/>
-          </a:prstGeom>
-        </p:spPr>
-      </p:pic>
-      <p:sp>
-        <p:nvSpPr>
-          <p:cNvPr id="9" name="文本框 8"/>
-          <p:cNvSpPr txBox="1"/>
-          <p:nvPr/>
-        </p:nvSpPr>
-        <p:spPr>
-          <a:xfrm>
-            <a:off x="1268056" y="923278"/>
-            <a:ext cx="9358515" cy="307777"/>
-          </a:xfrm>
-          <a:prstGeom prst="rect">
-            <a:avLst/>
-          </a:prstGeom>
-          <a:noFill/>
-        </p:spPr>
-        <p:txBody>
-          <a:bodyPr wrap="square" rtlCol="0">
-            <a:spAutoFit/>
-          </a:bodyPr>
-          <a:lstStyle/>
-          <a:p>
-            <a:r>
-              <a:rPr lang="en-US" altLang="zh-CN" sz="1400" dirty="0"/>
-              <a:t>Cassandra</a:t>
-            </a:r>
-            <a:r>
-              <a:rPr lang="zh-CN" altLang="en-US" sz="1400" dirty="0"/>
-              <a:t>是一个分布式的</a:t>
-            </a:r>
-            <a:r>
-              <a:rPr lang="en-US" altLang="zh-CN" sz="1400" dirty="0"/>
-              <a:t>NoSQL</a:t>
-            </a:r>
-            <a:r>
-              <a:rPr lang="zh-CN" altLang="en-US" sz="1400" dirty="0"/>
-              <a:t>数据库系统，它的设计目的是为了能够处理大规模数据的高可用性和高性能</a:t>
-            </a:r>
-          </a:p>
-        </p:txBody>
-      </p:sp>
-      <p:sp>
-        <p:nvSpPr>
-          <p:cNvPr id="12" name="文本框 11"/>
-          <p:cNvSpPr txBox="1"/>
-          <p:nvPr/>
-        </p:nvSpPr>
-        <p:spPr>
-          <a:xfrm>
-            <a:off x="923548" y="1538266"/>
-            <a:ext cx="10333337" cy="4031873"/>
-          </a:xfrm>
-          <a:prstGeom prst="rect">
-            <a:avLst/>
-          </a:prstGeom>
-          <a:noFill/>
-        </p:spPr>
-        <p:txBody>
-          <a:bodyPr wrap="square" rtlCol="0">
-            <a:spAutoFit/>
-          </a:bodyPr>
-          <a:lstStyle/>
-          <a:p>
-            <a:r>
-              <a:rPr lang="zh-CN" altLang="en-US" sz="1600" dirty="0"/>
-              <a:t>弹性可扩展性 </a:t>
-            </a:r>
-            <a:r>
-              <a:rPr lang="en-US" altLang="zh-CN" sz="1600" dirty="0"/>
-              <a:t>- Cassandra</a:t>
-            </a:r>
-            <a:r>
-              <a:rPr lang="zh-CN" altLang="en-US" sz="1600" dirty="0"/>
-              <a:t>是高度可扩展的</a:t>
-            </a:r>
-            <a:r>
-              <a:rPr lang="en-US" altLang="zh-CN" sz="1600" dirty="0"/>
-              <a:t>; </a:t>
-            </a:r>
-            <a:r>
-              <a:rPr lang="zh-CN" altLang="en-US" sz="1600" dirty="0"/>
-              <a:t>它允许添加更多的硬件以适应更多的客户和更多的数据根据要求。</a:t>
-            </a:r>
-            <a:r>
-              <a:rPr lang="en-US" altLang="zh-CN" sz="1600" dirty="0"/>
-              <a:t>- </a:t>
-            </a:r>
-          </a:p>
-          <a:p>
-            <a:endParaRPr lang="en-US" altLang="zh-CN" sz="1600" dirty="0"/>
-          </a:p>
-          <a:p>
-            <a:r>
-              <a:rPr lang="zh-CN" altLang="en-US" sz="1600" dirty="0"/>
-              <a:t>始终基于架构 </a:t>
-            </a:r>
-            <a:r>
-              <a:rPr lang="en-US" altLang="zh-CN" sz="1600" dirty="0"/>
-              <a:t>- Cassandra</a:t>
-            </a:r>
-            <a:r>
-              <a:rPr lang="zh-CN" altLang="en-US" sz="1600" dirty="0"/>
-              <a:t>没有单点故障，它可以连续用于不能承担故障的关键业务应用程序。</a:t>
-            </a:r>
-            <a:r>
-              <a:rPr lang="en-US" altLang="zh-CN" sz="1600" dirty="0"/>
-              <a:t>- </a:t>
-            </a:r>
-          </a:p>
-          <a:p>
-            <a:endParaRPr lang="en-US" altLang="zh-CN" sz="1600" dirty="0"/>
-          </a:p>
-          <a:p>
-            <a:r>
-              <a:rPr lang="zh-CN" altLang="en-US" sz="1600" dirty="0"/>
-              <a:t>快速线性性能 </a:t>
-            </a:r>
-            <a:r>
-              <a:rPr lang="en-US" altLang="zh-CN" sz="1600" dirty="0"/>
-              <a:t>- Cassandra</a:t>
-            </a:r>
-            <a:r>
-              <a:rPr lang="zh-CN" altLang="en-US" sz="1600" dirty="0"/>
-              <a:t>是线性可扩展性的，即它为你增加集群中的节点数量增加你的吞吐量。因此，保持一个快速的响应时间。</a:t>
-            </a:r>
-            <a:r>
-              <a:rPr lang="en-US" altLang="zh-CN" sz="1600" dirty="0"/>
-              <a:t>- </a:t>
-            </a:r>
-          </a:p>
-          <a:p>
-            <a:endParaRPr lang="en-US" altLang="zh-CN" sz="1600" dirty="0"/>
-          </a:p>
-          <a:p>
-            <a:r>
-              <a:rPr lang="zh-CN" altLang="en-US" sz="1600" dirty="0"/>
-              <a:t>灵活的数据存储 </a:t>
-            </a:r>
-            <a:r>
-              <a:rPr lang="en-US" altLang="zh-CN" sz="1600" dirty="0"/>
-              <a:t>- Cassandra</a:t>
-            </a:r>
-            <a:r>
-              <a:rPr lang="zh-CN" altLang="en-US" sz="1600" dirty="0"/>
-              <a:t>适应所有可能的数据格式，包括：结构化，半结构化和非结构化。它可以根据您的需要动态地适应变化的数据结构。</a:t>
-            </a:r>
-            <a:r>
-              <a:rPr lang="en-US" altLang="zh-CN" sz="1600" dirty="0"/>
-              <a:t>- </a:t>
-            </a:r>
-          </a:p>
-          <a:p>
-            <a:endParaRPr lang="en-US" altLang="zh-CN" sz="1600" dirty="0"/>
-          </a:p>
-          <a:p>
-            <a:r>
-              <a:rPr lang="zh-CN" altLang="en-US" sz="1600" dirty="0"/>
-              <a:t>便捷的数据分发 </a:t>
-            </a:r>
-            <a:r>
-              <a:rPr lang="en-US" altLang="zh-CN" sz="1600" dirty="0"/>
-              <a:t>- Cassandra</a:t>
-            </a:r>
-            <a:r>
-              <a:rPr lang="zh-CN" altLang="en-US" sz="1600" dirty="0"/>
-              <a:t>通过在多个数据中心之间复制数据，可以灵活地在需要时分发数据。</a:t>
-            </a:r>
-            <a:r>
-              <a:rPr lang="en-US" altLang="zh-CN" sz="1600" dirty="0"/>
-              <a:t>- </a:t>
-            </a:r>
-          </a:p>
-          <a:p>
-            <a:endParaRPr lang="en-US" altLang="zh-CN" sz="1600" dirty="0"/>
-          </a:p>
-          <a:p>
-            <a:r>
-              <a:rPr lang="zh-CN" altLang="en-US" sz="1600" dirty="0"/>
-              <a:t>事务支持 </a:t>
-            </a:r>
-            <a:r>
-              <a:rPr lang="en-US" altLang="zh-CN" sz="1600" dirty="0"/>
-              <a:t>- Cassandra</a:t>
-            </a:r>
-            <a:r>
-              <a:rPr lang="zh-CN" altLang="en-US" sz="1600" dirty="0"/>
-              <a:t>支持属性，如原子性，一致性，隔离和持久性（</a:t>
-            </a:r>
-            <a:r>
-              <a:rPr lang="en-US" altLang="zh-CN" sz="1600" dirty="0"/>
-              <a:t>ACID</a:t>
-            </a:r>
-            <a:r>
-              <a:rPr lang="zh-CN" altLang="en-US" sz="1600" dirty="0"/>
-              <a:t>）。</a:t>
-            </a:r>
-            <a:r>
-              <a:rPr lang="en-US" altLang="zh-CN" sz="1600" dirty="0"/>
-              <a:t>- </a:t>
-            </a:r>
-          </a:p>
-          <a:p>
-            <a:endParaRPr lang="en-US" altLang="zh-CN" sz="1600" dirty="0"/>
-          </a:p>
-          <a:p>
-            <a:r>
-              <a:rPr lang="zh-CN" altLang="en-US" sz="1600" dirty="0"/>
-              <a:t>快速写入 </a:t>
-            </a:r>
-            <a:r>
-              <a:rPr lang="en-US" altLang="zh-CN" sz="1600" dirty="0"/>
-              <a:t>- Cassandra</a:t>
-            </a:r>
-            <a:r>
-              <a:rPr lang="zh-CN" altLang="en-US" sz="1600" dirty="0"/>
-              <a:t>被设计为在廉价的商品硬件上运行。 它执行快速写入，并可以存储数百</a:t>
-            </a:r>
-            <a:r>
-              <a:rPr lang="en-US" altLang="zh-CN" sz="1600" dirty="0"/>
-              <a:t>TB</a:t>
-            </a:r>
-            <a:r>
-              <a:rPr lang="zh-CN" altLang="en-US" sz="1600" dirty="0"/>
-              <a:t>的数据，而不牺牲读取效率。</a:t>
-            </a:r>
-          </a:p>
-        </p:txBody>
-      </p:sp>
-    </p:spTree>
-    <p:extLst>
-      <p:ext uri="{BB962C8B-B14F-4D97-AF65-F5344CB8AC3E}">
-        <p14:creationId xmlns:p14="http://schemas.microsoft.com/office/powerpoint/2010/main" val="2031103267"/>
-      </p:ext>
-    </p:extLst>
-  </p:cSld>
-  <p:clrMapOvr>
-    <a:masterClrMapping/>
-  </p:clrMapOvr>
-</p:sld>
+<file path=ppt/tags/tag1.xml><?xml version="1.0" encoding="utf-8"?>
+<p:tagLst xmlns:p="http://schemas.openxmlformats.org/presentationml/2006/main">
+  <p:tag name="KSO_WM_BEAUTIFY_FLAG" val=""/>
+</p:tagLst>
 </file>
 
-<file path=ppt/tags/tag1.xml><?xml version="1.0" encoding="utf-8"?>
-<p:tagLst xmlns:a="http://schemas.openxmlformats.org/drawingml/2006/main" xmlns:r="http://schemas.openxmlformats.org/officeDocument/2006/relationships" xmlns:p="http://schemas.openxmlformats.org/presentationml/2006/main">
+<file path=ppt/tags/tag10.xml><?xml version="1.0" encoding="utf-8"?>
+<p:tagLst xmlns:p="http://schemas.openxmlformats.org/presentationml/2006/main">
+  <p:tag name="KSO_WM_BEAUTIFY_FLAG" val=""/>
+</p:tagLst>
+</file>
+
+<file path=ppt/tags/tag11.xml><?xml version="1.0" encoding="utf-8"?>
+<p:tagLst xmlns:p="http://schemas.openxmlformats.org/presentationml/2006/main">
+  <p:tag name="KSO_WM_BEAUTIFY_FLAG" val=""/>
+</p:tagLst>
+</file>
+
+<file path=ppt/tags/tag12.xml><?xml version="1.0" encoding="utf-8"?>
+<p:tagLst xmlns:p="http://schemas.openxmlformats.org/presentationml/2006/main">
+  <p:tag name="KSO_WM_BEAUTIFY_FLAG" val=""/>
+</p:tagLst>
+</file>
+
+<file path=ppt/tags/tag13.xml><?xml version="1.0" encoding="utf-8"?>
+<p:tagLst xmlns:p="http://schemas.openxmlformats.org/presentationml/2006/main">
   <p:tag name="KSO_WPP_MARK_KEY" val="89bc6004-e073-4f02-b28a-2c315f1fad0a"/>
   <p:tag name="COMMONDATA" val="eyJoZGlkIjoiMWU3ZDQ4MmJiYjA3MDE5NDE3ODAyZDM3N2YzZDFkZDEifQ=="/>
 </p:tagLst>
 </file>
 
 <file path=ppt/tags/tag2.xml><?xml version="1.0" encoding="utf-8"?>
-<p:tagLst xmlns:a="http://schemas.openxmlformats.org/drawingml/2006/main" xmlns:r="http://schemas.openxmlformats.org/officeDocument/2006/relationships" xmlns:p="http://schemas.openxmlformats.org/presentationml/2006/main">
+<p:tagLst xmlns:p="http://schemas.openxmlformats.org/presentationml/2006/main">
   <p:tag name="KSO_WM_BEAUTIFY_FLAG" val=""/>
 </p:tagLst>
 </file>
 
 <file path=ppt/tags/tag3.xml><?xml version="1.0" encoding="utf-8"?>
-<p:tagLst xmlns:a="http://schemas.openxmlformats.org/drawingml/2006/main" xmlns:r="http://schemas.openxmlformats.org/officeDocument/2006/relationships" xmlns:p="http://schemas.openxmlformats.org/presentationml/2006/main">
+<p:tagLst xmlns:p="http://schemas.openxmlformats.org/presentationml/2006/main">
   <p:tag name="KSO_WM_BEAUTIFY_FLAG" val=""/>
 </p:tagLst>
 </file>
 
 <file path=ppt/tags/tag4.xml><?xml version="1.0" encoding="utf-8"?>
-<p:tagLst xmlns:a="http://schemas.openxmlformats.org/drawingml/2006/main" xmlns:r="http://schemas.openxmlformats.org/officeDocument/2006/relationships" xmlns:p="http://schemas.openxmlformats.org/presentationml/2006/main">
+<p:tagLst xmlns:p="http://schemas.openxmlformats.org/presentationml/2006/main">
+  <p:tag name="KSO_WM_BEAUTIFY_FLAG" val=""/>
+</p:tagLst>
+</file>
+
+<file path=ppt/tags/tag5.xml><?xml version="1.0" encoding="utf-8"?>
+<p:tagLst xmlns:p="http://schemas.openxmlformats.org/presentationml/2006/main">
+  <p:tag name="KSO_WM_BEAUTIFY_FLAG" val=""/>
+</p:tagLst>
+</file>
+
+<file path=ppt/tags/tag6.xml><?xml version="1.0" encoding="utf-8"?>
+<p:tagLst xmlns:p="http://schemas.openxmlformats.org/presentationml/2006/main">
+  <p:tag name="KSO_WM_BEAUTIFY_FLAG" val=""/>
+</p:tagLst>
+</file>
+
+<file path=ppt/tags/tag7.xml><?xml version="1.0" encoding="utf-8"?>
+<p:tagLst xmlns:p="http://schemas.openxmlformats.org/presentationml/2006/main">
+  <p:tag name="KSO_WM_BEAUTIFY_FLAG" val=""/>
+</p:tagLst>
+</file>
+
+<file path=ppt/tags/tag8.xml><?xml version="1.0" encoding="utf-8"?>
+<p:tagLst xmlns:p="http://schemas.openxmlformats.org/presentationml/2006/main">
+  <p:tag name="KSO_WM_BEAUTIFY_FLAG" val=""/>
+</p:tagLst>
+</file>
+
+<file path=ppt/tags/tag9.xml><?xml version="1.0" encoding="utf-8"?>
+<p:tagLst xmlns:p="http://schemas.openxmlformats.org/presentationml/2006/main">
   <p:tag name="KSO_WM_BEAUTIFY_FLAG" val=""/>
 </p:tagLst>
 </file>
@@ -47729,8 +48355,6 @@
       </a:bgFillStyleLst>
     </a:fmtScheme>
   </a:themeElements>
-  <a:objectDefaults/>
-  <a:extraClrSchemeLst/>
   <a:extLst>
     <a:ext uri="{05A4C25C-085E-4340-85A3-A5531E510DB2}">
       <thm15:themeFamily xmlns:thm15="http://schemas.microsoft.com/office/thememl/2012/main" name="Office Theme" id="{62F939B6-93AF-4DB8-9C6B-D6C7DFDC589F}" vid="{4A3C46E8-61CC-4603-A589-7422A47A8E4A}"/>
@@ -47990,8 +48614,6 @@
       </a:bgFillStyleLst>
     </a:fmtScheme>
   </a:themeElements>
-  <a:objectDefaults/>
-  <a:extraClrSchemeLst/>
   <a:extLst>
     <a:ext uri="{05A4C25C-085E-4340-85A3-A5531E510DB2}">
       <thm15:themeFamily xmlns:thm15="http://schemas.microsoft.com/office/thememl/2012/main" name="Office Theme" id="{62F939B6-93AF-4DB8-9C6B-D6C7DFDC589F}" vid="{4A3C46E8-61CC-4603-A589-7422A47A8E4A}"/>
@@ -48251,8 +48873,6 @@
       </a:bgFillStyleLst>
     </a:fmtScheme>
   </a:themeElements>
-  <a:objectDefaults/>
-  <a:extraClrSchemeLst/>
   <a:extLst>
     <a:ext uri="{05A4C25C-085E-4340-85A3-A5531E510DB2}">
       <thm15:themeFamily xmlns:thm15="http://schemas.microsoft.com/office/thememl/2012/main" name="Office Theme" id="{62F939B6-93AF-4DB8-9C6B-D6C7DFDC589F}" vid="{4A3C46E8-61CC-4603-A589-7422A47A8E4A}"/>
